--- a/01 Presentacion/INFO1_MOD4-Algoritmos_y_Diagramas.pptx
+++ b/01 Presentacion/INFO1_MOD4-Algoritmos_y_Diagramas.pptx
@@ -16,6 +16,26 @@
     <p:sldId id="264" r:id="rId10"/>
     <p:sldId id="265" r:id="rId11"/>
     <p:sldId id="266" r:id="rId12"/>
+    <p:sldId id="267" r:id="rId13"/>
+    <p:sldId id="268" r:id="rId14"/>
+    <p:sldId id="269" r:id="rId15"/>
+    <p:sldId id="270" r:id="rId16"/>
+    <p:sldId id="271" r:id="rId17"/>
+    <p:sldId id="272" r:id="rId18"/>
+    <p:sldId id="274" r:id="rId19"/>
+    <p:sldId id="273" r:id="rId20"/>
+    <p:sldId id="275" r:id="rId21"/>
+    <p:sldId id="276" r:id="rId22"/>
+    <p:sldId id="277" r:id="rId23"/>
+    <p:sldId id="278" r:id="rId24"/>
+    <p:sldId id="279" r:id="rId25"/>
+    <p:sldId id="280" r:id="rId26"/>
+    <p:sldId id="281" r:id="rId27"/>
+    <p:sldId id="282" r:id="rId28"/>
+    <p:sldId id="283" r:id="rId29"/>
+    <p:sldId id="284" r:id="rId30"/>
+    <p:sldId id="285" r:id="rId31"/>
+    <p:sldId id="286" r:id="rId32"/>
   </p:sldIdLst>
   <p:sldSz cx="12192000" cy="6858000"/>
   <p:notesSz cx="6858000" cy="9144000"/>
@@ -287,7 +307,7 @@
             <a:fld id="{A8CFC892-7674-4263-9B21-5444F469832B}" type="datetimeFigureOut">
               <a:rPr lang="en-US" smtClean="0"/>
               <a:pPr/>
-              <a:t>9/18/2019</a:t>
+              <a:t>9/19/2019</a:t>
             </a:fld>
             <a:endParaRPr lang="en-US"/>
           </a:p>
@@ -854,7 +874,7 @@
           <a:p>
             <a:fld id="{A8CFC892-7674-4263-9B21-5444F469832B}" type="datetimeFigureOut">
               <a:rPr lang="en-US" smtClean="0"/>
-              <a:t>9/18/2019</a:t>
+              <a:t>9/19/2019</a:t>
             </a:fld>
             <a:endParaRPr lang="en-US"/>
           </a:p>
@@ -1013,6 +1033,131 @@
           <a:chExt cx="0" cy="0"/>
         </a:xfrm>
       </p:grpSpPr>
+      <p:sp>
+        <p:nvSpPr>
+          <p:cNvPr id="2" name="Title 1">
+            <a:extLst>
+              <a:ext uri="{FF2B5EF4-FFF2-40B4-BE49-F238E27FC236}">
+                <a16:creationId xmlns:a16="http://schemas.microsoft.com/office/drawing/2014/main" id="{CA456618-9911-44F8-BA35-1BA350D6609F}"/>
+              </a:ext>
+            </a:extLst>
+          </p:cNvPr>
+          <p:cNvSpPr>
+            <a:spLocks noGrp="1"/>
+          </p:cNvSpPr>
+          <p:nvPr>
+            <p:ph type="title"/>
+          </p:nvPr>
+        </p:nvSpPr>
+        <p:spPr>
+          <a:xfrm>
+            <a:off x="838200" y="203958"/>
+            <a:ext cx="5435009" cy="954157"/>
+          </a:xfrm>
+        </p:spPr>
+        <p:txBody>
+          <a:bodyPr/>
+          <a:lstStyle/>
+          <a:p>
+            <a:r>
+              <a:rPr lang="en-US" dirty="0"/>
+              <a:t>Click to edit Master title style</a:t>
+            </a:r>
+          </a:p>
+        </p:txBody>
+      </p:sp>
+      <p:sp>
+        <p:nvSpPr>
+          <p:cNvPr id="4" name="Text Placeholder 3">
+            <a:extLst>
+              <a:ext uri="{FF2B5EF4-FFF2-40B4-BE49-F238E27FC236}">
+                <a16:creationId xmlns:a16="http://schemas.microsoft.com/office/drawing/2014/main" id="{67EC8E75-46A0-49A5-A941-6E55AB831C58}"/>
+              </a:ext>
+            </a:extLst>
+          </p:cNvPr>
+          <p:cNvSpPr>
+            <a:spLocks noGrp="1"/>
+          </p:cNvSpPr>
+          <p:nvPr>
+            <p:ph type="body" sz="quarter" idx="10"/>
+          </p:nvPr>
+        </p:nvSpPr>
+        <p:spPr>
+          <a:xfrm>
+            <a:off x="838200" y="1328738"/>
+            <a:ext cx="5435600" cy="5230812"/>
+          </a:xfrm>
+        </p:spPr>
+        <p:txBody>
+          <a:bodyPr/>
+          <a:lstStyle/>
+          <a:p>
+            <a:pPr lvl="0"/>
+            <a:r>
+              <a:rPr lang="en-US" dirty="0"/>
+              <a:t>Click to edit Master text styles</a:t>
+            </a:r>
+          </a:p>
+          <a:p>
+            <a:pPr lvl="1"/>
+            <a:r>
+              <a:rPr lang="en-US" dirty="0"/>
+              <a:t>Second level</a:t>
+            </a:r>
+          </a:p>
+          <a:p>
+            <a:pPr lvl="2"/>
+            <a:r>
+              <a:rPr lang="en-US" dirty="0"/>
+              <a:t>Third level</a:t>
+            </a:r>
+          </a:p>
+          <a:p>
+            <a:pPr lvl="3"/>
+            <a:r>
+              <a:rPr lang="en-US" dirty="0"/>
+              <a:t>Fourth level</a:t>
+            </a:r>
+          </a:p>
+          <a:p>
+            <a:pPr lvl="4"/>
+            <a:r>
+              <a:rPr lang="en-US" dirty="0"/>
+              <a:t>Fifth level</a:t>
+            </a:r>
+          </a:p>
+        </p:txBody>
+      </p:sp>
+      <p:sp>
+        <p:nvSpPr>
+          <p:cNvPr id="6" name="Picture Placeholder 5">
+            <a:extLst>
+              <a:ext uri="{FF2B5EF4-FFF2-40B4-BE49-F238E27FC236}">
+                <a16:creationId xmlns:a16="http://schemas.microsoft.com/office/drawing/2014/main" id="{FA6984AD-6AC0-4A99-87ED-54B93282F6B6}"/>
+              </a:ext>
+            </a:extLst>
+          </p:cNvPr>
+          <p:cNvSpPr>
+            <a:spLocks noGrp="1"/>
+          </p:cNvSpPr>
+          <p:nvPr>
+            <p:ph type="pic" sz="quarter" idx="11"/>
+          </p:nvPr>
+        </p:nvSpPr>
+        <p:spPr>
+          <a:xfrm>
+            <a:off x="6538913" y="203200"/>
+            <a:ext cx="5049837" cy="6356350"/>
+          </a:xfrm>
+        </p:spPr>
+        <p:txBody>
+          <a:bodyPr/>
+          <a:lstStyle/>
+          <a:p>
+            <a:endParaRPr lang="en-US"/>
+          </a:p>
+        </p:txBody>
+      </p:sp>
     </p:spTree>
     <p:extLst>
       <p:ext uri="{BB962C8B-B14F-4D97-AF65-F5344CB8AC3E}">
@@ -1196,7 +1341,7 @@
             <a:fld id="{A8CFC892-7674-4263-9B21-5444F469832B}" type="datetimeFigureOut">
               <a:rPr lang="en-US" smtClean="0"/>
               <a:pPr/>
-              <a:t>9/18/2019</a:t>
+              <a:t>9/19/2019</a:t>
             </a:fld>
             <a:endParaRPr lang="en-US"/>
           </a:p>
@@ -3384,6 +3529,2568 @@
 </p:sld>
 </file>
 
+<file path=ppt/slides/slide12.xml><?xml version="1.0" encoding="utf-8"?>
+<p:sld xmlns:a="http://schemas.openxmlformats.org/drawingml/2006/main" xmlns:r="http://schemas.openxmlformats.org/officeDocument/2006/relationships" xmlns:p="http://schemas.openxmlformats.org/presentationml/2006/main">
+  <p:cSld>
+    <p:spTree>
+      <p:nvGrpSpPr>
+        <p:cNvPr id="1" name=""/>
+        <p:cNvGrpSpPr/>
+        <p:nvPr/>
+      </p:nvGrpSpPr>
+      <p:grpSpPr>
+        <a:xfrm>
+          <a:off x="0" y="0"/>
+          <a:ext cx="0" cy="0"/>
+          <a:chOff x="0" y="0"/>
+          <a:chExt cx="0" cy="0"/>
+        </a:xfrm>
+      </p:grpSpPr>
+      <p:sp>
+        <p:nvSpPr>
+          <p:cNvPr id="2" name="Title 1">
+            <a:extLst>
+              <a:ext uri="{FF2B5EF4-FFF2-40B4-BE49-F238E27FC236}">
+                <a16:creationId xmlns:a16="http://schemas.microsoft.com/office/drawing/2014/main" id="{4A5C6FCB-25E6-482A-B57D-42C7CF742006}"/>
+              </a:ext>
+            </a:extLst>
+          </p:cNvPr>
+          <p:cNvSpPr>
+            <a:spLocks noGrp="1"/>
+          </p:cNvSpPr>
+          <p:nvPr>
+            <p:ph type="title"/>
+          </p:nvPr>
+        </p:nvSpPr>
+        <p:spPr/>
+        <p:txBody>
+          <a:bodyPr/>
+          <a:lstStyle/>
+          <a:p>
+            <a:r>
+              <a:rPr lang="es-MX" dirty="0"/>
+              <a:t>Diseño de algoritmos</a:t>
+            </a:r>
+            <a:endParaRPr lang="en-US" dirty="0"/>
+          </a:p>
+        </p:txBody>
+      </p:sp>
+      <p:sp>
+        <p:nvSpPr>
+          <p:cNvPr id="3" name="Content Placeholder 2">
+            <a:extLst>
+              <a:ext uri="{FF2B5EF4-FFF2-40B4-BE49-F238E27FC236}">
+                <a16:creationId xmlns:a16="http://schemas.microsoft.com/office/drawing/2014/main" id="{B61A62DC-6504-480F-95F2-41A42B880CF6}"/>
+              </a:ext>
+            </a:extLst>
+          </p:cNvPr>
+          <p:cNvSpPr>
+            <a:spLocks noGrp="1"/>
+          </p:cNvSpPr>
+          <p:nvPr>
+            <p:ph idx="1"/>
+          </p:nvPr>
+        </p:nvSpPr>
+        <p:spPr>
+          <a:xfrm>
+            <a:off x="838199" y="1158114"/>
+            <a:ext cx="11095381" cy="5329771"/>
+          </a:xfrm>
+        </p:spPr>
+        <p:txBody>
+          <a:bodyPr>
+            <a:normAutofit/>
+          </a:bodyPr>
+          <a:lstStyle/>
+          <a:p>
+            <a:pPr marL="0" indent="0">
+              <a:buNone/>
+            </a:pPr>
+            <a:r>
+              <a:rPr lang="es-MX" sz="3600" dirty="0"/>
+              <a:t>La computadora no debe entender el algoritmo, mientras pueda ejecutarlo. </a:t>
+            </a:r>
+          </a:p>
+          <a:p>
+            <a:pPr marL="0" indent="0">
+              <a:buNone/>
+            </a:pPr>
+            <a:endParaRPr lang="es-MX" sz="3600" dirty="0"/>
+          </a:p>
+          <a:p>
+            <a:pPr marL="0" indent="0">
+              <a:buNone/>
+            </a:pPr>
+            <a:r>
+              <a:rPr lang="es-MX" sz="3600" dirty="0"/>
+              <a:t>Un buen </a:t>
+            </a:r>
+            <a:r>
+              <a:rPr lang="es-MX" sz="3600" b="1" dirty="0">
+                <a:solidFill>
+                  <a:schemeClr val="accent1"/>
+                </a:solidFill>
+              </a:rPr>
+              <a:t>programador</a:t>
+            </a:r>
+            <a:r>
+              <a:rPr lang="es-MX" sz="3600" dirty="0">
+                <a:solidFill>
+                  <a:schemeClr val="accent1"/>
+                </a:solidFill>
+              </a:rPr>
+              <a:t> </a:t>
+            </a:r>
+            <a:r>
+              <a:rPr lang="es-MX" sz="3600" dirty="0"/>
+              <a:t>debe dominar todos los aspectos y detalles del algoritmo para poderlo programar.</a:t>
+            </a:r>
+            <a:endParaRPr lang="en-US" sz="3600" dirty="0"/>
+          </a:p>
+          <a:p>
+            <a:pPr marL="0" indent="0">
+              <a:buNone/>
+            </a:pPr>
+            <a:endParaRPr lang="es-MX" sz="3600" dirty="0"/>
+          </a:p>
+          <a:p>
+            <a:pPr marL="0" indent="0">
+              <a:buNone/>
+            </a:pPr>
+            <a:r>
+              <a:rPr lang="es-MX" sz="3600" dirty="0"/>
+              <a:t>El trabajo de un programador es </a:t>
+            </a:r>
+            <a:r>
+              <a:rPr lang="es-MX" sz="3600" b="1" dirty="0">
+                <a:solidFill>
+                  <a:schemeClr val="accent1"/>
+                </a:solidFill>
+              </a:rPr>
+              <a:t>convertir las instrucciones de un algoritmo en código.</a:t>
+            </a:r>
+            <a:endParaRPr lang="es-MX" sz="3600" b="1" dirty="0"/>
+          </a:p>
+        </p:txBody>
+      </p:sp>
+    </p:spTree>
+    <p:extLst>
+      <p:ext uri="{BB962C8B-B14F-4D97-AF65-F5344CB8AC3E}">
+        <p14:creationId xmlns:p14="http://schemas.microsoft.com/office/powerpoint/2010/main" val="997814641"/>
+      </p:ext>
+    </p:extLst>
+  </p:cSld>
+  <p:clrMapOvr>
+    <a:masterClrMapping/>
+  </p:clrMapOvr>
+  <p:timing>
+    <p:tnLst>
+      <p:par>
+        <p:cTn id="1" dur="indefinite" restart="never" nodeType="tmRoot">
+          <p:childTnLst>
+            <p:seq concurrent="1" nextAc="seek">
+              <p:cTn id="2" dur="indefinite" nodeType="mainSeq">
+                <p:childTnLst>
+                  <p:par>
+                    <p:cTn id="3" fill="hold">
+                      <p:stCondLst>
+                        <p:cond delay="indefinite"/>
+                      </p:stCondLst>
+                      <p:childTnLst>
+                        <p:par>
+                          <p:cTn id="4" fill="hold">
+                            <p:stCondLst>
+                              <p:cond delay="0"/>
+                            </p:stCondLst>
+                            <p:childTnLst>
+                              <p:par>
+                                <p:cTn id="5" presetID="1" presetClass="entr" presetSubtype="0" fill="hold" nodeType="clickEffect">
+                                  <p:stCondLst>
+                                    <p:cond delay="0"/>
+                                  </p:stCondLst>
+                                  <p:childTnLst>
+                                    <p:set>
+                                      <p:cBhvr>
+                                        <p:cTn id="6" dur="1" fill="hold">
+                                          <p:stCondLst>
+                                            <p:cond delay="0"/>
+                                          </p:stCondLst>
+                                        </p:cTn>
+                                        <p:tgtEl>
+                                          <p:spTgt spid="3">
+                                            <p:txEl>
+                                              <p:pRg st="0" end="0"/>
+                                            </p:txEl>
+                                          </p:spTgt>
+                                        </p:tgtEl>
+                                        <p:attrNameLst>
+                                          <p:attrName>style.visibility</p:attrName>
+                                        </p:attrNameLst>
+                                      </p:cBhvr>
+                                      <p:to>
+                                        <p:strVal val="visible"/>
+                                      </p:to>
+                                    </p:set>
+                                  </p:childTnLst>
+                                </p:cTn>
+                              </p:par>
+                            </p:childTnLst>
+                          </p:cTn>
+                        </p:par>
+                      </p:childTnLst>
+                    </p:cTn>
+                  </p:par>
+                  <p:par>
+                    <p:cTn id="7" fill="hold">
+                      <p:stCondLst>
+                        <p:cond delay="indefinite"/>
+                      </p:stCondLst>
+                      <p:childTnLst>
+                        <p:par>
+                          <p:cTn id="8" fill="hold">
+                            <p:stCondLst>
+                              <p:cond delay="0"/>
+                            </p:stCondLst>
+                            <p:childTnLst>
+                              <p:par>
+                                <p:cTn id="9" presetID="1" presetClass="entr" presetSubtype="0" fill="hold" nodeType="clickEffect">
+                                  <p:stCondLst>
+                                    <p:cond delay="0"/>
+                                  </p:stCondLst>
+                                  <p:childTnLst>
+                                    <p:set>
+                                      <p:cBhvr>
+                                        <p:cTn id="10" dur="1" fill="hold">
+                                          <p:stCondLst>
+                                            <p:cond delay="0"/>
+                                          </p:stCondLst>
+                                        </p:cTn>
+                                        <p:tgtEl>
+                                          <p:spTgt spid="3">
+                                            <p:txEl>
+                                              <p:pRg st="2" end="2"/>
+                                            </p:txEl>
+                                          </p:spTgt>
+                                        </p:tgtEl>
+                                        <p:attrNameLst>
+                                          <p:attrName>style.visibility</p:attrName>
+                                        </p:attrNameLst>
+                                      </p:cBhvr>
+                                      <p:to>
+                                        <p:strVal val="visible"/>
+                                      </p:to>
+                                    </p:set>
+                                  </p:childTnLst>
+                                </p:cTn>
+                              </p:par>
+                            </p:childTnLst>
+                          </p:cTn>
+                        </p:par>
+                      </p:childTnLst>
+                    </p:cTn>
+                  </p:par>
+                  <p:par>
+                    <p:cTn id="11" fill="hold">
+                      <p:stCondLst>
+                        <p:cond delay="indefinite"/>
+                      </p:stCondLst>
+                      <p:childTnLst>
+                        <p:par>
+                          <p:cTn id="12" fill="hold">
+                            <p:stCondLst>
+                              <p:cond delay="0"/>
+                            </p:stCondLst>
+                            <p:childTnLst>
+                              <p:par>
+                                <p:cTn id="13" presetID="1" presetClass="entr" presetSubtype="0" fill="hold" nodeType="clickEffect">
+                                  <p:stCondLst>
+                                    <p:cond delay="0"/>
+                                  </p:stCondLst>
+                                  <p:childTnLst>
+                                    <p:set>
+                                      <p:cBhvr>
+                                        <p:cTn id="14" dur="1" fill="hold">
+                                          <p:stCondLst>
+                                            <p:cond delay="0"/>
+                                          </p:stCondLst>
+                                        </p:cTn>
+                                        <p:tgtEl>
+                                          <p:spTgt spid="3">
+                                            <p:txEl>
+                                              <p:pRg st="4" end="4"/>
+                                            </p:txEl>
+                                          </p:spTgt>
+                                        </p:tgtEl>
+                                        <p:attrNameLst>
+                                          <p:attrName>style.visibility</p:attrName>
+                                        </p:attrNameLst>
+                                      </p:cBhvr>
+                                      <p:to>
+                                        <p:strVal val="visible"/>
+                                      </p:to>
+                                    </p:set>
+                                  </p:childTnLst>
+                                </p:cTn>
+                              </p:par>
+                            </p:childTnLst>
+                          </p:cTn>
+                        </p:par>
+                      </p:childTnLst>
+                    </p:cTn>
+                  </p:par>
+                </p:childTnLst>
+              </p:cTn>
+              <p:prevCondLst>
+                <p:cond evt="onPrev" delay="0">
+                  <p:tgtEl>
+                    <p:sldTgt/>
+                  </p:tgtEl>
+                </p:cond>
+              </p:prevCondLst>
+              <p:nextCondLst>
+                <p:cond evt="onNext" delay="0">
+                  <p:tgtEl>
+                    <p:sldTgt/>
+                  </p:tgtEl>
+                </p:cond>
+              </p:nextCondLst>
+            </p:seq>
+          </p:childTnLst>
+        </p:cTn>
+      </p:par>
+    </p:tnLst>
+  </p:timing>
+</p:sld>
+</file>
+
+<file path=ppt/slides/slide13.xml><?xml version="1.0" encoding="utf-8"?>
+<p:sld xmlns:a="http://schemas.openxmlformats.org/drawingml/2006/main" xmlns:r="http://schemas.openxmlformats.org/officeDocument/2006/relationships" xmlns:p="http://schemas.openxmlformats.org/presentationml/2006/main">
+  <p:cSld>
+    <p:spTree>
+      <p:nvGrpSpPr>
+        <p:cNvPr id="1" name=""/>
+        <p:cNvGrpSpPr/>
+        <p:nvPr/>
+      </p:nvGrpSpPr>
+      <p:grpSpPr>
+        <a:xfrm>
+          <a:off x="0" y="0"/>
+          <a:ext cx="0" cy="0"/>
+          <a:chOff x="0" y="0"/>
+          <a:chExt cx="0" cy="0"/>
+        </a:xfrm>
+      </p:grpSpPr>
+      <p:pic>
+        <p:nvPicPr>
+          <p:cNvPr id="1026" name="Picture 2" descr="Image result for creativo">
+            <a:extLst>
+              <a:ext uri="{FF2B5EF4-FFF2-40B4-BE49-F238E27FC236}">
+                <a16:creationId xmlns:a16="http://schemas.microsoft.com/office/drawing/2014/main" id="{22536C4F-6F7F-4804-923F-95A1D46255EF}"/>
+              </a:ext>
+            </a:extLst>
+          </p:cNvPr>
+          <p:cNvPicPr>
+            <a:picLocks noChangeAspect="1" noChangeArrowheads="1"/>
+          </p:cNvPicPr>
+          <p:nvPr/>
+        </p:nvPicPr>
+        <p:blipFill rotWithShape="1">
+          <a:blip r:embed="rId2">
+            <a:extLst>
+              <a:ext uri="{28A0092B-C50C-407E-A947-70E740481C1C}">
+                <a14:useLocalDpi xmlns:a14="http://schemas.microsoft.com/office/drawing/2010/main" val="0"/>
+              </a:ext>
+            </a:extLst>
+          </a:blip>
+          <a:srcRect l="44019" t="9941" r="14999" b="14454"/>
+          <a:stretch/>
+        </p:blipFill>
+        <p:spPr bwMode="auto">
+          <a:xfrm flipH="1">
+            <a:off x="751116" y="1360713"/>
+            <a:ext cx="4996541" cy="4376057"/>
+          </a:xfrm>
+          <a:prstGeom prst="rect">
+            <a:avLst/>
+          </a:prstGeom>
+          <a:noFill/>
+          <a:extLst>
+            <a:ext uri="{909E8E84-426E-40DD-AFC4-6F175D3DCCD1}">
+              <a14:hiddenFill xmlns:a14="http://schemas.microsoft.com/office/drawing/2010/main">
+                <a:solidFill>
+                  <a:srgbClr val="FFFFFF"/>
+                </a:solidFill>
+              </a14:hiddenFill>
+            </a:ext>
+          </a:extLst>
+        </p:spPr>
+      </p:pic>
+      <p:sp>
+        <p:nvSpPr>
+          <p:cNvPr id="4" name="Title 1">
+            <a:extLst>
+              <a:ext uri="{FF2B5EF4-FFF2-40B4-BE49-F238E27FC236}">
+                <a16:creationId xmlns:a16="http://schemas.microsoft.com/office/drawing/2014/main" id="{7D4EDFB4-267B-47D0-B6F9-542BD156FA16}"/>
+              </a:ext>
+            </a:extLst>
+          </p:cNvPr>
+          <p:cNvSpPr txBox="1">
+            <a:spLocks/>
+          </p:cNvSpPr>
+          <p:nvPr/>
+        </p:nvSpPr>
+        <p:spPr>
+          <a:xfrm>
+            <a:off x="5889170" y="192537"/>
+            <a:ext cx="6302829" cy="3236463"/>
+          </a:xfrm>
+          <a:prstGeom prst="rect">
+            <a:avLst/>
+          </a:prstGeom>
+        </p:spPr>
+        <p:txBody>
+          <a:bodyPr/>
+          <a:lstStyle>
+            <a:lvl1pPr algn="l" defTabSz="914400" rtl="0" eaLnBrk="1" latinLnBrk="0" hangingPunct="1">
+              <a:lnSpc>
+                <a:spcPct val="90000"/>
+              </a:lnSpc>
+              <a:spcBef>
+                <a:spcPct val="0"/>
+              </a:spcBef>
+              <a:buNone/>
+              <a:defRPr sz="4400" b="1" kern="1200">
+                <a:solidFill>
+                  <a:schemeClr val="accent2"/>
+                </a:solidFill>
+                <a:latin typeface="Ubuntu" panose="020B0504030602030204" pitchFamily="34" charset="0"/>
+                <a:ea typeface="+mj-ea"/>
+                <a:cs typeface="Arial" panose="020B0604020202020204" pitchFamily="34" charset="0"/>
+              </a:defRPr>
+            </a:lvl1pPr>
+          </a:lstStyle>
+          <a:p>
+            <a:pPr algn="ctr"/>
+            <a:r>
+              <a:rPr lang="es-MX" sz="5400" i="1" dirty="0"/>
+              <a:t>Diseñar un algoritmo es trabajo altamente creativo</a:t>
+            </a:r>
+            <a:endParaRPr lang="en-US" sz="5400" i="1" dirty="0"/>
+          </a:p>
+        </p:txBody>
+      </p:sp>
+      <p:sp>
+        <p:nvSpPr>
+          <p:cNvPr id="5" name="Title 1">
+            <a:extLst>
+              <a:ext uri="{FF2B5EF4-FFF2-40B4-BE49-F238E27FC236}">
+                <a16:creationId xmlns:a16="http://schemas.microsoft.com/office/drawing/2014/main" id="{CC4C4BA6-34AC-4EF9-8375-5FA141498484}"/>
+              </a:ext>
+            </a:extLst>
+          </p:cNvPr>
+          <p:cNvSpPr txBox="1">
+            <a:spLocks/>
+          </p:cNvSpPr>
+          <p:nvPr/>
+        </p:nvSpPr>
+        <p:spPr>
+          <a:xfrm>
+            <a:off x="5638799" y="3429000"/>
+            <a:ext cx="6444343" cy="3236463"/>
+          </a:xfrm>
+          <a:prstGeom prst="rect">
+            <a:avLst/>
+          </a:prstGeom>
+        </p:spPr>
+        <p:txBody>
+          <a:bodyPr/>
+          <a:lstStyle>
+            <a:lvl1pPr algn="l" defTabSz="914400" rtl="0" eaLnBrk="1" latinLnBrk="0" hangingPunct="1">
+              <a:lnSpc>
+                <a:spcPct val="90000"/>
+              </a:lnSpc>
+              <a:spcBef>
+                <a:spcPct val="0"/>
+              </a:spcBef>
+              <a:buNone/>
+              <a:defRPr sz="4400" b="1" kern="1200">
+                <a:solidFill>
+                  <a:schemeClr val="accent2"/>
+                </a:solidFill>
+                <a:latin typeface="Ubuntu" panose="020B0504030602030204" pitchFamily="34" charset="0"/>
+                <a:ea typeface="+mj-ea"/>
+                <a:cs typeface="Arial" panose="020B0604020202020204" pitchFamily="34" charset="0"/>
+              </a:defRPr>
+            </a:lvl1pPr>
+          </a:lstStyle>
+          <a:p>
+            <a:pPr algn="ctr"/>
+            <a:endParaRPr lang="en-US" sz="5400" i="1" dirty="0">
+              <a:solidFill>
+                <a:schemeClr val="accent1"/>
+              </a:solidFill>
+            </a:endParaRPr>
+          </a:p>
+        </p:txBody>
+      </p:sp>
+      <p:sp>
+        <p:nvSpPr>
+          <p:cNvPr id="6" name="Title 1">
+            <a:extLst>
+              <a:ext uri="{FF2B5EF4-FFF2-40B4-BE49-F238E27FC236}">
+                <a16:creationId xmlns:a16="http://schemas.microsoft.com/office/drawing/2014/main" id="{59C04B33-709A-4588-A750-17794F1A21F9}"/>
+              </a:ext>
+            </a:extLst>
+          </p:cNvPr>
+          <p:cNvSpPr txBox="1">
+            <a:spLocks/>
+          </p:cNvSpPr>
+          <p:nvPr/>
+        </p:nvSpPr>
+        <p:spPr>
+          <a:xfrm>
+            <a:off x="5834741" y="4078737"/>
+            <a:ext cx="6302829" cy="2779263"/>
+          </a:xfrm>
+          <a:prstGeom prst="rect">
+            <a:avLst/>
+          </a:prstGeom>
+        </p:spPr>
+        <p:txBody>
+          <a:bodyPr/>
+          <a:lstStyle>
+            <a:lvl1pPr algn="l" defTabSz="914400" rtl="0" eaLnBrk="1" latinLnBrk="0" hangingPunct="1">
+              <a:lnSpc>
+                <a:spcPct val="90000"/>
+              </a:lnSpc>
+              <a:spcBef>
+                <a:spcPct val="0"/>
+              </a:spcBef>
+              <a:buNone/>
+              <a:defRPr sz="4400" b="1" kern="1200">
+                <a:solidFill>
+                  <a:schemeClr val="accent2"/>
+                </a:solidFill>
+                <a:latin typeface="Ubuntu" panose="020B0504030602030204" pitchFamily="34" charset="0"/>
+                <a:ea typeface="+mj-ea"/>
+                <a:cs typeface="Arial" panose="020B0604020202020204" pitchFamily="34" charset="0"/>
+              </a:defRPr>
+            </a:lvl1pPr>
+          </a:lstStyle>
+          <a:p>
+            <a:pPr algn="ctr"/>
+            <a:r>
+              <a:rPr lang="es-MX" sz="4800" i="1" dirty="0">
+                <a:solidFill>
+                  <a:schemeClr val="accent1"/>
+                </a:solidFill>
+              </a:rPr>
+              <a:t>¡Es detallar algo complicado de una forma lógica y sencilla!</a:t>
+            </a:r>
+            <a:endParaRPr lang="en-US" sz="4800" i="1" dirty="0">
+              <a:solidFill>
+                <a:schemeClr val="accent1"/>
+              </a:solidFill>
+            </a:endParaRPr>
+          </a:p>
+        </p:txBody>
+      </p:sp>
+    </p:spTree>
+    <p:extLst>
+      <p:ext uri="{BB962C8B-B14F-4D97-AF65-F5344CB8AC3E}">
+        <p14:creationId xmlns:p14="http://schemas.microsoft.com/office/powerpoint/2010/main" val="3206956812"/>
+      </p:ext>
+    </p:extLst>
+  </p:cSld>
+  <p:clrMapOvr>
+    <a:masterClrMapping/>
+  </p:clrMapOvr>
+  <p:timing>
+    <p:tnLst>
+      <p:par>
+        <p:cTn id="1" dur="indefinite" restart="never" nodeType="tmRoot">
+          <p:childTnLst>
+            <p:seq concurrent="1" nextAc="seek">
+              <p:cTn id="2" dur="indefinite" nodeType="mainSeq">
+                <p:childTnLst>
+                  <p:par>
+                    <p:cTn id="3" fill="hold">
+                      <p:stCondLst>
+                        <p:cond delay="indefinite"/>
+                      </p:stCondLst>
+                      <p:childTnLst>
+                        <p:par>
+                          <p:cTn id="4" fill="hold">
+                            <p:stCondLst>
+                              <p:cond delay="0"/>
+                            </p:stCondLst>
+                            <p:childTnLst>
+                              <p:par>
+                                <p:cTn id="5" presetID="2" presetClass="entr" presetSubtype="4" fill="hold" grpId="0" nodeType="clickEffect">
+                                  <p:stCondLst>
+                                    <p:cond delay="0"/>
+                                  </p:stCondLst>
+                                  <p:childTnLst>
+                                    <p:set>
+                                      <p:cBhvr>
+                                        <p:cTn id="6" dur="1" fill="hold">
+                                          <p:stCondLst>
+                                            <p:cond delay="0"/>
+                                          </p:stCondLst>
+                                        </p:cTn>
+                                        <p:tgtEl>
+                                          <p:spTgt spid="6"/>
+                                        </p:tgtEl>
+                                        <p:attrNameLst>
+                                          <p:attrName>style.visibility</p:attrName>
+                                        </p:attrNameLst>
+                                      </p:cBhvr>
+                                      <p:to>
+                                        <p:strVal val="visible"/>
+                                      </p:to>
+                                    </p:set>
+                                    <p:anim calcmode="lin" valueType="num">
+                                      <p:cBhvr additive="base">
+                                        <p:cTn id="7" dur="500" fill="hold"/>
+                                        <p:tgtEl>
+                                          <p:spTgt spid="6"/>
+                                        </p:tgtEl>
+                                        <p:attrNameLst>
+                                          <p:attrName>ppt_x</p:attrName>
+                                        </p:attrNameLst>
+                                      </p:cBhvr>
+                                      <p:tavLst>
+                                        <p:tav tm="0">
+                                          <p:val>
+                                            <p:strVal val="#ppt_x"/>
+                                          </p:val>
+                                        </p:tav>
+                                        <p:tav tm="100000">
+                                          <p:val>
+                                            <p:strVal val="#ppt_x"/>
+                                          </p:val>
+                                        </p:tav>
+                                      </p:tavLst>
+                                    </p:anim>
+                                    <p:anim calcmode="lin" valueType="num">
+                                      <p:cBhvr additive="base">
+                                        <p:cTn id="8" dur="500" fill="hold"/>
+                                        <p:tgtEl>
+                                          <p:spTgt spid="6"/>
+                                        </p:tgtEl>
+                                        <p:attrNameLst>
+                                          <p:attrName>ppt_y</p:attrName>
+                                        </p:attrNameLst>
+                                      </p:cBhvr>
+                                      <p:tavLst>
+                                        <p:tav tm="0">
+                                          <p:val>
+                                            <p:strVal val="1+#ppt_h/2"/>
+                                          </p:val>
+                                        </p:tav>
+                                        <p:tav tm="100000">
+                                          <p:val>
+                                            <p:strVal val="#ppt_y"/>
+                                          </p:val>
+                                        </p:tav>
+                                      </p:tavLst>
+                                    </p:anim>
+                                  </p:childTnLst>
+                                </p:cTn>
+                              </p:par>
+                            </p:childTnLst>
+                          </p:cTn>
+                        </p:par>
+                      </p:childTnLst>
+                    </p:cTn>
+                  </p:par>
+                </p:childTnLst>
+              </p:cTn>
+              <p:prevCondLst>
+                <p:cond evt="onPrev" delay="0">
+                  <p:tgtEl>
+                    <p:sldTgt/>
+                  </p:tgtEl>
+                </p:cond>
+              </p:prevCondLst>
+              <p:nextCondLst>
+                <p:cond evt="onNext" delay="0">
+                  <p:tgtEl>
+                    <p:sldTgt/>
+                  </p:tgtEl>
+                </p:cond>
+              </p:nextCondLst>
+            </p:seq>
+          </p:childTnLst>
+        </p:cTn>
+      </p:par>
+    </p:tnLst>
+    <p:bldLst>
+      <p:bldP spid="6" grpId="0"/>
+    </p:bldLst>
+  </p:timing>
+</p:sld>
+</file>
+
+<file path=ppt/slides/slide14.xml><?xml version="1.0" encoding="utf-8"?>
+<p:sld xmlns:a="http://schemas.openxmlformats.org/drawingml/2006/main" xmlns:r="http://schemas.openxmlformats.org/officeDocument/2006/relationships" xmlns:p="http://schemas.openxmlformats.org/presentationml/2006/main">
+  <p:cSld>
+    <p:spTree>
+      <p:nvGrpSpPr>
+        <p:cNvPr id="1" name=""/>
+        <p:cNvGrpSpPr/>
+        <p:nvPr/>
+      </p:nvGrpSpPr>
+      <p:grpSpPr>
+        <a:xfrm>
+          <a:off x="0" y="0"/>
+          <a:ext cx="0" cy="0"/>
+          <a:chOff x="0" y="0"/>
+          <a:chExt cx="0" cy="0"/>
+        </a:xfrm>
+      </p:grpSpPr>
+      <p:sp>
+        <p:nvSpPr>
+          <p:cNvPr id="3" name="Content Placeholder 2">
+            <a:extLst>
+              <a:ext uri="{FF2B5EF4-FFF2-40B4-BE49-F238E27FC236}">
+                <a16:creationId xmlns:a16="http://schemas.microsoft.com/office/drawing/2014/main" id="{6924FE91-7894-478F-905F-B59546B20B31}"/>
+              </a:ext>
+            </a:extLst>
+          </p:cNvPr>
+          <p:cNvSpPr txBox="1">
+            <a:spLocks/>
+          </p:cNvSpPr>
+          <p:nvPr/>
+        </p:nvSpPr>
+        <p:spPr>
+          <a:xfrm>
+            <a:off x="1034142" y="91315"/>
+            <a:ext cx="7587344" cy="6766685"/>
+          </a:xfrm>
+          <a:prstGeom prst="rect">
+            <a:avLst/>
+          </a:prstGeom>
+        </p:spPr>
+        <p:txBody>
+          <a:bodyPr>
+            <a:normAutofit/>
+          </a:bodyPr>
+          <a:lstStyle>
+            <a:lvl1pPr marL="228600" indent="-228600" algn="l" defTabSz="914400" rtl="0" eaLnBrk="1" latinLnBrk="0" hangingPunct="1">
+              <a:lnSpc>
+                <a:spcPct val="90000"/>
+              </a:lnSpc>
+              <a:spcBef>
+                <a:spcPts val="1000"/>
+              </a:spcBef>
+              <a:buFont typeface="Arial" panose="020B0604020202020204" pitchFamily="34" charset="0"/>
+              <a:buChar char="•"/>
+              <a:defRPr sz="2800" kern="1200">
+                <a:solidFill>
+                  <a:schemeClr val="tx1"/>
+                </a:solidFill>
+                <a:latin typeface="Ubuntu" panose="020B0504030602030204" pitchFamily="34" charset="0"/>
+                <a:ea typeface="+mn-ea"/>
+                <a:cs typeface="Arial" panose="020B0604020202020204" pitchFamily="34" charset="0"/>
+              </a:defRPr>
+            </a:lvl1pPr>
+            <a:lvl2pPr marL="685800" indent="-228600" algn="l" defTabSz="914400" rtl="0" eaLnBrk="1" latinLnBrk="0" hangingPunct="1">
+              <a:lnSpc>
+                <a:spcPct val="90000"/>
+              </a:lnSpc>
+              <a:spcBef>
+                <a:spcPts val="500"/>
+              </a:spcBef>
+              <a:buFont typeface="Arial" panose="020B0604020202020204" pitchFamily="34" charset="0"/>
+              <a:buChar char="•"/>
+              <a:defRPr sz="2400" kern="1200">
+                <a:solidFill>
+                  <a:schemeClr val="tx1"/>
+                </a:solidFill>
+                <a:latin typeface="Ubuntu" panose="020B0504030602030204" pitchFamily="34" charset="0"/>
+                <a:ea typeface="+mn-ea"/>
+                <a:cs typeface="Arial" panose="020B0604020202020204" pitchFamily="34" charset="0"/>
+              </a:defRPr>
+            </a:lvl2pPr>
+            <a:lvl3pPr marL="1143000" indent="-228600" algn="l" defTabSz="914400" rtl="0" eaLnBrk="1" latinLnBrk="0" hangingPunct="1">
+              <a:lnSpc>
+                <a:spcPct val="90000"/>
+              </a:lnSpc>
+              <a:spcBef>
+                <a:spcPts val="500"/>
+              </a:spcBef>
+              <a:buFont typeface="Arial" panose="020B0604020202020204" pitchFamily="34" charset="0"/>
+              <a:buChar char="•"/>
+              <a:defRPr sz="2000" kern="1200">
+                <a:solidFill>
+                  <a:schemeClr val="tx1"/>
+                </a:solidFill>
+                <a:latin typeface="Ubuntu" panose="020B0504030602030204" pitchFamily="34" charset="0"/>
+                <a:ea typeface="+mn-ea"/>
+                <a:cs typeface="Arial" panose="020B0604020202020204" pitchFamily="34" charset="0"/>
+              </a:defRPr>
+            </a:lvl3pPr>
+            <a:lvl4pPr marL="1600200" indent="-228600" algn="l" defTabSz="914400" rtl="0" eaLnBrk="1" latinLnBrk="0" hangingPunct="1">
+              <a:lnSpc>
+                <a:spcPct val="90000"/>
+              </a:lnSpc>
+              <a:spcBef>
+                <a:spcPts val="500"/>
+              </a:spcBef>
+              <a:buFont typeface="Arial" panose="020B0604020202020204" pitchFamily="34" charset="0"/>
+              <a:buChar char="•"/>
+              <a:defRPr sz="1800" kern="1200">
+                <a:solidFill>
+                  <a:schemeClr val="tx1"/>
+                </a:solidFill>
+                <a:latin typeface="Ubuntu" panose="020B0504030602030204" pitchFamily="34" charset="0"/>
+                <a:ea typeface="+mn-ea"/>
+                <a:cs typeface="Arial" panose="020B0604020202020204" pitchFamily="34" charset="0"/>
+              </a:defRPr>
+            </a:lvl4pPr>
+            <a:lvl5pPr marL="2057400" indent="-228600" algn="l" defTabSz="914400" rtl="0" eaLnBrk="1" latinLnBrk="0" hangingPunct="1">
+              <a:lnSpc>
+                <a:spcPct val="90000"/>
+              </a:lnSpc>
+              <a:spcBef>
+                <a:spcPts val="500"/>
+              </a:spcBef>
+              <a:buFont typeface="Arial" panose="020B0604020202020204" pitchFamily="34" charset="0"/>
+              <a:buChar char="•"/>
+              <a:defRPr sz="1800" kern="1200">
+                <a:solidFill>
+                  <a:schemeClr val="tx1"/>
+                </a:solidFill>
+                <a:latin typeface="Ubuntu" panose="020B0504030602030204" pitchFamily="34" charset="0"/>
+                <a:ea typeface="+mn-ea"/>
+                <a:cs typeface="Arial" panose="020B0604020202020204" pitchFamily="34" charset="0"/>
+              </a:defRPr>
+            </a:lvl5pPr>
+            <a:lvl6pPr marL="2514600" indent="-228600" algn="l" defTabSz="914400" rtl="0" eaLnBrk="1" latinLnBrk="0" hangingPunct="1">
+              <a:lnSpc>
+                <a:spcPct val="90000"/>
+              </a:lnSpc>
+              <a:spcBef>
+                <a:spcPts val="500"/>
+              </a:spcBef>
+              <a:buFont typeface="Arial" panose="020B0604020202020204" pitchFamily="34" charset="0"/>
+              <a:buChar char="•"/>
+              <a:defRPr sz="1800" kern="1200">
+                <a:solidFill>
+                  <a:schemeClr val="tx1"/>
+                </a:solidFill>
+                <a:latin typeface="+mn-lt"/>
+                <a:ea typeface="+mn-ea"/>
+                <a:cs typeface="+mn-cs"/>
+              </a:defRPr>
+            </a:lvl6pPr>
+            <a:lvl7pPr marL="2971800" indent="-228600" algn="l" defTabSz="914400" rtl="0" eaLnBrk="1" latinLnBrk="0" hangingPunct="1">
+              <a:lnSpc>
+                <a:spcPct val="90000"/>
+              </a:lnSpc>
+              <a:spcBef>
+                <a:spcPts val="500"/>
+              </a:spcBef>
+              <a:buFont typeface="Arial" panose="020B0604020202020204" pitchFamily="34" charset="0"/>
+              <a:buChar char="•"/>
+              <a:defRPr sz="1800" kern="1200">
+                <a:solidFill>
+                  <a:schemeClr val="tx1"/>
+                </a:solidFill>
+                <a:latin typeface="+mn-lt"/>
+                <a:ea typeface="+mn-ea"/>
+                <a:cs typeface="+mn-cs"/>
+              </a:defRPr>
+            </a:lvl7pPr>
+            <a:lvl8pPr marL="3429000" indent="-228600" algn="l" defTabSz="914400" rtl="0" eaLnBrk="1" latinLnBrk="0" hangingPunct="1">
+              <a:lnSpc>
+                <a:spcPct val="90000"/>
+              </a:lnSpc>
+              <a:spcBef>
+                <a:spcPts val="500"/>
+              </a:spcBef>
+              <a:buFont typeface="Arial" panose="020B0604020202020204" pitchFamily="34" charset="0"/>
+              <a:buChar char="•"/>
+              <a:defRPr sz="1800" kern="1200">
+                <a:solidFill>
+                  <a:schemeClr val="tx1"/>
+                </a:solidFill>
+                <a:latin typeface="+mn-lt"/>
+                <a:ea typeface="+mn-ea"/>
+                <a:cs typeface="+mn-cs"/>
+              </a:defRPr>
+            </a:lvl8pPr>
+            <a:lvl9pPr marL="3886200" indent="-228600" algn="l" defTabSz="914400" rtl="0" eaLnBrk="1" latinLnBrk="0" hangingPunct="1">
+              <a:lnSpc>
+                <a:spcPct val="90000"/>
+              </a:lnSpc>
+              <a:spcBef>
+                <a:spcPts val="500"/>
+              </a:spcBef>
+              <a:buFont typeface="Arial" panose="020B0604020202020204" pitchFamily="34" charset="0"/>
+              <a:buChar char="•"/>
+              <a:defRPr sz="1800" kern="1200">
+                <a:solidFill>
+                  <a:schemeClr val="tx1"/>
+                </a:solidFill>
+                <a:latin typeface="+mn-lt"/>
+                <a:ea typeface="+mn-ea"/>
+                <a:cs typeface="+mn-cs"/>
+              </a:defRPr>
+            </a:lvl9pPr>
+          </a:lstStyle>
+          <a:p>
+            <a:r>
+              <a:rPr lang="es-MX" sz="3000" dirty="0"/>
+              <a:t>¿Cuánta harina? </a:t>
+            </a:r>
+          </a:p>
+          <a:p>
+            <a:r>
+              <a:rPr lang="es-MX" sz="3000" dirty="0"/>
+              <a:t>¿Cuántos huevos? </a:t>
+            </a:r>
+          </a:p>
+          <a:p>
+            <a:r>
+              <a:rPr lang="es-MX" sz="3000" dirty="0"/>
+              <a:t>¿Cuánta leche?</a:t>
+            </a:r>
+          </a:p>
+          <a:p>
+            <a:r>
+              <a:rPr lang="es-MX" sz="3000" dirty="0"/>
+              <a:t>¿En qué recipiente?</a:t>
+            </a:r>
+          </a:p>
+          <a:p>
+            <a:r>
+              <a:rPr lang="es-MX" sz="3000" dirty="0"/>
+              <a:t>¿Cuánto tiempo hay que batir la mezcla? ¿Cómo? ¿En qué sentido?</a:t>
+            </a:r>
+          </a:p>
+          <a:p>
+            <a:r>
+              <a:rPr lang="es-MX" sz="3000" dirty="0"/>
+              <a:t>¿Cómo prendo el sartén?</a:t>
+            </a:r>
+          </a:p>
+          <a:p>
+            <a:r>
+              <a:rPr lang="es-MX" sz="3000" dirty="0"/>
+              <a:t>¿A qué temperatura caliento el sartén?</a:t>
+            </a:r>
+          </a:p>
+          <a:p>
+            <a:r>
+              <a:rPr lang="es-MX" sz="3000" dirty="0"/>
+              <a:t>¿Dónde está el sartén?</a:t>
+            </a:r>
+          </a:p>
+          <a:p>
+            <a:r>
+              <a:rPr lang="es-MX" sz="3000" dirty="0"/>
+              <a:t>¿Cómo vierto la mezcla? ¿Por cuánto tiempo?</a:t>
+            </a:r>
+          </a:p>
+          <a:p>
+            <a:r>
+              <a:rPr lang="es-MX" sz="3000" dirty="0"/>
+              <a:t>¿De qué tamaño es el </a:t>
+            </a:r>
+            <a:r>
+              <a:rPr lang="es-MX" sz="3000" dirty="0" err="1"/>
+              <a:t>hot</a:t>
+            </a:r>
+            <a:r>
+              <a:rPr lang="es-MX" sz="3000" dirty="0"/>
+              <a:t> cake?</a:t>
+            </a:r>
+          </a:p>
+          <a:p>
+            <a:r>
+              <a:rPr lang="es-MX" sz="3000" dirty="0"/>
+              <a:t>¿En dónde lo sirvo?</a:t>
+            </a:r>
+          </a:p>
+        </p:txBody>
+      </p:sp>
+      <p:pic>
+        <p:nvPicPr>
+          <p:cNvPr id="6" name="Picture 10" descr="Image result for pancakes recipe">
+            <a:extLst>
+              <a:ext uri="{FF2B5EF4-FFF2-40B4-BE49-F238E27FC236}">
+                <a16:creationId xmlns:a16="http://schemas.microsoft.com/office/drawing/2014/main" id="{EA407AB6-CE35-4A4C-B9DF-9B31FAA8F9F1}"/>
+              </a:ext>
+            </a:extLst>
+          </p:cNvPr>
+          <p:cNvPicPr>
+            <a:picLocks noChangeAspect="1" noChangeArrowheads="1"/>
+          </p:cNvPicPr>
+          <p:nvPr/>
+        </p:nvPicPr>
+        <p:blipFill>
+          <a:blip r:embed="rId2">
+            <a:extLst>
+              <a:ext uri="{28A0092B-C50C-407E-A947-70E740481C1C}">
+                <a14:useLocalDpi xmlns:a14="http://schemas.microsoft.com/office/drawing/2010/main" val="0"/>
+              </a:ext>
+            </a:extLst>
+          </a:blip>
+          <a:srcRect/>
+          <a:stretch>
+            <a:fillRect/>
+          </a:stretch>
+        </p:blipFill>
+        <p:spPr bwMode="auto">
+          <a:xfrm>
+            <a:off x="8359825" y="674004"/>
+            <a:ext cx="3734204" cy="5601306"/>
+          </a:xfrm>
+          <a:prstGeom prst="rect">
+            <a:avLst/>
+          </a:prstGeom>
+          <a:noFill/>
+          <a:extLst>
+            <a:ext uri="{909E8E84-426E-40DD-AFC4-6F175D3DCCD1}">
+              <a14:hiddenFill xmlns:a14="http://schemas.microsoft.com/office/drawing/2010/main">
+                <a:solidFill>
+                  <a:srgbClr val="FFFFFF"/>
+                </a:solidFill>
+              </a14:hiddenFill>
+            </a:ext>
+          </a:extLst>
+        </p:spPr>
+      </p:pic>
+    </p:spTree>
+    <p:extLst>
+      <p:ext uri="{BB962C8B-B14F-4D97-AF65-F5344CB8AC3E}">
+        <p14:creationId xmlns:p14="http://schemas.microsoft.com/office/powerpoint/2010/main" val="2294258094"/>
+      </p:ext>
+    </p:extLst>
+  </p:cSld>
+  <p:clrMapOvr>
+    <a:masterClrMapping/>
+  </p:clrMapOvr>
+  <p:timing>
+    <p:tnLst>
+      <p:par>
+        <p:cTn id="1" dur="indefinite" restart="never" nodeType="tmRoot">
+          <p:childTnLst>
+            <p:seq concurrent="1" nextAc="seek">
+              <p:cTn id="2" dur="indefinite" nodeType="mainSeq">
+                <p:childTnLst>
+                  <p:par>
+                    <p:cTn id="3" fill="hold">
+                      <p:stCondLst>
+                        <p:cond delay="indefinite"/>
+                      </p:stCondLst>
+                      <p:childTnLst>
+                        <p:par>
+                          <p:cTn id="4" fill="hold">
+                            <p:stCondLst>
+                              <p:cond delay="0"/>
+                            </p:stCondLst>
+                            <p:childTnLst>
+                              <p:par>
+                                <p:cTn id="5" presetID="1" presetClass="entr" presetSubtype="0" fill="hold" nodeType="clickEffect">
+                                  <p:stCondLst>
+                                    <p:cond delay="0"/>
+                                  </p:stCondLst>
+                                  <p:childTnLst>
+                                    <p:set>
+                                      <p:cBhvr>
+                                        <p:cTn id="6" dur="1" fill="hold">
+                                          <p:stCondLst>
+                                            <p:cond delay="0"/>
+                                          </p:stCondLst>
+                                        </p:cTn>
+                                        <p:tgtEl>
+                                          <p:spTgt spid="3">
+                                            <p:txEl>
+                                              <p:pRg st="0" end="0"/>
+                                            </p:txEl>
+                                          </p:spTgt>
+                                        </p:tgtEl>
+                                        <p:attrNameLst>
+                                          <p:attrName>style.visibility</p:attrName>
+                                        </p:attrNameLst>
+                                      </p:cBhvr>
+                                      <p:to>
+                                        <p:strVal val="visible"/>
+                                      </p:to>
+                                    </p:set>
+                                  </p:childTnLst>
+                                </p:cTn>
+                              </p:par>
+                              <p:par>
+                                <p:cTn id="7" presetID="1" presetClass="entr" presetSubtype="0" fill="hold" nodeType="withEffect">
+                                  <p:stCondLst>
+                                    <p:cond delay="0"/>
+                                  </p:stCondLst>
+                                  <p:childTnLst>
+                                    <p:set>
+                                      <p:cBhvr>
+                                        <p:cTn id="8" dur="1" fill="hold">
+                                          <p:stCondLst>
+                                            <p:cond delay="0"/>
+                                          </p:stCondLst>
+                                        </p:cTn>
+                                        <p:tgtEl>
+                                          <p:spTgt spid="3">
+                                            <p:txEl>
+                                              <p:pRg st="1" end="1"/>
+                                            </p:txEl>
+                                          </p:spTgt>
+                                        </p:tgtEl>
+                                        <p:attrNameLst>
+                                          <p:attrName>style.visibility</p:attrName>
+                                        </p:attrNameLst>
+                                      </p:cBhvr>
+                                      <p:to>
+                                        <p:strVal val="visible"/>
+                                      </p:to>
+                                    </p:set>
+                                  </p:childTnLst>
+                                </p:cTn>
+                              </p:par>
+                            </p:childTnLst>
+                          </p:cTn>
+                        </p:par>
+                      </p:childTnLst>
+                    </p:cTn>
+                  </p:par>
+                  <p:par>
+                    <p:cTn id="9" fill="hold">
+                      <p:stCondLst>
+                        <p:cond delay="indefinite"/>
+                      </p:stCondLst>
+                      <p:childTnLst>
+                        <p:par>
+                          <p:cTn id="10" fill="hold">
+                            <p:stCondLst>
+                              <p:cond delay="0"/>
+                            </p:stCondLst>
+                            <p:childTnLst>
+                              <p:par>
+                                <p:cTn id="11" presetID="1" presetClass="entr" presetSubtype="0" fill="hold" nodeType="clickEffect">
+                                  <p:stCondLst>
+                                    <p:cond delay="0"/>
+                                  </p:stCondLst>
+                                  <p:childTnLst>
+                                    <p:set>
+                                      <p:cBhvr>
+                                        <p:cTn id="12" dur="1" fill="hold">
+                                          <p:stCondLst>
+                                            <p:cond delay="0"/>
+                                          </p:stCondLst>
+                                        </p:cTn>
+                                        <p:tgtEl>
+                                          <p:spTgt spid="3">
+                                            <p:txEl>
+                                              <p:pRg st="2" end="2"/>
+                                            </p:txEl>
+                                          </p:spTgt>
+                                        </p:tgtEl>
+                                        <p:attrNameLst>
+                                          <p:attrName>style.visibility</p:attrName>
+                                        </p:attrNameLst>
+                                      </p:cBhvr>
+                                      <p:to>
+                                        <p:strVal val="visible"/>
+                                      </p:to>
+                                    </p:set>
+                                  </p:childTnLst>
+                                </p:cTn>
+                              </p:par>
+                              <p:par>
+                                <p:cTn id="13" presetID="1" presetClass="entr" presetSubtype="0" fill="hold" nodeType="withEffect">
+                                  <p:stCondLst>
+                                    <p:cond delay="0"/>
+                                  </p:stCondLst>
+                                  <p:childTnLst>
+                                    <p:set>
+                                      <p:cBhvr>
+                                        <p:cTn id="14" dur="1" fill="hold">
+                                          <p:stCondLst>
+                                            <p:cond delay="0"/>
+                                          </p:stCondLst>
+                                        </p:cTn>
+                                        <p:tgtEl>
+                                          <p:spTgt spid="3">
+                                            <p:txEl>
+                                              <p:pRg st="3" end="3"/>
+                                            </p:txEl>
+                                          </p:spTgt>
+                                        </p:tgtEl>
+                                        <p:attrNameLst>
+                                          <p:attrName>style.visibility</p:attrName>
+                                        </p:attrNameLst>
+                                      </p:cBhvr>
+                                      <p:to>
+                                        <p:strVal val="visible"/>
+                                      </p:to>
+                                    </p:set>
+                                  </p:childTnLst>
+                                </p:cTn>
+                              </p:par>
+                            </p:childTnLst>
+                          </p:cTn>
+                        </p:par>
+                      </p:childTnLst>
+                    </p:cTn>
+                  </p:par>
+                  <p:par>
+                    <p:cTn id="15" fill="hold">
+                      <p:stCondLst>
+                        <p:cond delay="indefinite"/>
+                      </p:stCondLst>
+                      <p:childTnLst>
+                        <p:par>
+                          <p:cTn id="16" fill="hold">
+                            <p:stCondLst>
+                              <p:cond delay="0"/>
+                            </p:stCondLst>
+                            <p:childTnLst>
+                              <p:par>
+                                <p:cTn id="17" presetID="1" presetClass="entr" presetSubtype="0" fill="hold" nodeType="clickEffect">
+                                  <p:stCondLst>
+                                    <p:cond delay="0"/>
+                                  </p:stCondLst>
+                                  <p:childTnLst>
+                                    <p:set>
+                                      <p:cBhvr>
+                                        <p:cTn id="18" dur="1" fill="hold">
+                                          <p:stCondLst>
+                                            <p:cond delay="0"/>
+                                          </p:stCondLst>
+                                        </p:cTn>
+                                        <p:tgtEl>
+                                          <p:spTgt spid="3">
+                                            <p:txEl>
+                                              <p:pRg st="4" end="4"/>
+                                            </p:txEl>
+                                          </p:spTgt>
+                                        </p:tgtEl>
+                                        <p:attrNameLst>
+                                          <p:attrName>style.visibility</p:attrName>
+                                        </p:attrNameLst>
+                                      </p:cBhvr>
+                                      <p:to>
+                                        <p:strVal val="visible"/>
+                                      </p:to>
+                                    </p:set>
+                                  </p:childTnLst>
+                                </p:cTn>
+                              </p:par>
+                              <p:par>
+                                <p:cTn id="19" presetID="1" presetClass="entr" presetSubtype="0" fill="hold" nodeType="withEffect">
+                                  <p:stCondLst>
+                                    <p:cond delay="0"/>
+                                  </p:stCondLst>
+                                  <p:childTnLst>
+                                    <p:set>
+                                      <p:cBhvr>
+                                        <p:cTn id="20" dur="1" fill="hold">
+                                          <p:stCondLst>
+                                            <p:cond delay="0"/>
+                                          </p:stCondLst>
+                                        </p:cTn>
+                                        <p:tgtEl>
+                                          <p:spTgt spid="3">
+                                            <p:txEl>
+                                              <p:pRg st="5" end="5"/>
+                                            </p:txEl>
+                                          </p:spTgt>
+                                        </p:tgtEl>
+                                        <p:attrNameLst>
+                                          <p:attrName>style.visibility</p:attrName>
+                                        </p:attrNameLst>
+                                      </p:cBhvr>
+                                      <p:to>
+                                        <p:strVal val="visible"/>
+                                      </p:to>
+                                    </p:set>
+                                  </p:childTnLst>
+                                </p:cTn>
+                              </p:par>
+                            </p:childTnLst>
+                          </p:cTn>
+                        </p:par>
+                      </p:childTnLst>
+                    </p:cTn>
+                  </p:par>
+                  <p:par>
+                    <p:cTn id="21" fill="hold">
+                      <p:stCondLst>
+                        <p:cond delay="indefinite"/>
+                      </p:stCondLst>
+                      <p:childTnLst>
+                        <p:par>
+                          <p:cTn id="22" fill="hold">
+                            <p:stCondLst>
+                              <p:cond delay="0"/>
+                            </p:stCondLst>
+                            <p:childTnLst>
+                              <p:par>
+                                <p:cTn id="23" presetID="1" presetClass="entr" presetSubtype="0" fill="hold" nodeType="clickEffect">
+                                  <p:stCondLst>
+                                    <p:cond delay="0"/>
+                                  </p:stCondLst>
+                                  <p:childTnLst>
+                                    <p:set>
+                                      <p:cBhvr>
+                                        <p:cTn id="24" dur="1" fill="hold">
+                                          <p:stCondLst>
+                                            <p:cond delay="0"/>
+                                          </p:stCondLst>
+                                        </p:cTn>
+                                        <p:tgtEl>
+                                          <p:spTgt spid="3">
+                                            <p:txEl>
+                                              <p:pRg st="6" end="6"/>
+                                            </p:txEl>
+                                          </p:spTgt>
+                                        </p:tgtEl>
+                                        <p:attrNameLst>
+                                          <p:attrName>style.visibility</p:attrName>
+                                        </p:attrNameLst>
+                                      </p:cBhvr>
+                                      <p:to>
+                                        <p:strVal val="visible"/>
+                                      </p:to>
+                                    </p:set>
+                                  </p:childTnLst>
+                                </p:cTn>
+                              </p:par>
+                              <p:par>
+                                <p:cTn id="25" presetID="1" presetClass="entr" presetSubtype="0" fill="hold" nodeType="withEffect">
+                                  <p:stCondLst>
+                                    <p:cond delay="0"/>
+                                  </p:stCondLst>
+                                  <p:childTnLst>
+                                    <p:set>
+                                      <p:cBhvr>
+                                        <p:cTn id="26" dur="1" fill="hold">
+                                          <p:stCondLst>
+                                            <p:cond delay="0"/>
+                                          </p:stCondLst>
+                                        </p:cTn>
+                                        <p:tgtEl>
+                                          <p:spTgt spid="3">
+                                            <p:txEl>
+                                              <p:pRg st="7" end="7"/>
+                                            </p:txEl>
+                                          </p:spTgt>
+                                        </p:tgtEl>
+                                        <p:attrNameLst>
+                                          <p:attrName>style.visibility</p:attrName>
+                                        </p:attrNameLst>
+                                      </p:cBhvr>
+                                      <p:to>
+                                        <p:strVal val="visible"/>
+                                      </p:to>
+                                    </p:set>
+                                  </p:childTnLst>
+                                </p:cTn>
+                              </p:par>
+                            </p:childTnLst>
+                          </p:cTn>
+                        </p:par>
+                      </p:childTnLst>
+                    </p:cTn>
+                  </p:par>
+                  <p:par>
+                    <p:cTn id="27" fill="hold">
+                      <p:stCondLst>
+                        <p:cond delay="indefinite"/>
+                      </p:stCondLst>
+                      <p:childTnLst>
+                        <p:par>
+                          <p:cTn id="28" fill="hold">
+                            <p:stCondLst>
+                              <p:cond delay="0"/>
+                            </p:stCondLst>
+                            <p:childTnLst>
+                              <p:par>
+                                <p:cTn id="29" presetID="1" presetClass="entr" presetSubtype="0" fill="hold" nodeType="clickEffect">
+                                  <p:stCondLst>
+                                    <p:cond delay="0"/>
+                                  </p:stCondLst>
+                                  <p:childTnLst>
+                                    <p:set>
+                                      <p:cBhvr>
+                                        <p:cTn id="30" dur="1" fill="hold">
+                                          <p:stCondLst>
+                                            <p:cond delay="0"/>
+                                          </p:stCondLst>
+                                        </p:cTn>
+                                        <p:tgtEl>
+                                          <p:spTgt spid="3">
+                                            <p:txEl>
+                                              <p:pRg st="8" end="8"/>
+                                            </p:txEl>
+                                          </p:spTgt>
+                                        </p:tgtEl>
+                                        <p:attrNameLst>
+                                          <p:attrName>style.visibility</p:attrName>
+                                        </p:attrNameLst>
+                                      </p:cBhvr>
+                                      <p:to>
+                                        <p:strVal val="visible"/>
+                                      </p:to>
+                                    </p:set>
+                                  </p:childTnLst>
+                                </p:cTn>
+                              </p:par>
+                              <p:par>
+                                <p:cTn id="31" presetID="1" presetClass="entr" presetSubtype="0" fill="hold" nodeType="withEffect">
+                                  <p:stCondLst>
+                                    <p:cond delay="0"/>
+                                  </p:stCondLst>
+                                  <p:childTnLst>
+                                    <p:set>
+                                      <p:cBhvr>
+                                        <p:cTn id="32" dur="1" fill="hold">
+                                          <p:stCondLst>
+                                            <p:cond delay="0"/>
+                                          </p:stCondLst>
+                                        </p:cTn>
+                                        <p:tgtEl>
+                                          <p:spTgt spid="3">
+                                            <p:txEl>
+                                              <p:pRg st="9" end="9"/>
+                                            </p:txEl>
+                                          </p:spTgt>
+                                        </p:tgtEl>
+                                        <p:attrNameLst>
+                                          <p:attrName>style.visibility</p:attrName>
+                                        </p:attrNameLst>
+                                      </p:cBhvr>
+                                      <p:to>
+                                        <p:strVal val="visible"/>
+                                      </p:to>
+                                    </p:set>
+                                  </p:childTnLst>
+                                </p:cTn>
+                              </p:par>
+                            </p:childTnLst>
+                          </p:cTn>
+                        </p:par>
+                      </p:childTnLst>
+                    </p:cTn>
+                  </p:par>
+                  <p:par>
+                    <p:cTn id="33" fill="hold">
+                      <p:stCondLst>
+                        <p:cond delay="indefinite"/>
+                      </p:stCondLst>
+                      <p:childTnLst>
+                        <p:par>
+                          <p:cTn id="34" fill="hold">
+                            <p:stCondLst>
+                              <p:cond delay="0"/>
+                            </p:stCondLst>
+                            <p:childTnLst>
+                              <p:par>
+                                <p:cTn id="35" presetID="1" presetClass="entr" presetSubtype="0" fill="hold" nodeType="clickEffect">
+                                  <p:stCondLst>
+                                    <p:cond delay="0"/>
+                                  </p:stCondLst>
+                                  <p:childTnLst>
+                                    <p:set>
+                                      <p:cBhvr>
+                                        <p:cTn id="36" dur="1" fill="hold">
+                                          <p:stCondLst>
+                                            <p:cond delay="0"/>
+                                          </p:stCondLst>
+                                        </p:cTn>
+                                        <p:tgtEl>
+                                          <p:spTgt spid="3">
+                                            <p:txEl>
+                                              <p:pRg st="10" end="10"/>
+                                            </p:txEl>
+                                          </p:spTgt>
+                                        </p:tgtEl>
+                                        <p:attrNameLst>
+                                          <p:attrName>style.visibility</p:attrName>
+                                        </p:attrNameLst>
+                                      </p:cBhvr>
+                                      <p:to>
+                                        <p:strVal val="visible"/>
+                                      </p:to>
+                                    </p:set>
+                                  </p:childTnLst>
+                                </p:cTn>
+                              </p:par>
+                            </p:childTnLst>
+                          </p:cTn>
+                        </p:par>
+                      </p:childTnLst>
+                    </p:cTn>
+                  </p:par>
+                </p:childTnLst>
+              </p:cTn>
+              <p:prevCondLst>
+                <p:cond evt="onPrev" delay="0">
+                  <p:tgtEl>
+                    <p:sldTgt/>
+                  </p:tgtEl>
+                </p:cond>
+              </p:prevCondLst>
+              <p:nextCondLst>
+                <p:cond evt="onNext" delay="0">
+                  <p:tgtEl>
+                    <p:sldTgt/>
+                  </p:tgtEl>
+                </p:cond>
+              </p:nextCondLst>
+            </p:seq>
+          </p:childTnLst>
+        </p:cTn>
+      </p:par>
+    </p:tnLst>
+  </p:timing>
+</p:sld>
+</file>
+
+<file path=ppt/slides/slide15.xml><?xml version="1.0" encoding="utf-8"?>
+<p:sld xmlns:a="http://schemas.openxmlformats.org/drawingml/2006/main" xmlns:r="http://schemas.openxmlformats.org/officeDocument/2006/relationships" xmlns:p="http://schemas.openxmlformats.org/presentationml/2006/main">
+  <p:cSld>
+    <p:spTree>
+      <p:nvGrpSpPr>
+        <p:cNvPr id="1" name=""/>
+        <p:cNvGrpSpPr/>
+        <p:nvPr/>
+      </p:nvGrpSpPr>
+      <p:grpSpPr>
+        <a:xfrm>
+          <a:off x="0" y="0"/>
+          <a:ext cx="0" cy="0"/>
+          <a:chOff x="0" y="0"/>
+          <a:chExt cx="0" cy="0"/>
+        </a:xfrm>
+      </p:grpSpPr>
+      <p:pic>
+        <p:nvPicPr>
+          <p:cNvPr id="2" name="Online Media 1">
+            <a:hlinkClick r:id="" action="ppaction://media"/>
+            <a:extLst>
+              <a:ext uri="{FF2B5EF4-FFF2-40B4-BE49-F238E27FC236}">
+                <a16:creationId xmlns:a16="http://schemas.microsoft.com/office/drawing/2014/main" id="{7F41DECB-E06D-4102-8F08-6BE32856CE03}"/>
+              </a:ext>
+            </a:extLst>
+          </p:cNvPr>
+          <p:cNvPicPr>
+            <a:picLocks noRot="1" noChangeAspect="1"/>
+          </p:cNvPicPr>
+          <p:nvPr>
+            <a:videoFile r:link="rId1"/>
+          </p:nvPr>
+        </p:nvPicPr>
+        <p:blipFill>
+          <a:blip r:embed="rId3"/>
+          <a:stretch>
+            <a:fillRect/>
+          </a:stretch>
+        </p:blipFill>
+        <p:spPr>
+          <a:xfrm>
+            <a:off x="1656653" y="1158115"/>
+            <a:ext cx="9458475" cy="5320392"/>
+          </a:xfrm>
+          <a:prstGeom prst="rect">
+            <a:avLst/>
+          </a:prstGeom>
+        </p:spPr>
+      </p:pic>
+      <p:sp>
+        <p:nvSpPr>
+          <p:cNvPr id="3" name="Title 1">
+            <a:extLst>
+              <a:ext uri="{FF2B5EF4-FFF2-40B4-BE49-F238E27FC236}">
+                <a16:creationId xmlns:a16="http://schemas.microsoft.com/office/drawing/2014/main" id="{452CB2C8-1D8F-4303-B119-CF779468E66C}"/>
+              </a:ext>
+            </a:extLst>
+          </p:cNvPr>
+          <p:cNvSpPr txBox="1">
+            <a:spLocks/>
+          </p:cNvSpPr>
+          <p:nvPr/>
+        </p:nvSpPr>
+        <p:spPr>
+          <a:xfrm>
+            <a:off x="838200" y="203958"/>
+            <a:ext cx="11095382" cy="954157"/>
+          </a:xfrm>
+          <a:prstGeom prst="rect">
+            <a:avLst/>
+          </a:prstGeom>
+        </p:spPr>
+        <p:txBody>
+          <a:bodyPr/>
+          <a:lstStyle>
+            <a:lvl1pPr algn="l" defTabSz="914400" rtl="0" eaLnBrk="1" latinLnBrk="0" hangingPunct="1">
+              <a:lnSpc>
+                <a:spcPct val="90000"/>
+              </a:lnSpc>
+              <a:spcBef>
+                <a:spcPct val="0"/>
+              </a:spcBef>
+              <a:buNone/>
+              <a:defRPr sz="4400" b="1" kern="1200">
+                <a:solidFill>
+                  <a:schemeClr val="accent2"/>
+                </a:solidFill>
+                <a:latin typeface="Ubuntu" panose="020B0504030602030204" pitchFamily="34" charset="0"/>
+                <a:ea typeface="+mj-ea"/>
+                <a:cs typeface="Arial" panose="020B0604020202020204" pitchFamily="34" charset="0"/>
+              </a:defRPr>
+            </a:lvl1pPr>
+          </a:lstStyle>
+          <a:p>
+            <a:r>
+              <a:rPr lang="es-MX" dirty="0"/>
+              <a:t>Robot </a:t>
+            </a:r>
+            <a:r>
+              <a:rPr lang="es-MX" dirty="0" err="1"/>
+              <a:t>makes</a:t>
+            </a:r>
+            <a:r>
+              <a:rPr lang="es-MX" dirty="0"/>
+              <a:t> </a:t>
+            </a:r>
+            <a:r>
+              <a:rPr lang="es-MX" dirty="0" err="1"/>
+              <a:t>The</a:t>
+            </a:r>
+            <a:r>
+              <a:rPr lang="es-MX" dirty="0"/>
+              <a:t> </a:t>
+            </a:r>
+            <a:r>
+              <a:rPr lang="es-MX" dirty="0" err="1"/>
+              <a:t>Perfect</a:t>
+            </a:r>
+            <a:r>
+              <a:rPr lang="es-MX" dirty="0"/>
+              <a:t> Burger?</a:t>
+            </a:r>
+            <a:endParaRPr lang="en-US" dirty="0"/>
+          </a:p>
+        </p:txBody>
+      </p:sp>
+    </p:spTree>
+    <p:extLst>
+      <p:ext uri="{BB962C8B-B14F-4D97-AF65-F5344CB8AC3E}">
+        <p14:creationId xmlns:p14="http://schemas.microsoft.com/office/powerpoint/2010/main" val="1785723525"/>
+      </p:ext>
+    </p:extLst>
+  </p:cSld>
+  <p:clrMapOvr>
+    <a:masterClrMapping/>
+  </p:clrMapOvr>
+</p:sld>
+</file>
+
+<file path=ppt/slides/slide16.xml><?xml version="1.0" encoding="utf-8"?>
+<p:sld xmlns:a="http://schemas.openxmlformats.org/drawingml/2006/main" xmlns:r="http://schemas.openxmlformats.org/officeDocument/2006/relationships" xmlns:p="http://schemas.openxmlformats.org/presentationml/2006/main">
+  <p:cSld>
+    <p:spTree>
+      <p:nvGrpSpPr>
+        <p:cNvPr id="1" name=""/>
+        <p:cNvGrpSpPr/>
+        <p:nvPr/>
+      </p:nvGrpSpPr>
+      <p:grpSpPr>
+        <a:xfrm>
+          <a:off x="0" y="0"/>
+          <a:ext cx="0" cy="0"/>
+          <a:chOff x="0" y="0"/>
+          <a:chExt cx="0" cy="0"/>
+        </a:xfrm>
+      </p:grpSpPr>
+      <p:sp>
+        <p:nvSpPr>
+          <p:cNvPr id="2" name="Title 1">
+            <a:extLst>
+              <a:ext uri="{FF2B5EF4-FFF2-40B4-BE49-F238E27FC236}">
+                <a16:creationId xmlns:a16="http://schemas.microsoft.com/office/drawing/2014/main" id="{71DEC3DA-BBF8-4AEC-B67F-346557D557E0}"/>
+              </a:ext>
+            </a:extLst>
+          </p:cNvPr>
+          <p:cNvSpPr>
+            <a:spLocks noGrp="1"/>
+          </p:cNvSpPr>
+          <p:nvPr>
+            <p:ph type="title"/>
+          </p:nvPr>
+        </p:nvSpPr>
+        <p:spPr>
+          <a:xfrm>
+            <a:off x="587828" y="195943"/>
+            <a:ext cx="11604171" cy="2732314"/>
+          </a:xfrm>
+        </p:spPr>
+        <p:txBody>
+          <a:bodyPr/>
+          <a:lstStyle/>
+          <a:p>
+            <a:r>
+              <a:rPr lang="es-MX" sz="6600" dirty="0"/>
+              <a:t>¿Cómo podemos representar un algoritmo computacional?</a:t>
+            </a:r>
+            <a:endParaRPr lang="en-US" sz="6600" dirty="0"/>
+          </a:p>
+        </p:txBody>
+      </p:sp>
+      <p:sp>
+        <p:nvSpPr>
+          <p:cNvPr id="3" name="Title 1">
+            <a:extLst>
+              <a:ext uri="{FF2B5EF4-FFF2-40B4-BE49-F238E27FC236}">
+                <a16:creationId xmlns:a16="http://schemas.microsoft.com/office/drawing/2014/main" id="{6F835520-EE68-4C55-A108-0C7889ED62AF}"/>
+              </a:ext>
+            </a:extLst>
+          </p:cNvPr>
+          <p:cNvSpPr txBox="1">
+            <a:spLocks/>
+          </p:cNvSpPr>
+          <p:nvPr/>
+        </p:nvSpPr>
+        <p:spPr>
+          <a:xfrm>
+            <a:off x="947056" y="3929744"/>
+            <a:ext cx="4855030" cy="1817914"/>
+          </a:xfrm>
+          <a:prstGeom prst="rect">
+            <a:avLst/>
+          </a:prstGeom>
+          <a:solidFill>
+            <a:schemeClr val="accent3"/>
+          </a:solidFill>
+          <a:ln>
+            <a:noFill/>
+          </a:ln>
+        </p:spPr>
+        <p:style>
+          <a:lnRef idx="0">
+            <a:scrgbClr r="0" g="0" b="0"/>
+          </a:lnRef>
+          <a:fillRef idx="0">
+            <a:scrgbClr r="0" g="0" b="0"/>
+          </a:fillRef>
+          <a:effectRef idx="0">
+            <a:scrgbClr r="0" g="0" b="0"/>
+          </a:effectRef>
+          <a:fontRef idx="minor">
+            <a:schemeClr val="lt1"/>
+          </a:fontRef>
+        </p:style>
+        <p:txBody>
+          <a:bodyPr vert="horz" lIns="91440" tIns="45720" rIns="91440" bIns="45720" rtlCol="0" anchor="ctr">
+            <a:noAutofit/>
+          </a:bodyPr>
+          <a:lstStyle>
+            <a:lvl1pPr algn="ctr" defTabSz="914400" rtl="0" eaLnBrk="1" latinLnBrk="0" hangingPunct="1">
+              <a:lnSpc>
+                <a:spcPct val="90000"/>
+              </a:lnSpc>
+              <a:spcBef>
+                <a:spcPct val="0"/>
+              </a:spcBef>
+              <a:buNone/>
+              <a:defRPr sz="9600" b="1" kern="1200">
+                <a:solidFill>
+                  <a:schemeClr val="accent2"/>
+                </a:solidFill>
+                <a:latin typeface="Ubuntu" panose="020B0504030602030204" pitchFamily="34" charset="0"/>
+                <a:ea typeface="+mj-ea"/>
+                <a:cs typeface="Arial" panose="020B0604020202020204" pitchFamily="34" charset="0"/>
+              </a:defRPr>
+            </a:lvl1pPr>
+          </a:lstStyle>
+          <a:p>
+            <a:r>
+              <a:rPr lang="es-MX" sz="4400" dirty="0">
+                <a:solidFill>
+                  <a:schemeClr val="bg1"/>
+                </a:solidFill>
+              </a:rPr>
+              <a:t>Diagrama de flujo</a:t>
+            </a:r>
+            <a:endParaRPr lang="en-US" sz="4400" dirty="0">
+              <a:solidFill>
+                <a:schemeClr val="bg1"/>
+              </a:solidFill>
+            </a:endParaRPr>
+          </a:p>
+        </p:txBody>
+      </p:sp>
+      <p:sp>
+        <p:nvSpPr>
+          <p:cNvPr id="4" name="Title 1">
+            <a:extLst>
+              <a:ext uri="{FF2B5EF4-FFF2-40B4-BE49-F238E27FC236}">
+                <a16:creationId xmlns:a16="http://schemas.microsoft.com/office/drawing/2014/main" id="{E61B7BEE-6ACA-4913-A053-9EFC906304C6}"/>
+              </a:ext>
+            </a:extLst>
+          </p:cNvPr>
+          <p:cNvSpPr txBox="1">
+            <a:spLocks/>
+          </p:cNvSpPr>
+          <p:nvPr/>
+        </p:nvSpPr>
+        <p:spPr>
+          <a:xfrm>
+            <a:off x="6999513" y="3929744"/>
+            <a:ext cx="4855030" cy="1817914"/>
+          </a:xfrm>
+          <a:prstGeom prst="rect">
+            <a:avLst/>
+          </a:prstGeom>
+          <a:solidFill>
+            <a:schemeClr val="accent3"/>
+          </a:solidFill>
+          <a:ln>
+            <a:noFill/>
+          </a:ln>
+        </p:spPr>
+        <p:style>
+          <a:lnRef idx="0">
+            <a:scrgbClr r="0" g="0" b="0"/>
+          </a:lnRef>
+          <a:fillRef idx="0">
+            <a:scrgbClr r="0" g="0" b="0"/>
+          </a:fillRef>
+          <a:effectRef idx="0">
+            <a:scrgbClr r="0" g="0" b="0"/>
+          </a:effectRef>
+          <a:fontRef idx="minor">
+            <a:schemeClr val="lt1"/>
+          </a:fontRef>
+        </p:style>
+        <p:txBody>
+          <a:bodyPr vert="horz" lIns="91440" tIns="45720" rIns="91440" bIns="45720" rtlCol="0" anchor="ctr">
+            <a:noAutofit/>
+          </a:bodyPr>
+          <a:lstStyle>
+            <a:lvl1pPr algn="ctr" defTabSz="914400" rtl="0" eaLnBrk="1" latinLnBrk="0" hangingPunct="1">
+              <a:lnSpc>
+                <a:spcPct val="90000"/>
+              </a:lnSpc>
+              <a:spcBef>
+                <a:spcPct val="0"/>
+              </a:spcBef>
+              <a:buNone/>
+              <a:defRPr sz="9600" b="1" kern="1200">
+                <a:solidFill>
+                  <a:schemeClr val="accent2"/>
+                </a:solidFill>
+                <a:latin typeface="Ubuntu" panose="020B0504030602030204" pitchFamily="34" charset="0"/>
+                <a:ea typeface="+mj-ea"/>
+                <a:cs typeface="Arial" panose="020B0604020202020204" pitchFamily="34" charset="0"/>
+              </a:defRPr>
+            </a:lvl1pPr>
+          </a:lstStyle>
+          <a:p>
+            <a:r>
+              <a:rPr lang="es-MX" sz="4400" dirty="0">
+                <a:solidFill>
+                  <a:schemeClr val="bg1"/>
+                </a:solidFill>
+              </a:rPr>
+              <a:t>Pseudocódigo</a:t>
+            </a:r>
+            <a:endParaRPr lang="en-US" sz="4400" dirty="0">
+              <a:solidFill>
+                <a:schemeClr val="bg1"/>
+              </a:solidFill>
+            </a:endParaRPr>
+          </a:p>
+        </p:txBody>
+      </p:sp>
+    </p:spTree>
+    <p:extLst>
+      <p:ext uri="{BB962C8B-B14F-4D97-AF65-F5344CB8AC3E}">
+        <p14:creationId xmlns:p14="http://schemas.microsoft.com/office/powerpoint/2010/main" val="245932179"/>
+      </p:ext>
+    </p:extLst>
+  </p:cSld>
+  <p:clrMapOvr>
+    <a:masterClrMapping/>
+  </p:clrMapOvr>
+  <p:timing>
+    <p:tnLst>
+      <p:par>
+        <p:cTn id="1" dur="indefinite" restart="never" nodeType="tmRoot">
+          <p:childTnLst>
+            <p:seq concurrent="1" nextAc="seek">
+              <p:cTn id="2" dur="indefinite" nodeType="mainSeq">
+                <p:childTnLst>
+                  <p:par>
+                    <p:cTn id="3" fill="hold">
+                      <p:stCondLst>
+                        <p:cond delay="indefinite"/>
+                      </p:stCondLst>
+                      <p:childTnLst>
+                        <p:par>
+                          <p:cTn id="4" fill="hold">
+                            <p:stCondLst>
+                              <p:cond delay="0"/>
+                            </p:stCondLst>
+                            <p:childTnLst>
+                              <p:par>
+                                <p:cTn id="5" presetID="2" presetClass="entr" presetSubtype="12" fill="hold" grpId="0" nodeType="clickEffect">
+                                  <p:stCondLst>
+                                    <p:cond delay="0"/>
+                                  </p:stCondLst>
+                                  <p:childTnLst>
+                                    <p:set>
+                                      <p:cBhvr>
+                                        <p:cTn id="6" dur="1" fill="hold">
+                                          <p:stCondLst>
+                                            <p:cond delay="0"/>
+                                          </p:stCondLst>
+                                        </p:cTn>
+                                        <p:tgtEl>
+                                          <p:spTgt spid="3"/>
+                                        </p:tgtEl>
+                                        <p:attrNameLst>
+                                          <p:attrName>style.visibility</p:attrName>
+                                        </p:attrNameLst>
+                                      </p:cBhvr>
+                                      <p:to>
+                                        <p:strVal val="visible"/>
+                                      </p:to>
+                                    </p:set>
+                                    <p:anim calcmode="lin" valueType="num">
+                                      <p:cBhvr additive="base">
+                                        <p:cTn id="7" dur="500" fill="hold"/>
+                                        <p:tgtEl>
+                                          <p:spTgt spid="3"/>
+                                        </p:tgtEl>
+                                        <p:attrNameLst>
+                                          <p:attrName>ppt_x</p:attrName>
+                                        </p:attrNameLst>
+                                      </p:cBhvr>
+                                      <p:tavLst>
+                                        <p:tav tm="0">
+                                          <p:val>
+                                            <p:strVal val="0-#ppt_w/2"/>
+                                          </p:val>
+                                        </p:tav>
+                                        <p:tav tm="100000">
+                                          <p:val>
+                                            <p:strVal val="#ppt_x"/>
+                                          </p:val>
+                                        </p:tav>
+                                      </p:tavLst>
+                                    </p:anim>
+                                    <p:anim calcmode="lin" valueType="num">
+                                      <p:cBhvr additive="base">
+                                        <p:cTn id="8" dur="500" fill="hold"/>
+                                        <p:tgtEl>
+                                          <p:spTgt spid="3"/>
+                                        </p:tgtEl>
+                                        <p:attrNameLst>
+                                          <p:attrName>ppt_y</p:attrName>
+                                        </p:attrNameLst>
+                                      </p:cBhvr>
+                                      <p:tavLst>
+                                        <p:tav tm="0">
+                                          <p:val>
+                                            <p:strVal val="1+#ppt_h/2"/>
+                                          </p:val>
+                                        </p:tav>
+                                        <p:tav tm="100000">
+                                          <p:val>
+                                            <p:strVal val="#ppt_y"/>
+                                          </p:val>
+                                        </p:tav>
+                                      </p:tavLst>
+                                    </p:anim>
+                                  </p:childTnLst>
+                                </p:cTn>
+                              </p:par>
+                            </p:childTnLst>
+                          </p:cTn>
+                        </p:par>
+                      </p:childTnLst>
+                    </p:cTn>
+                  </p:par>
+                  <p:par>
+                    <p:cTn id="9" fill="hold">
+                      <p:stCondLst>
+                        <p:cond delay="indefinite"/>
+                      </p:stCondLst>
+                      <p:childTnLst>
+                        <p:par>
+                          <p:cTn id="10" fill="hold">
+                            <p:stCondLst>
+                              <p:cond delay="0"/>
+                            </p:stCondLst>
+                            <p:childTnLst>
+                              <p:par>
+                                <p:cTn id="11" presetID="2" presetClass="entr" presetSubtype="6" fill="hold" grpId="0" nodeType="clickEffect">
+                                  <p:stCondLst>
+                                    <p:cond delay="0"/>
+                                  </p:stCondLst>
+                                  <p:childTnLst>
+                                    <p:set>
+                                      <p:cBhvr>
+                                        <p:cTn id="12" dur="1" fill="hold">
+                                          <p:stCondLst>
+                                            <p:cond delay="0"/>
+                                          </p:stCondLst>
+                                        </p:cTn>
+                                        <p:tgtEl>
+                                          <p:spTgt spid="4"/>
+                                        </p:tgtEl>
+                                        <p:attrNameLst>
+                                          <p:attrName>style.visibility</p:attrName>
+                                        </p:attrNameLst>
+                                      </p:cBhvr>
+                                      <p:to>
+                                        <p:strVal val="visible"/>
+                                      </p:to>
+                                    </p:set>
+                                    <p:anim calcmode="lin" valueType="num">
+                                      <p:cBhvr additive="base">
+                                        <p:cTn id="13" dur="500" fill="hold"/>
+                                        <p:tgtEl>
+                                          <p:spTgt spid="4"/>
+                                        </p:tgtEl>
+                                        <p:attrNameLst>
+                                          <p:attrName>ppt_x</p:attrName>
+                                        </p:attrNameLst>
+                                      </p:cBhvr>
+                                      <p:tavLst>
+                                        <p:tav tm="0">
+                                          <p:val>
+                                            <p:strVal val="1+#ppt_w/2"/>
+                                          </p:val>
+                                        </p:tav>
+                                        <p:tav tm="100000">
+                                          <p:val>
+                                            <p:strVal val="#ppt_x"/>
+                                          </p:val>
+                                        </p:tav>
+                                      </p:tavLst>
+                                    </p:anim>
+                                    <p:anim calcmode="lin" valueType="num">
+                                      <p:cBhvr additive="base">
+                                        <p:cTn id="14" dur="500" fill="hold"/>
+                                        <p:tgtEl>
+                                          <p:spTgt spid="4"/>
+                                        </p:tgtEl>
+                                        <p:attrNameLst>
+                                          <p:attrName>ppt_y</p:attrName>
+                                        </p:attrNameLst>
+                                      </p:cBhvr>
+                                      <p:tavLst>
+                                        <p:tav tm="0">
+                                          <p:val>
+                                            <p:strVal val="1+#ppt_h/2"/>
+                                          </p:val>
+                                        </p:tav>
+                                        <p:tav tm="100000">
+                                          <p:val>
+                                            <p:strVal val="#ppt_y"/>
+                                          </p:val>
+                                        </p:tav>
+                                      </p:tavLst>
+                                    </p:anim>
+                                  </p:childTnLst>
+                                </p:cTn>
+                              </p:par>
+                            </p:childTnLst>
+                          </p:cTn>
+                        </p:par>
+                      </p:childTnLst>
+                    </p:cTn>
+                  </p:par>
+                </p:childTnLst>
+              </p:cTn>
+              <p:prevCondLst>
+                <p:cond evt="onPrev" delay="0">
+                  <p:tgtEl>
+                    <p:sldTgt/>
+                  </p:tgtEl>
+                </p:cond>
+              </p:prevCondLst>
+              <p:nextCondLst>
+                <p:cond evt="onNext" delay="0">
+                  <p:tgtEl>
+                    <p:sldTgt/>
+                  </p:tgtEl>
+                </p:cond>
+              </p:nextCondLst>
+            </p:seq>
+          </p:childTnLst>
+        </p:cTn>
+      </p:par>
+    </p:tnLst>
+    <p:bldLst>
+      <p:bldP spid="3" grpId="0" animBg="1"/>
+      <p:bldP spid="4" grpId="0" animBg="1"/>
+    </p:bldLst>
+  </p:timing>
+</p:sld>
+</file>
+
+<file path=ppt/slides/slide17.xml><?xml version="1.0" encoding="utf-8"?>
+<p:sld xmlns:a="http://schemas.openxmlformats.org/drawingml/2006/main" xmlns:r="http://schemas.openxmlformats.org/officeDocument/2006/relationships" xmlns:p="http://schemas.openxmlformats.org/presentationml/2006/main">
+  <p:cSld>
+    <p:spTree>
+      <p:nvGrpSpPr>
+        <p:cNvPr id="1" name=""/>
+        <p:cNvGrpSpPr/>
+        <p:nvPr/>
+      </p:nvGrpSpPr>
+      <p:grpSpPr>
+        <a:xfrm>
+          <a:off x="0" y="0"/>
+          <a:ext cx="0" cy="0"/>
+          <a:chOff x="0" y="0"/>
+          <a:chExt cx="0" cy="0"/>
+        </a:xfrm>
+      </p:grpSpPr>
+      <p:sp>
+        <p:nvSpPr>
+          <p:cNvPr id="2" name="Title 1">
+            <a:extLst>
+              <a:ext uri="{FF2B5EF4-FFF2-40B4-BE49-F238E27FC236}">
+                <a16:creationId xmlns:a16="http://schemas.microsoft.com/office/drawing/2014/main" id="{CA7F1E58-F97B-4242-BB16-C2847E543147}"/>
+              </a:ext>
+            </a:extLst>
+          </p:cNvPr>
+          <p:cNvSpPr>
+            <a:spLocks noGrp="1"/>
+          </p:cNvSpPr>
+          <p:nvPr>
+            <p:ph type="title"/>
+          </p:nvPr>
+        </p:nvSpPr>
+        <p:spPr/>
+        <p:txBody>
+          <a:bodyPr/>
+          <a:lstStyle/>
+          <a:p>
+            <a:r>
+              <a:rPr lang="es-MX" dirty="0"/>
+              <a:t>Diagramas de Flujo</a:t>
+            </a:r>
+            <a:endParaRPr lang="en-US" dirty="0"/>
+          </a:p>
+        </p:txBody>
+      </p:sp>
+    </p:spTree>
+    <p:extLst>
+      <p:ext uri="{BB962C8B-B14F-4D97-AF65-F5344CB8AC3E}">
+        <p14:creationId xmlns:p14="http://schemas.microsoft.com/office/powerpoint/2010/main" val="1038473807"/>
+      </p:ext>
+    </p:extLst>
+  </p:cSld>
+  <p:clrMapOvr>
+    <a:masterClrMapping/>
+  </p:clrMapOvr>
+</p:sld>
+</file>
+
+<file path=ppt/slides/slide18.xml><?xml version="1.0" encoding="utf-8"?>
+<p:sld xmlns:a="http://schemas.openxmlformats.org/drawingml/2006/main" xmlns:r="http://schemas.openxmlformats.org/officeDocument/2006/relationships" xmlns:p="http://schemas.openxmlformats.org/presentationml/2006/main">
+  <p:cSld>
+    <p:spTree>
+      <p:nvGrpSpPr>
+        <p:cNvPr id="1" name=""/>
+        <p:cNvGrpSpPr/>
+        <p:nvPr/>
+      </p:nvGrpSpPr>
+      <p:grpSpPr>
+        <a:xfrm>
+          <a:off x="0" y="0"/>
+          <a:ext cx="0" cy="0"/>
+          <a:chOff x="0" y="0"/>
+          <a:chExt cx="0" cy="0"/>
+        </a:xfrm>
+      </p:grpSpPr>
+      <p:pic>
+        <p:nvPicPr>
+          <p:cNvPr id="3074" name="Picture 2" descr="https://i2.wp.com/padcandy.com/wp-content/uploads/2013/11/cb55_full_view.jpg">
+            <a:extLst>
+              <a:ext uri="{FF2B5EF4-FFF2-40B4-BE49-F238E27FC236}">
+                <a16:creationId xmlns:a16="http://schemas.microsoft.com/office/drawing/2014/main" id="{4E90AC53-D4A8-4367-B537-621D0CEBF967}"/>
+              </a:ext>
+            </a:extLst>
+          </p:cNvPr>
+          <p:cNvPicPr>
+            <a:picLocks noChangeAspect="1" noChangeArrowheads="1"/>
+          </p:cNvPicPr>
+          <p:nvPr/>
+        </p:nvPicPr>
+        <p:blipFill>
+          <a:blip r:embed="rId2">
+            <a:extLst>
+              <a:ext uri="{28A0092B-C50C-407E-A947-70E740481C1C}">
+                <a14:useLocalDpi xmlns:a14="http://schemas.microsoft.com/office/drawing/2010/main" val="0"/>
+              </a:ext>
+            </a:extLst>
+          </a:blip>
+          <a:srcRect/>
+          <a:stretch>
+            <a:fillRect/>
+          </a:stretch>
+        </p:blipFill>
+        <p:spPr bwMode="auto">
+          <a:xfrm>
+            <a:off x="2381250" y="0"/>
+            <a:ext cx="7971064" cy="6889277"/>
+          </a:xfrm>
+          <a:prstGeom prst="rect">
+            <a:avLst/>
+          </a:prstGeom>
+          <a:noFill/>
+          <a:extLst>
+            <a:ext uri="{909E8E84-426E-40DD-AFC4-6F175D3DCCD1}">
+              <a14:hiddenFill xmlns:a14="http://schemas.microsoft.com/office/drawing/2010/main">
+                <a:solidFill>
+                  <a:srgbClr val="FFFFFF"/>
+                </a:solidFill>
+              </a14:hiddenFill>
+            </a:ext>
+          </a:extLst>
+        </p:spPr>
+      </p:pic>
+    </p:spTree>
+    <p:extLst>
+      <p:ext uri="{BB962C8B-B14F-4D97-AF65-F5344CB8AC3E}">
+        <p14:creationId xmlns:p14="http://schemas.microsoft.com/office/powerpoint/2010/main" val="2650516188"/>
+      </p:ext>
+    </p:extLst>
+  </p:cSld>
+  <p:clrMapOvr>
+    <a:masterClrMapping/>
+  </p:clrMapOvr>
+</p:sld>
+</file>
+
+<file path=ppt/slides/slide19.xml><?xml version="1.0" encoding="utf-8"?>
+<p:sld xmlns:a="http://schemas.openxmlformats.org/drawingml/2006/main" xmlns:r="http://schemas.openxmlformats.org/officeDocument/2006/relationships" xmlns:p="http://schemas.openxmlformats.org/presentationml/2006/main">
+  <p:cSld>
+    <p:spTree>
+      <p:nvGrpSpPr>
+        <p:cNvPr id="1" name=""/>
+        <p:cNvGrpSpPr/>
+        <p:nvPr/>
+      </p:nvGrpSpPr>
+      <p:grpSpPr>
+        <a:xfrm>
+          <a:off x="0" y="0"/>
+          <a:ext cx="0" cy="0"/>
+          <a:chOff x="0" y="0"/>
+          <a:chExt cx="0" cy="0"/>
+        </a:xfrm>
+      </p:grpSpPr>
+      <p:sp>
+        <p:nvSpPr>
+          <p:cNvPr id="2" name="Title 1">
+            <a:extLst>
+              <a:ext uri="{FF2B5EF4-FFF2-40B4-BE49-F238E27FC236}">
+                <a16:creationId xmlns:a16="http://schemas.microsoft.com/office/drawing/2014/main" id="{6B57B5C2-5D1E-487E-8F16-0D6CA4F086A0}"/>
+              </a:ext>
+            </a:extLst>
+          </p:cNvPr>
+          <p:cNvSpPr>
+            <a:spLocks noGrp="1"/>
+          </p:cNvSpPr>
+          <p:nvPr>
+            <p:ph type="title"/>
+          </p:nvPr>
+        </p:nvSpPr>
+        <p:spPr/>
+        <p:txBody>
+          <a:bodyPr/>
+          <a:lstStyle/>
+          <a:p>
+            <a:r>
+              <a:rPr lang="es-MX" dirty="0"/>
+              <a:t>Diagrama de Flujo</a:t>
+            </a:r>
+            <a:endParaRPr lang="en-US" dirty="0"/>
+          </a:p>
+        </p:txBody>
+      </p:sp>
+      <p:sp>
+        <p:nvSpPr>
+          <p:cNvPr id="3" name="Content Placeholder 2">
+            <a:extLst>
+              <a:ext uri="{FF2B5EF4-FFF2-40B4-BE49-F238E27FC236}">
+                <a16:creationId xmlns:a16="http://schemas.microsoft.com/office/drawing/2014/main" id="{6316B9E9-DBA5-4F63-8DDC-86DE755777DE}"/>
+              </a:ext>
+            </a:extLst>
+          </p:cNvPr>
+          <p:cNvSpPr>
+            <a:spLocks noGrp="1"/>
+          </p:cNvSpPr>
+          <p:nvPr>
+            <p:ph idx="1"/>
+          </p:nvPr>
+        </p:nvSpPr>
+        <p:spPr/>
+        <p:txBody>
+          <a:bodyPr/>
+          <a:lstStyle/>
+          <a:p>
+            <a:pPr marL="0" indent="0">
+              <a:buNone/>
+            </a:pPr>
+            <a:r>
+              <a:rPr lang="es-MX" dirty="0"/>
+              <a:t>Es una representación gráfica de un algoritmo. Utiliza figuras para representar acciones, decisiones y caminos. Todos los diagramas deben tener:</a:t>
+            </a:r>
+          </a:p>
+          <a:p>
+            <a:pPr marL="514350" indent="-514350">
+              <a:buFont typeface="+mj-lt"/>
+              <a:buAutoNum type="arabicPeriod"/>
+            </a:pPr>
+            <a:r>
+              <a:rPr lang="es-MX" b="1" dirty="0">
+                <a:solidFill>
+                  <a:schemeClr val="accent1"/>
+                </a:solidFill>
+              </a:rPr>
+              <a:t>Un punto de inicio</a:t>
+            </a:r>
+          </a:p>
+          <a:p>
+            <a:pPr marL="514350" indent="-514350">
+              <a:buFont typeface="+mj-lt"/>
+              <a:buAutoNum type="arabicPeriod"/>
+            </a:pPr>
+            <a:r>
+              <a:rPr lang="es-MX" b="1" dirty="0">
+                <a:solidFill>
+                  <a:schemeClr val="accent1"/>
+                </a:solidFill>
+              </a:rPr>
+              <a:t>Un punto fin</a:t>
+            </a:r>
+          </a:p>
+          <a:p>
+            <a:pPr marL="514350" indent="-514350">
+              <a:buFont typeface="+mj-lt"/>
+              <a:buAutoNum type="arabicPeriod"/>
+            </a:pPr>
+            <a:r>
+              <a:rPr lang="es-MX" b="1" dirty="0">
+                <a:solidFill>
+                  <a:schemeClr val="accent1"/>
+                </a:solidFill>
+              </a:rPr>
+              <a:t>Sencillo de entender</a:t>
+            </a:r>
+            <a:endParaRPr lang="en-US" b="1" dirty="0">
+              <a:solidFill>
+                <a:schemeClr val="accent1"/>
+              </a:solidFill>
+            </a:endParaRPr>
+          </a:p>
+        </p:txBody>
+      </p:sp>
+    </p:spTree>
+    <p:extLst>
+      <p:ext uri="{BB962C8B-B14F-4D97-AF65-F5344CB8AC3E}">
+        <p14:creationId xmlns:p14="http://schemas.microsoft.com/office/powerpoint/2010/main" val="782703948"/>
+      </p:ext>
+    </p:extLst>
+  </p:cSld>
+  <p:clrMapOvr>
+    <a:masterClrMapping/>
+  </p:clrMapOvr>
+  <p:timing>
+    <p:tnLst>
+      <p:par>
+        <p:cTn id="1" dur="indefinite" restart="never" nodeType="tmRoot">
+          <p:childTnLst>
+            <p:seq concurrent="1" nextAc="seek">
+              <p:cTn id="2" dur="indefinite" nodeType="mainSeq">
+                <p:childTnLst>
+                  <p:par>
+                    <p:cTn id="3" fill="hold">
+                      <p:stCondLst>
+                        <p:cond delay="indefinite"/>
+                      </p:stCondLst>
+                      <p:childTnLst>
+                        <p:par>
+                          <p:cTn id="4" fill="hold">
+                            <p:stCondLst>
+                              <p:cond delay="0"/>
+                            </p:stCondLst>
+                            <p:childTnLst>
+                              <p:par>
+                                <p:cTn id="5" presetID="1" presetClass="entr" presetSubtype="0" fill="hold" nodeType="clickEffect">
+                                  <p:stCondLst>
+                                    <p:cond delay="0"/>
+                                  </p:stCondLst>
+                                  <p:childTnLst>
+                                    <p:set>
+                                      <p:cBhvr>
+                                        <p:cTn id="6" dur="1" fill="hold">
+                                          <p:stCondLst>
+                                            <p:cond delay="0"/>
+                                          </p:stCondLst>
+                                        </p:cTn>
+                                        <p:tgtEl>
+                                          <p:spTgt spid="3">
+                                            <p:txEl>
+                                              <p:pRg st="1" end="1"/>
+                                            </p:txEl>
+                                          </p:spTgt>
+                                        </p:tgtEl>
+                                        <p:attrNameLst>
+                                          <p:attrName>style.visibility</p:attrName>
+                                        </p:attrNameLst>
+                                      </p:cBhvr>
+                                      <p:to>
+                                        <p:strVal val="visible"/>
+                                      </p:to>
+                                    </p:set>
+                                  </p:childTnLst>
+                                </p:cTn>
+                              </p:par>
+                            </p:childTnLst>
+                          </p:cTn>
+                        </p:par>
+                      </p:childTnLst>
+                    </p:cTn>
+                  </p:par>
+                  <p:par>
+                    <p:cTn id="7" fill="hold">
+                      <p:stCondLst>
+                        <p:cond delay="indefinite"/>
+                      </p:stCondLst>
+                      <p:childTnLst>
+                        <p:par>
+                          <p:cTn id="8" fill="hold">
+                            <p:stCondLst>
+                              <p:cond delay="0"/>
+                            </p:stCondLst>
+                            <p:childTnLst>
+                              <p:par>
+                                <p:cTn id="9" presetID="1" presetClass="entr" presetSubtype="0" fill="hold" nodeType="clickEffect">
+                                  <p:stCondLst>
+                                    <p:cond delay="0"/>
+                                  </p:stCondLst>
+                                  <p:childTnLst>
+                                    <p:set>
+                                      <p:cBhvr>
+                                        <p:cTn id="10" dur="1" fill="hold">
+                                          <p:stCondLst>
+                                            <p:cond delay="0"/>
+                                          </p:stCondLst>
+                                        </p:cTn>
+                                        <p:tgtEl>
+                                          <p:spTgt spid="3">
+                                            <p:txEl>
+                                              <p:pRg st="2" end="2"/>
+                                            </p:txEl>
+                                          </p:spTgt>
+                                        </p:tgtEl>
+                                        <p:attrNameLst>
+                                          <p:attrName>style.visibility</p:attrName>
+                                        </p:attrNameLst>
+                                      </p:cBhvr>
+                                      <p:to>
+                                        <p:strVal val="visible"/>
+                                      </p:to>
+                                    </p:set>
+                                  </p:childTnLst>
+                                </p:cTn>
+                              </p:par>
+                            </p:childTnLst>
+                          </p:cTn>
+                        </p:par>
+                      </p:childTnLst>
+                    </p:cTn>
+                  </p:par>
+                  <p:par>
+                    <p:cTn id="11" fill="hold">
+                      <p:stCondLst>
+                        <p:cond delay="indefinite"/>
+                      </p:stCondLst>
+                      <p:childTnLst>
+                        <p:par>
+                          <p:cTn id="12" fill="hold">
+                            <p:stCondLst>
+                              <p:cond delay="0"/>
+                            </p:stCondLst>
+                            <p:childTnLst>
+                              <p:par>
+                                <p:cTn id="13" presetID="1" presetClass="entr" presetSubtype="0" fill="hold" nodeType="clickEffect">
+                                  <p:stCondLst>
+                                    <p:cond delay="0"/>
+                                  </p:stCondLst>
+                                  <p:childTnLst>
+                                    <p:set>
+                                      <p:cBhvr>
+                                        <p:cTn id="14" dur="1" fill="hold">
+                                          <p:stCondLst>
+                                            <p:cond delay="0"/>
+                                          </p:stCondLst>
+                                        </p:cTn>
+                                        <p:tgtEl>
+                                          <p:spTgt spid="3">
+                                            <p:txEl>
+                                              <p:pRg st="3" end="3"/>
+                                            </p:txEl>
+                                          </p:spTgt>
+                                        </p:tgtEl>
+                                        <p:attrNameLst>
+                                          <p:attrName>style.visibility</p:attrName>
+                                        </p:attrNameLst>
+                                      </p:cBhvr>
+                                      <p:to>
+                                        <p:strVal val="visible"/>
+                                      </p:to>
+                                    </p:set>
+                                  </p:childTnLst>
+                                </p:cTn>
+                              </p:par>
+                            </p:childTnLst>
+                          </p:cTn>
+                        </p:par>
+                      </p:childTnLst>
+                    </p:cTn>
+                  </p:par>
+                </p:childTnLst>
+              </p:cTn>
+              <p:prevCondLst>
+                <p:cond evt="onPrev" delay="0">
+                  <p:tgtEl>
+                    <p:sldTgt/>
+                  </p:tgtEl>
+                </p:cond>
+              </p:prevCondLst>
+              <p:nextCondLst>
+                <p:cond evt="onNext" delay="0">
+                  <p:tgtEl>
+                    <p:sldTgt/>
+                  </p:tgtEl>
+                </p:cond>
+              </p:nextCondLst>
+            </p:seq>
+          </p:childTnLst>
+        </p:cTn>
+      </p:par>
+    </p:tnLst>
+  </p:timing>
+</p:sld>
+</file>
+
 <file path=ppt/slides/slide2.xml><?xml version="1.0" encoding="utf-8"?>
 <p:sld xmlns:a="http://schemas.openxmlformats.org/drawingml/2006/main" xmlns:r="http://schemas.openxmlformats.org/officeDocument/2006/relationships" xmlns:p="http://schemas.openxmlformats.org/presentationml/2006/main">
   <p:cSld>
@@ -3442,6 +6149,5465 @@
     <p:extLst>
       <p:ext uri="{BB962C8B-B14F-4D97-AF65-F5344CB8AC3E}">
         <p14:creationId xmlns:p14="http://schemas.microsoft.com/office/powerpoint/2010/main" val="3365043028"/>
+      </p:ext>
+    </p:extLst>
+  </p:cSld>
+  <p:clrMapOvr>
+    <a:masterClrMapping/>
+  </p:clrMapOvr>
+</p:sld>
+</file>
+
+<file path=ppt/slides/slide20.xml><?xml version="1.0" encoding="utf-8"?>
+<p:sld xmlns:a="http://schemas.openxmlformats.org/drawingml/2006/main" xmlns:r="http://schemas.openxmlformats.org/officeDocument/2006/relationships" xmlns:p="http://schemas.openxmlformats.org/presentationml/2006/main">
+  <p:cSld>
+    <p:spTree>
+      <p:nvGrpSpPr>
+        <p:cNvPr id="1" name=""/>
+        <p:cNvGrpSpPr/>
+        <p:nvPr/>
+      </p:nvGrpSpPr>
+      <p:grpSpPr>
+        <a:xfrm>
+          <a:off x="0" y="0"/>
+          <a:ext cx="0" cy="0"/>
+          <a:chOff x="0" y="0"/>
+          <a:chExt cx="0" cy="0"/>
+        </a:xfrm>
+      </p:grpSpPr>
+      <p:pic>
+        <p:nvPicPr>
+          <p:cNvPr id="3" name="Picture 2">
+            <a:extLst>
+              <a:ext uri="{FF2B5EF4-FFF2-40B4-BE49-F238E27FC236}">
+                <a16:creationId xmlns:a16="http://schemas.microsoft.com/office/drawing/2014/main" id="{2CFFFB7D-D046-499A-B965-8AF11CBA01CC}"/>
+              </a:ext>
+            </a:extLst>
+          </p:cNvPr>
+          <p:cNvPicPr>
+            <a:picLocks noChangeAspect="1"/>
+          </p:cNvPicPr>
+          <p:nvPr/>
+        </p:nvPicPr>
+        <p:blipFill rotWithShape="1">
+          <a:blip r:embed="rId2">
+            <a:extLst>
+              <a:ext uri="{28A0092B-C50C-407E-A947-70E740481C1C}">
+                <a14:useLocalDpi xmlns:a14="http://schemas.microsoft.com/office/drawing/2010/main" val="0"/>
+              </a:ext>
+            </a:extLst>
+          </a:blip>
+          <a:srcRect l="2453" t="3491" r="72906" b="65715"/>
+          <a:stretch/>
+        </p:blipFill>
+        <p:spPr>
+          <a:xfrm>
+            <a:off x="7039034" y="1621971"/>
+            <a:ext cx="4720976" cy="4299857"/>
+          </a:xfrm>
+          <a:prstGeom prst="rect">
+            <a:avLst/>
+          </a:prstGeom>
+        </p:spPr>
+      </p:pic>
+      <p:sp>
+        <p:nvSpPr>
+          <p:cNvPr id="4" name="Title 1">
+            <a:extLst>
+              <a:ext uri="{FF2B5EF4-FFF2-40B4-BE49-F238E27FC236}">
+                <a16:creationId xmlns:a16="http://schemas.microsoft.com/office/drawing/2014/main" id="{3D51C130-6100-4081-9F6B-4DAEFED7CA5B}"/>
+              </a:ext>
+            </a:extLst>
+          </p:cNvPr>
+          <p:cNvSpPr txBox="1">
+            <a:spLocks/>
+          </p:cNvSpPr>
+          <p:nvPr/>
+        </p:nvSpPr>
+        <p:spPr>
+          <a:xfrm>
+            <a:off x="838200" y="203958"/>
+            <a:ext cx="11095382" cy="954157"/>
+          </a:xfrm>
+          <a:prstGeom prst="rect">
+            <a:avLst/>
+          </a:prstGeom>
+        </p:spPr>
+        <p:txBody>
+          <a:bodyPr/>
+          <a:lstStyle>
+            <a:lvl1pPr algn="l" defTabSz="914400" rtl="0" eaLnBrk="1" latinLnBrk="0" hangingPunct="1">
+              <a:lnSpc>
+                <a:spcPct val="90000"/>
+              </a:lnSpc>
+              <a:spcBef>
+                <a:spcPct val="0"/>
+              </a:spcBef>
+              <a:buNone/>
+              <a:defRPr sz="4400" b="1" kern="1200">
+                <a:solidFill>
+                  <a:schemeClr val="accent2"/>
+                </a:solidFill>
+                <a:latin typeface="Ubuntu" panose="020B0504030602030204" pitchFamily="34" charset="0"/>
+                <a:ea typeface="+mj-ea"/>
+                <a:cs typeface="Arial" panose="020B0604020202020204" pitchFamily="34" charset="0"/>
+              </a:defRPr>
+            </a:lvl1pPr>
+          </a:lstStyle>
+          <a:p>
+            <a:r>
+              <a:rPr lang="es-MX" dirty="0"/>
+              <a:t>Bloque Inicio / Fin</a:t>
+            </a:r>
+            <a:endParaRPr lang="en-US" dirty="0"/>
+          </a:p>
+        </p:txBody>
+      </p:sp>
+      <p:sp>
+        <p:nvSpPr>
+          <p:cNvPr id="5" name="Content Placeholder 2">
+            <a:extLst>
+              <a:ext uri="{FF2B5EF4-FFF2-40B4-BE49-F238E27FC236}">
+                <a16:creationId xmlns:a16="http://schemas.microsoft.com/office/drawing/2014/main" id="{B11444E3-4583-414B-9981-85CAAD33D593}"/>
+              </a:ext>
+            </a:extLst>
+          </p:cNvPr>
+          <p:cNvSpPr txBox="1">
+            <a:spLocks/>
+          </p:cNvSpPr>
+          <p:nvPr/>
+        </p:nvSpPr>
+        <p:spPr>
+          <a:xfrm>
+            <a:off x="838200" y="1158114"/>
+            <a:ext cx="5943600" cy="5495927"/>
+          </a:xfrm>
+          <a:prstGeom prst="rect">
+            <a:avLst/>
+          </a:prstGeom>
+        </p:spPr>
+        <p:txBody>
+          <a:bodyPr anchor="ctr"/>
+          <a:lstStyle>
+            <a:lvl1pPr marL="228600" indent="-228600" algn="l" defTabSz="914400" rtl="0" eaLnBrk="1" latinLnBrk="0" hangingPunct="1">
+              <a:lnSpc>
+                <a:spcPct val="90000"/>
+              </a:lnSpc>
+              <a:spcBef>
+                <a:spcPts val="1000"/>
+              </a:spcBef>
+              <a:buFont typeface="Arial" panose="020B0604020202020204" pitchFamily="34" charset="0"/>
+              <a:buChar char="•"/>
+              <a:defRPr sz="2800" kern="1200">
+                <a:solidFill>
+                  <a:schemeClr val="tx1"/>
+                </a:solidFill>
+                <a:latin typeface="Ubuntu" panose="020B0504030602030204" pitchFamily="34" charset="0"/>
+                <a:ea typeface="+mn-ea"/>
+                <a:cs typeface="Arial" panose="020B0604020202020204" pitchFamily="34" charset="0"/>
+              </a:defRPr>
+            </a:lvl1pPr>
+            <a:lvl2pPr marL="685800" indent="-228600" algn="l" defTabSz="914400" rtl="0" eaLnBrk="1" latinLnBrk="0" hangingPunct="1">
+              <a:lnSpc>
+                <a:spcPct val="90000"/>
+              </a:lnSpc>
+              <a:spcBef>
+                <a:spcPts val="500"/>
+              </a:spcBef>
+              <a:buFont typeface="Arial" panose="020B0604020202020204" pitchFamily="34" charset="0"/>
+              <a:buChar char="•"/>
+              <a:defRPr sz="2400" kern="1200">
+                <a:solidFill>
+                  <a:schemeClr val="tx1"/>
+                </a:solidFill>
+                <a:latin typeface="Ubuntu" panose="020B0504030602030204" pitchFamily="34" charset="0"/>
+                <a:ea typeface="+mn-ea"/>
+                <a:cs typeface="Arial" panose="020B0604020202020204" pitchFamily="34" charset="0"/>
+              </a:defRPr>
+            </a:lvl2pPr>
+            <a:lvl3pPr marL="1143000" indent="-228600" algn="l" defTabSz="914400" rtl="0" eaLnBrk="1" latinLnBrk="0" hangingPunct="1">
+              <a:lnSpc>
+                <a:spcPct val="90000"/>
+              </a:lnSpc>
+              <a:spcBef>
+                <a:spcPts val="500"/>
+              </a:spcBef>
+              <a:buFont typeface="Arial" panose="020B0604020202020204" pitchFamily="34" charset="0"/>
+              <a:buChar char="•"/>
+              <a:defRPr sz="2000" kern="1200">
+                <a:solidFill>
+                  <a:schemeClr val="tx1"/>
+                </a:solidFill>
+                <a:latin typeface="Ubuntu" panose="020B0504030602030204" pitchFamily="34" charset="0"/>
+                <a:ea typeface="+mn-ea"/>
+                <a:cs typeface="Arial" panose="020B0604020202020204" pitchFamily="34" charset="0"/>
+              </a:defRPr>
+            </a:lvl3pPr>
+            <a:lvl4pPr marL="1600200" indent="-228600" algn="l" defTabSz="914400" rtl="0" eaLnBrk="1" latinLnBrk="0" hangingPunct="1">
+              <a:lnSpc>
+                <a:spcPct val="90000"/>
+              </a:lnSpc>
+              <a:spcBef>
+                <a:spcPts val="500"/>
+              </a:spcBef>
+              <a:buFont typeface="Arial" panose="020B0604020202020204" pitchFamily="34" charset="0"/>
+              <a:buChar char="•"/>
+              <a:defRPr sz="1800" kern="1200">
+                <a:solidFill>
+                  <a:schemeClr val="tx1"/>
+                </a:solidFill>
+                <a:latin typeface="Ubuntu" panose="020B0504030602030204" pitchFamily="34" charset="0"/>
+                <a:ea typeface="+mn-ea"/>
+                <a:cs typeface="Arial" panose="020B0604020202020204" pitchFamily="34" charset="0"/>
+              </a:defRPr>
+            </a:lvl4pPr>
+            <a:lvl5pPr marL="2057400" indent="-228600" algn="l" defTabSz="914400" rtl="0" eaLnBrk="1" latinLnBrk="0" hangingPunct="1">
+              <a:lnSpc>
+                <a:spcPct val="90000"/>
+              </a:lnSpc>
+              <a:spcBef>
+                <a:spcPts val="500"/>
+              </a:spcBef>
+              <a:buFont typeface="Arial" panose="020B0604020202020204" pitchFamily="34" charset="0"/>
+              <a:buChar char="•"/>
+              <a:defRPr sz="1800" kern="1200">
+                <a:solidFill>
+                  <a:schemeClr val="tx1"/>
+                </a:solidFill>
+                <a:latin typeface="Ubuntu" panose="020B0504030602030204" pitchFamily="34" charset="0"/>
+                <a:ea typeface="+mn-ea"/>
+                <a:cs typeface="Arial" panose="020B0604020202020204" pitchFamily="34" charset="0"/>
+              </a:defRPr>
+            </a:lvl5pPr>
+            <a:lvl6pPr marL="2514600" indent="-228600" algn="l" defTabSz="914400" rtl="0" eaLnBrk="1" latinLnBrk="0" hangingPunct="1">
+              <a:lnSpc>
+                <a:spcPct val="90000"/>
+              </a:lnSpc>
+              <a:spcBef>
+                <a:spcPts val="500"/>
+              </a:spcBef>
+              <a:buFont typeface="Arial" panose="020B0604020202020204" pitchFamily="34" charset="0"/>
+              <a:buChar char="•"/>
+              <a:defRPr sz="1800" kern="1200">
+                <a:solidFill>
+                  <a:schemeClr val="tx1"/>
+                </a:solidFill>
+                <a:latin typeface="+mn-lt"/>
+                <a:ea typeface="+mn-ea"/>
+                <a:cs typeface="+mn-cs"/>
+              </a:defRPr>
+            </a:lvl6pPr>
+            <a:lvl7pPr marL="2971800" indent="-228600" algn="l" defTabSz="914400" rtl="0" eaLnBrk="1" latinLnBrk="0" hangingPunct="1">
+              <a:lnSpc>
+                <a:spcPct val="90000"/>
+              </a:lnSpc>
+              <a:spcBef>
+                <a:spcPts val="500"/>
+              </a:spcBef>
+              <a:buFont typeface="Arial" panose="020B0604020202020204" pitchFamily="34" charset="0"/>
+              <a:buChar char="•"/>
+              <a:defRPr sz="1800" kern="1200">
+                <a:solidFill>
+                  <a:schemeClr val="tx1"/>
+                </a:solidFill>
+                <a:latin typeface="+mn-lt"/>
+                <a:ea typeface="+mn-ea"/>
+                <a:cs typeface="+mn-cs"/>
+              </a:defRPr>
+            </a:lvl7pPr>
+            <a:lvl8pPr marL="3429000" indent="-228600" algn="l" defTabSz="914400" rtl="0" eaLnBrk="1" latinLnBrk="0" hangingPunct="1">
+              <a:lnSpc>
+                <a:spcPct val="90000"/>
+              </a:lnSpc>
+              <a:spcBef>
+                <a:spcPts val="500"/>
+              </a:spcBef>
+              <a:buFont typeface="Arial" panose="020B0604020202020204" pitchFamily="34" charset="0"/>
+              <a:buChar char="•"/>
+              <a:defRPr sz="1800" kern="1200">
+                <a:solidFill>
+                  <a:schemeClr val="tx1"/>
+                </a:solidFill>
+                <a:latin typeface="+mn-lt"/>
+                <a:ea typeface="+mn-ea"/>
+                <a:cs typeface="+mn-cs"/>
+              </a:defRPr>
+            </a:lvl8pPr>
+            <a:lvl9pPr marL="3886200" indent="-228600" algn="l" defTabSz="914400" rtl="0" eaLnBrk="1" latinLnBrk="0" hangingPunct="1">
+              <a:lnSpc>
+                <a:spcPct val="90000"/>
+              </a:lnSpc>
+              <a:spcBef>
+                <a:spcPts val="500"/>
+              </a:spcBef>
+              <a:buFont typeface="Arial" panose="020B0604020202020204" pitchFamily="34" charset="0"/>
+              <a:buChar char="•"/>
+              <a:defRPr sz="1800" kern="1200">
+                <a:solidFill>
+                  <a:schemeClr val="tx1"/>
+                </a:solidFill>
+                <a:latin typeface="+mn-lt"/>
+                <a:ea typeface="+mn-ea"/>
+                <a:cs typeface="+mn-cs"/>
+              </a:defRPr>
+            </a:lvl9pPr>
+          </a:lstStyle>
+          <a:p>
+            <a:pPr marL="0" indent="0">
+              <a:buFont typeface="Arial" panose="020B0604020202020204" pitchFamily="34" charset="0"/>
+              <a:buNone/>
+            </a:pPr>
+            <a:r>
+              <a:rPr lang="es-MX" sz="3200" dirty="0"/>
+              <a:t>Señalizan el principio y final de un diagrama de flujo. </a:t>
+            </a:r>
+          </a:p>
+          <a:p>
+            <a:pPr marL="0" indent="0">
+              <a:buFont typeface="Arial" panose="020B0604020202020204" pitchFamily="34" charset="0"/>
+              <a:buNone/>
+            </a:pPr>
+            <a:endParaRPr lang="es-MX" sz="3200" dirty="0"/>
+          </a:p>
+          <a:p>
+            <a:pPr marL="0" indent="0">
+              <a:buFont typeface="Arial" panose="020B0604020202020204" pitchFamily="34" charset="0"/>
+              <a:buNone/>
+            </a:pPr>
+            <a:r>
+              <a:rPr lang="en-US" sz="3200" b="1" i="1" dirty="0" err="1"/>
+              <a:t>Sólo</a:t>
+            </a:r>
+            <a:r>
+              <a:rPr lang="en-US" sz="3200" b="1" i="1" dirty="0"/>
+              <a:t> </a:t>
+            </a:r>
+            <a:r>
+              <a:rPr lang="en-US" sz="3200" b="1" i="1" dirty="0" err="1"/>
+              <a:t>puede</a:t>
+            </a:r>
+            <a:r>
+              <a:rPr lang="en-US" sz="3200" b="1" i="1" dirty="0"/>
+              <a:t> </a:t>
+            </a:r>
+            <a:r>
+              <a:rPr lang="en-US" sz="3200" b="1" i="1" dirty="0" err="1"/>
+              <a:t>existir</a:t>
+            </a:r>
+            <a:r>
+              <a:rPr lang="en-US" sz="3200" b="1" i="1" dirty="0"/>
+              <a:t> </a:t>
+            </a:r>
+            <a:r>
+              <a:rPr lang="en-US" sz="3200" b="1" i="1" dirty="0" err="1"/>
+              <a:t>uno</a:t>
+            </a:r>
+            <a:r>
+              <a:rPr lang="en-US" sz="3200" b="1" i="1" dirty="0"/>
+              <a:t> de </a:t>
+            </a:r>
+            <a:r>
+              <a:rPr lang="en-US" sz="3200" b="1" i="1" dirty="0" err="1"/>
+              <a:t>cada</a:t>
+            </a:r>
+            <a:r>
+              <a:rPr lang="en-US" sz="3200" b="1" i="1" dirty="0"/>
+              <a:t> </a:t>
+            </a:r>
+            <a:r>
+              <a:rPr lang="en-US" sz="3200" b="1" i="1" dirty="0" err="1"/>
+              <a:t>uno</a:t>
+            </a:r>
+            <a:r>
+              <a:rPr lang="en-US" sz="3200" b="1" i="1" dirty="0"/>
+              <a:t> de </a:t>
+            </a:r>
+            <a:r>
+              <a:rPr lang="en-US" sz="3200" b="1" i="1" dirty="0" err="1"/>
+              <a:t>estos</a:t>
+            </a:r>
+            <a:r>
+              <a:rPr lang="en-US" sz="3200" b="1" i="1" dirty="0"/>
+              <a:t> </a:t>
+            </a:r>
+            <a:r>
+              <a:rPr lang="en-US" sz="3200" b="1" i="1" dirty="0" err="1"/>
+              <a:t>bloques</a:t>
+            </a:r>
+            <a:r>
+              <a:rPr lang="en-US" sz="3200" b="1" i="1" dirty="0"/>
+              <a:t> por </a:t>
+            </a:r>
+            <a:r>
+              <a:rPr lang="en-US" sz="3200" b="1" i="1" dirty="0" err="1"/>
+              <a:t>diagrama</a:t>
+            </a:r>
+            <a:r>
+              <a:rPr lang="en-US" sz="3200" b="1" i="1" dirty="0"/>
+              <a:t>.</a:t>
+            </a:r>
+          </a:p>
+          <a:p>
+            <a:pPr marL="0" indent="0">
+              <a:buFont typeface="Arial" panose="020B0604020202020204" pitchFamily="34" charset="0"/>
+              <a:buNone/>
+            </a:pPr>
+            <a:endParaRPr lang="en-US" sz="3200" b="1" dirty="0"/>
+          </a:p>
+          <a:p>
+            <a:pPr marL="0" indent="0">
+              <a:buFont typeface="Arial" panose="020B0604020202020204" pitchFamily="34" charset="0"/>
+              <a:buNone/>
+            </a:pPr>
+            <a:r>
+              <a:rPr lang="en-US" sz="3200" b="1" dirty="0">
+                <a:solidFill>
+                  <a:schemeClr val="accent2"/>
+                </a:solidFill>
+              </a:rPr>
+              <a:t>Se </a:t>
+            </a:r>
+            <a:r>
+              <a:rPr lang="en-US" sz="3200" b="1" dirty="0" err="1">
+                <a:solidFill>
+                  <a:schemeClr val="accent2"/>
+                </a:solidFill>
+              </a:rPr>
+              <a:t>utiliza</a:t>
+            </a:r>
+            <a:r>
+              <a:rPr lang="en-US" sz="3200" b="1" dirty="0">
+                <a:solidFill>
+                  <a:schemeClr val="accent2"/>
+                </a:solidFill>
+              </a:rPr>
+              <a:t> una </a:t>
+            </a:r>
+            <a:r>
+              <a:rPr lang="en-US" sz="3200" b="1" dirty="0" err="1">
+                <a:solidFill>
+                  <a:schemeClr val="accent2"/>
+                </a:solidFill>
+              </a:rPr>
+              <a:t>óvalo</a:t>
+            </a:r>
+            <a:r>
+              <a:rPr lang="en-US" sz="3200" b="1" dirty="0">
+                <a:solidFill>
+                  <a:schemeClr val="accent2"/>
+                </a:solidFill>
+              </a:rPr>
+              <a:t> o </a:t>
+            </a:r>
+            <a:r>
+              <a:rPr lang="en-US" sz="3200" b="1" dirty="0" err="1">
+                <a:solidFill>
+                  <a:schemeClr val="accent2"/>
+                </a:solidFill>
+              </a:rPr>
+              <a:t>círculo</a:t>
+            </a:r>
+            <a:r>
+              <a:rPr lang="en-US" sz="3200" b="1" dirty="0">
+                <a:solidFill>
+                  <a:schemeClr val="accent2"/>
+                </a:solidFill>
+              </a:rPr>
+              <a:t> para </a:t>
+            </a:r>
+            <a:r>
+              <a:rPr lang="en-US" sz="3200" b="1" dirty="0" err="1">
+                <a:solidFill>
+                  <a:schemeClr val="accent2"/>
+                </a:solidFill>
+              </a:rPr>
+              <a:t>representar</a:t>
+            </a:r>
+            <a:r>
+              <a:rPr lang="en-US" sz="3200" b="1" dirty="0">
+                <a:solidFill>
+                  <a:schemeClr val="accent2"/>
+                </a:solidFill>
+              </a:rPr>
+              <a:t> </a:t>
+            </a:r>
+            <a:r>
+              <a:rPr lang="en-US" sz="3200" b="1" dirty="0" err="1">
+                <a:solidFill>
+                  <a:schemeClr val="accent2"/>
+                </a:solidFill>
+              </a:rPr>
+              <a:t>esta</a:t>
+            </a:r>
+            <a:r>
+              <a:rPr lang="en-US" sz="3200" b="1" dirty="0">
+                <a:solidFill>
+                  <a:schemeClr val="accent2"/>
+                </a:solidFill>
+              </a:rPr>
+              <a:t> </a:t>
+            </a:r>
+            <a:r>
+              <a:rPr lang="en-US" sz="3200" b="1" dirty="0" err="1">
+                <a:solidFill>
+                  <a:schemeClr val="accent2"/>
+                </a:solidFill>
+              </a:rPr>
+              <a:t>acción</a:t>
+            </a:r>
+            <a:endParaRPr lang="en-US" sz="3200" dirty="0">
+              <a:solidFill>
+                <a:schemeClr val="accent2"/>
+              </a:solidFill>
+            </a:endParaRPr>
+          </a:p>
+          <a:p>
+            <a:pPr marL="0" indent="0">
+              <a:buFont typeface="Arial" panose="020B0604020202020204" pitchFamily="34" charset="0"/>
+              <a:buNone/>
+            </a:pPr>
+            <a:endParaRPr lang="en-US" dirty="0"/>
+          </a:p>
+        </p:txBody>
+      </p:sp>
+    </p:spTree>
+    <p:extLst>
+      <p:ext uri="{BB962C8B-B14F-4D97-AF65-F5344CB8AC3E}">
+        <p14:creationId xmlns:p14="http://schemas.microsoft.com/office/powerpoint/2010/main" val="2522065698"/>
+      </p:ext>
+    </p:extLst>
+  </p:cSld>
+  <p:clrMapOvr>
+    <a:masterClrMapping/>
+  </p:clrMapOvr>
+</p:sld>
+</file>
+
+<file path=ppt/slides/slide21.xml><?xml version="1.0" encoding="utf-8"?>
+<p:sld xmlns:a="http://schemas.openxmlformats.org/drawingml/2006/main" xmlns:r="http://schemas.openxmlformats.org/officeDocument/2006/relationships" xmlns:p="http://schemas.openxmlformats.org/presentationml/2006/main">
+  <p:cSld>
+    <p:spTree>
+      <p:nvGrpSpPr>
+        <p:cNvPr id="1" name=""/>
+        <p:cNvGrpSpPr/>
+        <p:nvPr/>
+      </p:nvGrpSpPr>
+      <p:grpSpPr>
+        <a:xfrm>
+          <a:off x="0" y="0"/>
+          <a:ext cx="0" cy="0"/>
+          <a:chOff x="0" y="0"/>
+          <a:chExt cx="0" cy="0"/>
+        </a:xfrm>
+      </p:grpSpPr>
+      <p:pic>
+        <p:nvPicPr>
+          <p:cNvPr id="3" name="Picture 2">
+            <a:extLst>
+              <a:ext uri="{FF2B5EF4-FFF2-40B4-BE49-F238E27FC236}">
+                <a16:creationId xmlns:a16="http://schemas.microsoft.com/office/drawing/2014/main" id="{2CFFFB7D-D046-499A-B965-8AF11CBA01CC}"/>
+              </a:ext>
+            </a:extLst>
+          </p:cNvPr>
+          <p:cNvPicPr>
+            <a:picLocks noChangeAspect="1"/>
+          </p:cNvPicPr>
+          <p:nvPr/>
+        </p:nvPicPr>
+        <p:blipFill rotWithShape="1">
+          <a:blip r:embed="rId2">
+            <a:extLst>
+              <a:ext uri="{28A0092B-C50C-407E-A947-70E740481C1C}">
+                <a14:useLocalDpi xmlns:a14="http://schemas.microsoft.com/office/drawing/2010/main" val="0"/>
+              </a:ext>
+            </a:extLst>
+          </a:blip>
+          <a:srcRect l="1343" t="39099" r="78036" b="44061"/>
+          <a:stretch/>
+        </p:blipFill>
+        <p:spPr>
+          <a:xfrm>
+            <a:off x="7620001" y="3684143"/>
+            <a:ext cx="3832957" cy="2281229"/>
+          </a:xfrm>
+          <a:prstGeom prst="rect">
+            <a:avLst/>
+          </a:prstGeom>
+        </p:spPr>
+      </p:pic>
+      <p:sp>
+        <p:nvSpPr>
+          <p:cNvPr id="4" name="Title 1">
+            <a:extLst>
+              <a:ext uri="{FF2B5EF4-FFF2-40B4-BE49-F238E27FC236}">
+                <a16:creationId xmlns:a16="http://schemas.microsoft.com/office/drawing/2014/main" id="{3D51C130-6100-4081-9F6B-4DAEFED7CA5B}"/>
+              </a:ext>
+            </a:extLst>
+          </p:cNvPr>
+          <p:cNvSpPr txBox="1">
+            <a:spLocks/>
+          </p:cNvSpPr>
+          <p:nvPr/>
+        </p:nvSpPr>
+        <p:spPr>
+          <a:xfrm>
+            <a:off x="838200" y="203958"/>
+            <a:ext cx="11095382" cy="954157"/>
+          </a:xfrm>
+          <a:prstGeom prst="rect">
+            <a:avLst/>
+          </a:prstGeom>
+        </p:spPr>
+        <p:txBody>
+          <a:bodyPr/>
+          <a:lstStyle>
+            <a:lvl1pPr algn="l" defTabSz="914400" rtl="0" eaLnBrk="1" latinLnBrk="0" hangingPunct="1">
+              <a:lnSpc>
+                <a:spcPct val="90000"/>
+              </a:lnSpc>
+              <a:spcBef>
+                <a:spcPct val="0"/>
+              </a:spcBef>
+              <a:buNone/>
+              <a:defRPr sz="4400" b="1" kern="1200">
+                <a:solidFill>
+                  <a:schemeClr val="accent2"/>
+                </a:solidFill>
+                <a:latin typeface="Ubuntu" panose="020B0504030602030204" pitchFamily="34" charset="0"/>
+                <a:ea typeface="+mj-ea"/>
+                <a:cs typeface="Arial" panose="020B0604020202020204" pitchFamily="34" charset="0"/>
+              </a:defRPr>
+            </a:lvl1pPr>
+          </a:lstStyle>
+          <a:p>
+            <a:r>
+              <a:rPr lang="es-MX" dirty="0"/>
+              <a:t>Bloque Proceso</a:t>
+            </a:r>
+            <a:endParaRPr lang="en-US" dirty="0"/>
+          </a:p>
+        </p:txBody>
+      </p:sp>
+      <p:sp>
+        <p:nvSpPr>
+          <p:cNvPr id="5" name="Content Placeholder 2">
+            <a:extLst>
+              <a:ext uri="{FF2B5EF4-FFF2-40B4-BE49-F238E27FC236}">
+                <a16:creationId xmlns:a16="http://schemas.microsoft.com/office/drawing/2014/main" id="{B11444E3-4583-414B-9981-85CAAD33D593}"/>
+              </a:ext>
+            </a:extLst>
+          </p:cNvPr>
+          <p:cNvSpPr txBox="1">
+            <a:spLocks/>
+          </p:cNvSpPr>
+          <p:nvPr/>
+        </p:nvSpPr>
+        <p:spPr>
+          <a:xfrm>
+            <a:off x="739042" y="892628"/>
+            <a:ext cx="10114015" cy="5761413"/>
+          </a:xfrm>
+          <a:prstGeom prst="rect">
+            <a:avLst/>
+          </a:prstGeom>
+        </p:spPr>
+        <p:txBody>
+          <a:bodyPr anchor="ctr"/>
+          <a:lstStyle>
+            <a:lvl1pPr marL="228600" indent="-228600" algn="l" defTabSz="914400" rtl="0" eaLnBrk="1" latinLnBrk="0" hangingPunct="1">
+              <a:lnSpc>
+                <a:spcPct val="90000"/>
+              </a:lnSpc>
+              <a:spcBef>
+                <a:spcPts val="1000"/>
+              </a:spcBef>
+              <a:buFont typeface="Arial" panose="020B0604020202020204" pitchFamily="34" charset="0"/>
+              <a:buChar char="•"/>
+              <a:defRPr sz="2800" kern="1200">
+                <a:solidFill>
+                  <a:schemeClr val="tx1"/>
+                </a:solidFill>
+                <a:latin typeface="Ubuntu" panose="020B0504030602030204" pitchFamily="34" charset="0"/>
+                <a:ea typeface="+mn-ea"/>
+                <a:cs typeface="Arial" panose="020B0604020202020204" pitchFamily="34" charset="0"/>
+              </a:defRPr>
+            </a:lvl1pPr>
+            <a:lvl2pPr marL="685800" indent="-228600" algn="l" defTabSz="914400" rtl="0" eaLnBrk="1" latinLnBrk="0" hangingPunct="1">
+              <a:lnSpc>
+                <a:spcPct val="90000"/>
+              </a:lnSpc>
+              <a:spcBef>
+                <a:spcPts val="500"/>
+              </a:spcBef>
+              <a:buFont typeface="Arial" panose="020B0604020202020204" pitchFamily="34" charset="0"/>
+              <a:buChar char="•"/>
+              <a:defRPr sz="2400" kern="1200">
+                <a:solidFill>
+                  <a:schemeClr val="tx1"/>
+                </a:solidFill>
+                <a:latin typeface="Ubuntu" panose="020B0504030602030204" pitchFamily="34" charset="0"/>
+                <a:ea typeface="+mn-ea"/>
+                <a:cs typeface="Arial" panose="020B0604020202020204" pitchFamily="34" charset="0"/>
+              </a:defRPr>
+            </a:lvl2pPr>
+            <a:lvl3pPr marL="1143000" indent="-228600" algn="l" defTabSz="914400" rtl="0" eaLnBrk="1" latinLnBrk="0" hangingPunct="1">
+              <a:lnSpc>
+                <a:spcPct val="90000"/>
+              </a:lnSpc>
+              <a:spcBef>
+                <a:spcPts val="500"/>
+              </a:spcBef>
+              <a:buFont typeface="Arial" panose="020B0604020202020204" pitchFamily="34" charset="0"/>
+              <a:buChar char="•"/>
+              <a:defRPr sz="2000" kern="1200">
+                <a:solidFill>
+                  <a:schemeClr val="tx1"/>
+                </a:solidFill>
+                <a:latin typeface="Ubuntu" panose="020B0504030602030204" pitchFamily="34" charset="0"/>
+                <a:ea typeface="+mn-ea"/>
+                <a:cs typeface="Arial" panose="020B0604020202020204" pitchFamily="34" charset="0"/>
+              </a:defRPr>
+            </a:lvl3pPr>
+            <a:lvl4pPr marL="1600200" indent="-228600" algn="l" defTabSz="914400" rtl="0" eaLnBrk="1" latinLnBrk="0" hangingPunct="1">
+              <a:lnSpc>
+                <a:spcPct val="90000"/>
+              </a:lnSpc>
+              <a:spcBef>
+                <a:spcPts val="500"/>
+              </a:spcBef>
+              <a:buFont typeface="Arial" panose="020B0604020202020204" pitchFamily="34" charset="0"/>
+              <a:buChar char="•"/>
+              <a:defRPr sz="1800" kern="1200">
+                <a:solidFill>
+                  <a:schemeClr val="tx1"/>
+                </a:solidFill>
+                <a:latin typeface="Ubuntu" panose="020B0504030602030204" pitchFamily="34" charset="0"/>
+                <a:ea typeface="+mn-ea"/>
+                <a:cs typeface="Arial" panose="020B0604020202020204" pitchFamily="34" charset="0"/>
+              </a:defRPr>
+            </a:lvl4pPr>
+            <a:lvl5pPr marL="2057400" indent="-228600" algn="l" defTabSz="914400" rtl="0" eaLnBrk="1" latinLnBrk="0" hangingPunct="1">
+              <a:lnSpc>
+                <a:spcPct val="90000"/>
+              </a:lnSpc>
+              <a:spcBef>
+                <a:spcPts val="500"/>
+              </a:spcBef>
+              <a:buFont typeface="Arial" panose="020B0604020202020204" pitchFamily="34" charset="0"/>
+              <a:buChar char="•"/>
+              <a:defRPr sz="1800" kern="1200">
+                <a:solidFill>
+                  <a:schemeClr val="tx1"/>
+                </a:solidFill>
+                <a:latin typeface="Ubuntu" panose="020B0504030602030204" pitchFamily="34" charset="0"/>
+                <a:ea typeface="+mn-ea"/>
+                <a:cs typeface="Arial" panose="020B0604020202020204" pitchFamily="34" charset="0"/>
+              </a:defRPr>
+            </a:lvl5pPr>
+            <a:lvl6pPr marL="2514600" indent="-228600" algn="l" defTabSz="914400" rtl="0" eaLnBrk="1" latinLnBrk="0" hangingPunct="1">
+              <a:lnSpc>
+                <a:spcPct val="90000"/>
+              </a:lnSpc>
+              <a:spcBef>
+                <a:spcPts val="500"/>
+              </a:spcBef>
+              <a:buFont typeface="Arial" panose="020B0604020202020204" pitchFamily="34" charset="0"/>
+              <a:buChar char="•"/>
+              <a:defRPr sz="1800" kern="1200">
+                <a:solidFill>
+                  <a:schemeClr val="tx1"/>
+                </a:solidFill>
+                <a:latin typeface="+mn-lt"/>
+                <a:ea typeface="+mn-ea"/>
+                <a:cs typeface="+mn-cs"/>
+              </a:defRPr>
+            </a:lvl6pPr>
+            <a:lvl7pPr marL="2971800" indent="-228600" algn="l" defTabSz="914400" rtl="0" eaLnBrk="1" latinLnBrk="0" hangingPunct="1">
+              <a:lnSpc>
+                <a:spcPct val="90000"/>
+              </a:lnSpc>
+              <a:spcBef>
+                <a:spcPts val="500"/>
+              </a:spcBef>
+              <a:buFont typeface="Arial" panose="020B0604020202020204" pitchFamily="34" charset="0"/>
+              <a:buChar char="•"/>
+              <a:defRPr sz="1800" kern="1200">
+                <a:solidFill>
+                  <a:schemeClr val="tx1"/>
+                </a:solidFill>
+                <a:latin typeface="+mn-lt"/>
+                <a:ea typeface="+mn-ea"/>
+                <a:cs typeface="+mn-cs"/>
+              </a:defRPr>
+            </a:lvl7pPr>
+            <a:lvl8pPr marL="3429000" indent="-228600" algn="l" defTabSz="914400" rtl="0" eaLnBrk="1" latinLnBrk="0" hangingPunct="1">
+              <a:lnSpc>
+                <a:spcPct val="90000"/>
+              </a:lnSpc>
+              <a:spcBef>
+                <a:spcPts val="500"/>
+              </a:spcBef>
+              <a:buFont typeface="Arial" panose="020B0604020202020204" pitchFamily="34" charset="0"/>
+              <a:buChar char="•"/>
+              <a:defRPr sz="1800" kern="1200">
+                <a:solidFill>
+                  <a:schemeClr val="tx1"/>
+                </a:solidFill>
+                <a:latin typeface="+mn-lt"/>
+                <a:ea typeface="+mn-ea"/>
+                <a:cs typeface="+mn-cs"/>
+              </a:defRPr>
+            </a:lvl8pPr>
+            <a:lvl9pPr marL="3886200" indent="-228600" algn="l" defTabSz="914400" rtl="0" eaLnBrk="1" latinLnBrk="0" hangingPunct="1">
+              <a:lnSpc>
+                <a:spcPct val="90000"/>
+              </a:lnSpc>
+              <a:spcBef>
+                <a:spcPts val="500"/>
+              </a:spcBef>
+              <a:buFont typeface="Arial" panose="020B0604020202020204" pitchFamily="34" charset="0"/>
+              <a:buChar char="•"/>
+              <a:defRPr sz="1800" kern="1200">
+                <a:solidFill>
+                  <a:schemeClr val="tx1"/>
+                </a:solidFill>
+                <a:latin typeface="+mn-lt"/>
+                <a:ea typeface="+mn-ea"/>
+                <a:cs typeface="+mn-cs"/>
+              </a:defRPr>
+            </a:lvl9pPr>
+          </a:lstStyle>
+          <a:p>
+            <a:pPr marL="0" indent="0">
+              <a:buFont typeface="Arial" panose="020B0604020202020204" pitchFamily="34" charset="0"/>
+              <a:buNone/>
+            </a:pPr>
+            <a:r>
+              <a:rPr lang="es-MX" sz="3000" dirty="0"/>
+              <a:t>Indica algún cálculo, operación, o procedimiento. Esto puede ser expresado en una expresión matemática o frase.</a:t>
+            </a:r>
+          </a:p>
+          <a:p>
+            <a:pPr marL="0" indent="0">
+              <a:buFont typeface="Arial" panose="020B0604020202020204" pitchFamily="34" charset="0"/>
+              <a:buNone/>
+            </a:pPr>
+            <a:endParaRPr lang="es-MX" sz="3000" dirty="0"/>
+          </a:p>
+          <a:p>
+            <a:pPr marL="0" indent="0">
+              <a:buFont typeface="Arial" panose="020B0604020202020204" pitchFamily="34" charset="0"/>
+              <a:buNone/>
+            </a:pPr>
+            <a:r>
+              <a:rPr lang="es-MX" sz="3000" b="1" i="1" dirty="0">
+                <a:solidFill>
+                  <a:schemeClr val="accent2"/>
+                </a:solidFill>
+              </a:rPr>
+              <a:t>Se utiliza un rectángulo para indicar esta acción.</a:t>
+            </a:r>
+          </a:p>
+          <a:p>
+            <a:pPr marL="0" indent="0">
+              <a:buFont typeface="Arial" panose="020B0604020202020204" pitchFamily="34" charset="0"/>
+              <a:buNone/>
+            </a:pPr>
+            <a:endParaRPr lang="es-MX" sz="3000" dirty="0"/>
+          </a:p>
+          <a:p>
+            <a:pPr marL="0" indent="0">
+              <a:buFont typeface="Arial" panose="020B0604020202020204" pitchFamily="34" charset="0"/>
+              <a:buNone/>
+            </a:pPr>
+            <a:r>
+              <a:rPr lang="es-MX" sz="3000" dirty="0"/>
+              <a:t>Por ejemplo:</a:t>
+            </a:r>
+          </a:p>
+          <a:p>
+            <a:r>
+              <a:rPr lang="es-MX" sz="3000" b="1" dirty="0" err="1">
+                <a:solidFill>
+                  <a:schemeClr val="accent1"/>
+                </a:solidFill>
+              </a:rPr>
+              <a:t>Dias</a:t>
+            </a:r>
+            <a:r>
+              <a:rPr lang="es-MX" sz="3000" b="1" dirty="0">
+                <a:solidFill>
+                  <a:schemeClr val="accent1"/>
+                </a:solidFill>
+              </a:rPr>
+              <a:t> = años * 365</a:t>
+            </a:r>
+          </a:p>
+          <a:p>
+            <a:r>
+              <a:rPr lang="es-MX" sz="3000" b="1" dirty="0">
+                <a:solidFill>
+                  <a:schemeClr val="accent1"/>
+                </a:solidFill>
+              </a:rPr>
+              <a:t>Metros = centímetros / 100</a:t>
+            </a:r>
+          </a:p>
+          <a:p>
+            <a:r>
+              <a:rPr lang="es-MX" sz="3000" b="1" dirty="0">
+                <a:solidFill>
+                  <a:schemeClr val="accent1"/>
+                </a:solidFill>
+              </a:rPr>
+              <a:t>Calcular total a pagar</a:t>
+            </a:r>
+          </a:p>
+          <a:p>
+            <a:pPr marL="0" indent="0">
+              <a:buFont typeface="Arial" panose="020B0604020202020204" pitchFamily="34" charset="0"/>
+              <a:buNone/>
+            </a:pPr>
+            <a:endParaRPr lang="en-US" sz="3000" dirty="0"/>
+          </a:p>
+        </p:txBody>
+      </p:sp>
+    </p:spTree>
+    <p:extLst>
+      <p:ext uri="{BB962C8B-B14F-4D97-AF65-F5344CB8AC3E}">
+        <p14:creationId xmlns:p14="http://schemas.microsoft.com/office/powerpoint/2010/main" val="345278260"/>
+      </p:ext>
+    </p:extLst>
+  </p:cSld>
+  <p:clrMapOvr>
+    <a:masterClrMapping/>
+  </p:clrMapOvr>
+  <p:timing>
+    <p:tnLst>
+      <p:par>
+        <p:cTn id="1" dur="indefinite" restart="never" nodeType="tmRoot">
+          <p:childTnLst>
+            <p:seq concurrent="1" nextAc="seek">
+              <p:cTn id="2" dur="indefinite" nodeType="mainSeq">
+                <p:childTnLst>
+                  <p:par>
+                    <p:cTn id="3" fill="hold">
+                      <p:stCondLst>
+                        <p:cond delay="indefinite"/>
+                      </p:stCondLst>
+                      <p:childTnLst>
+                        <p:par>
+                          <p:cTn id="4" fill="hold">
+                            <p:stCondLst>
+                              <p:cond delay="0"/>
+                            </p:stCondLst>
+                            <p:childTnLst>
+                              <p:par>
+                                <p:cTn id="5" presetID="1" presetClass="entr" presetSubtype="0" fill="hold" nodeType="clickEffect">
+                                  <p:stCondLst>
+                                    <p:cond delay="0"/>
+                                  </p:stCondLst>
+                                  <p:childTnLst>
+                                    <p:set>
+                                      <p:cBhvr>
+                                        <p:cTn id="6" dur="1" fill="hold">
+                                          <p:stCondLst>
+                                            <p:cond delay="0"/>
+                                          </p:stCondLst>
+                                        </p:cTn>
+                                        <p:tgtEl>
+                                          <p:spTgt spid="5">
+                                            <p:txEl>
+                                              <p:pRg st="4" end="4"/>
+                                            </p:txEl>
+                                          </p:spTgt>
+                                        </p:tgtEl>
+                                        <p:attrNameLst>
+                                          <p:attrName>style.visibility</p:attrName>
+                                        </p:attrNameLst>
+                                      </p:cBhvr>
+                                      <p:to>
+                                        <p:strVal val="visible"/>
+                                      </p:to>
+                                    </p:set>
+                                  </p:childTnLst>
+                                </p:cTn>
+                              </p:par>
+                              <p:par>
+                                <p:cTn id="7" presetID="1" presetClass="entr" presetSubtype="0" fill="hold" nodeType="withEffect">
+                                  <p:stCondLst>
+                                    <p:cond delay="0"/>
+                                  </p:stCondLst>
+                                  <p:childTnLst>
+                                    <p:set>
+                                      <p:cBhvr>
+                                        <p:cTn id="8" dur="1" fill="hold">
+                                          <p:stCondLst>
+                                            <p:cond delay="0"/>
+                                          </p:stCondLst>
+                                        </p:cTn>
+                                        <p:tgtEl>
+                                          <p:spTgt spid="5">
+                                            <p:txEl>
+                                              <p:pRg st="5" end="5"/>
+                                            </p:txEl>
+                                          </p:spTgt>
+                                        </p:tgtEl>
+                                        <p:attrNameLst>
+                                          <p:attrName>style.visibility</p:attrName>
+                                        </p:attrNameLst>
+                                      </p:cBhvr>
+                                      <p:to>
+                                        <p:strVal val="visible"/>
+                                      </p:to>
+                                    </p:set>
+                                  </p:childTnLst>
+                                </p:cTn>
+                              </p:par>
+                            </p:childTnLst>
+                          </p:cTn>
+                        </p:par>
+                      </p:childTnLst>
+                    </p:cTn>
+                  </p:par>
+                  <p:par>
+                    <p:cTn id="9" fill="hold">
+                      <p:stCondLst>
+                        <p:cond delay="indefinite"/>
+                      </p:stCondLst>
+                      <p:childTnLst>
+                        <p:par>
+                          <p:cTn id="10" fill="hold">
+                            <p:stCondLst>
+                              <p:cond delay="0"/>
+                            </p:stCondLst>
+                            <p:childTnLst>
+                              <p:par>
+                                <p:cTn id="11" presetID="1" presetClass="entr" presetSubtype="0" fill="hold" nodeType="clickEffect">
+                                  <p:stCondLst>
+                                    <p:cond delay="0"/>
+                                  </p:stCondLst>
+                                  <p:childTnLst>
+                                    <p:set>
+                                      <p:cBhvr>
+                                        <p:cTn id="12" dur="1" fill="hold">
+                                          <p:stCondLst>
+                                            <p:cond delay="0"/>
+                                          </p:stCondLst>
+                                        </p:cTn>
+                                        <p:tgtEl>
+                                          <p:spTgt spid="5">
+                                            <p:txEl>
+                                              <p:pRg st="6" end="6"/>
+                                            </p:txEl>
+                                          </p:spTgt>
+                                        </p:tgtEl>
+                                        <p:attrNameLst>
+                                          <p:attrName>style.visibility</p:attrName>
+                                        </p:attrNameLst>
+                                      </p:cBhvr>
+                                      <p:to>
+                                        <p:strVal val="visible"/>
+                                      </p:to>
+                                    </p:set>
+                                  </p:childTnLst>
+                                </p:cTn>
+                              </p:par>
+                            </p:childTnLst>
+                          </p:cTn>
+                        </p:par>
+                      </p:childTnLst>
+                    </p:cTn>
+                  </p:par>
+                  <p:par>
+                    <p:cTn id="13" fill="hold">
+                      <p:stCondLst>
+                        <p:cond delay="indefinite"/>
+                      </p:stCondLst>
+                      <p:childTnLst>
+                        <p:par>
+                          <p:cTn id="14" fill="hold">
+                            <p:stCondLst>
+                              <p:cond delay="0"/>
+                            </p:stCondLst>
+                            <p:childTnLst>
+                              <p:par>
+                                <p:cTn id="15" presetID="1" presetClass="entr" presetSubtype="0" fill="hold" nodeType="clickEffect">
+                                  <p:stCondLst>
+                                    <p:cond delay="0"/>
+                                  </p:stCondLst>
+                                  <p:childTnLst>
+                                    <p:set>
+                                      <p:cBhvr>
+                                        <p:cTn id="16" dur="1" fill="hold">
+                                          <p:stCondLst>
+                                            <p:cond delay="0"/>
+                                          </p:stCondLst>
+                                        </p:cTn>
+                                        <p:tgtEl>
+                                          <p:spTgt spid="5">
+                                            <p:txEl>
+                                              <p:pRg st="7" end="7"/>
+                                            </p:txEl>
+                                          </p:spTgt>
+                                        </p:tgtEl>
+                                        <p:attrNameLst>
+                                          <p:attrName>style.visibility</p:attrName>
+                                        </p:attrNameLst>
+                                      </p:cBhvr>
+                                      <p:to>
+                                        <p:strVal val="visible"/>
+                                      </p:to>
+                                    </p:set>
+                                  </p:childTnLst>
+                                </p:cTn>
+                              </p:par>
+                            </p:childTnLst>
+                          </p:cTn>
+                        </p:par>
+                      </p:childTnLst>
+                    </p:cTn>
+                  </p:par>
+                </p:childTnLst>
+              </p:cTn>
+              <p:prevCondLst>
+                <p:cond evt="onPrev" delay="0">
+                  <p:tgtEl>
+                    <p:sldTgt/>
+                  </p:tgtEl>
+                </p:cond>
+              </p:prevCondLst>
+              <p:nextCondLst>
+                <p:cond evt="onNext" delay="0">
+                  <p:tgtEl>
+                    <p:sldTgt/>
+                  </p:tgtEl>
+                </p:cond>
+              </p:nextCondLst>
+            </p:seq>
+          </p:childTnLst>
+        </p:cTn>
+      </p:par>
+    </p:tnLst>
+  </p:timing>
+</p:sld>
+</file>
+
+<file path=ppt/slides/slide22.xml><?xml version="1.0" encoding="utf-8"?>
+<p:sld xmlns:a="http://schemas.openxmlformats.org/drawingml/2006/main" xmlns:r="http://schemas.openxmlformats.org/officeDocument/2006/relationships" xmlns:p="http://schemas.openxmlformats.org/presentationml/2006/main">
+  <p:cSld>
+    <p:spTree>
+      <p:nvGrpSpPr>
+        <p:cNvPr id="1" name=""/>
+        <p:cNvGrpSpPr/>
+        <p:nvPr/>
+      </p:nvGrpSpPr>
+      <p:grpSpPr>
+        <a:xfrm>
+          <a:off x="0" y="0"/>
+          <a:ext cx="0" cy="0"/>
+          <a:chOff x="0" y="0"/>
+          <a:chExt cx="0" cy="0"/>
+        </a:xfrm>
+      </p:grpSpPr>
+      <p:pic>
+        <p:nvPicPr>
+          <p:cNvPr id="3" name="Picture 2">
+            <a:extLst>
+              <a:ext uri="{FF2B5EF4-FFF2-40B4-BE49-F238E27FC236}">
+                <a16:creationId xmlns:a16="http://schemas.microsoft.com/office/drawing/2014/main" id="{2CFFFB7D-D046-499A-B965-8AF11CBA01CC}"/>
+              </a:ext>
+            </a:extLst>
+          </p:cNvPr>
+          <p:cNvPicPr>
+            <a:picLocks noChangeAspect="1"/>
+          </p:cNvPicPr>
+          <p:nvPr/>
+        </p:nvPicPr>
+        <p:blipFill rotWithShape="1">
+          <a:blip r:embed="rId2">
+            <a:extLst>
+              <a:ext uri="{28A0092B-C50C-407E-A947-70E740481C1C}">
+                <a14:useLocalDpi xmlns:a14="http://schemas.microsoft.com/office/drawing/2010/main" val="0"/>
+              </a:ext>
+            </a:extLst>
+          </a:blip>
+          <a:srcRect l="1196" t="58201" r="78183" b="24959"/>
+          <a:stretch/>
+        </p:blipFill>
+        <p:spPr>
+          <a:xfrm>
+            <a:off x="7620001" y="3684143"/>
+            <a:ext cx="4169228" cy="2281229"/>
+          </a:xfrm>
+          <a:prstGeom prst="rect">
+            <a:avLst/>
+          </a:prstGeom>
+        </p:spPr>
+      </p:pic>
+      <p:sp>
+        <p:nvSpPr>
+          <p:cNvPr id="4" name="Title 1">
+            <a:extLst>
+              <a:ext uri="{FF2B5EF4-FFF2-40B4-BE49-F238E27FC236}">
+                <a16:creationId xmlns:a16="http://schemas.microsoft.com/office/drawing/2014/main" id="{3D51C130-6100-4081-9F6B-4DAEFED7CA5B}"/>
+              </a:ext>
+            </a:extLst>
+          </p:cNvPr>
+          <p:cNvSpPr txBox="1">
+            <a:spLocks/>
+          </p:cNvSpPr>
+          <p:nvPr/>
+        </p:nvSpPr>
+        <p:spPr>
+          <a:xfrm>
+            <a:off x="838200" y="203958"/>
+            <a:ext cx="11095382" cy="954157"/>
+          </a:xfrm>
+          <a:prstGeom prst="rect">
+            <a:avLst/>
+          </a:prstGeom>
+        </p:spPr>
+        <p:txBody>
+          <a:bodyPr/>
+          <a:lstStyle>
+            <a:lvl1pPr algn="l" defTabSz="914400" rtl="0" eaLnBrk="1" latinLnBrk="0" hangingPunct="1">
+              <a:lnSpc>
+                <a:spcPct val="90000"/>
+              </a:lnSpc>
+              <a:spcBef>
+                <a:spcPct val="0"/>
+              </a:spcBef>
+              <a:buNone/>
+              <a:defRPr sz="4400" b="1" kern="1200">
+                <a:solidFill>
+                  <a:schemeClr val="accent2"/>
+                </a:solidFill>
+                <a:latin typeface="Ubuntu" panose="020B0504030602030204" pitchFamily="34" charset="0"/>
+                <a:ea typeface="+mj-ea"/>
+                <a:cs typeface="Arial" panose="020B0604020202020204" pitchFamily="34" charset="0"/>
+              </a:defRPr>
+            </a:lvl1pPr>
+          </a:lstStyle>
+          <a:p>
+            <a:r>
+              <a:rPr lang="es-MX" dirty="0"/>
+              <a:t>Bloque Entrada de Datos</a:t>
+            </a:r>
+            <a:endParaRPr lang="en-US" dirty="0"/>
+          </a:p>
+        </p:txBody>
+      </p:sp>
+      <p:sp>
+        <p:nvSpPr>
+          <p:cNvPr id="5" name="Content Placeholder 2">
+            <a:extLst>
+              <a:ext uri="{FF2B5EF4-FFF2-40B4-BE49-F238E27FC236}">
+                <a16:creationId xmlns:a16="http://schemas.microsoft.com/office/drawing/2014/main" id="{B11444E3-4583-414B-9981-85CAAD33D593}"/>
+              </a:ext>
+            </a:extLst>
+          </p:cNvPr>
+          <p:cNvSpPr txBox="1">
+            <a:spLocks/>
+          </p:cNvSpPr>
+          <p:nvPr/>
+        </p:nvSpPr>
+        <p:spPr>
+          <a:xfrm>
+            <a:off x="739042" y="892628"/>
+            <a:ext cx="11194540" cy="5761413"/>
+          </a:xfrm>
+          <a:prstGeom prst="rect">
+            <a:avLst/>
+          </a:prstGeom>
+        </p:spPr>
+        <p:txBody>
+          <a:bodyPr anchor="ctr"/>
+          <a:lstStyle>
+            <a:lvl1pPr marL="228600" indent="-228600" algn="l" defTabSz="914400" rtl="0" eaLnBrk="1" latinLnBrk="0" hangingPunct="1">
+              <a:lnSpc>
+                <a:spcPct val="90000"/>
+              </a:lnSpc>
+              <a:spcBef>
+                <a:spcPts val="1000"/>
+              </a:spcBef>
+              <a:buFont typeface="Arial" panose="020B0604020202020204" pitchFamily="34" charset="0"/>
+              <a:buChar char="•"/>
+              <a:defRPr sz="2800" kern="1200">
+                <a:solidFill>
+                  <a:schemeClr val="tx1"/>
+                </a:solidFill>
+                <a:latin typeface="Ubuntu" panose="020B0504030602030204" pitchFamily="34" charset="0"/>
+                <a:ea typeface="+mn-ea"/>
+                <a:cs typeface="Arial" panose="020B0604020202020204" pitchFamily="34" charset="0"/>
+              </a:defRPr>
+            </a:lvl1pPr>
+            <a:lvl2pPr marL="685800" indent="-228600" algn="l" defTabSz="914400" rtl="0" eaLnBrk="1" latinLnBrk="0" hangingPunct="1">
+              <a:lnSpc>
+                <a:spcPct val="90000"/>
+              </a:lnSpc>
+              <a:spcBef>
+                <a:spcPts val="500"/>
+              </a:spcBef>
+              <a:buFont typeface="Arial" panose="020B0604020202020204" pitchFamily="34" charset="0"/>
+              <a:buChar char="•"/>
+              <a:defRPr sz="2400" kern="1200">
+                <a:solidFill>
+                  <a:schemeClr val="tx1"/>
+                </a:solidFill>
+                <a:latin typeface="Ubuntu" panose="020B0504030602030204" pitchFamily="34" charset="0"/>
+                <a:ea typeface="+mn-ea"/>
+                <a:cs typeface="Arial" panose="020B0604020202020204" pitchFamily="34" charset="0"/>
+              </a:defRPr>
+            </a:lvl2pPr>
+            <a:lvl3pPr marL="1143000" indent="-228600" algn="l" defTabSz="914400" rtl="0" eaLnBrk="1" latinLnBrk="0" hangingPunct="1">
+              <a:lnSpc>
+                <a:spcPct val="90000"/>
+              </a:lnSpc>
+              <a:spcBef>
+                <a:spcPts val="500"/>
+              </a:spcBef>
+              <a:buFont typeface="Arial" panose="020B0604020202020204" pitchFamily="34" charset="0"/>
+              <a:buChar char="•"/>
+              <a:defRPr sz="2000" kern="1200">
+                <a:solidFill>
+                  <a:schemeClr val="tx1"/>
+                </a:solidFill>
+                <a:latin typeface="Ubuntu" panose="020B0504030602030204" pitchFamily="34" charset="0"/>
+                <a:ea typeface="+mn-ea"/>
+                <a:cs typeface="Arial" panose="020B0604020202020204" pitchFamily="34" charset="0"/>
+              </a:defRPr>
+            </a:lvl3pPr>
+            <a:lvl4pPr marL="1600200" indent="-228600" algn="l" defTabSz="914400" rtl="0" eaLnBrk="1" latinLnBrk="0" hangingPunct="1">
+              <a:lnSpc>
+                <a:spcPct val="90000"/>
+              </a:lnSpc>
+              <a:spcBef>
+                <a:spcPts val="500"/>
+              </a:spcBef>
+              <a:buFont typeface="Arial" panose="020B0604020202020204" pitchFamily="34" charset="0"/>
+              <a:buChar char="•"/>
+              <a:defRPr sz="1800" kern="1200">
+                <a:solidFill>
+                  <a:schemeClr val="tx1"/>
+                </a:solidFill>
+                <a:latin typeface="Ubuntu" panose="020B0504030602030204" pitchFamily="34" charset="0"/>
+                <a:ea typeface="+mn-ea"/>
+                <a:cs typeface="Arial" panose="020B0604020202020204" pitchFamily="34" charset="0"/>
+              </a:defRPr>
+            </a:lvl4pPr>
+            <a:lvl5pPr marL="2057400" indent="-228600" algn="l" defTabSz="914400" rtl="0" eaLnBrk="1" latinLnBrk="0" hangingPunct="1">
+              <a:lnSpc>
+                <a:spcPct val="90000"/>
+              </a:lnSpc>
+              <a:spcBef>
+                <a:spcPts val="500"/>
+              </a:spcBef>
+              <a:buFont typeface="Arial" panose="020B0604020202020204" pitchFamily="34" charset="0"/>
+              <a:buChar char="•"/>
+              <a:defRPr sz="1800" kern="1200">
+                <a:solidFill>
+                  <a:schemeClr val="tx1"/>
+                </a:solidFill>
+                <a:latin typeface="Ubuntu" panose="020B0504030602030204" pitchFamily="34" charset="0"/>
+                <a:ea typeface="+mn-ea"/>
+                <a:cs typeface="Arial" panose="020B0604020202020204" pitchFamily="34" charset="0"/>
+              </a:defRPr>
+            </a:lvl5pPr>
+            <a:lvl6pPr marL="2514600" indent="-228600" algn="l" defTabSz="914400" rtl="0" eaLnBrk="1" latinLnBrk="0" hangingPunct="1">
+              <a:lnSpc>
+                <a:spcPct val="90000"/>
+              </a:lnSpc>
+              <a:spcBef>
+                <a:spcPts val="500"/>
+              </a:spcBef>
+              <a:buFont typeface="Arial" panose="020B0604020202020204" pitchFamily="34" charset="0"/>
+              <a:buChar char="•"/>
+              <a:defRPr sz="1800" kern="1200">
+                <a:solidFill>
+                  <a:schemeClr val="tx1"/>
+                </a:solidFill>
+                <a:latin typeface="+mn-lt"/>
+                <a:ea typeface="+mn-ea"/>
+                <a:cs typeface="+mn-cs"/>
+              </a:defRPr>
+            </a:lvl6pPr>
+            <a:lvl7pPr marL="2971800" indent="-228600" algn="l" defTabSz="914400" rtl="0" eaLnBrk="1" latinLnBrk="0" hangingPunct="1">
+              <a:lnSpc>
+                <a:spcPct val="90000"/>
+              </a:lnSpc>
+              <a:spcBef>
+                <a:spcPts val="500"/>
+              </a:spcBef>
+              <a:buFont typeface="Arial" panose="020B0604020202020204" pitchFamily="34" charset="0"/>
+              <a:buChar char="•"/>
+              <a:defRPr sz="1800" kern="1200">
+                <a:solidFill>
+                  <a:schemeClr val="tx1"/>
+                </a:solidFill>
+                <a:latin typeface="+mn-lt"/>
+                <a:ea typeface="+mn-ea"/>
+                <a:cs typeface="+mn-cs"/>
+              </a:defRPr>
+            </a:lvl7pPr>
+            <a:lvl8pPr marL="3429000" indent="-228600" algn="l" defTabSz="914400" rtl="0" eaLnBrk="1" latinLnBrk="0" hangingPunct="1">
+              <a:lnSpc>
+                <a:spcPct val="90000"/>
+              </a:lnSpc>
+              <a:spcBef>
+                <a:spcPts val="500"/>
+              </a:spcBef>
+              <a:buFont typeface="Arial" panose="020B0604020202020204" pitchFamily="34" charset="0"/>
+              <a:buChar char="•"/>
+              <a:defRPr sz="1800" kern="1200">
+                <a:solidFill>
+                  <a:schemeClr val="tx1"/>
+                </a:solidFill>
+                <a:latin typeface="+mn-lt"/>
+                <a:ea typeface="+mn-ea"/>
+                <a:cs typeface="+mn-cs"/>
+              </a:defRPr>
+            </a:lvl8pPr>
+            <a:lvl9pPr marL="3886200" indent="-228600" algn="l" defTabSz="914400" rtl="0" eaLnBrk="1" latinLnBrk="0" hangingPunct="1">
+              <a:lnSpc>
+                <a:spcPct val="90000"/>
+              </a:lnSpc>
+              <a:spcBef>
+                <a:spcPts val="500"/>
+              </a:spcBef>
+              <a:buFont typeface="Arial" panose="020B0604020202020204" pitchFamily="34" charset="0"/>
+              <a:buChar char="•"/>
+              <a:defRPr sz="1800" kern="1200">
+                <a:solidFill>
+                  <a:schemeClr val="tx1"/>
+                </a:solidFill>
+                <a:latin typeface="+mn-lt"/>
+                <a:ea typeface="+mn-ea"/>
+                <a:cs typeface="+mn-cs"/>
+              </a:defRPr>
+            </a:lvl9pPr>
+          </a:lstStyle>
+          <a:p>
+            <a:pPr marL="0" indent="0">
+              <a:buFont typeface="Arial" panose="020B0604020202020204" pitchFamily="34" charset="0"/>
+              <a:buNone/>
+            </a:pPr>
+            <a:r>
+              <a:rPr lang="es-MX" sz="3000" dirty="0"/>
+              <a:t>Indica que se recibe alguna información de alguna fuente externa. Esto puede ser un teclado, un mouse, algún sensor, reloj, etc. Debe mencionarse el dato que será leído.</a:t>
+            </a:r>
+          </a:p>
+          <a:p>
+            <a:pPr marL="0" indent="0">
+              <a:buFont typeface="Arial" panose="020B0604020202020204" pitchFamily="34" charset="0"/>
+              <a:buNone/>
+            </a:pPr>
+            <a:endParaRPr lang="es-MX" sz="3000" dirty="0"/>
+          </a:p>
+          <a:p>
+            <a:pPr marL="0" indent="0">
+              <a:buFont typeface="Arial" panose="020B0604020202020204" pitchFamily="34" charset="0"/>
+              <a:buNone/>
+            </a:pPr>
+            <a:r>
+              <a:rPr lang="es-MX" sz="3000" b="1" i="1" dirty="0">
+                <a:solidFill>
+                  <a:schemeClr val="accent2"/>
+                </a:solidFill>
+              </a:rPr>
+              <a:t>Se utiliza una figura combinación entre rectángulo y rombo.</a:t>
+            </a:r>
+          </a:p>
+          <a:p>
+            <a:pPr marL="0" indent="0">
+              <a:buFont typeface="Arial" panose="020B0604020202020204" pitchFamily="34" charset="0"/>
+              <a:buNone/>
+            </a:pPr>
+            <a:endParaRPr lang="es-MX" sz="3000" dirty="0"/>
+          </a:p>
+          <a:p>
+            <a:pPr marL="0" indent="0">
+              <a:buFont typeface="Arial" panose="020B0604020202020204" pitchFamily="34" charset="0"/>
+              <a:buNone/>
+            </a:pPr>
+            <a:r>
+              <a:rPr lang="es-MX" sz="3000" dirty="0"/>
+              <a:t>Por ejemplo:</a:t>
+            </a:r>
+          </a:p>
+          <a:p>
+            <a:r>
+              <a:rPr lang="es-MX" sz="3000" b="1" dirty="0">
+                <a:solidFill>
+                  <a:schemeClr val="accent1"/>
+                </a:solidFill>
+              </a:rPr>
+              <a:t>Leer temperatura</a:t>
+            </a:r>
+          </a:p>
+          <a:p>
+            <a:r>
+              <a:rPr lang="es-MX" sz="3000" b="1" dirty="0">
+                <a:solidFill>
+                  <a:schemeClr val="accent1"/>
+                </a:solidFill>
+              </a:rPr>
+              <a:t>Leer cantidad de años</a:t>
+            </a:r>
+          </a:p>
+          <a:p>
+            <a:pPr marL="0" indent="0">
+              <a:buFont typeface="Arial" panose="020B0604020202020204" pitchFamily="34" charset="0"/>
+              <a:buNone/>
+            </a:pPr>
+            <a:endParaRPr lang="en-US" sz="3000" dirty="0"/>
+          </a:p>
+        </p:txBody>
+      </p:sp>
+    </p:spTree>
+    <p:extLst>
+      <p:ext uri="{BB962C8B-B14F-4D97-AF65-F5344CB8AC3E}">
+        <p14:creationId xmlns:p14="http://schemas.microsoft.com/office/powerpoint/2010/main" val="3128691328"/>
+      </p:ext>
+    </p:extLst>
+  </p:cSld>
+  <p:clrMapOvr>
+    <a:masterClrMapping/>
+  </p:clrMapOvr>
+  <p:timing>
+    <p:tnLst>
+      <p:par>
+        <p:cTn id="1" dur="indefinite" restart="never" nodeType="tmRoot">
+          <p:childTnLst>
+            <p:seq concurrent="1" nextAc="seek">
+              <p:cTn id="2" dur="indefinite" nodeType="mainSeq">
+                <p:childTnLst>
+                  <p:par>
+                    <p:cTn id="3" fill="hold">
+                      <p:stCondLst>
+                        <p:cond delay="indefinite"/>
+                      </p:stCondLst>
+                      <p:childTnLst>
+                        <p:par>
+                          <p:cTn id="4" fill="hold">
+                            <p:stCondLst>
+                              <p:cond delay="0"/>
+                            </p:stCondLst>
+                            <p:childTnLst>
+                              <p:par>
+                                <p:cTn id="5" presetID="1" presetClass="entr" presetSubtype="0" fill="hold" nodeType="clickEffect">
+                                  <p:stCondLst>
+                                    <p:cond delay="0"/>
+                                  </p:stCondLst>
+                                  <p:childTnLst>
+                                    <p:set>
+                                      <p:cBhvr>
+                                        <p:cTn id="6" dur="1" fill="hold">
+                                          <p:stCondLst>
+                                            <p:cond delay="0"/>
+                                          </p:stCondLst>
+                                        </p:cTn>
+                                        <p:tgtEl>
+                                          <p:spTgt spid="5">
+                                            <p:txEl>
+                                              <p:pRg st="4" end="4"/>
+                                            </p:txEl>
+                                          </p:spTgt>
+                                        </p:tgtEl>
+                                        <p:attrNameLst>
+                                          <p:attrName>style.visibility</p:attrName>
+                                        </p:attrNameLst>
+                                      </p:cBhvr>
+                                      <p:to>
+                                        <p:strVal val="visible"/>
+                                      </p:to>
+                                    </p:set>
+                                  </p:childTnLst>
+                                </p:cTn>
+                              </p:par>
+                            </p:childTnLst>
+                          </p:cTn>
+                        </p:par>
+                      </p:childTnLst>
+                    </p:cTn>
+                  </p:par>
+                  <p:par>
+                    <p:cTn id="7" fill="hold">
+                      <p:stCondLst>
+                        <p:cond delay="indefinite"/>
+                      </p:stCondLst>
+                      <p:childTnLst>
+                        <p:par>
+                          <p:cTn id="8" fill="hold">
+                            <p:stCondLst>
+                              <p:cond delay="0"/>
+                            </p:stCondLst>
+                            <p:childTnLst>
+                              <p:par>
+                                <p:cTn id="9" presetID="1" presetClass="entr" presetSubtype="0" fill="hold" nodeType="clickEffect">
+                                  <p:stCondLst>
+                                    <p:cond delay="0"/>
+                                  </p:stCondLst>
+                                  <p:childTnLst>
+                                    <p:set>
+                                      <p:cBhvr>
+                                        <p:cTn id="10" dur="1" fill="hold">
+                                          <p:stCondLst>
+                                            <p:cond delay="0"/>
+                                          </p:stCondLst>
+                                        </p:cTn>
+                                        <p:tgtEl>
+                                          <p:spTgt spid="5">
+                                            <p:txEl>
+                                              <p:pRg st="5" end="5"/>
+                                            </p:txEl>
+                                          </p:spTgt>
+                                        </p:tgtEl>
+                                        <p:attrNameLst>
+                                          <p:attrName>style.visibility</p:attrName>
+                                        </p:attrNameLst>
+                                      </p:cBhvr>
+                                      <p:to>
+                                        <p:strVal val="visible"/>
+                                      </p:to>
+                                    </p:set>
+                                  </p:childTnLst>
+                                </p:cTn>
+                              </p:par>
+                            </p:childTnLst>
+                          </p:cTn>
+                        </p:par>
+                      </p:childTnLst>
+                    </p:cTn>
+                  </p:par>
+                  <p:par>
+                    <p:cTn id="11" fill="hold">
+                      <p:stCondLst>
+                        <p:cond delay="indefinite"/>
+                      </p:stCondLst>
+                      <p:childTnLst>
+                        <p:par>
+                          <p:cTn id="12" fill="hold">
+                            <p:stCondLst>
+                              <p:cond delay="0"/>
+                            </p:stCondLst>
+                            <p:childTnLst>
+                              <p:par>
+                                <p:cTn id="13" presetID="1" presetClass="entr" presetSubtype="0" fill="hold" nodeType="clickEffect">
+                                  <p:stCondLst>
+                                    <p:cond delay="0"/>
+                                  </p:stCondLst>
+                                  <p:childTnLst>
+                                    <p:set>
+                                      <p:cBhvr>
+                                        <p:cTn id="14" dur="1" fill="hold">
+                                          <p:stCondLst>
+                                            <p:cond delay="0"/>
+                                          </p:stCondLst>
+                                        </p:cTn>
+                                        <p:tgtEl>
+                                          <p:spTgt spid="5">
+                                            <p:txEl>
+                                              <p:pRg st="6" end="6"/>
+                                            </p:txEl>
+                                          </p:spTgt>
+                                        </p:tgtEl>
+                                        <p:attrNameLst>
+                                          <p:attrName>style.visibility</p:attrName>
+                                        </p:attrNameLst>
+                                      </p:cBhvr>
+                                      <p:to>
+                                        <p:strVal val="visible"/>
+                                      </p:to>
+                                    </p:set>
+                                  </p:childTnLst>
+                                </p:cTn>
+                              </p:par>
+                            </p:childTnLst>
+                          </p:cTn>
+                        </p:par>
+                      </p:childTnLst>
+                    </p:cTn>
+                  </p:par>
+                </p:childTnLst>
+              </p:cTn>
+              <p:prevCondLst>
+                <p:cond evt="onPrev" delay="0">
+                  <p:tgtEl>
+                    <p:sldTgt/>
+                  </p:tgtEl>
+                </p:cond>
+              </p:prevCondLst>
+              <p:nextCondLst>
+                <p:cond evt="onNext" delay="0">
+                  <p:tgtEl>
+                    <p:sldTgt/>
+                  </p:tgtEl>
+                </p:cond>
+              </p:nextCondLst>
+            </p:seq>
+          </p:childTnLst>
+        </p:cTn>
+      </p:par>
+    </p:tnLst>
+  </p:timing>
+</p:sld>
+</file>
+
+<file path=ppt/slides/slide23.xml><?xml version="1.0" encoding="utf-8"?>
+<p:sld xmlns:a="http://schemas.openxmlformats.org/drawingml/2006/main" xmlns:r="http://schemas.openxmlformats.org/officeDocument/2006/relationships" xmlns:p="http://schemas.openxmlformats.org/presentationml/2006/main">
+  <p:cSld>
+    <p:spTree>
+      <p:nvGrpSpPr>
+        <p:cNvPr id="1" name=""/>
+        <p:cNvGrpSpPr/>
+        <p:nvPr/>
+      </p:nvGrpSpPr>
+      <p:grpSpPr>
+        <a:xfrm>
+          <a:off x="0" y="0"/>
+          <a:ext cx="0" cy="0"/>
+          <a:chOff x="0" y="0"/>
+          <a:chExt cx="0" cy="0"/>
+        </a:xfrm>
+      </p:grpSpPr>
+      <p:pic>
+        <p:nvPicPr>
+          <p:cNvPr id="3" name="Picture 2">
+            <a:extLst>
+              <a:ext uri="{FF2B5EF4-FFF2-40B4-BE49-F238E27FC236}">
+                <a16:creationId xmlns:a16="http://schemas.microsoft.com/office/drawing/2014/main" id="{2CFFFB7D-D046-499A-B965-8AF11CBA01CC}"/>
+              </a:ext>
+            </a:extLst>
+          </p:cNvPr>
+          <p:cNvPicPr>
+            <a:picLocks noChangeAspect="1"/>
+          </p:cNvPicPr>
+          <p:nvPr/>
+        </p:nvPicPr>
+        <p:blipFill rotWithShape="1">
+          <a:blip r:embed="rId2">
+            <a:extLst>
+              <a:ext uri="{28A0092B-C50C-407E-A947-70E740481C1C}">
+                <a14:useLocalDpi xmlns:a14="http://schemas.microsoft.com/office/drawing/2010/main" val="0"/>
+              </a:ext>
+            </a:extLst>
+          </a:blip>
+          <a:srcRect l="1239" t="79251" r="78140" b="3909"/>
+          <a:stretch/>
+        </p:blipFill>
+        <p:spPr>
+          <a:xfrm>
+            <a:off x="7620001" y="3684143"/>
+            <a:ext cx="4169228" cy="2281229"/>
+          </a:xfrm>
+          <a:prstGeom prst="rect">
+            <a:avLst/>
+          </a:prstGeom>
+        </p:spPr>
+      </p:pic>
+      <p:sp>
+        <p:nvSpPr>
+          <p:cNvPr id="4" name="Title 1">
+            <a:extLst>
+              <a:ext uri="{FF2B5EF4-FFF2-40B4-BE49-F238E27FC236}">
+                <a16:creationId xmlns:a16="http://schemas.microsoft.com/office/drawing/2014/main" id="{3D51C130-6100-4081-9F6B-4DAEFED7CA5B}"/>
+              </a:ext>
+            </a:extLst>
+          </p:cNvPr>
+          <p:cNvSpPr txBox="1">
+            <a:spLocks/>
+          </p:cNvSpPr>
+          <p:nvPr/>
+        </p:nvSpPr>
+        <p:spPr>
+          <a:xfrm>
+            <a:off x="838200" y="203958"/>
+            <a:ext cx="11095382" cy="954157"/>
+          </a:xfrm>
+          <a:prstGeom prst="rect">
+            <a:avLst/>
+          </a:prstGeom>
+        </p:spPr>
+        <p:txBody>
+          <a:bodyPr/>
+          <a:lstStyle>
+            <a:lvl1pPr algn="l" defTabSz="914400" rtl="0" eaLnBrk="1" latinLnBrk="0" hangingPunct="1">
+              <a:lnSpc>
+                <a:spcPct val="90000"/>
+              </a:lnSpc>
+              <a:spcBef>
+                <a:spcPct val="0"/>
+              </a:spcBef>
+              <a:buNone/>
+              <a:defRPr sz="4400" b="1" kern="1200">
+                <a:solidFill>
+                  <a:schemeClr val="accent2"/>
+                </a:solidFill>
+                <a:latin typeface="Ubuntu" panose="020B0504030602030204" pitchFamily="34" charset="0"/>
+                <a:ea typeface="+mj-ea"/>
+                <a:cs typeface="Arial" panose="020B0604020202020204" pitchFamily="34" charset="0"/>
+              </a:defRPr>
+            </a:lvl1pPr>
+          </a:lstStyle>
+          <a:p>
+            <a:r>
+              <a:rPr lang="es-MX" dirty="0"/>
+              <a:t>Bloque Salida de Datos</a:t>
+            </a:r>
+            <a:endParaRPr lang="en-US" dirty="0"/>
+          </a:p>
+        </p:txBody>
+      </p:sp>
+      <p:sp>
+        <p:nvSpPr>
+          <p:cNvPr id="5" name="Content Placeholder 2">
+            <a:extLst>
+              <a:ext uri="{FF2B5EF4-FFF2-40B4-BE49-F238E27FC236}">
+                <a16:creationId xmlns:a16="http://schemas.microsoft.com/office/drawing/2014/main" id="{B11444E3-4583-414B-9981-85CAAD33D593}"/>
+              </a:ext>
+            </a:extLst>
+          </p:cNvPr>
+          <p:cNvSpPr txBox="1">
+            <a:spLocks/>
+          </p:cNvSpPr>
+          <p:nvPr/>
+        </p:nvSpPr>
+        <p:spPr>
+          <a:xfrm>
+            <a:off x="739042" y="892628"/>
+            <a:ext cx="11194540" cy="5761413"/>
+          </a:xfrm>
+          <a:prstGeom prst="rect">
+            <a:avLst/>
+          </a:prstGeom>
+        </p:spPr>
+        <p:txBody>
+          <a:bodyPr anchor="ctr"/>
+          <a:lstStyle>
+            <a:lvl1pPr marL="228600" indent="-228600" algn="l" defTabSz="914400" rtl="0" eaLnBrk="1" latinLnBrk="0" hangingPunct="1">
+              <a:lnSpc>
+                <a:spcPct val="90000"/>
+              </a:lnSpc>
+              <a:spcBef>
+                <a:spcPts val="1000"/>
+              </a:spcBef>
+              <a:buFont typeface="Arial" panose="020B0604020202020204" pitchFamily="34" charset="0"/>
+              <a:buChar char="•"/>
+              <a:defRPr sz="2800" kern="1200">
+                <a:solidFill>
+                  <a:schemeClr val="tx1"/>
+                </a:solidFill>
+                <a:latin typeface="Ubuntu" panose="020B0504030602030204" pitchFamily="34" charset="0"/>
+                <a:ea typeface="+mn-ea"/>
+                <a:cs typeface="Arial" panose="020B0604020202020204" pitchFamily="34" charset="0"/>
+              </a:defRPr>
+            </a:lvl1pPr>
+            <a:lvl2pPr marL="685800" indent="-228600" algn="l" defTabSz="914400" rtl="0" eaLnBrk="1" latinLnBrk="0" hangingPunct="1">
+              <a:lnSpc>
+                <a:spcPct val="90000"/>
+              </a:lnSpc>
+              <a:spcBef>
+                <a:spcPts val="500"/>
+              </a:spcBef>
+              <a:buFont typeface="Arial" panose="020B0604020202020204" pitchFamily="34" charset="0"/>
+              <a:buChar char="•"/>
+              <a:defRPr sz="2400" kern="1200">
+                <a:solidFill>
+                  <a:schemeClr val="tx1"/>
+                </a:solidFill>
+                <a:latin typeface="Ubuntu" panose="020B0504030602030204" pitchFamily="34" charset="0"/>
+                <a:ea typeface="+mn-ea"/>
+                <a:cs typeface="Arial" panose="020B0604020202020204" pitchFamily="34" charset="0"/>
+              </a:defRPr>
+            </a:lvl2pPr>
+            <a:lvl3pPr marL="1143000" indent="-228600" algn="l" defTabSz="914400" rtl="0" eaLnBrk="1" latinLnBrk="0" hangingPunct="1">
+              <a:lnSpc>
+                <a:spcPct val="90000"/>
+              </a:lnSpc>
+              <a:spcBef>
+                <a:spcPts val="500"/>
+              </a:spcBef>
+              <a:buFont typeface="Arial" panose="020B0604020202020204" pitchFamily="34" charset="0"/>
+              <a:buChar char="•"/>
+              <a:defRPr sz="2000" kern="1200">
+                <a:solidFill>
+                  <a:schemeClr val="tx1"/>
+                </a:solidFill>
+                <a:latin typeface="Ubuntu" panose="020B0504030602030204" pitchFamily="34" charset="0"/>
+                <a:ea typeface="+mn-ea"/>
+                <a:cs typeface="Arial" panose="020B0604020202020204" pitchFamily="34" charset="0"/>
+              </a:defRPr>
+            </a:lvl3pPr>
+            <a:lvl4pPr marL="1600200" indent="-228600" algn="l" defTabSz="914400" rtl="0" eaLnBrk="1" latinLnBrk="0" hangingPunct="1">
+              <a:lnSpc>
+                <a:spcPct val="90000"/>
+              </a:lnSpc>
+              <a:spcBef>
+                <a:spcPts val="500"/>
+              </a:spcBef>
+              <a:buFont typeface="Arial" panose="020B0604020202020204" pitchFamily="34" charset="0"/>
+              <a:buChar char="•"/>
+              <a:defRPr sz="1800" kern="1200">
+                <a:solidFill>
+                  <a:schemeClr val="tx1"/>
+                </a:solidFill>
+                <a:latin typeface="Ubuntu" panose="020B0504030602030204" pitchFamily="34" charset="0"/>
+                <a:ea typeface="+mn-ea"/>
+                <a:cs typeface="Arial" panose="020B0604020202020204" pitchFamily="34" charset="0"/>
+              </a:defRPr>
+            </a:lvl4pPr>
+            <a:lvl5pPr marL="2057400" indent="-228600" algn="l" defTabSz="914400" rtl="0" eaLnBrk="1" latinLnBrk="0" hangingPunct="1">
+              <a:lnSpc>
+                <a:spcPct val="90000"/>
+              </a:lnSpc>
+              <a:spcBef>
+                <a:spcPts val="500"/>
+              </a:spcBef>
+              <a:buFont typeface="Arial" panose="020B0604020202020204" pitchFamily="34" charset="0"/>
+              <a:buChar char="•"/>
+              <a:defRPr sz="1800" kern="1200">
+                <a:solidFill>
+                  <a:schemeClr val="tx1"/>
+                </a:solidFill>
+                <a:latin typeface="Ubuntu" panose="020B0504030602030204" pitchFamily="34" charset="0"/>
+                <a:ea typeface="+mn-ea"/>
+                <a:cs typeface="Arial" panose="020B0604020202020204" pitchFamily="34" charset="0"/>
+              </a:defRPr>
+            </a:lvl5pPr>
+            <a:lvl6pPr marL="2514600" indent="-228600" algn="l" defTabSz="914400" rtl="0" eaLnBrk="1" latinLnBrk="0" hangingPunct="1">
+              <a:lnSpc>
+                <a:spcPct val="90000"/>
+              </a:lnSpc>
+              <a:spcBef>
+                <a:spcPts val="500"/>
+              </a:spcBef>
+              <a:buFont typeface="Arial" panose="020B0604020202020204" pitchFamily="34" charset="0"/>
+              <a:buChar char="•"/>
+              <a:defRPr sz="1800" kern="1200">
+                <a:solidFill>
+                  <a:schemeClr val="tx1"/>
+                </a:solidFill>
+                <a:latin typeface="+mn-lt"/>
+                <a:ea typeface="+mn-ea"/>
+                <a:cs typeface="+mn-cs"/>
+              </a:defRPr>
+            </a:lvl6pPr>
+            <a:lvl7pPr marL="2971800" indent="-228600" algn="l" defTabSz="914400" rtl="0" eaLnBrk="1" latinLnBrk="0" hangingPunct="1">
+              <a:lnSpc>
+                <a:spcPct val="90000"/>
+              </a:lnSpc>
+              <a:spcBef>
+                <a:spcPts val="500"/>
+              </a:spcBef>
+              <a:buFont typeface="Arial" panose="020B0604020202020204" pitchFamily="34" charset="0"/>
+              <a:buChar char="•"/>
+              <a:defRPr sz="1800" kern="1200">
+                <a:solidFill>
+                  <a:schemeClr val="tx1"/>
+                </a:solidFill>
+                <a:latin typeface="+mn-lt"/>
+                <a:ea typeface="+mn-ea"/>
+                <a:cs typeface="+mn-cs"/>
+              </a:defRPr>
+            </a:lvl7pPr>
+            <a:lvl8pPr marL="3429000" indent="-228600" algn="l" defTabSz="914400" rtl="0" eaLnBrk="1" latinLnBrk="0" hangingPunct="1">
+              <a:lnSpc>
+                <a:spcPct val="90000"/>
+              </a:lnSpc>
+              <a:spcBef>
+                <a:spcPts val="500"/>
+              </a:spcBef>
+              <a:buFont typeface="Arial" panose="020B0604020202020204" pitchFamily="34" charset="0"/>
+              <a:buChar char="•"/>
+              <a:defRPr sz="1800" kern="1200">
+                <a:solidFill>
+                  <a:schemeClr val="tx1"/>
+                </a:solidFill>
+                <a:latin typeface="+mn-lt"/>
+                <a:ea typeface="+mn-ea"/>
+                <a:cs typeface="+mn-cs"/>
+              </a:defRPr>
+            </a:lvl8pPr>
+            <a:lvl9pPr marL="3886200" indent="-228600" algn="l" defTabSz="914400" rtl="0" eaLnBrk="1" latinLnBrk="0" hangingPunct="1">
+              <a:lnSpc>
+                <a:spcPct val="90000"/>
+              </a:lnSpc>
+              <a:spcBef>
+                <a:spcPts val="500"/>
+              </a:spcBef>
+              <a:buFont typeface="Arial" panose="020B0604020202020204" pitchFamily="34" charset="0"/>
+              <a:buChar char="•"/>
+              <a:defRPr sz="1800" kern="1200">
+                <a:solidFill>
+                  <a:schemeClr val="tx1"/>
+                </a:solidFill>
+                <a:latin typeface="+mn-lt"/>
+                <a:ea typeface="+mn-ea"/>
+                <a:cs typeface="+mn-cs"/>
+              </a:defRPr>
+            </a:lvl9pPr>
+          </a:lstStyle>
+          <a:p>
+            <a:pPr marL="0" indent="0">
+              <a:buFont typeface="Arial" panose="020B0604020202020204" pitchFamily="34" charset="0"/>
+              <a:buNone/>
+            </a:pPr>
+            <a:r>
+              <a:rPr lang="es-MX" sz="3000" dirty="0"/>
+              <a:t>Indica que se enviará o desplegará alguna información a algún dispositivo de salida. Esto puede ser una pantalla, alguna consola, algún foco, etc. Debe mencionarse el dato al que se le dará salida.</a:t>
+            </a:r>
+          </a:p>
+          <a:p>
+            <a:pPr marL="0" indent="0">
+              <a:buFont typeface="Arial" panose="020B0604020202020204" pitchFamily="34" charset="0"/>
+              <a:buNone/>
+            </a:pPr>
+            <a:endParaRPr lang="es-MX" sz="3000" dirty="0"/>
+          </a:p>
+          <a:p>
+            <a:pPr marL="0" indent="0">
+              <a:buFont typeface="Arial" panose="020B0604020202020204" pitchFamily="34" charset="0"/>
+              <a:buNone/>
+            </a:pPr>
+            <a:r>
+              <a:rPr lang="es-MX" sz="3000" b="1" i="1" dirty="0">
+                <a:solidFill>
+                  <a:schemeClr val="accent2"/>
+                </a:solidFill>
+              </a:rPr>
+              <a:t>Se utiliza un rectángulo con ondas en la base inferior.</a:t>
+            </a:r>
+          </a:p>
+          <a:p>
+            <a:pPr marL="0" indent="0">
+              <a:buFont typeface="Arial" panose="020B0604020202020204" pitchFamily="34" charset="0"/>
+              <a:buNone/>
+            </a:pPr>
+            <a:endParaRPr lang="es-MX" sz="3000" dirty="0"/>
+          </a:p>
+          <a:p>
+            <a:pPr marL="0" indent="0">
+              <a:buFont typeface="Arial" panose="020B0604020202020204" pitchFamily="34" charset="0"/>
+              <a:buNone/>
+            </a:pPr>
+            <a:r>
+              <a:rPr lang="es-MX" sz="3000" dirty="0"/>
+              <a:t>Por ejemplo:</a:t>
+            </a:r>
+          </a:p>
+          <a:p>
+            <a:r>
+              <a:rPr lang="es-MX" sz="3000" b="1" dirty="0" err="1">
+                <a:solidFill>
+                  <a:schemeClr val="accent1"/>
+                </a:solidFill>
+              </a:rPr>
+              <a:t>Print</a:t>
+            </a:r>
+            <a:r>
+              <a:rPr lang="es-MX" sz="3000" b="1" dirty="0">
+                <a:solidFill>
+                  <a:schemeClr val="accent1"/>
+                </a:solidFill>
+              </a:rPr>
+              <a:t> hora</a:t>
+            </a:r>
+          </a:p>
+          <a:p>
+            <a:r>
+              <a:rPr lang="es-MX" sz="3000" b="1" dirty="0">
+                <a:solidFill>
+                  <a:schemeClr val="accent1"/>
+                </a:solidFill>
+              </a:rPr>
+              <a:t>“La temperatura es: “ + temperatura</a:t>
+            </a:r>
+          </a:p>
+          <a:p>
+            <a:r>
+              <a:rPr lang="es-MX" sz="3000" b="1" dirty="0">
+                <a:solidFill>
+                  <a:schemeClr val="accent1"/>
+                </a:solidFill>
+              </a:rPr>
+              <a:t>Output 4 * 20.</a:t>
+            </a:r>
+          </a:p>
+          <a:p>
+            <a:pPr marL="0" indent="0">
+              <a:buFont typeface="Arial" panose="020B0604020202020204" pitchFamily="34" charset="0"/>
+              <a:buNone/>
+            </a:pPr>
+            <a:endParaRPr lang="en-US" sz="3000" dirty="0"/>
+          </a:p>
+        </p:txBody>
+      </p:sp>
+    </p:spTree>
+    <p:extLst>
+      <p:ext uri="{BB962C8B-B14F-4D97-AF65-F5344CB8AC3E}">
+        <p14:creationId xmlns:p14="http://schemas.microsoft.com/office/powerpoint/2010/main" val="3755639815"/>
+      </p:ext>
+    </p:extLst>
+  </p:cSld>
+  <p:clrMapOvr>
+    <a:masterClrMapping/>
+  </p:clrMapOvr>
+  <p:timing>
+    <p:tnLst>
+      <p:par>
+        <p:cTn id="1" dur="indefinite" restart="never" nodeType="tmRoot">
+          <p:childTnLst>
+            <p:seq concurrent="1" nextAc="seek">
+              <p:cTn id="2" dur="indefinite" nodeType="mainSeq">
+                <p:childTnLst>
+                  <p:par>
+                    <p:cTn id="3" fill="hold">
+                      <p:stCondLst>
+                        <p:cond delay="indefinite"/>
+                      </p:stCondLst>
+                      <p:childTnLst>
+                        <p:par>
+                          <p:cTn id="4" fill="hold">
+                            <p:stCondLst>
+                              <p:cond delay="0"/>
+                            </p:stCondLst>
+                            <p:childTnLst>
+                              <p:par>
+                                <p:cTn id="5" presetID="1" presetClass="entr" presetSubtype="0" fill="hold" nodeType="clickEffect">
+                                  <p:stCondLst>
+                                    <p:cond delay="0"/>
+                                  </p:stCondLst>
+                                  <p:childTnLst>
+                                    <p:set>
+                                      <p:cBhvr>
+                                        <p:cTn id="6" dur="1" fill="hold">
+                                          <p:stCondLst>
+                                            <p:cond delay="0"/>
+                                          </p:stCondLst>
+                                        </p:cTn>
+                                        <p:tgtEl>
+                                          <p:spTgt spid="5">
+                                            <p:txEl>
+                                              <p:pRg st="4" end="4"/>
+                                            </p:txEl>
+                                          </p:spTgt>
+                                        </p:tgtEl>
+                                        <p:attrNameLst>
+                                          <p:attrName>style.visibility</p:attrName>
+                                        </p:attrNameLst>
+                                      </p:cBhvr>
+                                      <p:to>
+                                        <p:strVal val="visible"/>
+                                      </p:to>
+                                    </p:set>
+                                  </p:childTnLst>
+                                </p:cTn>
+                              </p:par>
+                            </p:childTnLst>
+                          </p:cTn>
+                        </p:par>
+                      </p:childTnLst>
+                    </p:cTn>
+                  </p:par>
+                  <p:par>
+                    <p:cTn id="7" fill="hold">
+                      <p:stCondLst>
+                        <p:cond delay="indefinite"/>
+                      </p:stCondLst>
+                      <p:childTnLst>
+                        <p:par>
+                          <p:cTn id="8" fill="hold">
+                            <p:stCondLst>
+                              <p:cond delay="0"/>
+                            </p:stCondLst>
+                            <p:childTnLst>
+                              <p:par>
+                                <p:cTn id="9" presetID="1" presetClass="entr" presetSubtype="0" fill="hold" nodeType="clickEffect">
+                                  <p:stCondLst>
+                                    <p:cond delay="0"/>
+                                  </p:stCondLst>
+                                  <p:childTnLst>
+                                    <p:set>
+                                      <p:cBhvr>
+                                        <p:cTn id="10" dur="1" fill="hold">
+                                          <p:stCondLst>
+                                            <p:cond delay="0"/>
+                                          </p:stCondLst>
+                                        </p:cTn>
+                                        <p:tgtEl>
+                                          <p:spTgt spid="5">
+                                            <p:txEl>
+                                              <p:pRg st="5" end="5"/>
+                                            </p:txEl>
+                                          </p:spTgt>
+                                        </p:tgtEl>
+                                        <p:attrNameLst>
+                                          <p:attrName>style.visibility</p:attrName>
+                                        </p:attrNameLst>
+                                      </p:cBhvr>
+                                      <p:to>
+                                        <p:strVal val="visible"/>
+                                      </p:to>
+                                    </p:set>
+                                  </p:childTnLst>
+                                </p:cTn>
+                              </p:par>
+                            </p:childTnLst>
+                          </p:cTn>
+                        </p:par>
+                      </p:childTnLst>
+                    </p:cTn>
+                  </p:par>
+                  <p:par>
+                    <p:cTn id="11" fill="hold">
+                      <p:stCondLst>
+                        <p:cond delay="indefinite"/>
+                      </p:stCondLst>
+                      <p:childTnLst>
+                        <p:par>
+                          <p:cTn id="12" fill="hold">
+                            <p:stCondLst>
+                              <p:cond delay="0"/>
+                            </p:stCondLst>
+                            <p:childTnLst>
+                              <p:par>
+                                <p:cTn id="13" presetID="1" presetClass="entr" presetSubtype="0" fill="hold" nodeType="clickEffect">
+                                  <p:stCondLst>
+                                    <p:cond delay="0"/>
+                                  </p:stCondLst>
+                                  <p:childTnLst>
+                                    <p:set>
+                                      <p:cBhvr>
+                                        <p:cTn id="14" dur="1" fill="hold">
+                                          <p:stCondLst>
+                                            <p:cond delay="0"/>
+                                          </p:stCondLst>
+                                        </p:cTn>
+                                        <p:tgtEl>
+                                          <p:spTgt spid="5">
+                                            <p:txEl>
+                                              <p:pRg st="6" end="6"/>
+                                            </p:txEl>
+                                          </p:spTgt>
+                                        </p:tgtEl>
+                                        <p:attrNameLst>
+                                          <p:attrName>style.visibility</p:attrName>
+                                        </p:attrNameLst>
+                                      </p:cBhvr>
+                                      <p:to>
+                                        <p:strVal val="visible"/>
+                                      </p:to>
+                                    </p:set>
+                                  </p:childTnLst>
+                                </p:cTn>
+                              </p:par>
+                            </p:childTnLst>
+                          </p:cTn>
+                        </p:par>
+                      </p:childTnLst>
+                    </p:cTn>
+                  </p:par>
+                  <p:par>
+                    <p:cTn id="15" fill="hold">
+                      <p:stCondLst>
+                        <p:cond delay="indefinite"/>
+                      </p:stCondLst>
+                      <p:childTnLst>
+                        <p:par>
+                          <p:cTn id="16" fill="hold">
+                            <p:stCondLst>
+                              <p:cond delay="0"/>
+                            </p:stCondLst>
+                            <p:childTnLst>
+                              <p:par>
+                                <p:cTn id="17" presetID="1" presetClass="entr" presetSubtype="0" fill="hold" nodeType="clickEffect">
+                                  <p:stCondLst>
+                                    <p:cond delay="0"/>
+                                  </p:stCondLst>
+                                  <p:childTnLst>
+                                    <p:set>
+                                      <p:cBhvr>
+                                        <p:cTn id="18" dur="1" fill="hold">
+                                          <p:stCondLst>
+                                            <p:cond delay="0"/>
+                                          </p:stCondLst>
+                                        </p:cTn>
+                                        <p:tgtEl>
+                                          <p:spTgt spid="5">
+                                            <p:txEl>
+                                              <p:pRg st="7" end="7"/>
+                                            </p:txEl>
+                                          </p:spTgt>
+                                        </p:tgtEl>
+                                        <p:attrNameLst>
+                                          <p:attrName>style.visibility</p:attrName>
+                                        </p:attrNameLst>
+                                      </p:cBhvr>
+                                      <p:to>
+                                        <p:strVal val="visible"/>
+                                      </p:to>
+                                    </p:set>
+                                  </p:childTnLst>
+                                </p:cTn>
+                              </p:par>
+                            </p:childTnLst>
+                          </p:cTn>
+                        </p:par>
+                      </p:childTnLst>
+                    </p:cTn>
+                  </p:par>
+                </p:childTnLst>
+              </p:cTn>
+              <p:prevCondLst>
+                <p:cond evt="onPrev" delay="0">
+                  <p:tgtEl>
+                    <p:sldTgt/>
+                  </p:tgtEl>
+                </p:cond>
+              </p:prevCondLst>
+              <p:nextCondLst>
+                <p:cond evt="onNext" delay="0">
+                  <p:tgtEl>
+                    <p:sldTgt/>
+                  </p:tgtEl>
+                </p:cond>
+              </p:nextCondLst>
+            </p:seq>
+          </p:childTnLst>
+        </p:cTn>
+      </p:par>
+    </p:tnLst>
+  </p:timing>
+</p:sld>
+</file>
+
+<file path=ppt/slides/slide24.xml><?xml version="1.0" encoding="utf-8"?>
+<p:sld xmlns:a="http://schemas.openxmlformats.org/drawingml/2006/main" xmlns:r="http://schemas.openxmlformats.org/officeDocument/2006/relationships" xmlns:p="http://schemas.openxmlformats.org/presentationml/2006/main">
+  <p:cSld>
+    <p:spTree>
+      <p:nvGrpSpPr>
+        <p:cNvPr id="1" name=""/>
+        <p:cNvGrpSpPr/>
+        <p:nvPr/>
+      </p:nvGrpSpPr>
+      <p:grpSpPr>
+        <a:xfrm>
+          <a:off x="0" y="0"/>
+          <a:ext cx="0" cy="0"/>
+          <a:chOff x="0" y="0"/>
+          <a:chExt cx="0" cy="0"/>
+        </a:xfrm>
+      </p:grpSpPr>
+      <p:sp>
+        <p:nvSpPr>
+          <p:cNvPr id="4" name="Title 1">
+            <a:extLst>
+              <a:ext uri="{FF2B5EF4-FFF2-40B4-BE49-F238E27FC236}">
+                <a16:creationId xmlns:a16="http://schemas.microsoft.com/office/drawing/2014/main" id="{3D51C130-6100-4081-9F6B-4DAEFED7CA5B}"/>
+              </a:ext>
+            </a:extLst>
+          </p:cNvPr>
+          <p:cNvSpPr txBox="1">
+            <a:spLocks/>
+          </p:cNvSpPr>
+          <p:nvPr/>
+        </p:nvSpPr>
+        <p:spPr>
+          <a:xfrm>
+            <a:off x="838200" y="203958"/>
+            <a:ext cx="11095382" cy="954157"/>
+          </a:xfrm>
+          <a:prstGeom prst="rect">
+            <a:avLst/>
+          </a:prstGeom>
+        </p:spPr>
+        <p:txBody>
+          <a:bodyPr/>
+          <a:lstStyle>
+            <a:lvl1pPr algn="l" defTabSz="914400" rtl="0" eaLnBrk="1" latinLnBrk="0" hangingPunct="1">
+              <a:lnSpc>
+                <a:spcPct val="90000"/>
+              </a:lnSpc>
+              <a:spcBef>
+                <a:spcPct val="0"/>
+              </a:spcBef>
+              <a:buNone/>
+              <a:defRPr sz="4400" b="1" kern="1200">
+                <a:solidFill>
+                  <a:schemeClr val="accent2"/>
+                </a:solidFill>
+                <a:latin typeface="Ubuntu" panose="020B0504030602030204" pitchFamily="34" charset="0"/>
+                <a:ea typeface="+mj-ea"/>
+                <a:cs typeface="Arial" panose="020B0604020202020204" pitchFamily="34" charset="0"/>
+              </a:defRPr>
+            </a:lvl1pPr>
+          </a:lstStyle>
+          <a:p>
+            <a:r>
+              <a:rPr lang="es-MX" dirty="0"/>
+              <a:t>Bloque Decisión</a:t>
+            </a:r>
+            <a:endParaRPr lang="en-US" dirty="0"/>
+          </a:p>
+        </p:txBody>
+      </p:sp>
+      <p:sp>
+        <p:nvSpPr>
+          <p:cNvPr id="5" name="Content Placeholder 2">
+            <a:extLst>
+              <a:ext uri="{FF2B5EF4-FFF2-40B4-BE49-F238E27FC236}">
+                <a16:creationId xmlns:a16="http://schemas.microsoft.com/office/drawing/2014/main" id="{B11444E3-4583-414B-9981-85CAAD33D593}"/>
+              </a:ext>
+            </a:extLst>
+          </p:cNvPr>
+          <p:cNvSpPr txBox="1">
+            <a:spLocks/>
+          </p:cNvSpPr>
+          <p:nvPr/>
+        </p:nvSpPr>
+        <p:spPr>
+          <a:xfrm>
+            <a:off x="739042" y="892628"/>
+            <a:ext cx="11194540" cy="5761413"/>
+          </a:xfrm>
+          <a:prstGeom prst="rect">
+            <a:avLst/>
+          </a:prstGeom>
+        </p:spPr>
+        <p:txBody>
+          <a:bodyPr anchor="ctr"/>
+          <a:lstStyle>
+            <a:lvl1pPr marL="228600" indent="-228600" algn="l" defTabSz="914400" rtl="0" eaLnBrk="1" latinLnBrk="0" hangingPunct="1">
+              <a:lnSpc>
+                <a:spcPct val="90000"/>
+              </a:lnSpc>
+              <a:spcBef>
+                <a:spcPts val="1000"/>
+              </a:spcBef>
+              <a:buFont typeface="Arial" panose="020B0604020202020204" pitchFamily="34" charset="0"/>
+              <a:buChar char="•"/>
+              <a:defRPr sz="2800" kern="1200">
+                <a:solidFill>
+                  <a:schemeClr val="tx1"/>
+                </a:solidFill>
+                <a:latin typeface="Ubuntu" panose="020B0504030602030204" pitchFamily="34" charset="0"/>
+                <a:ea typeface="+mn-ea"/>
+                <a:cs typeface="Arial" panose="020B0604020202020204" pitchFamily="34" charset="0"/>
+              </a:defRPr>
+            </a:lvl1pPr>
+            <a:lvl2pPr marL="685800" indent="-228600" algn="l" defTabSz="914400" rtl="0" eaLnBrk="1" latinLnBrk="0" hangingPunct="1">
+              <a:lnSpc>
+                <a:spcPct val="90000"/>
+              </a:lnSpc>
+              <a:spcBef>
+                <a:spcPts val="500"/>
+              </a:spcBef>
+              <a:buFont typeface="Arial" panose="020B0604020202020204" pitchFamily="34" charset="0"/>
+              <a:buChar char="•"/>
+              <a:defRPr sz="2400" kern="1200">
+                <a:solidFill>
+                  <a:schemeClr val="tx1"/>
+                </a:solidFill>
+                <a:latin typeface="Ubuntu" panose="020B0504030602030204" pitchFamily="34" charset="0"/>
+                <a:ea typeface="+mn-ea"/>
+                <a:cs typeface="Arial" panose="020B0604020202020204" pitchFamily="34" charset="0"/>
+              </a:defRPr>
+            </a:lvl2pPr>
+            <a:lvl3pPr marL="1143000" indent="-228600" algn="l" defTabSz="914400" rtl="0" eaLnBrk="1" latinLnBrk="0" hangingPunct="1">
+              <a:lnSpc>
+                <a:spcPct val="90000"/>
+              </a:lnSpc>
+              <a:spcBef>
+                <a:spcPts val="500"/>
+              </a:spcBef>
+              <a:buFont typeface="Arial" panose="020B0604020202020204" pitchFamily="34" charset="0"/>
+              <a:buChar char="•"/>
+              <a:defRPr sz="2000" kern="1200">
+                <a:solidFill>
+                  <a:schemeClr val="tx1"/>
+                </a:solidFill>
+                <a:latin typeface="Ubuntu" panose="020B0504030602030204" pitchFamily="34" charset="0"/>
+                <a:ea typeface="+mn-ea"/>
+                <a:cs typeface="Arial" panose="020B0604020202020204" pitchFamily="34" charset="0"/>
+              </a:defRPr>
+            </a:lvl3pPr>
+            <a:lvl4pPr marL="1600200" indent="-228600" algn="l" defTabSz="914400" rtl="0" eaLnBrk="1" latinLnBrk="0" hangingPunct="1">
+              <a:lnSpc>
+                <a:spcPct val="90000"/>
+              </a:lnSpc>
+              <a:spcBef>
+                <a:spcPts val="500"/>
+              </a:spcBef>
+              <a:buFont typeface="Arial" panose="020B0604020202020204" pitchFamily="34" charset="0"/>
+              <a:buChar char="•"/>
+              <a:defRPr sz="1800" kern="1200">
+                <a:solidFill>
+                  <a:schemeClr val="tx1"/>
+                </a:solidFill>
+                <a:latin typeface="Ubuntu" panose="020B0504030602030204" pitchFamily="34" charset="0"/>
+                <a:ea typeface="+mn-ea"/>
+                <a:cs typeface="Arial" panose="020B0604020202020204" pitchFamily="34" charset="0"/>
+              </a:defRPr>
+            </a:lvl4pPr>
+            <a:lvl5pPr marL="2057400" indent="-228600" algn="l" defTabSz="914400" rtl="0" eaLnBrk="1" latinLnBrk="0" hangingPunct="1">
+              <a:lnSpc>
+                <a:spcPct val="90000"/>
+              </a:lnSpc>
+              <a:spcBef>
+                <a:spcPts val="500"/>
+              </a:spcBef>
+              <a:buFont typeface="Arial" panose="020B0604020202020204" pitchFamily="34" charset="0"/>
+              <a:buChar char="•"/>
+              <a:defRPr sz="1800" kern="1200">
+                <a:solidFill>
+                  <a:schemeClr val="tx1"/>
+                </a:solidFill>
+                <a:latin typeface="Ubuntu" panose="020B0504030602030204" pitchFamily="34" charset="0"/>
+                <a:ea typeface="+mn-ea"/>
+                <a:cs typeface="Arial" panose="020B0604020202020204" pitchFamily="34" charset="0"/>
+              </a:defRPr>
+            </a:lvl5pPr>
+            <a:lvl6pPr marL="2514600" indent="-228600" algn="l" defTabSz="914400" rtl="0" eaLnBrk="1" latinLnBrk="0" hangingPunct="1">
+              <a:lnSpc>
+                <a:spcPct val="90000"/>
+              </a:lnSpc>
+              <a:spcBef>
+                <a:spcPts val="500"/>
+              </a:spcBef>
+              <a:buFont typeface="Arial" panose="020B0604020202020204" pitchFamily="34" charset="0"/>
+              <a:buChar char="•"/>
+              <a:defRPr sz="1800" kern="1200">
+                <a:solidFill>
+                  <a:schemeClr val="tx1"/>
+                </a:solidFill>
+                <a:latin typeface="+mn-lt"/>
+                <a:ea typeface="+mn-ea"/>
+                <a:cs typeface="+mn-cs"/>
+              </a:defRPr>
+            </a:lvl6pPr>
+            <a:lvl7pPr marL="2971800" indent="-228600" algn="l" defTabSz="914400" rtl="0" eaLnBrk="1" latinLnBrk="0" hangingPunct="1">
+              <a:lnSpc>
+                <a:spcPct val="90000"/>
+              </a:lnSpc>
+              <a:spcBef>
+                <a:spcPts val="500"/>
+              </a:spcBef>
+              <a:buFont typeface="Arial" panose="020B0604020202020204" pitchFamily="34" charset="0"/>
+              <a:buChar char="•"/>
+              <a:defRPr sz="1800" kern="1200">
+                <a:solidFill>
+                  <a:schemeClr val="tx1"/>
+                </a:solidFill>
+                <a:latin typeface="+mn-lt"/>
+                <a:ea typeface="+mn-ea"/>
+                <a:cs typeface="+mn-cs"/>
+              </a:defRPr>
+            </a:lvl7pPr>
+            <a:lvl8pPr marL="3429000" indent="-228600" algn="l" defTabSz="914400" rtl="0" eaLnBrk="1" latinLnBrk="0" hangingPunct="1">
+              <a:lnSpc>
+                <a:spcPct val="90000"/>
+              </a:lnSpc>
+              <a:spcBef>
+                <a:spcPts val="500"/>
+              </a:spcBef>
+              <a:buFont typeface="Arial" panose="020B0604020202020204" pitchFamily="34" charset="0"/>
+              <a:buChar char="•"/>
+              <a:defRPr sz="1800" kern="1200">
+                <a:solidFill>
+                  <a:schemeClr val="tx1"/>
+                </a:solidFill>
+                <a:latin typeface="+mn-lt"/>
+                <a:ea typeface="+mn-ea"/>
+                <a:cs typeface="+mn-cs"/>
+              </a:defRPr>
+            </a:lvl8pPr>
+            <a:lvl9pPr marL="3886200" indent="-228600" algn="l" defTabSz="914400" rtl="0" eaLnBrk="1" latinLnBrk="0" hangingPunct="1">
+              <a:lnSpc>
+                <a:spcPct val="90000"/>
+              </a:lnSpc>
+              <a:spcBef>
+                <a:spcPts val="500"/>
+              </a:spcBef>
+              <a:buFont typeface="Arial" panose="020B0604020202020204" pitchFamily="34" charset="0"/>
+              <a:buChar char="•"/>
+              <a:defRPr sz="1800" kern="1200">
+                <a:solidFill>
+                  <a:schemeClr val="tx1"/>
+                </a:solidFill>
+                <a:latin typeface="+mn-lt"/>
+                <a:ea typeface="+mn-ea"/>
+                <a:cs typeface="+mn-cs"/>
+              </a:defRPr>
+            </a:lvl9pPr>
+          </a:lstStyle>
+          <a:p>
+            <a:pPr marL="0" indent="0">
+              <a:buFont typeface="Arial" panose="020B0604020202020204" pitchFamily="34" charset="0"/>
+              <a:buNone/>
+            </a:pPr>
+            <a:r>
+              <a:rPr lang="es-MX" sz="3000" dirty="0"/>
+              <a:t>Este bloque indica la bifurcación de un camino en dos dependiendo de una condición </a:t>
+            </a:r>
+            <a:r>
+              <a:rPr lang="es-MX" sz="3000" dirty="0" err="1"/>
+              <a:t>boleana</a:t>
+            </a:r>
+            <a:r>
+              <a:rPr lang="es-MX" sz="3000" dirty="0"/>
+              <a:t>. Sirve para ejecutar caminos condicionalmente. Dentro del bloque, deberá haber alguna expresión verdadera o falsa.</a:t>
+            </a:r>
+          </a:p>
+          <a:p>
+            <a:pPr marL="0" indent="0">
+              <a:buFont typeface="Arial" panose="020B0604020202020204" pitchFamily="34" charset="0"/>
+              <a:buNone/>
+            </a:pPr>
+            <a:endParaRPr lang="es-MX" sz="3000" dirty="0"/>
+          </a:p>
+          <a:p>
+            <a:pPr marL="0" indent="0">
+              <a:buFont typeface="Arial" panose="020B0604020202020204" pitchFamily="34" charset="0"/>
+              <a:buNone/>
+            </a:pPr>
+            <a:r>
+              <a:rPr lang="es-MX" sz="3000" b="1" i="1" dirty="0">
+                <a:solidFill>
+                  <a:schemeClr val="accent2"/>
+                </a:solidFill>
+              </a:rPr>
+              <a:t>Se representa a través de un rombo.</a:t>
+            </a:r>
+          </a:p>
+          <a:p>
+            <a:pPr marL="0" indent="0">
+              <a:buFont typeface="Arial" panose="020B0604020202020204" pitchFamily="34" charset="0"/>
+              <a:buNone/>
+            </a:pPr>
+            <a:endParaRPr lang="es-MX" sz="3000" dirty="0"/>
+          </a:p>
+          <a:p>
+            <a:pPr marL="0" indent="0">
+              <a:buFont typeface="Arial" panose="020B0604020202020204" pitchFamily="34" charset="0"/>
+              <a:buNone/>
+            </a:pPr>
+            <a:r>
+              <a:rPr lang="es-MX" sz="3000" dirty="0"/>
+              <a:t>Por ejemplo:</a:t>
+            </a:r>
+          </a:p>
+          <a:p>
+            <a:r>
+              <a:rPr lang="es-MX" sz="3000" b="1" dirty="0">
+                <a:solidFill>
+                  <a:schemeClr val="accent1"/>
+                </a:solidFill>
+              </a:rPr>
+              <a:t>IF </a:t>
+            </a:r>
+            <a:r>
+              <a:rPr lang="es-MX" sz="3000" b="1" dirty="0" err="1">
+                <a:solidFill>
+                  <a:schemeClr val="accent1"/>
+                </a:solidFill>
+              </a:rPr>
+              <a:t>dia</a:t>
+            </a:r>
+            <a:r>
+              <a:rPr lang="es-MX" sz="3000" b="1" dirty="0">
+                <a:solidFill>
+                  <a:schemeClr val="accent1"/>
+                </a:solidFill>
+              </a:rPr>
+              <a:t> == lunes</a:t>
+            </a:r>
+          </a:p>
+          <a:p>
+            <a:r>
+              <a:rPr lang="es-MX" sz="3000" b="1" dirty="0">
+                <a:solidFill>
+                  <a:schemeClr val="accent1"/>
+                </a:solidFill>
+              </a:rPr>
+              <a:t>Saldo en cuenta bancaria mayor que cero</a:t>
+            </a:r>
+          </a:p>
+          <a:p>
+            <a:r>
+              <a:rPr lang="es-MX" sz="3000" b="1" dirty="0">
+                <a:solidFill>
+                  <a:schemeClr val="accent1"/>
+                </a:solidFill>
+              </a:rPr>
+              <a:t>Luz está encendida</a:t>
+            </a:r>
+          </a:p>
+          <a:p>
+            <a:pPr marL="0" indent="0">
+              <a:buFont typeface="Arial" panose="020B0604020202020204" pitchFamily="34" charset="0"/>
+              <a:buNone/>
+            </a:pPr>
+            <a:endParaRPr lang="en-US" sz="3000" dirty="0"/>
+          </a:p>
+        </p:txBody>
+      </p:sp>
+      <p:grpSp>
+        <p:nvGrpSpPr>
+          <p:cNvPr id="7" name="Group 6">
+            <a:extLst>
+              <a:ext uri="{FF2B5EF4-FFF2-40B4-BE49-F238E27FC236}">
+                <a16:creationId xmlns:a16="http://schemas.microsoft.com/office/drawing/2014/main" id="{131E1FDA-E9AE-47AC-ADDF-7610F8C7C947}"/>
+              </a:ext>
+            </a:extLst>
+          </p:cNvPr>
+          <p:cNvGrpSpPr/>
+          <p:nvPr/>
+        </p:nvGrpSpPr>
+        <p:grpSpPr>
+          <a:xfrm>
+            <a:off x="8765840" y="2203146"/>
+            <a:ext cx="3624942" cy="4818141"/>
+            <a:chOff x="8308640" y="1234317"/>
+            <a:chExt cx="3624942" cy="4818141"/>
+          </a:xfrm>
+        </p:grpSpPr>
+        <p:pic>
+          <p:nvPicPr>
+            <p:cNvPr id="3" name="Picture 2">
+              <a:extLst>
+                <a:ext uri="{FF2B5EF4-FFF2-40B4-BE49-F238E27FC236}">
+                  <a16:creationId xmlns:a16="http://schemas.microsoft.com/office/drawing/2014/main" id="{2CFFFB7D-D046-499A-B965-8AF11CBA01CC}"/>
+                </a:ext>
+              </a:extLst>
+            </p:cNvPr>
+            <p:cNvPicPr>
+              <a:picLocks noChangeAspect="1"/>
+            </p:cNvPicPr>
+            <p:nvPr/>
+          </p:nvPicPr>
+          <p:blipFill rotWithShape="1">
+            <a:blip r:embed="rId2">
+              <a:extLst>
+                <a:ext uri="{28A0092B-C50C-407E-A947-70E740481C1C}">
+                  <a14:useLocalDpi xmlns:a14="http://schemas.microsoft.com/office/drawing/2010/main" val="0"/>
+                </a:ext>
+              </a:extLst>
+            </a:blip>
+            <a:srcRect l="51649" t="17913" r="27730" b="51683"/>
+            <a:stretch/>
+          </p:blipFill>
+          <p:spPr>
+            <a:xfrm>
+              <a:off x="8308640" y="1933871"/>
+              <a:ext cx="3624942" cy="4118587"/>
+            </a:xfrm>
+            <a:prstGeom prst="rect">
+              <a:avLst/>
+            </a:prstGeom>
+          </p:spPr>
+        </p:pic>
+        <p:cxnSp>
+          <p:nvCxnSpPr>
+            <p:cNvPr id="6" name="Straight Arrow Connector 5">
+              <a:extLst>
+                <a:ext uri="{FF2B5EF4-FFF2-40B4-BE49-F238E27FC236}">
+                  <a16:creationId xmlns:a16="http://schemas.microsoft.com/office/drawing/2014/main" id="{330F79A4-9EF2-4B19-8824-7581DC80B04D}"/>
+                </a:ext>
+              </a:extLst>
+            </p:cNvPr>
+            <p:cNvCxnSpPr/>
+            <p:nvPr/>
+          </p:nvCxnSpPr>
+          <p:spPr>
+            <a:xfrm>
+              <a:off x="9655631" y="1234317"/>
+              <a:ext cx="0" cy="1095228"/>
+            </a:xfrm>
+            <a:prstGeom prst="straightConnector1">
+              <a:avLst/>
+            </a:prstGeom>
+            <a:ln w="57150">
+              <a:tailEnd type="triangle"/>
+            </a:ln>
+          </p:spPr>
+          <p:style>
+            <a:lnRef idx="1">
+              <a:schemeClr val="dk1"/>
+            </a:lnRef>
+            <a:fillRef idx="0">
+              <a:schemeClr val="dk1"/>
+            </a:fillRef>
+            <a:effectRef idx="0">
+              <a:schemeClr val="dk1"/>
+            </a:effectRef>
+            <a:fontRef idx="minor">
+              <a:schemeClr val="tx1"/>
+            </a:fontRef>
+          </p:style>
+        </p:cxnSp>
+      </p:grpSp>
+    </p:spTree>
+    <p:extLst>
+      <p:ext uri="{BB962C8B-B14F-4D97-AF65-F5344CB8AC3E}">
+        <p14:creationId xmlns:p14="http://schemas.microsoft.com/office/powerpoint/2010/main" val="3929244703"/>
+      </p:ext>
+    </p:extLst>
+  </p:cSld>
+  <p:clrMapOvr>
+    <a:masterClrMapping/>
+  </p:clrMapOvr>
+  <p:timing>
+    <p:tnLst>
+      <p:par>
+        <p:cTn id="1" dur="indefinite" restart="never" nodeType="tmRoot">
+          <p:childTnLst>
+            <p:seq concurrent="1" nextAc="seek">
+              <p:cTn id="2" dur="indefinite" nodeType="mainSeq">
+                <p:childTnLst>
+                  <p:par>
+                    <p:cTn id="3" fill="hold">
+                      <p:stCondLst>
+                        <p:cond delay="indefinite"/>
+                      </p:stCondLst>
+                      <p:childTnLst>
+                        <p:par>
+                          <p:cTn id="4" fill="hold">
+                            <p:stCondLst>
+                              <p:cond delay="0"/>
+                            </p:stCondLst>
+                            <p:childTnLst>
+                              <p:par>
+                                <p:cTn id="5" presetID="1" presetClass="entr" presetSubtype="0" fill="hold" nodeType="clickEffect">
+                                  <p:stCondLst>
+                                    <p:cond delay="0"/>
+                                  </p:stCondLst>
+                                  <p:childTnLst>
+                                    <p:set>
+                                      <p:cBhvr>
+                                        <p:cTn id="6" dur="1" fill="hold">
+                                          <p:stCondLst>
+                                            <p:cond delay="0"/>
+                                          </p:stCondLst>
+                                        </p:cTn>
+                                        <p:tgtEl>
+                                          <p:spTgt spid="5">
+                                            <p:txEl>
+                                              <p:pRg st="4" end="4"/>
+                                            </p:txEl>
+                                          </p:spTgt>
+                                        </p:tgtEl>
+                                        <p:attrNameLst>
+                                          <p:attrName>style.visibility</p:attrName>
+                                        </p:attrNameLst>
+                                      </p:cBhvr>
+                                      <p:to>
+                                        <p:strVal val="visible"/>
+                                      </p:to>
+                                    </p:set>
+                                  </p:childTnLst>
+                                </p:cTn>
+                              </p:par>
+                            </p:childTnLst>
+                          </p:cTn>
+                        </p:par>
+                      </p:childTnLst>
+                    </p:cTn>
+                  </p:par>
+                  <p:par>
+                    <p:cTn id="7" fill="hold">
+                      <p:stCondLst>
+                        <p:cond delay="indefinite"/>
+                      </p:stCondLst>
+                      <p:childTnLst>
+                        <p:par>
+                          <p:cTn id="8" fill="hold">
+                            <p:stCondLst>
+                              <p:cond delay="0"/>
+                            </p:stCondLst>
+                            <p:childTnLst>
+                              <p:par>
+                                <p:cTn id="9" presetID="1" presetClass="entr" presetSubtype="0" fill="hold" nodeType="clickEffect">
+                                  <p:stCondLst>
+                                    <p:cond delay="0"/>
+                                  </p:stCondLst>
+                                  <p:childTnLst>
+                                    <p:set>
+                                      <p:cBhvr>
+                                        <p:cTn id="10" dur="1" fill="hold">
+                                          <p:stCondLst>
+                                            <p:cond delay="0"/>
+                                          </p:stCondLst>
+                                        </p:cTn>
+                                        <p:tgtEl>
+                                          <p:spTgt spid="5">
+                                            <p:txEl>
+                                              <p:pRg st="5" end="5"/>
+                                            </p:txEl>
+                                          </p:spTgt>
+                                        </p:tgtEl>
+                                        <p:attrNameLst>
+                                          <p:attrName>style.visibility</p:attrName>
+                                        </p:attrNameLst>
+                                      </p:cBhvr>
+                                      <p:to>
+                                        <p:strVal val="visible"/>
+                                      </p:to>
+                                    </p:set>
+                                  </p:childTnLst>
+                                </p:cTn>
+                              </p:par>
+                            </p:childTnLst>
+                          </p:cTn>
+                        </p:par>
+                      </p:childTnLst>
+                    </p:cTn>
+                  </p:par>
+                  <p:par>
+                    <p:cTn id="11" fill="hold">
+                      <p:stCondLst>
+                        <p:cond delay="indefinite"/>
+                      </p:stCondLst>
+                      <p:childTnLst>
+                        <p:par>
+                          <p:cTn id="12" fill="hold">
+                            <p:stCondLst>
+                              <p:cond delay="0"/>
+                            </p:stCondLst>
+                            <p:childTnLst>
+                              <p:par>
+                                <p:cTn id="13" presetID="1" presetClass="entr" presetSubtype="0" fill="hold" nodeType="clickEffect">
+                                  <p:stCondLst>
+                                    <p:cond delay="0"/>
+                                  </p:stCondLst>
+                                  <p:childTnLst>
+                                    <p:set>
+                                      <p:cBhvr>
+                                        <p:cTn id="14" dur="1" fill="hold">
+                                          <p:stCondLst>
+                                            <p:cond delay="0"/>
+                                          </p:stCondLst>
+                                        </p:cTn>
+                                        <p:tgtEl>
+                                          <p:spTgt spid="5">
+                                            <p:txEl>
+                                              <p:pRg st="6" end="6"/>
+                                            </p:txEl>
+                                          </p:spTgt>
+                                        </p:tgtEl>
+                                        <p:attrNameLst>
+                                          <p:attrName>style.visibility</p:attrName>
+                                        </p:attrNameLst>
+                                      </p:cBhvr>
+                                      <p:to>
+                                        <p:strVal val="visible"/>
+                                      </p:to>
+                                    </p:set>
+                                  </p:childTnLst>
+                                </p:cTn>
+                              </p:par>
+                            </p:childTnLst>
+                          </p:cTn>
+                        </p:par>
+                      </p:childTnLst>
+                    </p:cTn>
+                  </p:par>
+                  <p:par>
+                    <p:cTn id="15" fill="hold">
+                      <p:stCondLst>
+                        <p:cond delay="indefinite"/>
+                      </p:stCondLst>
+                      <p:childTnLst>
+                        <p:par>
+                          <p:cTn id="16" fill="hold">
+                            <p:stCondLst>
+                              <p:cond delay="0"/>
+                            </p:stCondLst>
+                            <p:childTnLst>
+                              <p:par>
+                                <p:cTn id="17" presetID="1" presetClass="entr" presetSubtype="0" fill="hold" nodeType="clickEffect">
+                                  <p:stCondLst>
+                                    <p:cond delay="0"/>
+                                  </p:stCondLst>
+                                  <p:childTnLst>
+                                    <p:set>
+                                      <p:cBhvr>
+                                        <p:cTn id="18" dur="1" fill="hold">
+                                          <p:stCondLst>
+                                            <p:cond delay="0"/>
+                                          </p:stCondLst>
+                                        </p:cTn>
+                                        <p:tgtEl>
+                                          <p:spTgt spid="5">
+                                            <p:txEl>
+                                              <p:pRg st="7" end="7"/>
+                                            </p:txEl>
+                                          </p:spTgt>
+                                        </p:tgtEl>
+                                        <p:attrNameLst>
+                                          <p:attrName>style.visibility</p:attrName>
+                                        </p:attrNameLst>
+                                      </p:cBhvr>
+                                      <p:to>
+                                        <p:strVal val="visible"/>
+                                      </p:to>
+                                    </p:set>
+                                  </p:childTnLst>
+                                </p:cTn>
+                              </p:par>
+                            </p:childTnLst>
+                          </p:cTn>
+                        </p:par>
+                      </p:childTnLst>
+                    </p:cTn>
+                  </p:par>
+                </p:childTnLst>
+              </p:cTn>
+              <p:prevCondLst>
+                <p:cond evt="onPrev" delay="0">
+                  <p:tgtEl>
+                    <p:sldTgt/>
+                  </p:tgtEl>
+                </p:cond>
+              </p:prevCondLst>
+              <p:nextCondLst>
+                <p:cond evt="onNext" delay="0">
+                  <p:tgtEl>
+                    <p:sldTgt/>
+                  </p:tgtEl>
+                </p:cond>
+              </p:nextCondLst>
+            </p:seq>
+          </p:childTnLst>
+        </p:cTn>
+      </p:par>
+    </p:tnLst>
+  </p:timing>
+</p:sld>
+</file>
+
+<file path=ppt/slides/slide25.xml><?xml version="1.0" encoding="utf-8"?>
+<p:sld xmlns:a="http://schemas.openxmlformats.org/drawingml/2006/main" xmlns:r="http://schemas.openxmlformats.org/officeDocument/2006/relationships" xmlns:p="http://schemas.openxmlformats.org/presentationml/2006/main">
+  <p:cSld>
+    <p:spTree>
+      <p:nvGrpSpPr>
+        <p:cNvPr id="1" name=""/>
+        <p:cNvGrpSpPr/>
+        <p:nvPr/>
+      </p:nvGrpSpPr>
+      <p:grpSpPr>
+        <a:xfrm>
+          <a:off x="0" y="0"/>
+          <a:ext cx="0" cy="0"/>
+          <a:chOff x="0" y="0"/>
+          <a:chExt cx="0" cy="0"/>
+        </a:xfrm>
+      </p:grpSpPr>
+      <p:sp>
+        <p:nvSpPr>
+          <p:cNvPr id="2" name="Title 1">
+            <a:extLst>
+              <a:ext uri="{FF2B5EF4-FFF2-40B4-BE49-F238E27FC236}">
+                <a16:creationId xmlns:a16="http://schemas.microsoft.com/office/drawing/2014/main" id="{E93460B0-53F5-47AD-955A-8544DB343C2E}"/>
+              </a:ext>
+            </a:extLst>
+          </p:cNvPr>
+          <p:cNvSpPr>
+            <a:spLocks noGrp="1"/>
+          </p:cNvSpPr>
+          <p:nvPr>
+            <p:ph type="title"/>
+          </p:nvPr>
+        </p:nvSpPr>
+        <p:spPr/>
+        <p:txBody>
+          <a:bodyPr/>
+          <a:lstStyle/>
+          <a:p>
+            <a:r>
+              <a:rPr lang="es-MX" dirty="0"/>
+              <a:t>Ejemplo</a:t>
+            </a:r>
+            <a:endParaRPr lang="en-US" dirty="0"/>
+          </a:p>
+        </p:txBody>
+      </p:sp>
+      <p:sp>
+        <p:nvSpPr>
+          <p:cNvPr id="3" name="Text Placeholder 2">
+            <a:extLst>
+              <a:ext uri="{FF2B5EF4-FFF2-40B4-BE49-F238E27FC236}">
+                <a16:creationId xmlns:a16="http://schemas.microsoft.com/office/drawing/2014/main" id="{910F6585-7A17-4EDC-924F-BE89485BDECA}"/>
+              </a:ext>
+            </a:extLst>
+          </p:cNvPr>
+          <p:cNvSpPr>
+            <a:spLocks noGrp="1"/>
+          </p:cNvSpPr>
+          <p:nvPr>
+            <p:ph type="body" sz="quarter" idx="10"/>
+          </p:nvPr>
+        </p:nvSpPr>
+        <p:spPr/>
+        <p:txBody>
+          <a:bodyPr/>
+          <a:lstStyle/>
+          <a:p>
+            <a:pPr marL="0" indent="0">
+              <a:buNone/>
+            </a:pPr>
+            <a:r>
+              <a:rPr lang="es-MX" dirty="0"/>
+              <a:t>Calcular la nómina de un trabajador que trabaja por horas.</a:t>
+            </a:r>
+          </a:p>
+          <a:p>
+            <a:pPr marL="0" indent="0">
+              <a:buNone/>
+            </a:pPr>
+            <a:r>
+              <a:rPr lang="es-MX" b="1" dirty="0">
+                <a:sym typeface="Wingdings" panose="05000000000000000000" pitchFamily="2" charset="2"/>
+              </a:rPr>
+              <a:t>Entradas:</a:t>
+            </a:r>
+          </a:p>
+          <a:p>
+            <a:pPr>
+              <a:buFont typeface="Wingdings" panose="05000000000000000000" pitchFamily="2" charset="2"/>
+              <a:buChar char="à"/>
+            </a:pPr>
+            <a:r>
+              <a:rPr lang="es-MX" b="1" dirty="0">
+                <a:solidFill>
+                  <a:schemeClr val="accent1"/>
+                </a:solidFill>
+                <a:sym typeface="Wingdings" panose="05000000000000000000" pitchFamily="2" charset="2"/>
+              </a:rPr>
+              <a:t>Sueldo por hora</a:t>
+            </a:r>
+          </a:p>
+          <a:p>
+            <a:pPr>
+              <a:buFont typeface="Wingdings" panose="05000000000000000000" pitchFamily="2" charset="2"/>
+              <a:buChar char="à"/>
+            </a:pPr>
+            <a:r>
+              <a:rPr lang="en-US" b="1" dirty="0">
+                <a:solidFill>
+                  <a:schemeClr val="accent1"/>
+                </a:solidFill>
+              </a:rPr>
+              <a:t>Horas </a:t>
+            </a:r>
+            <a:r>
+              <a:rPr lang="en-US" b="1" dirty="0" err="1">
+                <a:solidFill>
+                  <a:schemeClr val="accent1"/>
+                </a:solidFill>
+              </a:rPr>
+              <a:t>trabajadas</a:t>
+            </a:r>
+            <a:endParaRPr lang="en-US" b="1" dirty="0">
+              <a:solidFill>
+                <a:schemeClr val="accent1"/>
+              </a:solidFill>
+            </a:endParaRPr>
+          </a:p>
+          <a:p>
+            <a:pPr marL="0" indent="0">
+              <a:buNone/>
+            </a:pPr>
+            <a:r>
+              <a:rPr lang="en-US" b="1" dirty="0" err="1"/>
+              <a:t>Salidas</a:t>
+            </a:r>
+            <a:r>
+              <a:rPr lang="en-US" b="1" dirty="0"/>
+              <a:t>:</a:t>
+            </a:r>
+          </a:p>
+          <a:p>
+            <a:pPr marL="0" indent="0">
+              <a:buNone/>
+            </a:pPr>
+            <a:r>
+              <a:rPr lang="en-US" b="1" dirty="0">
+                <a:solidFill>
+                  <a:schemeClr val="accent1"/>
+                </a:solidFill>
+                <a:sym typeface="Wingdings" panose="05000000000000000000" pitchFamily="2" charset="2"/>
+              </a:rPr>
+              <a:t> Monto a </a:t>
+            </a:r>
+            <a:r>
+              <a:rPr lang="en-US" b="1" dirty="0" err="1">
+                <a:solidFill>
+                  <a:schemeClr val="accent1"/>
+                </a:solidFill>
+                <a:sym typeface="Wingdings" panose="05000000000000000000" pitchFamily="2" charset="2"/>
+              </a:rPr>
+              <a:t>pagar</a:t>
+            </a:r>
+            <a:endParaRPr lang="en-US" b="1" dirty="0">
+              <a:solidFill>
+                <a:schemeClr val="accent1"/>
+              </a:solidFill>
+            </a:endParaRPr>
+          </a:p>
+        </p:txBody>
+      </p:sp>
+      <p:pic>
+        <p:nvPicPr>
+          <p:cNvPr id="4098" name="Picture 2" descr="Image result for work">
+            <a:extLst>
+              <a:ext uri="{FF2B5EF4-FFF2-40B4-BE49-F238E27FC236}">
+                <a16:creationId xmlns:a16="http://schemas.microsoft.com/office/drawing/2014/main" id="{977DB59E-C6B4-4357-B8B0-54437E436F29}"/>
+              </a:ext>
+            </a:extLst>
+          </p:cNvPr>
+          <p:cNvPicPr>
+            <a:picLocks noChangeAspect="1" noChangeArrowheads="1"/>
+          </p:cNvPicPr>
+          <p:nvPr/>
+        </p:nvPicPr>
+        <p:blipFill rotWithShape="1">
+          <a:blip r:embed="rId2">
+            <a:extLst>
+              <a:ext uri="{28A0092B-C50C-407E-A947-70E740481C1C}">
+                <a14:useLocalDpi xmlns:a14="http://schemas.microsoft.com/office/drawing/2010/main" val="0"/>
+              </a:ext>
+            </a:extLst>
+          </a:blip>
+          <a:srcRect r="20013"/>
+          <a:stretch/>
+        </p:blipFill>
+        <p:spPr bwMode="auto">
+          <a:xfrm>
+            <a:off x="5783766" y="1158115"/>
+            <a:ext cx="6125736" cy="5105636"/>
+          </a:xfrm>
+          <a:prstGeom prst="rect">
+            <a:avLst/>
+          </a:prstGeom>
+          <a:noFill/>
+          <a:extLst>
+            <a:ext uri="{909E8E84-426E-40DD-AFC4-6F175D3DCCD1}">
+              <a14:hiddenFill xmlns:a14="http://schemas.microsoft.com/office/drawing/2010/main">
+                <a:solidFill>
+                  <a:srgbClr val="FFFFFF"/>
+                </a:solidFill>
+              </a14:hiddenFill>
+            </a:ext>
+          </a:extLst>
+        </p:spPr>
+      </p:pic>
+    </p:spTree>
+    <p:extLst>
+      <p:ext uri="{BB962C8B-B14F-4D97-AF65-F5344CB8AC3E}">
+        <p14:creationId xmlns:p14="http://schemas.microsoft.com/office/powerpoint/2010/main" val="1589334652"/>
+      </p:ext>
+    </p:extLst>
+  </p:cSld>
+  <p:clrMapOvr>
+    <a:masterClrMapping/>
+  </p:clrMapOvr>
+  <p:timing>
+    <p:tnLst>
+      <p:par>
+        <p:cTn id="1" dur="indefinite" restart="never" nodeType="tmRoot">
+          <p:childTnLst>
+            <p:seq concurrent="1" nextAc="seek">
+              <p:cTn id="2" dur="indefinite" nodeType="mainSeq">
+                <p:childTnLst>
+                  <p:par>
+                    <p:cTn id="3" fill="hold">
+                      <p:stCondLst>
+                        <p:cond delay="indefinite"/>
+                      </p:stCondLst>
+                      <p:childTnLst>
+                        <p:par>
+                          <p:cTn id="4" fill="hold">
+                            <p:stCondLst>
+                              <p:cond delay="0"/>
+                            </p:stCondLst>
+                            <p:childTnLst>
+                              <p:par>
+                                <p:cTn id="5" presetID="1" presetClass="entr" presetSubtype="0" fill="hold" nodeType="clickEffect">
+                                  <p:stCondLst>
+                                    <p:cond delay="0"/>
+                                  </p:stCondLst>
+                                  <p:childTnLst>
+                                    <p:set>
+                                      <p:cBhvr>
+                                        <p:cTn id="6" dur="1" fill="hold">
+                                          <p:stCondLst>
+                                            <p:cond delay="0"/>
+                                          </p:stCondLst>
+                                        </p:cTn>
+                                        <p:tgtEl>
+                                          <p:spTgt spid="3">
+                                            <p:txEl>
+                                              <p:pRg st="1" end="1"/>
+                                            </p:txEl>
+                                          </p:spTgt>
+                                        </p:tgtEl>
+                                        <p:attrNameLst>
+                                          <p:attrName>style.visibility</p:attrName>
+                                        </p:attrNameLst>
+                                      </p:cBhvr>
+                                      <p:to>
+                                        <p:strVal val="visible"/>
+                                      </p:to>
+                                    </p:set>
+                                  </p:childTnLst>
+                                </p:cTn>
+                              </p:par>
+                              <p:par>
+                                <p:cTn id="7" presetID="1" presetClass="entr" presetSubtype="0" fill="hold" nodeType="withEffect">
+                                  <p:stCondLst>
+                                    <p:cond delay="0"/>
+                                  </p:stCondLst>
+                                  <p:childTnLst>
+                                    <p:set>
+                                      <p:cBhvr>
+                                        <p:cTn id="8" dur="1" fill="hold">
+                                          <p:stCondLst>
+                                            <p:cond delay="0"/>
+                                          </p:stCondLst>
+                                        </p:cTn>
+                                        <p:tgtEl>
+                                          <p:spTgt spid="3">
+                                            <p:txEl>
+                                              <p:pRg st="2" end="2"/>
+                                            </p:txEl>
+                                          </p:spTgt>
+                                        </p:tgtEl>
+                                        <p:attrNameLst>
+                                          <p:attrName>style.visibility</p:attrName>
+                                        </p:attrNameLst>
+                                      </p:cBhvr>
+                                      <p:to>
+                                        <p:strVal val="visible"/>
+                                      </p:to>
+                                    </p:set>
+                                  </p:childTnLst>
+                                </p:cTn>
+                              </p:par>
+                              <p:par>
+                                <p:cTn id="9" presetID="1" presetClass="entr" presetSubtype="0" fill="hold" nodeType="withEffect">
+                                  <p:stCondLst>
+                                    <p:cond delay="0"/>
+                                  </p:stCondLst>
+                                  <p:childTnLst>
+                                    <p:set>
+                                      <p:cBhvr>
+                                        <p:cTn id="10" dur="1" fill="hold">
+                                          <p:stCondLst>
+                                            <p:cond delay="0"/>
+                                          </p:stCondLst>
+                                        </p:cTn>
+                                        <p:tgtEl>
+                                          <p:spTgt spid="3">
+                                            <p:txEl>
+                                              <p:pRg st="3" end="3"/>
+                                            </p:txEl>
+                                          </p:spTgt>
+                                        </p:tgtEl>
+                                        <p:attrNameLst>
+                                          <p:attrName>style.visibility</p:attrName>
+                                        </p:attrNameLst>
+                                      </p:cBhvr>
+                                      <p:to>
+                                        <p:strVal val="visible"/>
+                                      </p:to>
+                                    </p:set>
+                                  </p:childTnLst>
+                                </p:cTn>
+                              </p:par>
+                            </p:childTnLst>
+                          </p:cTn>
+                        </p:par>
+                      </p:childTnLst>
+                    </p:cTn>
+                  </p:par>
+                  <p:par>
+                    <p:cTn id="11" fill="hold">
+                      <p:stCondLst>
+                        <p:cond delay="indefinite"/>
+                      </p:stCondLst>
+                      <p:childTnLst>
+                        <p:par>
+                          <p:cTn id="12" fill="hold">
+                            <p:stCondLst>
+                              <p:cond delay="0"/>
+                            </p:stCondLst>
+                            <p:childTnLst>
+                              <p:par>
+                                <p:cTn id="13" presetID="1" presetClass="entr" presetSubtype="0" fill="hold" nodeType="clickEffect">
+                                  <p:stCondLst>
+                                    <p:cond delay="0"/>
+                                  </p:stCondLst>
+                                  <p:childTnLst>
+                                    <p:set>
+                                      <p:cBhvr>
+                                        <p:cTn id="14" dur="1" fill="hold">
+                                          <p:stCondLst>
+                                            <p:cond delay="0"/>
+                                          </p:stCondLst>
+                                        </p:cTn>
+                                        <p:tgtEl>
+                                          <p:spTgt spid="3">
+                                            <p:txEl>
+                                              <p:pRg st="4" end="4"/>
+                                            </p:txEl>
+                                          </p:spTgt>
+                                        </p:tgtEl>
+                                        <p:attrNameLst>
+                                          <p:attrName>style.visibility</p:attrName>
+                                        </p:attrNameLst>
+                                      </p:cBhvr>
+                                      <p:to>
+                                        <p:strVal val="visible"/>
+                                      </p:to>
+                                    </p:set>
+                                  </p:childTnLst>
+                                </p:cTn>
+                              </p:par>
+                              <p:par>
+                                <p:cTn id="15" presetID="1" presetClass="entr" presetSubtype="0" fill="hold" nodeType="withEffect">
+                                  <p:stCondLst>
+                                    <p:cond delay="0"/>
+                                  </p:stCondLst>
+                                  <p:childTnLst>
+                                    <p:set>
+                                      <p:cBhvr>
+                                        <p:cTn id="16" dur="1" fill="hold">
+                                          <p:stCondLst>
+                                            <p:cond delay="0"/>
+                                          </p:stCondLst>
+                                        </p:cTn>
+                                        <p:tgtEl>
+                                          <p:spTgt spid="3">
+                                            <p:txEl>
+                                              <p:pRg st="5" end="5"/>
+                                            </p:txEl>
+                                          </p:spTgt>
+                                        </p:tgtEl>
+                                        <p:attrNameLst>
+                                          <p:attrName>style.visibility</p:attrName>
+                                        </p:attrNameLst>
+                                      </p:cBhvr>
+                                      <p:to>
+                                        <p:strVal val="visible"/>
+                                      </p:to>
+                                    </p:set>
+                                  </p:childTnLst>
+                                </p:cTn>
+                              </p:par>
+                            </p:childTnLst>
+                          </p:cTn>
+                        </p:par>
+                      </p:childTnLst>
+                    </p:cTn>
+                  </p:par>
+                </p:childTnLst>
+              </p:cTn>
+              <p:prevCondLst>
+                <p:cond evt="onPrev" delay="0">
+                  <p:tgtEl>
+                    <p:sldTgt/>
+                  </p:tgtEl>
+                </p:cond>
+              </p:prevCondLst>
+              <p:nextCondLst>
+                <p:cond evt="onNext" delay="0">
+                  <p:tgtEl>
+                    <p:sldTgt/>
+                  </p:tgtEl>
+                </p:cond>
+              </p:nextCondLst>
+            </p:seq>
+          </p:childTnLst>
+        </p:cTn>
+      </p:par>
+    </p:tnLst>
+  </p:timing>
+</p:sld>
+</file>
+
+<file path=ppt/slides/slide26.xml><?xml version="1.0" encoding="utf-8"?>
+<p:sld xmlns:a="http://schemas.openxmlformats.org/drawingml/2006/main" xmlns:r="http://schemas.openxmlformats.org/officeDocument/2006/relationships" xmlns:p="http://schemas.openxmlformats.org/presentationml/2006/main">
+  <p:cSld>
+    <p:spTree>
+      <p:nvGrpSpPr>
+        <p:cNvPr id="1" name=""/>
+        <p:cNvGrpSpPr/>
+        <p:nvPr/>
+      </p:nvGrpSpPr>
+      <p:grpSpPr>
+        <a:xfrm>
+          <a:off x="0" y="0"/>
+          <a:ext cx="0" cy="0"/>
+          <a:chOff x="0" y="0"/>
+          <a:chExt cx="0" cy="0"/>
+        </a:xfrm>
+      </p:grpSpPr>
+      <p:sp>
+        <p:nvSpPr>
+          <p:cNvPr id="5" name="Text Placeholder 2">
+            <a:extLst>
+              <a:ext uri="{FF2B5EF4-FFF2-40B4-BE49-F238E27FC236}">
+                <a16:creationId xmlns:a16="http://schemas.microsoft.com/office/drawing/2014/main" id="{8D0529C9-0349-4B77-839C-C04B65CA29BB}"/>
+              </a:ext>
+            </a:extLst>
+          </p:cNvPr>
+          <p:cNvSpPr txBox="1">
+            <a:spLocks/>
+          </p:cNvSpPr>
+          <p:nvPr/>
+        </p:nvSpPr>
+        <p:spPr>
+          <a:xfrm>
+            <a:off x="1099457" y="719138"/>
+            <a:ext cx="4746171" cy="5230812"/>
+          </a:xfrm>
+          <a:prstGeom prst="rect">
+            <a:avLst/>
+          </a:prstGeom>
+        </p:spPr>
+        <p:txBody>
+          <a:bodyPr/>
+          <a:lstStyle>
+            <a:lvl1pPr marL="228600" indent="-228600" algn="l" defTabSz="914400" rtl="0" eaLnBrk="1" latinLnBrk="0" hangingPunct="1">
+              <a:lnSpc>
+                <a:spcPct val="90000"/>
+              </a:lnSpc>
+              <a:spcBef>
+                <a:spcPts val="1000"/>
+              </a:spcBef>
+              <a:buFont typeface="Arial" panose="020B0604020202020204" pitchFamily="34" charset="0"/>
+              <a:buChar char="•"/>
+              <a:defRPr sz="2800" kern="1200">
+                <a:solidFill>
+                  <a:schemeClr val="tx1"/>
+                </a:solidFill>
+                <a:latin typeface="Ubuntu" panose="020B0504030602030204" pitchFamily="34" charset="0"/>
+                <a:ea typeface="+mn-ea"/>
+                <a:cs typeface="Arial" panose="020B0604020202020204" pitchFamily="34" charset="0"/>
+              </a:defRPr>
+            </a:lvl1pPr>
+            <a:lvl2pPr marL="685800" indent="-228600" algn="l" defTabSz="914400" rtl="0" eaLnBrk="1" latinLnBrk="0" hangingPunct="1">
+              <a:lnSpc>
+                <a:spcPct val="90000"/>
+              </a:lnSpc>
+              <a:spcBef>
+                <a:spcPts val="500"/>
+              </a:spcBef>
+              <a:buFont typeface="Arial" panose="020B0604020202020204" pitchFamily="34" charset="0"/>
+              <a:buChar char="•"/>
+              <a:defRPr sz="2400" kern="1200">
+                <a:solidFill>
+                  <a:schemeClr val="tx1"/>
+                </a:solidFill>
+                <a:latin typeface="Ubuntu" panose="020B0504030602030204" pitchFamily="34" charset="0"/>
+                <a:ea typeface="+mn-ea"/>
+                <a:cs typeface="Arial" panose="020B0604020202020204" pitchFamily="34" charset="0"/>
+              </a:defRPr>
+            </a:lvl2pPr>
+            <a:lvl3pPr marL="1143000" indent="-228600" algn="l" defTabSz="914400" rtl="0" eaLnBrk="1" latinLnBrk="0" hangingPunct="1">
+              <a:lnSpc>
+                <a:spcPct val="90000"/>
+              </a:lnSpc>
+              <a:spcBef>
+                <a:spcPts val="500"/>
+              </a:spcBef>
+              <a:buFont typeface="Arial" panose="020B0604020202020204" pitchFamily="34" charset="0"/>
+              <a:buChar char="•"/>
+              <a:defRPr sz="2000" kern="1200">
+                <a:solidFill>
+                  <a:schemeClr val="tx1"/>
+                </a:solidFill>
+                <a:latin typeface="Ubuntu" panose="020B0504030602030204" pitchFamily="34" charset="0"/>
+                <a:ea typeface="+mn-ea"/>
+                <a:cs typeface="Arial" panose="020B0604020202020204" pitchFamily="34" charset="0"/>
+              </a:defRPr>
+            </a:lvl3pPr>
+            <a:lvl4pPr marL="1600200" indent="-228600" algn="l" defTabSz="914400" rtl="0" eaLnBrk="1" latinLnBrk="0" hangingPunct="1">
+              <a:lnSpc>
+                <a:spcPct val="90000"/>
+              </a:lnSpc>
+              <a:spcBef>
+                <a:spcPts val="500"/>
+              </a:spcBef>
+              <a:buFont typeface="Arial" panose="020B0604020202020204" pitchFamily="34" charset="0"/>
+              <a:buChar char="•"/>
+              <a:defRPr sz="1800" kern="1200">
+                <a:solidFill>
+                  <a:schemeClr val="tx1"/>
+                </a:solidFill>
+                <a:latin typeface="Ubuntu" panose="020B0504030602030204" pitchFamily="34" charset="0"/>
+                <a:ea typeface="+mn-ea"/>
+                <a:cs typeface="Arial" panose="020B0604020202020204" pitchFamily="34" charset="0"/>
+              </a:defRPr>
+            </a:lvl4pPr>
+            <a:lvl5pPr marL="2057400" indent="-228600" algn="l" defTabSz="914400" rtl="0" eaLnBrk="1" latinLnBrk="0" hangingPunct="1">
+              <a:lnSpc>
+                <a:spcPct val="90000"/>
+              </a:lnSpc>
+              <a:spcBef>
+                <a:spcPts val="500"/>
+              </a:spcBef>
+              <a:buFont typeface="Arial" panose="020B0604020202020204" pitchFamily="34" charset="0"/>
+              <a:buChar char="•"/>
+              <a:defRPr sz="1800" kern="1200">
+                <a:solidFill>
+                  <a:schemeClr val="tx1"/>
+                </a:solidFill>
+                <a:latin typeface="Ubuntu" panose="020B0504030602030204" pitchFamily="34" charset="0"/>
+                <a:ea typeface="+mn-ea"/>
+                <a:cs typeface="Arial" panose="020B0604020202020204" pitchFamily="34" charset="0"/>
+              </a:defRPr>
+            </a:lvl5pPr>
+            <a:lvl6pPr marL="2514600" indent="-228600" algn="l" defTabSz="914400" rtl="0" eaLnBrk="1" latinLnBrk="0" hangingPunct="1">
+              <a:lnSpc>
+                <a:spcPct val="90000"/>
+              </a:lnSpc>
+              <a:spcBef>
+                <a:spcPts val="500"/>
+              </a:spcBef>
+              <a:buFont typeface="Arial" panose="020B0604020202020204" pitchFamily="34" charset="0"/>
+              <a:buChar char="•"/>
+              <a:defRPr sz="1800" kern="1200">
+                <a:solidFill>
+                  <a:schemeClr val="tx1"/>
+                </a:solidFill>
+                <a:latin typeface="+mn-lt"/>
+                <a:ea typeface="+mn-ea"/>
+                <a:cs typeface="+mn-cs"/>
+              </a:defRPr>
+            </a:lvl6pPr>
+            <a:lvl7pPr marL="2971800" indent="-228600" algn="l" defTabSz="914400" rtl="0" eaLnBrk="1" latinLnBrk="0" hangingPunct="1">
+              <a:lnSpc>
+                <a:spcPct val="90000"/>
+              </a:lnSpc>
+              <a:spcBef>
+                <a:spcPts val="500"/>
+              </a:spcBef>
+              <a:buFont typeface="Arial" panose="020B0604020202020204" pitchFamily="34" charset="0"/>
+              <a:buChar char="•"/>
+              <a:defRPr sz="1800" kern="1200">
+                <a:solidFill>
+                  <a:schemeClr val="tx1"/>
+                </a:solidFill>
+                <a:latin typeface="+mn-lt"/>
+                <a:ea typeface="+mn-ea"/>
+                <a:cs typeface="+mn-cs"/>
+              </a:defRPr>
+            </a:lvl7pPr>
+            <a:lvl8pPr marL="3429000" indent="-228600" algn="l" defTabSz="914400" rtl="0" eaLnBrk="1" latinLnBrk="0" hangingPunct="1">
+              <a:lnSpc>
+                <a:spcPct val="90000"/>
+              </a:lnSpc>
+              <a:spcBef>
+                <a:spcPts val="500"/>
+              </a:spcBef>
+              <a:buFont typeface="Arial" panose="020B0604020202020204" pitchFamily="34" charset="0"/>
+              <a:buChar char="•"/>
+              <a:defRPr sz="1800" kern="1200">
+                <a:solidFill>
+                  <a:schemeClr val="tx1"/>
+                </a:solidFill>
+                <a:latin typeface="+mn-lt"/>
+                <a:ea typeface="+mn-ea"/>
+                <a:cs typeface="+mn-cs"/>
+              </a:defRPr>
+            </a:lvl8pPr>
+            <a:lvl9pPr marL="3886200" indent="-228600" algn="l" defTabSz="914400" rtl="0" eaLnBrk="1" latinLnBrk="0" hangingPunct="1">
+              <a:lnSpc>
+                <a:spcPct val="90000"/>
+              </a:lnSpc>
+              <a:spcBef>
+                <a:spcPts val="500"/>
+              </a:spcBef>
+              <a:buFont typeface="Arial" panose="020B0604020202020204" pitchFamily="34" charset="0"/>
+              <a:buChar char="•"/>
+              <a:defRPr sz="1800" kern="1200">
+                <a:solidFill>
+                  <a:schemeClr val="tx1"/>
+                </a:solidFill>
+                <a:latin typeface="+mn-lt"/>
+                <a:ea typeface="+mn-ea"/>
+                <a:cs typeface="+mn-cs"/>
+              </a:defRPr>
+            </a:lvl9pPr>
+          </a:lstStyle>
+          <a:p>
+            <a:pPr marL="0" indent="0">
+              <a:buFont typeface="Arial" panose="020B0604020202020204" pitchFamily="34" charset="0"/>
+              <a:buNone/>
+            </a:pPr>
+            <a:endParaRPr lang="en-US" b="1" dirty="0">
+              <a:solidFill>
+                <a:schemeClr val="accent1"/>
+              </a:solidFill>
+            </a:endParaRPr>
+          </a:p>
+        </p:txBody>
+      </p:sp>
+      <p:sp>
+        <p:nvSpPr>
+          <p:cNvPr id="9" name="Text Placeholder 2">
+            <a:extLst>
+              <a:ext uri="{FF2B5EF4-FFF2-40B4-BE49-F238E27FC236}">
+                <a16:creationId xmlns:a16="http://schemas.microsoft.com/office/drawing/2014/main" id="{4AB11658-2238-4176-B4A4-7857C67A047C}"/>
+              </a:ext>
+            </a:extLst>
+          </p:cNvPr>
+          <p:cNvSpPr txBox="1">
+            <a:spLocks/>
+          </p:cNvSpPr>
+          <p:nvPr/>
+        </p:nvSpPr>
+        <p:spPr>
+          <a:xfrm>
+            <a:off x="1536330" y="2310039"/>
+            <a:ext cx="3917413" cy="2237921"/>
+          </a:xfrm>
+          <a:prstGeom prst="rect">
+            <a:avLst/>
+          </a:prstGeom>
+        </p:spPr>
+        <p:txBody>
+          <a:bodyPr anchor="ctr"/>
+          <a:lstStyle>
+            <a:lvl1pPr marL="228600" indent="-228600" algn="l" defTabSz="914400" rtl="0" eaLnBrk="1" latinLnBrk="0" hangingPunct="1">
+              <a:lnSpc>
+                <a:spcPct val="90000"/>
+              </a:lnSpc>
+              <a:spcBef>
+                <a:spcPts val="1000"/>
+              </a:spcBef>
+              <a:buFont typeface="Arial" panose="020B0604020202020204" pitchFamily="34" charset="0"/>
+              <a:buChar char="•"/>
+              <a:defRPr sz="2800" kern="1200">
+                <a:solidFill>
+                  <a:schemeClr val="tx1"/>
+                </a:solidFill>
+                <a:latin typeface="Ubuntu" panose="020B0504030602030204" pitchFamily="34" charset="0"/>
+                <a:ea typeface="+mn-ea"/>
+                <a:cs typeface="Arial" panose="020B0604020202020204" pitchFamily="34" charset="0"/>
+              </a:defRPr>
+            </a:lvl1pPr>
+            <a:lvl2pPr marL="685800" indent="-228600" algn="l" defTabSz="914400" rtl="0" eaLnBrk="1" latinLnBrk="0" hangingPunct="1">
+              <a:lnSpc>
+                <a:spcPct val="90000"/>
+              </a:lnSpc>
+              <a:spcBef>
+                <a:spcPts val="500"/>
+              </a:spcBef>
+              <a:buFont typeface="Arial" panose="020B0604020202020204" pitchFamily="34" charset="0"/>
+              <a:buChar char="•"/>
+              <a:defRPr sz="2400" kern="1200">
+                <a:solidFill>
+                  <a:schemeClr val="tx1"/>
+                </a:solidFill>
+                <a:latin typeface="Ubuntu" panose="020B0504030602030204" pitchFamily="34" charset="0"/>
+                <a:ea typeface="+mn-ea"/>
+                <a:cs typeface="Arial" panose="020B0604020202020204" pitchFamily="34" charset="0"/>
+              </a:defRPr>
+            </a:lvl2pPr>
+            <a:lvl3pPr marL="1143000" indent="-228600" algn="l" defTabSz="914400" rtl="0" eaLnBrk="1" latinLnBrk="0" hangingPunct="1">
+              <a:lnSpc>
+                <a:spcPct val="90000"/>
+              </a:lnSpc>
+              <a:spcBef>
+                <a:spcPts val="500"/>
+              </a:spcBef>
+              <a:buFont typeface="Arial" panose="020B0604020202020204" pitchFamily="34" charset="0"/>
+              <a:buChar char="•"/>
+              <a:defRPr sz="2000" kern="1200">
+                <a:solidFill>
+                  <a:schemeClr val="tx1"/>
+                </a:solidFill>
+                <a:latin typeface="Ubuntu" panose="020B0504030602030204" pitchFamily="34" charset="0"/>
+                <a:ea typeface="+mn-ea"/>
+                <a:cs typeface="Arial" panose="020B0604020202020204" pitchFamily="34" charset="0"/>
+              </a:defRPr>
+            </a:lvl3pPr>
+            <a:lvl4pPr marL="1600200" indent="-228600" algn="l" defTabSz="914400" rtl="0" eaLnBrk="1" latinLnBrk="0" hangingPunct="1">
+              <a:lnSpc>
+                <a:spcPct val="90000"/>
+              </a:lnSpc>
+              <a:spcBef>
+                <a:spcPts val="500"/>
+              </a:spcBef>
+              <a:buFont typeface="Arial" panose="020B0604020202020204" pitchFamily="34" charset="0"/>
+              <a:buChar char="•"/>
+              <a:defRPr sz="1800" kern="1200">
+                <a:solidFill>
+                  <a:schemeClr val="tx1"/>
+                </a:solidFill>
+                <a:latin typeface="Ubuntu" panose="020B0504030602030204" pitchFamily="34" charset="0"/>
+                <a:ea typeface="+mn-ea"/>
+                <a:cs typeface="Arial" panose="020B0604020202020204" pitchFamily="34" charset="0"/>
+              </a:defRPr>
+            </a:lvl4pPr>
+            <a:lvl5pPr marL="2057400" indent="-228600" algn="l" defTabSz="914400" rtl="0" eaLnBrk="1" latinLnBrk="0" hangingPunct="1">
+              <a:lnSpc>
+                <a:spcPct val="90000"/>
+              </a:lnSpc>
+              <a:spcBef>
+                <a:spcPts val="500"/>
+              </a:spcBef>
+              <a:buFont typeface="Arial" panose="020B0604020202020204" pitchFamily="34" charset="0"/>
+              <a:buChar char="•"/>
+              <a:defRPr sz="1800" kern="1200">
+                <a:solidFill>
+                  <a:schemeClr val="tx1"/>
+                </a:solidFill>
+                <a:latin typeface="Ubuntu" panose="020B0504030602030204" pitchFamily="34" charset="0"/>
+                <a:ea typeface="+mn-ea"/>
+                <a:cs typeface="Arial" panose="020B0604020202020204" pitchFamily="34" charset="0"/>
+              </a:defRPr>
+            </a:lvl5pPr>
+            <a:lvl6pPr marL="2514600" indent="-228600" algn="l" defTabSz="914400" rtl="0" eaLnBrk="1" latinLnBrk="0" hangingPunct="1">
+              <a:lnSpc>
+                <a:spcPct val="90000"/>
+              </a:lnSpc>
+              <a:spcBef>
+                <a:spcPts val="500"/>
+              </a:spcBef>
+              <a:buFont typeface="Arial" panose="020B0604020202020204" pitchFamily="34" charset="0"/>
+              <a:buChar char="•"/>
+              <a:defRPr sz="1800" kern="1200">
+                <a:solidFill>
+                  <a:schemeClr val="tx1"/>
+                </a:solidFill>
+                <a:latin typeface="+mn-lt"/>
+                <a:ea typeface="+mn-ea"/>
+                <a:cs typeface="+mn-cs"/>
+              </a:defRPr>
+            </a:lvl6pPr>
+            <a:lvl7pPr marL="2971800" indent="-228600" algn="l" defTabSz="914400" rtl="0" eaLnBrk="1" latinLnBrk="0" hangingPunct="1">
+              <a:lnSpc>
+                <a:spcPct val="90000"/>
+              </a:lnSpc>
+              <a:spcBef>
+                <a:spcPts val="500"/>
+              </a:spcBef>
+              <a:buFont typeface="Arial" panose="020B0604020202020204" pitchFamily="34" charset="0"/>
+              <a:buChar char="•"/>
+              <a:defRPr sz="1800" kern="1200">
+                <a:solidFill>
+                  <a:schemeClr val="tx1"/>
+                </a:solidFill>
+                <a:latin typeface="+mn-lt"/>
+                <a:ea typeface="+mn-ea"/>
+                <a:cs typeface="+mn-cs"/>
+              </a:defRPr>
+            </a:lvl7pPr>
+            <a:lvl8pPr marL="3429000" indent="-228600" algn="l" defTabSz="914400" rtl="0" eaLnBrk="1" latinLnBrk="0" hangingPunct="1">
+              <a:lnSpc>
+                <a:spcPct val="90000"/>
+              </a:lnSpc>
+              <a:spcBef>
+                <a:spcPts val="500"/>
+              </a:spcBef>
+              <a:buFont typeface="Arial" panose="020B0604020202020204" pitchFamily="34" charset="0"/>
+              <a:buChar char="•"/>
+              <a:defRPr sz="1800" kern="1200">
+                <a:solidFill>
+                  <a:schemeClr val="tx1"/>
+                </a:solidFill>
+                <a:latin typeface="+mn-lt"/>
+                <a:ea typeface="+mn-ea"/>
+                <a:cs typeface="+mn-cs"/>
+              </a:defRPr>
+            </a:lvl8pPr>
+            <a:lvl9pPr marL="3886200" indent="-228600" algn="l" defTabSz="914400" rtl="0" eaLnBrk="1" latinLnBrk="0" hangingPunct="1">
+              <a:lnSpc>
+                <a:spcPct val="90000"/>
+              </a:lnSpc>
+              <a:spcBef>
+                <a:spcPts val="500"/>
+              </a:spcBef>
+              <a:buFont typeface="Arial" panose="020B0604020202020204" pitchFamily="34" charset="0"/>
+              <a:buChar char="•"/>
+              <a:defRPr sz="1800" kern="1200">
+                <a:solidFill>
+                  <a:schemeClr val="tx1"/>
+                </a:solidFill>
+                <a:latin typeface="+mn-lt"/>
+                <a:ea typeface="+mn-ea"/>
+                <a:cs typeface="+mn-cs"/>
+              </a:defRPr>
+            </a:lvl9pPr>
+          </a:lstStyle>
+          <a:p>
+            <a:pPr marL="0" indent="0" algn="ctr">
+              <a:buFont typeface="Arial" panose="020B0604020202020204" pitchFamily="34" charset="0"/>
+              <a:buNone/>
+            </a:pPr>
+            <a:r>
+              <a:rPr lang="es-MX" dirty="0"/>
+              <a:t>Comenzamos con el bloque de inicio.</a:t>
+            </a:r>
+            <a:endParaRPr lang="en-US" b="1" dirty="0">
+              <a:solidFill>
+                <a:schemeClr val="accent1"/>
+              </a:solidFill>
+            </a:endParaRPr>
+          </a:p>
+        </p:txBody>
+      </p:sp>
+      <p:pic>
+        <p:nvPicPr>
+          <p:cNvPr id="10" name="Picture 9">
+            <a:extLst>
+              <a:ext uri="{FF2B5EF4-FFF2-40B4-BE49-F238E27FC236}">
+                <a16:creationId xmlns:a16="http://schemas.microsoft.com/office/drawing/2014/main" id="{96ECD148-8ED6-4102-8582-41D5130F248B}"/>
+              </a:ext>
+            </a:extLst>
+          </p:cNvPr>
+          <p:cNvPicPr>
+            <a:picLocks noChangeAspect="1"/>
+          </p:cNvPicPr>
+          <p:nvPr/>
+        </p:nvPicPr>
+        <p:blipFill rotWithShape="1">
+          <a:blip r:embed="rId2">
+            <a:extLst>
+              <a:ext uri="{28A0092B-C50C-407E-A947-70E740481C1C}">
+                <a14:useLocalDpi xmlns:a14="http://schemas.microsoft.com/office/drawing/2010/main" val="0"/>
+              </a:ext>
+            </a:extLst>
+          </a:blip>
+          <a:srcRect b="86563"/>
+          <a:stretch/>
+        </p:blipFill>
+        <p:spPr>
+          <a:xfrm>
+            <a:off x="6961044" y="-158622"/>
+            <a:ext cx="3021156" cy="964165"/>
+          </a:xfrm>
+          <a:prstGeom prst="rect">
+            <a:avLst/>
+          </a:prstGeom>
+        </p:spPr>
+      </p:pic>
+    </p:spTree>
+    <p:extLst>
+      <p:ext uri="{BB962C8B-B14F-4D97-AF65-F5344CB8AC3E}">
+        <p14:creationId xmlns:p14="http://schemas.microsoft.com/office/powerpoint/2010/main" val="2288520672"/>
+      </p:ext>
+    </p:extLst>
+  </p:cSld>
+  <p:clrMapOvr>
+    <a:masterClrMapping/>
+  </p:clrMapOvr>
+</p:sld>
+</file>
+
+<file path=ppt/slides/slide27.xml><?xml version="1.0" encoding="utf-8"?>
+<p:sld xmlns:a="http://schemas.openxmlformats.org/drawingml/2006/main" xmlns:r="http://schemas.openxmlformats.org/officeDocument/2006/relationships" xmlns:p="http://schemas.openxmlformats.org/presentationml/2006/main">
+  <p:cSld>
+    <p:spTree>
+      <p:nvGrpSpPr>
+        <p:cNvPr id="1" name=""/>
+        <p:cNvGrpSpPr/>
+        <p:nvPr/>
+      </p:nvGrpSpPr>
+      <p:grpSpPr>
+        <a:xfrm>
+          <a:off x="0" y="0"/>
+          <a:ext cx="0" cy="0"/>
+          <a:chOff x="0" y="0"/>
+          <a:chExt cx="0" cy="0"/>
+        </a:xfrm>
+      </p:grpSpPr>
+      <p:sp>
+        <p:nvSpPr>
+          <p:cNvPr id="5" name="Text Placeholder 2">
+            <a:extLst>
+              <a:ext uri="{FF2B5EF4-FFF2-40B4-BE49-F238E27FC236}">
+                <a16:creationId xmlns:a16="http://schemas.microsoft.com/office/drawing/2014/main" id="{8D0529C9-0349-4B77-839C-C04B65CA29BB}"/>
+              </a:ext>
+            </a:extLst>
+          </p:cNvPr>
+          <p:cNvSpPr txBox="1">
+            <a:spLocks/>
+          </p:cNvSpPr>
+          <p:nvPr/>
+        </p:nvSpPr>
+        <p:spPr>
+          <a:xfrm>
+            <a:off x="1099457" y="719138"/>
+            <a:ext cx="4746171" cy="5230812"/>
+          </a:xfrm>
+          <a:prstGeom prst="rect">
+            <a:avLst/>
+          </a:prstGeom>
+        </p:spPr>
+        <p:txBody>
+          <a:bodyPr/>
+          <a:lstStyle>
+            <a:lvl1pPr marL="228600" indent="-228600" algn="l" defTabSz="914400" rtl="0" eaLnBrk="1" latinLnBrk="0" hangingPunct="1">
+              <a:lnSpc>
+                <a:spcPct val="90000"/>
+              </a:lnSpc>
+              <a:spcBef>
+                <a:spcPts val="1000"/>
+              </a:spcBef>
+              <a:buFont typeface="Arial" panose="020B0604020202020204" pitchFamily="34" charset="0"/>
+              <a:buChar char="•"/>
+              <a:defRPr sz="2800" kern="1200">
+                <a:solidFill>
+                  <a:schemeClr val="tx1"/>
+                </a:solidFill>
+                <a:latin typeface="Ubuntu" panose="020B0504030602030204" pitchFamily="34" charset="0"/>
+                <a:ea typeface="+mn-ea"/>
+                <a:cs typeface="Arial" panose="020B0604020202020204" pitchFamily="34" charset="0"/>
+              </a:defRPr>
+            </a:lvl1pPr>
+            <a:lvl2pPr marL="685800" indent="-228600" algn="l" defTabSz="914400" rtl="0" eaLnBrk="1" latinLnBrk="0" hangingPunct="1">
+              <a:lnSpc>
+                <a:spcPct val="90000"/>
+              </a:lnSpc>
+              <a:spcBef>
+                <a:spcPts val="500"/>
+              </a:spcBef>
+              <a:buFont typeface="Arial" panose="020B0604020202020204" pitchFamily="34" charset="0"/>
+              <a:buChar char="•"/>
+              <a:defRPr sz="2400" kern="1200">
+                <a:solidFill>
+                  <a:schemeClr val="tx1"/>
+                </a:solidFill>
+                <a:latin typeface="Ubuntu" panose="020B0504030602030204" pitchFamily="34" charset="0"/>
+                <a:ea typeface="+mn-ea"/>
+                <a:cs typeface="Arial" panose="020B0604020202020204" pitchFamily="34" charset="0"/>
+              </a:defRPr>
+            </a:lvl2pPr>
+            <a:lvl3pPr marL="1143000" indent="-228600" algn="l" defTabSz="914400" rtl="0" eaLnBrk="1" latinLnBrk="0" hangingPunct="1">
+              <a:lnSpc>
+                <a:spcPct val="90000"/>
+              </a:lnSpc>
+              <a:spcBef>
+                <a:spcPts val="500"/>
+              </a:spcBef>
+              <a:buFont typeface="Arial" panose="020B0604020202020204" pitchFamily="34" charset="0"/>
+              <a:buChar char="•"/>
+              <a:defRPr sz="2000" kern="1200">
+                <a:solidFill>
+                  <a:schemeClr val="tx1"/>
+                </a:solidFill>
+                <a:latin typeface="Ubuntu" panose="020B0504030602030204" pitchFamily="34" charset="0"/>
+                <a:ea typeface="+mn-ea"/>
+                <a:cs typeface="Arial" panose="020B0604020202020204" pitchFamily="34" charset="0"/>
+              </a:defRPr>
+            </a:lvl3pPr>
+            <a:lvl4pPr marL="1600200" indent="-228600" algn="l" defTabSz="914400" rtl="0" eaLnBrk="1" latinLnBrk="0" hangingPunct="1">
+              <a:lnSpc>
+                <a:spcPct val="90000"/>
+              </a:lnSpc>
+              <a:spcBef>
+                <a:spcPts val="500"/>
+              </a:spcBef>
+              <a:buFont typeface="Arial" panose="020B0604020202020204" pitchFamily="34" charset="0"/>
+              <a:buChar char="•"/>
+              <a:defRPr sz="1800" kern="1200">
+                <a:solidFill>
+                  <a:schemeClr val="tx1"/>
+                </a:solidFill>
+                <a:latin typeface="Ubuntu" panose="020B0504030602030204" pitchFamily="34" charset="0"/>
+                <a:ea typeface="+mn-ea"/>
+                <a:cs typeface="Arial" panose="020B0604020202020204" pitchFamily="34" charset="0"/>
+              </a:defRPr>
+            </a:lvl4pPr>
+            <a:lvl5pPr marL="2057400" indent="-228600" algn="l" defTabSz="914400" rtl="0" eaLnBrk="1" latinLnBrk="0" hangingPunct="1">
+              <a:lnSpc>
+                <a:spcPct val="90000"/>
+              </a:lnSpc>
+              <a:spcBef>
+                <a:spcPts val="500"/>
+              </a:spcBef>
+              <a:buFont typeface="Arial" panose="020B0604020202020204" pitchFamily="34" charset="0"/>
+              <a:buChar char="•"/>
+              <a:defRPr sz="1800" kern="1200">
+                <a:solidFill>
+                  <a:schemeClr val="tx1"/>
+                </a:solidFill>
+                <a:latin typeface="Ubuntu" panose="020B0504030602030204" pitchFamily="34" charset="0"/>
+                <a:ea typeface="+mn-ea"/>
+                <a:cs typeface="Arial" panose="020B0604020202020204" pitchFamily="34" charset="0"/>
+              </a:defRPr>
+            </a:lvl5pPr>
+            <a:lvl6pPr marL="2514600" indent="-228600" algn="l" defTabSz="914400" rtl="0" eaLnBrk="1" latinLnBrk="0" hangingPunct="1">
+              <a:lnSpc>
+                <a:spcPct val="90000"/>
+              </a:lnSpc>
+              <a:spcBef>
+                <a:spcPts val="500"/>
+              </a:spcBef>
+              <a:buFont typeface="Arial" panose="020B0604020202020204" pitchFamily="34" charset="0"/>
+              <a:buChar char="•"/>
+              <a:defRPr sz="1800" kern="1200">
+                <a:solidFill>
+                  <a:schemeClr val="tx1"/>
+                </a:solidFill>
+                <a:latin typeface="+mn-lt"/>
+                <a:ea typeface="+mn-ea"/>
+                <a:cs typeface="+mn-cs"/>
+              </a:defRPr>
+            </a:lvl6pPr>
+            <a:lvl7pPr marL="2971800" indent="-228600" algn="l" defTabSz="914400" rtl="0" eaLnBrk="1" latinLnBrk="0" hangingPunct="1">
+              <a:lnSpc>
+                <a:spcPct val="90000"/>
+              </a:lnSpc>
+              <a:spcBef>
+                <a:spcPts val="500"/>
+              </a:spcBef>
+              <a:buFont typeface="Arial" panose="020B0604020202020204" pitchFamily="34" charset="0"/>
+              <a:buChar char="•"/>
+              <a:defRPr sz="1800" kern="1200">
+                <a:solidFill>
+                  <a:schemeClr val="tx1"/>
+                </a:solidFill>
+                <a:latin typeface="+mn-lt"/>
+                <a:ea typeface="+mn-ea"/>
+                <a:cs typeface="+mn-cs"/>
+              </a:defRPr>
+            </a:lvl7pPr>
+            <a:lvl8pPr marL="3429000" indent="-228600" algn="l" defTabSz="914400" rtl="0" eaLnBrk="1" latinLnBrk="0" hangingPunct="1">
+              <a:lnSpc>
+                <a:spcPct val="90000"/>
+              </a:lnSpc>
+              <a:spcBef>
+                <a:spcPts val="500"/>
+              </a:spcBef>
+              <a:buFont typeface="Arial" panose="020B0604020202020204" pitchFamily="34" charset="0"/>
+              <a:buChar char="•"/>
+              <a:defRPr sz="1800" kern="1200">
+                <a:solidFill>
+                  <a:schemeClr val="tx1"/>
+                </a:solidFill>
+                <a:latin typeface="+mn-lt"/>
+                <a:ea typeface="+mn-ea"/>
+                <a:cs typeface="+mn-cs"/>
+              </a:defRPr>
+            </a:lvl8pPr>
+            <a:lvl9pPr marL="3886200" indent="-228600" algn="l" defTabSz="914400" rtl="0" eaLnBrk="1" latinLnBrk="0" hangingPunct="1">
+              <a:lnSpc>
+                <a:spcPct val="90000"/>
+              </a:lnSpc>
+              <a:spcBef>
+                <a:spcPts val="500"/>
+              </a:spcBef>
+              <a:buFont typeface="Arial" panose="020B0604020202020204" pitchFamily="34" charset="0"/>
+              <a:buChar char="•"/>
+              <a:defRPr sz="1800" kern="1200">
+                <a:solidFill>
+                  <a:schemeClr val="tx1"/>
+                </a:solidFill>
+                <a:latin typeface="+mn-lt"/>
+                <a:ea typeface="+mn-ea"/>
+                <a:cs typeface="+mn-cs"/>
+              </a:defRPr>
+            </a:lvl9pPr>
+          </a:lstStyle>
+          <a:p>
+            <a:pPr marL="0" indent="0">
+              <a:buFont typeface="Arial" panose="020B0604020202020204" pitchFamily="34" charset="0"/>
+              <a:buNone/>
+            </a:pPr>
+            <a:endParaRPr lang="en-US" b="1" dirty="0">
+              <a:solidFill>
+                <a:schemeClr val="accent1"/>
+              </a:solidFill>
+            </a:endParaRPr>
+          </a:p>
+        </p:txBody>
+      </p:sp>
+      <p:sp>
+        <p:nvSpPr>
+          <p:cNvPr id="6" name="Text Placeholder 2">
+            <a:extLst>
+              <a:ext uri="{FF2B5EF4-FFF2-40B4-BE49-F238E27FC236}">
+                <a16:creationId xmlns:a16="http://schemas.microsoft.com/office/drawing/2014/main" id="{772CF587-52D3-4346-910D-C74884A4C67A}"/>
+              </a:ext>
+            </a:extLst>
+          </p:cNvPr>
+          <p:cNvSpPr txBox="1">
+            <a:spLocks/>
+          </p:cNvSpPr>
+          <p:nvPr/>
+        </p:nvSpPr>
+        <p:spPr>
+          <a:xfrm>
+            <a:off x="1328057" y="2310039"/>
+            <a:ext cx="4876799" cy="2237921"/>
+          </a:xfrm>
+          <a:prstGeom prst="rect">
+            <a:avLst/>
+          </a:prstGeom>
+        </p:spPr>
+        <p:txBody>
+          <a:bodyPr anchor="ctr"/>
+          <a:lstStyle>
+            <a:lvl1pPr marL="228600" indent="-228600" algn="l" defTabSz="914400" rtl="0" eaLnBrk="1" latinLnBrk="0" hangingPunct="1">
+              <a:lnSpc>
+                <a:spcPct val="90000"/>
+              </a:lnSpc>
+              <a:spcBef>
+                <a:spcPts val="1000"/>
+              </a:spcBef>
+              <a:buFont typeface="Arial" panose="020B0604020202020204" pitchFamily="34" charset="0"/>
+              <a:buChar char="•"/>
+              <a:defRPr sz="2800" kern="1200">
+                <a:solidFill>
+                  <a:schemeClr val="tx1"/>
+                </a:solidFill>
+                <a:latin typeface="Ubuntu" panose="020B0504030602030204" pitchFamily="34" charset="0"/>
+                <a:ea typeface="+mn-ea"/>
+                <a:cs typeface="Arial" panose="020B0604020202020204" pitchFamily="34" charset="0"/>
+              </a:defRPr>
+            </a:lvl1pPr>
+            <a:lvl2pPr marL="685800" indent="-228600" algn="l" defTabSz="914400" rtl="0" eaLnBrk="1" latinLnBrk="0" hangingPunct="1">
+              <a:lnSpc>
+                <a:spcPct val="90000"/>
+              </a:lnSpc>
+              <a:spcBef>
+                <a:spcPts val="500"/>
+              </a:spcBef>
+              <a:buFont typeface="Arial" panose="020B0604020202020204" pitchFamily="34" charset="0"/>
+              <a:buChar char="•"/>
+              <a:defRPr sz="2400" kern="1200">
+                <a:solidFill>
+                  <a:schemeClr val="tx1"/>
+                </a:solidFill>
+                <a:latin typeface="Ubuntu" panose="020B0504030602030204" pitchFamily="34" charset="0"/>
+                <a:ea typeface="+mn-ea"/>
+                <a:cs typeface="Arial" panose="020B0604020202020204" pitchFamily="34" charset="0"/>
+              </a:defRPr>
+            </a:lvl2pPr>
+            <a:lvl3pPr marL="1143000" indent="-228600" algn="l" defTabSz="914400" rtl="0" eaLnBrk="1" latinLnBrk="0" hangingPunct="1">
+              <a:lnSpc>
+                <a:spcPct val="90000"/>
+              </a:lnSpc>
+              <a:spcBef>
+                <a:spcPts val="500"/>
+              </a:spcBef>
+              <a:buFont typeface="Arial" panose="020B0604020202020204" pitchFamily="34" charset="0"/>
+              <a:buChar char="•"/>
+              <a:defRPr sz="2000" kern="1200">
+                <a:solidFill>
+                  <a:schemeClr val="tx1"/>
+                </a:solidFill>
+                <a:latin typeface="Ubuntu" panose="020B0504030602030204" pitchFamily="34" charset="0"/>
+                <a:ea typeface="+mn-ea"/>
+                <a:cs typeface="Arial" panose="020B0604020202020204" pitchFamily="34" charset="0"/>
+              </a:defRPr>
+            </a:lvl3pPr>
+            <a:lvl4pPr marL="1600200" indent="-228600" algn="l" defTabSz="914400" rtl="0" eaLnBrk="1" latinLnBrk="0" hangingPunct="1">
+              <a:lnSpc>
+                <a:spcPct val="90000"/>
+              </a:lnSpc>
+              <a:spcBef>
+                <a:spcPts val="500"/>
+              </a:spcBef>
+              <a:buFont typeface="Arial" panose="020B0604020202020204" pitchFamily="34" charset="0"/>
+              <a:buChar char="•"/>
+              <a:defRPr sz="1800" kern="1200">
+                <a:solidFill>
+                  <a:schemeClr val="tx1"/>
+                </a:solidFill>
+                <a:latin typeface="Ubuntu" panose="020B0504030602030204" pitchFamily="34" charset="0"/>
+                <a:ea typeface="+mn-ea"/>
+                <a:cs typeface="Arial" panose="020B0604020202020204" pitchFamily="34" charset="0"/>
+              </a:defRPr>
+            </a:lvl4pPr>
+            <a:lvl5pPr marL="2057400" indent="-228600" algn="l" defTabSz="914400" rtl="0" eaLnBrk="1" latinLnBrk="0" hangingPunct="1">
+              <a:lnSpc>
+                <a:spcPct val="90000"/>
+              </a:lnSpc>
+              <a:spcBef>
+                <a:spcPts val="500"/>
+              </a:spcBef>
+              <a:buFont typeface="Arial" panose="020B0604020202020204" pitchFamily="34" charset="0"/>
+              <a:buChar char="•"/>
+              <a:defRPr sz="1800" kern="1200">
+                <a:solidFill>
+                  <a:schemeClr val="tx1"/>
+                </a:solidFill>
+                <a:latin typeface="Ubuntu" panose="020B0504030602030204" pitchFamily="34" charset="0"/>
+                <a:ea typeface="+mn-ea"/>
+                <a:cs typeface="Arial" panose="020B0604020202020204" pitchFamily="34" charset="0"/>
+              </a:defRPr>
+            </a:lvl5pPr>
+            <a:lvl6pPr marL="2514600" indent="-228600" algn="l" defTabSz="914400" rtl="0" eaLnBrk="1" latinLnBrk="0" hangingPunct="1">
+              <a:lnSpc>
+                <a:spcPct val="90000"/>
+              </a:lnSpc>
+              <a:spcBef>
+                <a:spcPts val="500"/>
+              </a:spcBef>
+              <a:buFont typeface="Arial" panose="020B0604020202020204" pitchFamily="34" charset="0"/>
+              <a:buChar char="•"/>
+              <a:defRPr sz="1800" kern="1200">
+                <a:solidFill>
+                  <a:schemeClr val="tx1"/>
+                </a:solidFill>
+                <a:latin typeface="+mn-lt"/>
+                <a:ea typeface="+mn-ea"/>
+                <a:cs typeface="+mn-cs"/>
+              </a:defRPr>
+            </a:lvl6pPr>
+            <a:lvl7pPr marL="2971800" indent="-228600" algn="l" defTabSz="914400" rtl="0" eaLnBrk="1" latinLnBrk="0" hangingPunct="1">
+              <a:lnSpc>
+                <a:spcPct val="90000"/>
+              </a:lnSpc>
+              <a:spcBef>
+                <a:spcPts val="500"/>
+              </a:spcBef>
+              <a:buFont typeface="Arial" panose="020B0604020202020204" pitchFamily="34" charset="0"/>
+              <a:buChar char="•"/>
+              <a:defRPr sz="1800" kern="1200">
+                <a:solidFill>
+                  <a:schemeClr val="tx1"/>
+                </a:solidFill>
+                <a:latin typeface="+mn-lt"/>
+                <a:ea typeface="+mn-ea"/>
+                <a:cs typeface="+mn-cs"/>
+              </a:defRPr>
+            </a:lvl7pPr>
+            <a:lvl8pPr marL="3429000" indent="-228600" algn="l" defTabSz="914400" rtl="0" eaLnBrk="1" latinLnBrk="0" hangingPunct="1">
+              <a:lnSpc>
+                <a:spcPct val="90000"/>
+              </a:lnSpc>
+              <a:spcBef>
+                <a:spcPts val="500"/>
+              </a:spcBef>
+              <a:buFont typeface="Arial" panose="020B0604020202020204" pitchFamily="34" charset="0"/>
+              <a:buChar char="•"/>
+              <a:defRPr sz="1800" kern="1200">
+                <a:solidFill>
+                  <a:schemeClr val="tx1"/>
+                </a:solidFill>
+                <a:latin typeface="+mn-lt"/>
+                <a:ea typeface="+mn-ea"/>
+                <a:cs typeface="+mn-cs"/>
+              </a:defRPr>
+            </a:lvl8pPr>
+            <a:lvl9pPr marL="3886200" indent="-228600" algn="l" defTabSz="914400" rtl="0" eaLnBrk="1" latinLnBrk="0" hangingPunct="1">
+              <a:lnSpc>
+                <a:spcPct val="90000"/>
+              </a:lnSpc>
+              <a:spcBef>
+                <a:spcPts val="500"/>
+              </a:spcBef>
+              <a:buFont typeface="Arial" panose="020B0604020202020204" pitchFamily="34" charset="0"/>
+              <a:buChar char="•"/>
+              <a:defRPr sz="1800" kern="1200">
+                <a:solidFill>
+                  <a:schemeClr val="tx1"/>
+                </a:solidFill>
+                <a:latin typeface="+mn-lt"/>
+                <a:ea typeface="+mn-ea"/>
+                <a:cs typeface="+mn-cs"/>
+              </a:defRPr>
+            </a:lvl9pPr>
+          </a:lstStyle>
+          <a:p>
+            <a:pPr marL="0" indent="0">
+              <a:buFont typeface="Arial" panose="020B0604020202020204" pitchFamily="34" charset="0"/>
+              <a:buNone/>
+            </a:pPr>
+            <a:r>
+              <a:rPr lang="es-MX" dirty="0"/>
+              <a:t>Leemos la cantidad de horas trabajadas. </a:t>
+            </a:r>
+          </a:p>
+          <a:p>
+            <a:pPr marL="0" indent="0">
+              <a:buFont typeface="Arial" panose="020B0604020202020204" pitchFamily="34" charset="0"/>
+              <a:buNone/>
+            </a:pPr>
+            <a:r>
+              <a:rPr lang="es-MX" b="1" dirty="0">
+                <a:solidFill>
+                  <a:schemeClr val="accent2"/>
+                </a:solidFill>
+              </a:rPr>
+              <a:t>Estas pueden ser:</a:t>
+            </a:r>
+          </a:p>
+          <a:p>
+            <a:pPr marL="0" indent="0">
+              <a:buFont typeface="Arial" panose="020B0604020202020204" pitchFamily="34" charset="0"/>
+              <a:buNone/>
+            </a:pPr>
+            <a:r>
+              <a:rPr lang="es-MX" b="1" dirty="0">
+                <a:solidFill>
+                  <a:schemeClr val="accent2"/>
+                </a:solidFill>
+              </a:rPr>
+              <a:t> 8, 10, 20, 40.</a:t>
+            </a:r>
+            <a:endParaRPr lang="en-US" b="1" dirty="0">
+              <a:solidFill>
+                <a:schemeClr val="accent2"/>
+              </a:solidFill>
+            </a:endParaRPr>
+          </a:p>
+        </p:txBody>
+      </p:sp>
+      <p:pic>
+        <p:nvPicPr>
+          <p:cNvPr id="7" name="Picture 6">
+            <a:extLst>
+              <a:ext uri="{FF2B5EF4-FFF2-40B4-BE49-F238E27FC236}">
+                <a16:creationId xmlns:a16="http://schemas.microsoft.com/office/drawing/2014/main" id="{C3A333AF-4B90-420D-B205-37EBCF98001E}"/>
+              </a:ext>
+            </a:extLst>
+          </p:cNvPr>
+          <p:cNvPicPr>
+            <a:picLocks noChangeAspect="1"/>
+          </p:cNvPicPr>
+          <p:nvPr/>
+        </p:nvPicPr>
+        <p:blipFill rotWithShape="1">
+          <a:blip r:embed="rId2">
+            <a:extLst>
+              <a:ext uri="{28A0092B-C50C-407E-A947-70E740481C1C}">
+                <a14:useLocalDpi xmlns:a14="http://schemas.microsoft.com/office/drawing/2010/main" val="0"/>
+              </a:ext>
+            </a:extLst>
+          </a:blip>
+          <a:srcRect b="70785"/>
+          <a:stretch/>
+        </p:blipFill>
+        <p:spPr>
+          <a:xfrm>
+            <a:off x="6961044" y="-158622"/>
+            <a:ext cx="3021156" cy="2096280"/>
+          </a:xfrm>
+          <a:prstGeom prst="rect">
+            <a:avLst/>
+          </a:prstGeom>
+        </p:spPr>
+      </p:pic>
+    </p:spTree>
+    <p:extLst>
+      <p:ext uri="{BB962C8B-B14F-4D97-AF65-F5344CB8AC3E}">
+        <p14:creationId xmlns:p14="http://schemas.microsoft.com/office/powerpoint/2010/main" val="2459803281"/>
+      </p:ext>
+    </p:extLst>
+  </p:cSld>
+  <p:clrMapOvr>
+    <a:masterClrMapping/>
+  </p:clrMapOvr>
+</p:sld>
+</file>
+
+<file path=ppt/slides/slide28.xml><?xml version="1.0" encoding="utf-8"?>
+<p:sld xmlns:a="http://schemas.openxmlformats.org/drawingml/2006/main" xmlns:r="http://schemas.openxmlformats.org/officeDocument/2006/relationships" xmlns:p="http://schemas.openxmlformats.org/presentationml/2006/main">
+  <p:cSld>
+    <p:spTree>
+      <p:nvGrpSpPr>
+        <p:cNvPr id="1" name=""/>
+        <p:cNvGrpSpPr/>
+        <p:nvPr/>
+      </p:nvGrpSpPr>
+      <p:grpSpPr>
+        <a:xfrm>
+          <a:off x="0" y="0"/>
+          <a:ext cx="0" cy="0"/>
+          <a:chOff x="0" y="0"/>
+          <a:chExt cx="0" cy="0"/>
+        </a:xfrm>
+      </p:grpSpPr>
+      <p:pic>
+        <p:nvPicPr>
+          <p:cNvPr id="4" name="Picture 3">
+            <a:extLst>
+              <a:ext uri="{FF2B5EF4-FFF2-40B4-BE49-F238E27FC236}">
+                <a16:creationId xmlns:a16="http://schemas.microsoft.com/office/drawing/2014/main" id="{BEFBEFB1-F83E-49A4-AEA5-C08453FC67CA}"/>
+              </a:ext>
+            </a:extLst>
+          </p:cNvPr>
+          <p:cNvPicPr>
+            <a:picLocks noChangeAspect="1"/>
+          </p:cNvPicPr>
+          <p:nvPr/>
+        </p:nvPicPr>
+        <p:blipFill rotWithShape="1">
+          <a:blip r:embed="rId2">
+            <a:extLst>
+              <a:ext uri="{28A0092B-C50C-407E-A947-70E740481C1C}">
+                <a14:useLocalDpi xmlns:a14="http://schemas.microsoft.com/office/drawing/2010/main" val="0"/>
+              </a:ext>
+            </a:extLst>
+          </a:blip>
+          <a:srcRect b="55158"/>
+          <a:stretch/>
+        </p:blipFill>
+        <p:spPr>
+          <a:xfrm>
+            <a:off x="6961044" y="-158623"/>
+            <a:ext cx="3021156" cy="3217509"/>
+          </a:xfrm>
+          <a:prstGeom prst="rect">
+            <a:avLst/>
+          </a:prstGeom>
+        </p:spPr>
+      </p:pic>
+      <p:sp>
+        <p:nvSpPr>
+          <p:cNvPr id="5" name="Text Placeholder 2">
+            <a:extLst>
+              <a:ext uri="{FF2B5EF4-FFF2-40B4-BE49-F238E27FC236}">
+                <a16:creationId xmlns:a16="http://schemas.microsoft.com/office/drawing/2014/main" id="{8D0529C9-0349-4B77-839C-C04B65CA29BB}"/>
+              </a:ext>
+            </a:extLst>
+          </p:cNvPr>
+          <p:cNvSpPr txBox="1">
+            <a:spLocks/>
+          </p:cNvSpPr>
+          <p:nvPr/>
+        </p:nvSpPr>
+        <p:spPr>
+          <a:xfrm>
+            <a:off x="1099457" y="719138"/>
+            <a:ext cx="4746171" cy="5230812"/>
+          </a:xfrm>
+          <a:prstGeom prst="rect">
+            <a:avLst/>
+          </a:prstGeom>
+        </p:spPr>
+        <p:txBody>
+          <a:bodyPr/>
+          <a:lstStyle>
+            <a:lvl1pPr marL="228600" indent="-228600" algn="l" defTabSz="914400" rtl="0" eaLnBrk="1" latinLnBrk="0" hangingPunct="1">
+              <a:lnSpc>
+                <a:spcPct val="90000"/>
+              </a:lnSpc>
+              <a:spcBef>
+                <a:spcPts val="1000"/>
+              </a:spcBef>
+              <a:buFont typeface="Arial" panose="020B0604020202020204" pitchFamily="34" charset="0"/>
+              <a:buChar char="•"/>
+              <a:defRPr sz="2800" kern="1200">
+                <a:solidFill>
+                  <a:schemeClr val="tx1"/>
+                </a:solidFill>
+                <a:latin typeface="Ubuntu" panose="020B0504030602030204" pitchFamily="34" charset="0"/>
+                <a:ea typeface="+mn-ea"/>
+                <a:cs typeface="Arial" panose="020B0604020202020204" pitchFamily="34" charset="0"/>
+              </a:defRPr>
+            </a:lvl1pPr>
+            <a:lvl2pPr marL="685800" indent="-228600" algn="l" defTabSz="914400" rtl="0" eaLnBrk="1" latinLnBrk="0" hangingPunct="1">
+              <a:lnSpc>
+                <a:spcPct val="90000"/>
+              </a:lnSpc>
+              <a:spcBef>
+                <a:spcPts val="500"/>
+              </a:spcBef>
+              <a:buFont typeface="Arial" panose="020B0604020202020204" pitchFamily="34" charset="0"/>
+              <a:buChar char="•"/>
+              <a:defRPr sz="2400" kern="1200">
+                <a:solidFill>
+                  <a:schemeClr val="tx1"/>
+                </a:solidFill>
+                <a:latin typeface="Ubuntu" panose="020B0504030602030204" pitchFamily="34" charset="0"/>
+                <a:ea typeface="+mn-ea"/>
+                <a:cs typeface="Arial" panose="020B0604020202020204" pitchFamily="34" charset="0"/>
+              </a:defRPr>
+            </a:lvl2pPr>
+            <a:lvl3pPr marL="1143000" indent="-228600" algn="l" defTabSz="914400" rtl="0" eaLnBrk="1" latinLnBrk="0" hangingPunct="1">
+              <a:lnSpc>
+                <a:spcPct val="90000"/>
+              </a:lnSpc>
+              <a:spcBef>
+                <a:spcPts val="500"/>
+              </a:spcBef>
+              <a:buFont typeface="Arial" panose="020B0604020202020204" pitchFamily="34" charset="0"/>
+              <a:buChar char="•"/>
+              <a:defRPr sz="2000" kern="1200">
+                <a:solidFill>
+                  <a:schemeClr val="tx1"/>
+                </a:solidFill>
+                <a:latin typeface="Ubuntu" panose="020B0504030602030204" pitchFamily="34" charset="0"/>
+                <a:ea typeface="+mn-ea"/>
+                <a:cs typeface="Arial" panose="020B0604020202020204" pitchFamily="34" charset="0"/>
+              </a:defRPr>
+            </a:lvl3pPr>
+            <a:lvl4pPr marL="1600200" indent="-228600" algn="l" defTabSz="914400" rtl="0" eaLnBrk="1" latinLnBrk="0" hangingPunct="1">
+              <a:lnSpc>
+                <a:spcPct val="90000"/>
+              </a:lnSpc>
+              <a:spcBef>
+                <a:spcPts val="500"/>
+              </a:spcBef>
+              <a:buFont typeface="Arial" panose="020B0604020202020204" pitchFamily="34" charset="0"/>
+              <a:buChar char="•"/>
+              <a:defRPr sz="1800" kern="1200">
+                <a:solidFill>
+                  <a:schemeClr val="tx1"/>
+                </a:solidFill>
+                <a:latin typeface="Ubuntu" panose="020B0504030602030204" pitchFamily="34" charset="0"/>
+                <a:ea typeface="+mn-ea"/>
+                <a:cs typeface="Arial" panose="020B0604020202020204" pitchFamily="34" charset="0"/>
+              </a:defRPr>
+            </a:lvl4pPr>
+            <a:lvl5pPr marL="2057400" indent="-228600" algn="l" defTabSz="914400" rtl="0" eaLnBrk="1" latinLnBrk="0" hangingPunct="1">
+              <a:lnSpc>
+                <a:spcPct val="90000"/>
+              </a:lnSpc>
+              <a:spcBef>
+                <a:spcPts val="500"/>
+              </a:spcBef>
+              <a:buFont typeface="Arial" panose="020B0604020202020204" pitchFamily="34" charset="0"/>
+              <a:buChar char="•"/>
+              <a:defRPr sz="1800" kern="1200">
+                <a:solidFill>
+                  <a:schemeClr val="tx1"/>
+                </a:solidFill>
+                <a:latin typeface="Ubuntu" panose="020B0504030602030204" pitchFamily="34" charset="0"/>
+                <a:ea typeface="+mn-ea"/>
+                <a:cs typeface="Arial" panose="020B0604020202020204" pitchFamily="34" charset="0"/>
+              </a:defRPr>
+            </a:lvl5pPr>
+            <a:lvl6pPr marL="2514600" indent="-228600" algn="l" defTabSz="914400" rtl="0" eaLnBrk="1" latinLnBrk="0" hangingPunct="1">
+              <a:lnSpc>
+                <a:spcPct val="90000"/>
+              </a:lnSpc>
+              <a:spcBef>
+                <a:spcPts val="500"/>
+              </a:spcBef>
+              <a:buFont typeface="Arial" panose="020B0604020202020204" pitchFamily="34" charset="0"/>
+              <a:buChar char="•"/>
+              <a:defRPr sz="1800" kern="1200">
+                <a:solidFill>
+                  <a:schemeClr val="tx1"/>
+                </a:solidFill>
+                <a:latin typeface="+mn-lt"/>
+                <a:ea typeface="+mn-ea"/>
+                <a:cs typeface="+mn-cs"/>
+              </a:defRPr>
+            </a:lvl6pPr>
+            <a:lvl7pPr marL="2971800" indent="-228600" algn="l" defTabSz="914400" rtl="0" eaLnBrk="1" latinLnBrk="0" hangingPunct="1">
+              <a:lnSpc>
+                <a:spcPct val="90000"/>
+              </a:lnSpc>
+              <a:spcBef>
+                <a:spcPts val="500"/>
+              </a:spcBef>
+              <a:buFont typeface="Arial" panose="020B0604020202020204" pitchFamily="34" charset="0"/>
+              <a:buChar char="•"/>
+              <a:defRPr sz="1800" kern="1200">
+                <a:solidFill>
+                  <a:schemeClr val="tx1"/>
+                </a:solidFill>
+                <a:latin typeface="+mn-lt"/>
+                <a:ea typeface="+mn-ea"/>
+                <a:cs typeface="+mn-cs"/>
+              </a:defRPr>
+            </a:lvl7pPr>
+            <a:lvl8pPr marL="3429000" indent="-228600" algn="l" defTabSz="914400" rtl="0" eaLnBrk="1" latinLnBrk="0" hangingPunct="1">
+              <a:lnSpc>
+                <a:spcPct val="90000"/>
+              </a:lnSpc>
+              <a:spcBef>
+                <a:spcPts val="500"/>
+              </a:spcBef>
+              <a:buFont typeface="Arial" panose="020B0604020202020204" pitchFamily="34" charset="0"/>
+              <a:buChar char="•"/>
+              <a:defRPr sz="1800" kern="1200">
+                <a:solidFill>
+                  <a:schemeClr val="tx1"/>
+                </a:solidFill>
+                <a:latin typeface="+mn-lt"/>
+                <a:ea typeface="+mn-ea"/>
+                <a:cs typeface="+mn-cs"/>
+              </a:defRPr>
+            </a:lvl8pPr>
+            <a:lvl9pPr marL="3886200" indent="-228600" algn="l" defTabSz="914400" rtl="0" eaLnBrk="1" latinLnBrk="0" hangingPunct="1">
+              <a:lnSpc>
+                <a:spcPct val="90000"/>
+              </a:lnSpc>
+              <a:spcBef>
+                <a:spcPts val="500"/>
+              </a:spcBef>
+              <a:buFont typeface="Arial" panose="020B0604020202020204" pitchFamily="34" charset="0"/>
+              <a:buChar char="•"/>
+              <a:defRPr sz="1800" kern="1200">
+                <a:solidFill>
+                  <a:schemeClr val="tx1"/>
+                </a:solidFill>
+                <a:latin typeface="+mn-lt"/>
+                <a:ea typeface="+mn-ea"/>
+                <a:cs typeface="+mn-cs"/>
+              </a:defRPr>
+            </a:lvl9pPr>
+          </a:lstStyle>
+          <a:p>
+            <a:pPr marL="0" indent="0">
+              <a:buFont typeface="Arial" panose="020B0604020202020204" pitchFamily="34" charset="0"/>
+              <a:buNone/>
+            </a:pPr>
+            <a:endParaRPr lang="en-US" b="1" dirty="0">
+              <a:solidFill>
+                <a:schemeClr val="accent1"/>
+              </a:solidFill>
+            </a:endParaRPr>
+          </a:p>
+        </p:txBody>
+      </p:sp>
+      <p:sp>
+        <p:nvSpPr>
+          <p:cNvPr id="6" name="Text Placeholder 2">
+            <a:extLst>
+              <a:ext uri="{FF2B5EF4-FFF2-40B4-BE49-F238E27FC236}">
+                <a16:creationId xmlns:a16="http://schemas.microsoft.com/office/drawing/2014/main" id="{98759D7F-EE49-4E0F-9BD7-0E4D3AFA5C8D}"/>
+              </a:ext>
+            </a:extLst>
+          </p:cNvPr>
+          <p:cNvSpPr txBox="1">
+            <a:spLocks/>
+          </p:cNvSpPr>
+          <p:nvPr/>
+        </p:nvSpPr>
+        <p:spPr>
+          <a:xfrm>
+            <a:off x="1328057" y="908051"/>
+            <a:ext cx="4876799" cy="4545692"/>
+          </a:xfrm>
+          <a:prstGeom prst="rect">
+            <a:avLst/>
+          </a:prstGeom>
+        </p:spPr>
+        <p:txBody>
+          <a:bodyPr anchor="ctr"/>
+          <a:lstStyle>
+            <a:lvl1pPr marL="228600" indent="-228600" algn="l" defTabSz="914400" rtl="0" eaLnBrk="1" latinLnBrk="0" hangingPunct="1">
+              <a:lnSpc>
+                <a:spcPct val="90000"/>
+              </a:lnSpc>
+              <a:spcBef>
+                <a:spcPts val="1000"/>
+              </a:spcBef>
+              <a:buFont typeface="Arial" panose="020B0604020202020204" pitchFamily="34" charset="0"/>
+              <a:buChar char="•"/>
+              <a:defRPr sz="2800" kern="1200">
+                <a:solidFill>
+                  <a:schemeClr val="tx1"/>
+                </a:solidFill>
+                <a:latin typeface="Ubuntu" panose="020B0504030602030204" pitchFamily="34" charset="0"/>
+                <a:ea typeface="+mn-ea"/>
+                <a:cs typeface="Arial" panose="020B0604020202020204" pitchFamily="34" charset="0"/>
+              </a:defRPr>
+            </a:lvl1pPr>
+            <a:lvl2pPr marL="685800" indent="-228600" algn="l" defTabSz="914400" rtl="0" eaLnBrk="1" latinLnBrk="0" hangingPunct="1">
+              <a:lnSpc>
+                <a:spcPct val="90000"/>
+              </a:lnSpc>
+              <a:spcBef>
+                <a:spcPts val="500"/>
+              </a:spcBef>
+              <a:buFont typeface="Arial" panose="020B0604020202020204" pitchFamily="34" charset="0"/>
+              <a:buChar char="•"/>
+              <a:defRPr sz="2400" kern="1200">
+                <a:solidFill>
+                  <a:schemeClr val="tx1"/>
+                </a:solidFill>
+                <a:latin typeface="Ubuntu" panose="020B0504030602030204" pitchFamily="34" charset="0"/>
+                <a:ea typeface="+mn-ea"/>
+                <a:cs typeface="Arial" panose="020B0604020202020204" pitchFamily="34" charset="0"/>
+              </a:defRPr>
+            </a:lvl2pPr>
+            <a:lvl3pPr marL="1143000" indent="-228600" algn="l" defTabSz="914400" rtl="0" eaLnBrk="1" latinLnBrk="0" hangingPunct="1">
+              <a:lnSpc>
+                <a:spcPct val="90000"/>
+              </a:lnSpc>
+              <a:spcBef>
+                <a:spcPts val="500"/>
+              </a:spcBef>
+              <a:buFont typeface="Arial" panose="020B0604020202020204" pitchFamily="34" charset="0"/>
+              <a:buChar char="•"/>
+              <a:defRPr sz="2000" kern="1200">
+                <a:solidFill>
+                  <a:schemeClr val="tx1"/>
+                </a:solidFill>
+                <a:latin typeface="Ubuntu" panose="020B0504030602030204" pitchFamily="34" charset="0"/>
+                <a:ea typeface="+mn-ea"/>
+                <a:cs typeface="Arial" panose="020B0604020202020204" pitchFamily="34" charset="0"/>
+              </a:defRPr>
+            </a:lvl3pPr>
+            <a:lvl4pPr marL="1600200" indent="-228600" algn="l" defTabSz="914400" rtl="0" eaLnBrk="1" latinLnBrk="0" hangingPunct="1">
+              <a:lnSpc>
+                <a:spcPct val="90000"/>
+              </a:lnSpc>
+              <a:spcBef>
+                <a:spcPts val="500"/>
+              </a:spcBef>
+              <a:buFont typeface="Arial" panose="020B0604020202020204" pitchFamily="34" charset="0"/>
+              <a:buChar char="•"/>
+              <a:defRPr sz="1800" kern="1200">
+                <a:solidFill>
+                  <a:schemeClr val="tx1"/>
+                </a:solidFill>
+                <a:latin typeface="Ubuntu" panose="020B0504030602030204" pitchFamily="34" charset="0"/>
+                <a:ea typeface="+mn-ea"/>
+                <a:cs typeface="Arial" panose="020B0604020202020204" pitchFamily="34" charset="0"/>
+              </a:defRPr>
+            </a:lvl4pPr>
+            <a:lvl5pPr marL="2057400" indent="-228600" algn="l" defTabSz="914400" rtl="0" eaLnBrk="1" latinLnBrk="0" hangingPunct="1">
+              <a:lnSpc>
+                <a:spcPct val="90000"/>
+              </a:lnSpc>
+              <a:spcBef>
+                <a:spcPts val="500"/>
+              </a:spcBef>
+              <a:buFont typeface="Arial" panose="020B0604020202020204" pitchFamily="34" charset="0"/>
+              <a:buChar char="•"/>
+              <a:defRPr sz="1800" kern="1200">
+                <a:solidFill>
+                  <a:schemeClr val="tx1"/>
+                </a:solidFill>
+                <a:latin typeface="Ubuntu" panose="020B0504030602030204" pitchFamily="34" charset="0"/>
+                <a:ea typeface="+mn-ea"/>
+                <a:cs typeface="Arial" panose="020B0604020202020204" pitchFamily="34" charset="0"/>
+              </a:defRPr>
+            </a:lvl5pPr>
+            <a:lvl6pPr marL="2514600" indent="-228600" algn="l" defTabSz="914400" rtl="0" eaLnBrk="1" latinLnBrk="0" hangingPunct="1">
+              <a:lnSpc>
+                <a:spcPct val="90000"/>
+              </a:lnSpc>
+              <a:spcBef>
+                <a:spcPts val="500"/>
+              </a:spcBef>
+              <a:buFont typeface="Arial" panose="020B0604020202020204" pitchFamily="34" charset="0"/>
+              <a:buChar char="•"/>
+              <a:defRPr sz="1800" kern="1200">
+                <a:solidFill>
+                  <a:schemeClr val="tx1"/>
+                </a:solidFill>
+                <a:latin typeface="+mn-lt"/>
+                <a:ea typeface="+mn-ea"/>
+                <a:cs typeface="+mn-cs"/>
+              </a:defRPr>
+            </a:lvl6pPr>
+            <a:lvl7pPr marL="2971800" indent="-228600" algn="l" defTabSz="914400" rtl="0" eaLnBrk="1" latinLnBrk="0" hangingPunct="1">
+              <a:lnSpc>
+                <a:spcPct val="90000"/>
+              </a:lnSpc>
+              <a:spcBef>
+                <a:spcPts val="500"/>
+              </a:spcBef>
+              <a:buFont typeface="Arial" panose="020B0604020202020204" pitchFamily="34" charset="0"/>
+              <a:buChar char="•"/>
+              <a:defRPr sz="1800" kern="1200">
+                <a:solidFill>
+                  <a:schemeClr val="tx1"/>
+                </a:solidFill>
+                <a:latin typeface="+mn-lt"/>
+                <a:ea typeface="+mn-ea"/>
+                <a:cs typeface="+mn-cs"/>
+              </a:defRPr>
+            </a:lvl7pPr>
+            <a:lvl8pPr marL="3429000" indent="-228600" algn="l" defTabSz="914400" rtl="0" eaLnBrk="1" latinLnBrk="0" hangingPunct="1">
+              <a:lnSpc>
+                <a:spcPct val="90000"/>
+              </a:lnSpc>
+              <a:spcBef>
+                <a:spcPts val="500"/>
+              </a:spcBef>
+              <a:buFont typeface="Arial" panose="020B0604020202020204" pitchFamily="34" charset="0"/>
+              <a:buChar char="•"/>
+              <a:defRPr sz="1800" kern="1200">
+                <a:solidFill>
+                  <a:schemeClr val="tx1"/>
+                </a:solidFill>
+                <a:latin typeface="+mn-lt"/>
+                <a:ea typeface="+mn-ea"/>
+                <a:cs typeface="+mn-cs"/>
+              </a:defRPr>
+            </a:lvl8pPr>
+            <a:lvl9pPr marL="3886200" indent="-228600" algn="l" defTabSz="914400" rtl="0" eaLnBrk="1" latinLnBrk="0" hangingPunct="1">
+              <a:lnSpc>
+                <a:spcPct val="90000"/>
+              </a:lnSpc>
+              <a:spcBef>
+                <a:spcPts val="500"/>
+              </a:spcBef>
+              <a:buFont typeface="Arial" panose="020B0604020202020204" pitchFamily="34" charset="0"/>
+              <a:buChar char="•"/>
+              <a:defRPr sz="1800" kern="1200">
+                <a:solidFill>
+                  <a:schemeClr val="tx1"/>
+                </a:solidFill>
+                <a:latin typeface="+mn-lt"/>
+                <a:ea typeface="+mn-ea"/>
+                <a:cs typeface="+mn-cs"/>
+              </a:defRPr>
+            </a:lvl9pPr>
+          </a:lstStyle>
+          <a:p>
+            <a:pPr marL="0" indent="0">
+              <a:buFont typeface="Arial" panose="020B0604020202020204" pitchFamily="34" charset="0"/>
+              <a:buNone/>
+            </a:pPr>
+            <a:r>
+              <a:rPr lang="es-MX" dirty="0"/>
+              <a:t>Leemos el sueldo por cada hora laborada. </a:t>
+            </a:r>
+          </a:p>
+          <a:p>
+            <a:pPr marL="0" indent="0">
+              <a:buFont typeface="Arial" panose="020B0604020202020204" pitchFamily="34" charset="0"/>
+              <a:buNone/>
+            </a:pPr>
+            <a:r>
+              <a:rPr lang="es-MX" b="1" dirty="0">
+                <a:solidFill>
+                  <a:schemeClr val="accent2"/>
+                </a:solidFill>
+              </a:rPr>
+              <a:t>Este puede ser:</a:t>
+            </a:r>
+          </a:p>
+          <a:p>
+            <a:r>
+              <a:rPr lang="es-MX" b="1" dirty="0">
+                <a:solidFill>
+                  <a:schemeClr val="accent2"/>
+                </a:solidFill>
+              </a:rPr>
+              <a:t>50</a:t>
+            </a:r>
+          </a:p>
+          <a:p>
+            <a:r>
+              <a:rPr lang="es-MX" b="1" dirty="0">
+                <a:solidFill>
+                  <a:schemeClr val="accent2"/>
+                </a:solidFill>
+              </a:rPr>
+              <a:t>65.50</a:t>
+            </a:r>
+          </a:p>
+          <a:p>
+            <a:r>
+              <a:rPr lang="es-MX" b="1" dirty="0">
+                <a:solidFill>
+                  <a:schemeClr val="accent2"/>
+                </a:solidFill>
+              </a:rPr>
+              <a:t>100</a:t>
+            </a:r>
+          </a:p>
+          <a:p>
+            <a:r>
+              <a:rPr lang="es-MX" b="1" dirty="0">
+                <a:solidFill>
+                  <a:schemeClr val="accent2"/>
+                </a:solidFill>
+              </a:rPr>
+              <a:t>1000</a:t>
+            </a:r>
+            <a:endParaRPr lang="en-US" b="1" dirty="0">
+              <a:solidFill>
+                <a:schemeClr val="accent2"/>
+              </a:solidFill>
+            </a:endParaRPr>
+          </a:p>
+        </p:txBody>
+      </p:sp>
+    </p:spTree>
+    <p:extLst>
+      <p:ext uri="{BB962C8B-B14F-4D97-AF65-F5344CB8AC3E}">
+        <p14:creationId xmlns:p14="http://schemas.microsoft.com/office/powerpoint/2010/main" val="2939385826"/>
+      </p:ext>
+    </p:extLst>
+  </p:cSld>
+  <p:clrMapOvr>
+    <a:masterClrMapping/>
+  </p:clrMapOvr>
+</p:sld>
+</file>
+
+<file path=ppt/slides/slide29.xml><?xml version="1.0" encoding="utf-8"?>
+<p:sld xmlns:a="http://schemas.openxmlformats.org/drawingml/2006/main" xmlns:r="http://schemas.openxmlformats.org/officeDocument/2006/relationships" xmlns:p="http://schemas.openxmlformats.org/presentationml/2006/main">
+  <p:cSld>
+    <p:spTree>
+      <p:nvGrpSpPr>
+        <p:cNvPr id="1" name=""/>
+        <p:cNvGrpSpPr/>
+        <p:nvPr/>
+      </p:nvGrpSpPr>
+      <p:grpSpPr>
+        <a:xfrm>
+          <a:off x="0" y="0"/>
+          <a:ext cx="0" cy="0"/>
+          <a:chOff x="0" y="0"/>
+          <a:chExt cx="0" cy="0"/>
+        </a:xfrm>
+      </p:grpSpPr>
+      <p:pic>
+        <p:nvPicPr>
+          <p:cNvPr id="4" name="Picture 3">
+            <a:extLst>
+              <a:ext uri="{FF2B5EF4-FFF2-40B4-BE49-F238E27FC236}">
+                <a16:creationId xmlns:a16="http://schemas.microsoft.com/office/drawing/2014/main" id="{BEFBEFB1-F83E-49A4-AEA5-C08453FC67CA}"/>
+              </a:ext>
+            </a:extLst>
+          </p:cNvPr>
+          <p:cNvPicPr>
+            <a:picLocks noChangeAspect="1"/>
+          </p:cNvPicPr>
+          <p:nvPr/>
+        </p:nvPicPr>
+        <p:blipFill rotWithShape="1">
+          <a:blip r:embed="rId2">
+            <a:extLst>
+              <a:ext uri="{28A0092B-C50C-407E-A947-70E740481C1C}">
+                <a14:useLocalDpi xmlns:a14="http://schemas.microsoft.com/office/drawing/2010/main" val="0"/>
+              </a:ext>
+            </a:extLst>
+          </a:blip>
+          <a:srcRect b="39379"/>
+          <a:stretch/>
+        </p:blipFill>
+        <p:spPr>
+          <a:xfrm>
+            <a:off x="6961044" y="-158623"/>
+            <a:ext cx="3021156" cy="4349623"/>
+          </a:xfrm>
+          <a:prstGeom prst="rect">
+            <a:avLst/>
+          </a:prstGeom>
+        </p:spPr>
+      </p:pic>
+      <p:sp>
+        <p:nvSpPr>
+          <p:cNvPr id="5" name="Text Placeholder 2">
+            <a:extLst>
+              <a:ext uri="{FF2B5EF4-FFF2-40B4-BE49-F238E27FC236}">
+                <a16:creationId xmlns:a16="http://schemas.microsoft.com/office/drawing/2014/main" id="{8D0529C9-0349-4B77-839C-C04B65CA29BB}"/>
+              </a:ext>
+            </a:extLst>
+          </p:cNvPr>
+          <p:cNvSpPr txBox="1">
+            <a:spLocks/>
+          </p:cNvSpPr>
+          <p:nvPr/>
+        </p:nvSpPr>
+        <p:spPr>
+          <a:xfrm>
+            <a:off x="1099457" y="719138"/>
+            <a:ext cx="4746171" cy="5230812"/>
+          </a:xfrm>
+          <a:prstGeom prst="rect">
+            <a:avLst/>
+          </a:prstGeom>
+        </p:spPr>
+        <p:txBody>
+          <a:bodyPr/>
+          <a:lstStyle>
+            <a:lvl1pPr marL="228600" indent="-228600" algn="l" defTabSz="914400" rtl="0" eaLnBrk="1" latinLnBrk="0" hangingPunct="1">
+              <a:lnSpc>
+                <a:spcPct val="90000"/>
+              </a:lnSpc>
+              <a:spcBef>
+                <a:spcPts val="1000"/>
+              </a:spcBef>
+              <a:buFont typeface="Arial" panose="020B0604020202020204" pitchFamily="34" charset="0"/>
+              <a:buChar char="•"/>
+              <a:defRPr sz="2800" kern="1200">
+                <a:solidFill>
+                  <a:schemeClr val="tx1"/>
+                </a:solidFill>
+                <a:latin typeface="Ubuntu" panose="020B0504030602030204" pitchFamily="34" charset="0"/>
+                <a:ea typeface="+mn-ea"/>
+                <a:cs typeface="Arial" panose="020B0604020202020204" pitchFamily="34" charset="0"/>
+              </a:defRPr>
+            </a:lvl1pPr>
+            <a:lvl2pPr marL="685800" indent="-228600" algn="l" defTabSz="914400" rtl="0" eaLnBrk="1" latinLnBrk="0" hangingPunct="1">
+              <a:lnSpc>
+                <a:spcPct val="90000"/>
+              </a:lnSpc>
+              <a:spcBef>
+                <a:spcPts val="500"/>
+              </a:spcBef>
+              <a:buFont typeface="Arial" panose="020B0604020202020204" pitchFamily="34" charset="0"/>
+              <a:buChar char="•"/>
+              <a:defRPr sz="2400" kern="1200">
+                <a:solidFill>
+                  <a:schemeClr val="tx1"/>
+                </a:solidFill>
+                <a:latin typeface="Ubuntu" panose="020B0504030602030204" pitchFamily="34" charset="0"/>
+                <a:ea typeface="+mn-ea"/>
+                <a:cs typeface="Arial" panose="020B0604020202020204" pitchFamily="34" charset="0"/>
+              </a:defRPr>
+            </a:lvl2pPr>
+            <a:lvl3pPr marL="1143000" indent="-228600" algn="l" defTabSz="914400" rtl="0" eaLnBrk="1" latinLnBrk="0" hangingPunct="1">
+              <a:lnSpc>
+                <a:spcPct val="90000"/>
+              </a:lnSpc>
+              <a:spcBef>
+                <a:spcPts val="500"/>
+              </a:spcBef>
+              <a:buFont typeface="Arial" panose="020B0604020202020204" pitchFamily="34" charset="0"/>
+              <a:buChar char="•"/>
+              <a:defRPr sz="2000" kern="1200">
+                <a:solidFill>
+                  <a:schemeClr val="tx1"/>
+                </a:solidFill>
+                <a:latin typeface="Ubuntu" panose="020B0504030602030204" pitchFamily="34" charset="0"/>
+                <a:ea typeface="+mn-ea"/>
+                <a:cs typeface="Arial" panose="020B0604020202020204" pitchFamily="34" charset="0"/>
+              </a:defRPr>
+            </a:lvl3pPr>
+            <a:lvl4pPr marL="1600200" indent="-228600" algn="l" defTabSz="914400" rtl="0" eaLnBrk="1" latinLnBrk="0" hangingPunct="1">
+              <a:lnSpc>
+                <a:spcPct val="90000"/>
+              </a:lnSpc>
+              <a:spcBef>
+                <a:spcPts val="500"/>
+              </a:spcBef>
+              <a:buFont typeface="Arial" panose="020B0604020202020204" pitchFamily="34" charset="0"/>
+              <a:buChar char="•"/>
+              <a:defRPr sz="1800" kern="1200">
+                <a:solidFill>
+                  <a:schemeClr val="tx1"/>
+                </a:solidFill>
+                <a:latin typeface="Ubuntu" panose="020B0504030602030204" pitchFamily="34" charset="0"/>
+                <a:ea typeface="+mn-ea"/>
+                <a:cs typeface="Arial" panose="020B0604020202020204" pitchFamily="34" charset="0"/>
+              </a:defRPr>
+            </a:lvl4pPr>
+            <a:lvl5pPr marL="2057400" indent="-228600" algn="l" defTabSz="914400" rtl="0" eaLnBrk="1" latinLnBrk="0" hangingPunct="1">
+              <a:lnSpc>
+                <a:spcPct val="90000"/>
+              </a:lnSpc>
+              <a:spcBef>
+                <a:spcPts val="500"/>
+              </a:spcBef>
+              <a:buFont typeface="Arial" panose="020B0604020202020204" pitchFamily="34" charset="0"/>
+              <a:buChar char="•"/>
+              <a:defRPr sz="1800" kern="1200">
+                <a:solidFill>
+                  <a:schemeClr val="tx1"/>
+                </a:solidFill>
+                <a:latin typeface="Ubuntu" panose="020B0504030602030204" pitchFamily="34" charset="0"/>
+                <a:ea typeface="+mn-ea"/>
+                <a:cs typeface="Arial" panose="020B0604020202020204" pitchFamily="34" charset="0"/>
+              </a:defRPr>
+            </a:lvl5pPr>
+            <a:lvl6pPr marL="2514600" indent="-228600" algn="l" defTabSz="914400" rtl="0" eaLnBrk="1" latinLnBrk="0" hangingPunct="1">
+              <a:lnSpc>
+                <a:spcPct val="90000"/>
+              </a:lnSpc>
+              <a:spcBef>
+                <a:spcPts val="500"/>
+              </a:spcBef>
+              <a:buFont typeface="Arial" panose="020B0604020202020204" pitchFamily="34" charset="0"/>
+              <a:buChar char="•"/>
+              <a:defRPr sz="1800" kern="1200">
+                <a:solidFill>
+                  <a:schemeClr val="tx1"/>
+                </a:solidFill>
+                <a:latin typeface="+mn-lt"/>
+                <a:ea typeface="+mn-ea"/>
+                <a:cs typeface="+mn-cs"/>
+              </a:defRPr>
+            </a:lvl6pPr>
+            <a:lvl7pPr marL="2971800" indent="-228600" algn="l" defTabSz="914400" rtl="0" eaLnBrk="1" latinLnBrk="0" hangingPunct="1">
+              <a:lnSpc>
+                <a:spcPct val="90000"/>
+              </a:lnSpc>
+              <a:spcBef>
+                <a:spcPts val="500"/>
+              </a:spcBef>
+              <a:buFont typeface="Arial" panose="020B0604020202020204" pitchFamily="34" charset="0"/>
+              <a:buChar char="•"/>
+              <a:defRPr sz="1800" kern="1200">
+                <a:solidFill>
+                  <a:schemeClr val="tx1"/>
+                </a:solidFill>
+                <a:latin typeface="+mn-lt"/>
+                <a:ea typeface="+mn-ea"/>
+                <a:cs typeface="+mn-cs"/>
+              </a:defRPr>
+            </a:lvl7pPr>
+            <a:lvl8pPr marL="3429000" indent="-228600" algn="l" defTabSz="914400" rtl="0" eaLnBrk="1" latinLnBrk="0" hangingPunct="1">
+              <a:lnSpc>
+                <a:spcPct val="90000"/>
+              </a:lnSpc>
+              <a:spcBef>
+                <a:spcPts val="500"/>
+              </a:spcBef>
+              <a:buFont typeface="Arial" panose="020B0604020202020204" pitchFamily="34" charset="0"/>
+              <a:buChar char="•"/>
+              <a:defRPr sz="1800" kern="1200">
+                <a:solidFill>
+                  <a:schemeClr val="tx1"/>
+                </a:solidFill>
+                <a:latin typeface="+mn-lt"/>
+                <a:ea typeface="+mn-ea"/>
+                <a:cs typeface="+mn-cs"/>
+              </a:defRPr>
+            </a:lvl8pPr>
+            <a:lvl9pPr marL="3886200" indent="-228600" algn="l" defTabSz="914400" rtl="0" eaLnBrk="1" latinLnBrk="0" hangingPunct="1">
+              <a:lnSpc>
+                <a:spcPct val="90000"/>
+              </a:lnSpc>
+              <a:spcBef>
+                <a:spcPts val="500"/>
+              </a:spcBef>
+              <a:buFont typeface="Arial" panose="020B0604020202020204" pitchFamily="34" charset="0"/>
+              <a:buChar char="•"/>
+              <a:defRPr sz="1800" kern="1200">
+                <a:solidFill>
+                  <a:schemeClr val="tx1"/>
+                </a:solidFill>
+                <a:latin typeface="+mn-lt"/>
+                <a:ea typeface="+mn-ea"/>
+                <a:cs typeface="+mn-cs"/>
+              </a:defRPr>
+            </a:lvl9pPr>
+          </a:lstStyle>
+          <a:p>
+            <a:pPr marL="0" indent="0">
+              <a:buFont typeface="Arial" panose="020B0604020202020204" pitchFamily="34" charset="0"/>
+              <a:buNone/>
+            </a:pPr>
+            <a:endParaRPr lang="en-US" b="1" dirty="0">
+              <a:solidFill>
+                <a:schemeClr val="accent1"/>
+              </a:solidFill>
+            </a:endParaRPr>
+          </a:p>
+        </p:txBody>
+      </p:sp>
+      <p:sp>
+        <p:nvSpPr>
+          <p:cNvPr id="6" name="Text Placeholder 2">
+            <a:extLst>
+              <a:ext uri="{FF2B5EF4-FFF2-40B4-BE49-F238E27FC236}">
+                <a16:creationId xmlns:a16="http://schemas.microsoft.com/office/drawing/2014/main" id="{00266685-4CF2-4857-B444-8AFE9EA20742}"/>
+              </a:ext>
+            </a:extLst>
+          </p:cNvPr>
+          <p:cNvSpPr txBox="1">
+            <a:spLocks/>
+          </p:cNvSpPr>
+          <p:nvPr/>
+        </p:nvSpPr>
+        <p:spPr>
+          <a:xfrm>
+            <a:off x="1219201" y="2656114"/>
+            <a:ext cx="4876799" cy="2166257"/>
+          </a:xfrm>
+          <a:prstGeom prst="rect">
+            <a:avLst/>
+          </a:prstGeom>
+        </p:spPr>
+        <p:txBody>
+          <a:bodyPr anchor="ctr"/>
+          <a:lstStyle>
+            <a:lvl1pPr marL="228600" indent="-228600" algn="l" defTabSz="914400" rtl="0" eaLnBrk="1" latinLnBrk="0" hangingPunct="1">
+              <a:lnSpc>
+                <a:spcPct val="90000"/>
+              </a:lnSpc>
+              <a:spcBef>
+                <a:spcPts val="1000"/>
+              </a:spcBef>
+              <a:buFont typeface="Arial" panose="020B0604020202020204" pitchFamily="34" charset="0"/>
+              <a:buChar char="•"/>
+              <a:defRPr sz="2800" kern="1200">
+                <a:solidFill>
+                  <a:schemeClr val="tx1"/>
+                </a:solidFill>
+                <a:latin typeface="Ubuntu" panose="020B0504030602030204" pitchFamily="34" charset="0"/>
+                <a:ea typeface="+mn-ea"/>
+                <a:cs typeface="Arial" panose="020B0604020202020204" pitchFamily="34" charset="0"/>
+              </a:defRPr>
+            </a:lvl1pPr>
+            <a:lvl2pPr marL="685800" indent="-228600" algn="l" defTabSz="914400" rtl="0" eaLnBrk="1" latinLnBrk="0" hangingPunct="1">
+              <a:lnSpc>
+                <a:spcPct val="90000"/>
+              </a:lnSpc>
+              <a:spcBef>
+                <a:spcPts val="500"/>
+              </a:spcBef>
+              <a:buFont typeface="Arial" panose="020B0604020202020204" pitchFamily="34" charset="0"/>
+              <a:buChar char="•"/>
+              <a:defRPr sz="2400" kern="1200">
+                <a:solidFill>
+                  <a:schemeClr val="tx1"/>
+                </a:solidFill>
+                <a:latin typeface="Ubuntu" panose="020B0504030602030204" pitchFamily="34" charset="0"/>
+                <a:ea typeface="+mn-ea"/>
+                <a:cs typeface="Arial" panose="020B0604020202020204" pitchFamily="34" charset="0"/>
+              </a:defRPr>
+            </a:lvl2pPr>
+            <a:lvl3pPr marL="1143000" indent="-228600" algn="l" defTabSz="914400" rtl="0" eaLnBrk="1" latinLnBrk="0" hangingPunct="1">
+              <a:lnSpc>
+                <a:spcPct val="90000"/>
+              </a:lnSpc>
+              <a:spcBef>
+                <a:spcPts val="500"/>
+              </a:spcBef>
+              <a:buFont typeface="Arial" panose="020B0604020202020204" pitchFamily="34" charset="0"/>
+              <a:buChar char="•"/>
+              <a:defRPr sz="2000" kern="1200">
+                <a:solidFill>
+                  <a:schemeClr val="tx1"/>
+                </a:solidFill>
+                <a:latin typeface="Ubuntu" panose="020B0504030602030204" pitchFamily="34" charset="0"/>
+                <a:ea typeface="+mn-ea"/>
+                <a:cs typeface="Arial" panose="020B0604020202020204" pitchFamily="34" charset="0"/>
+              </a:defRPr>
+            </a:lvl3pPr>
+            <a:lvl4pPr marL="1600200" indent="-228600" algn="l" defTabSz="914400" rtl="0" eaLnBrk="1" latinLnBrk="0" hangingPunct="1">
+              <a:lnSpc>
+                <a:spcPct val="90000"/>
+              </a:lnSpc>
+              <a:spcBef>
+                <a:spcPts val="500"/>
+              </a:spcBef>
+              <a:buFont typeface="Arial" panose="020B0604020202020204" pitchFamily="34" charset="0"/>
+              <a:buChar char="•"/>
+              <a:defRPr sz="1800" kern="1200">
+                <a:solidFill>
+                  <a:schemeClr val="tx1"/>
+                </a:solidFill>
+                <a:latin typeface="Ubuntu" panose="020B0504030602030204" pitchFamily="34" charset="0"/>
+                <a:ea typeface="+mn-ea"/>
+                <a:cs typeface="Arial" panose="020B0604020202020204" pitchFamily="34" charset="0"/>
+              </a:defRPr>
+            </a:lvl4pPr>
+            <a:lvl5pPr marL="2057400" indent="-228600" algn="l" defTabSz="914400" rtl="0" eaLnBrk="1" latinLnBrk="0" hangingPunct="1">
+              <a:lnSpc>
+                <a:spcPct val="90000"/>
+              </a:lnSpc>
+              <a:spcBef>
+                <a:spcPts val="500"/>
+              </a:spcBef>
+              <a:buFont typeface="Arial" panose="020B0604020202020204" pitchFamily="34" charset="0"/>
+              <a:buChar char="•"/>
+              <a:defRPr sz="1800" kern="1200">
+                <a:solidFill>
+                  <a:schemeClr val="tx1"/>
+                </a:solidFill>
+                <a:latin typeface="Ubuntu" panose="020B0504030602030204" pitchFamily="34" charset="0"/>
+                <a:ea typeface="+mn-ea"/>
+                <a:cs typeface="Arial" panose="020B0604020202020204" pitchFamily="34" charset="0"/>
+              </a:defRPr>
+            </a:lvl5pPr>
+            <a:lvl6pPr marL="2514600" indent="-228600" algn="l" defTabSz="914400" rtl="0" eaLnBrk="1" latinLnBrk="0" hangingPunct="1">
+              <a:lnSpc>
+                <a:spcPct val="90000"/>
+              </a:lnSpc>
+              <a:spcBef>
+                <a:spcPts val="500"/>
+              </a:spcBef>
+              <a:buFont typeface="Arial" panose="020B0604020202020204" pitchFamily="34" charset="0"/>
+              <a:buChar char="•"/>
+              <a:defRPr sz="1800" kern="1200">
+                <a:solidFill>
+                  <a:schemeClr val="tx1"/>
+                </a:solidFill>
+                <a:latin typeface="+mn-lt"/>
+                <a:ea typeface="+mn-ea"/>
+                <a:cs typeface="+mn-cs"/>
+              </a:defRPr>
+            </a:lvl6pPr>
+            <a:lvl7pPr marL="2971800" indent="-228600" algn="l" defTabSz="914400" rtl="0" eaLnBrk="1" latinLnBrk="0" hangingPunct="1">
+              <a:lnSpc>
+                <a:spcPct val="90000"/>
+              </a:lnSpc>
+              <a:spcBef>
+                <a:spcPts val="500"/>
+              </a:spcBef>
+              <a:buFont typeface="Arial" panose="020B0604020202020204" pitchFamily="34" charset="0"/>
+              <a:buChar char="•"/>
+              <a:defRPr sz="1800" kern="1200">
+                <a:solidFill>
+                  <a:schemeClr val="tx1"/>
+                </a:solidFill>
+                <a:latin typeface="+mn-lt"/>
+                <a:ea typeface="+mn-ea"/>
+                <a:cs typeface="+mn-cs"/>
+              </a:defRPr>
+            </a:lvl7pPr>
+            <a:lvl8pPr marL="3429000" indent="-228600" algn="l" defTabSz="914400" rtl="0" eaLnBrk="1" latinLnBrk="0" hangingPunct="1">
+              <a:lnSpc>
+                <a:spcPct val="90000"/>
+              </a:lnSpc>
+              <a:spcBef>
+                <a:spcPts val="500"/>
+              </a:spcBef>
+              <a:buFont typeface="Arial" panose="020B0604020202020204" pitchFamily="34" charset="0"/>
+              <a:buChar char="•"/>
+              <a:defRPr sz="1800" kern="1200">
+                <a:solidFill>
+                  <a:schemeClr val="tx1"/>
+                </a:solidFill>
+                <a:latin typeface="+mn-lt"/>
+                <a:ea typeface="+mn-ea"/>
+                <a:cs typeface="+mn-cs"/>
+              </a:defRPr>
+            </a:lvl8pPr>
+            <a:lvl9pPr marL="3886200" indent="-228600" algn="l" defTabSz="914400" rtl="0" eaLnBrk="1" latinLnBrk="0" hangingPunct="1">
+              <a:lnSpc>
+                <a:spcPct val="90000"/>
+              </a:lnSpc>
+              <a:spcBef>
+                <a:spcPts val="500"/>
+              </a:spcBef>
+              <a:buFont typeface="Arial" panose="020B0604020202020204" pitchFamily="34" charset="0"/>
+              <a:buChar char="•"/>
+              <a:defRPr sz="1800" kern="1200">
+                <a:solidFill>
+                  <a:schemeClr val="tx1"/>
+                </a:solidFill>
+                <a:latin typeface="+mn-lt"/>
+                <a:ea typeface="+mn-ea"/>
+                <a:cs typeface="+mn-cs"/>
+              </a:defRPr>
+            </a:lvl9pPr>
+          </a:lstStyle>
+          <a:p>
+            <a:pPr marL="0" indent="0">
+              <a:buFont typeface="Arial" panose="020B0604020202020204" pitchFamily="34" charset="0"/>
+              <a:buNone/>
+            </a:pPr>
+            <a:r>
+              <a:rPr lang="es-MX" dirty="0"/>
+              <a:t>Calculamos el monto a pagar en un </a:t>
+            </a:r>
+            <a:r>
+              <a:rPr lang="es-MX" b="1" dirty="0">
+                <a:solidFill>
+                  <a:schemeClr val="accent2"/>
+                </a:solidFill>
+              </a:rPr>
+              <a:t>bloque de proceso</a:t>
+            </a:r>
+            <a:r>
+              <a:rPr lang="es-MX" dirty="0"/>
+              <a:t>.</a:t>
+            </a:r>
+          </a:p>
+        </p:txBody>
+      </p:sp>
+    </p:spTree>
+    <p:extLst>
+      <p:ext uri="{BB962C8B-B14F-4D97-AF65-F5344CB8AC3E}">
+        <p14:creationId xmlns:p14="http://schemas.microsoft.com/office/powerpoint/2010/main" val="3573240397"/>
       </p:ext>
     </p:extLst>
   </p:cSld>
@@ -3517,6 +11683,1051 @@
     <p:extLst>
       <p:ext uri="{BB962C8B-B14F-4D97-AF65-F5344CB8AC3E}">
         <p14:creationId xmlns:p14="http://schemas.microsoft.com/office/powerpoint/2010/main" val="2995914135"/>
+      </p:ext>
+    </p:extLst>
+  </p:cSld>
+  <p:clrMapOvr>
+    <a:masterClrMapping/>
+  </p:clrMapOvr>
+</p:sld>
+</file>
+
+<file path=ppt/slides/slide30.xml><?xml version="1.0" encoding="utf-8"?>
+<p:sld xmlns:a="http://schemas.openxmlformats.org/drawingml/2006/main" xmlns:r="http://schemas.openxmlformats.org/officeDocument/2006/relationships" xmlns:p="http://schemas.openxmlformats.org/presentationml/2006/main">
+  <p:cSld>
+    <p:spTree>
+      <p:nvGrpSpPr>
+        <p:cNvPr id="1" name=""/>
+        <p:cNvGrpSpPr/>
+        <p:nvPr/>
+      </p:nvGrpSpPr>
+      <p:grpSpPr>
+        <a:xfrm>
+          <a:off x="0" y="0"/>
+          <a:ext cx="0" cy="0"/>
+          <a:chOff x="0" y="0"/>
+          <a:chExt cx="0" cy="0"/>
+        </a:xfrm>
+      </p:grpSpPr>
+      <p:sp>
+        <p:nvSpPr>
+          <p:cNvPr id="5" name="Text Placeholder 2">
+            <a:extLst>
+              <a:ext uri="{FF2B5EF4-FFF2-40B4-BE49-F238E27FC236}">
+                <a16:creationId xmlns:a16="http://schemas.microsoft.com/office/drawing/2014/main" id="{8D0529C9-0349-4B77-839C-C04B65CA29BB}"/>
+              </a:ext>
+            </a:extLst>
+          </p:cNvPr>
+          <p:cNvSpPr txBox="1">
+            <a:spLocks/>
+          </p:cNvSpPr>
+          <p:nvPr/>
+        </p:nvSpPr>
+        <p:spPr>
+          <a:xfrm>
+            <a:off x="1099457" y="719138"/>
+            <a:ext cx="4746171" cy="5230812"/>
+          </a:xfrm>
+          <a:prstGeom prst="rect">
+            <a:avLst/>
+          </a:prstGeom>
+        </p:spPr>
+        <p:txBody>
+          <a:bodyPr/>
+          <a:lstStyle>
+            <a:lvl1pPr marL="228600" indent="-228600" algn="l" defTabSz="914400" rtl="0" eaLnBrk="1" latinLnBrk="0" hangingPunct="1">
+              <a:lnSpc>
+                <a:spcPct val="90000"/>
+              </a:lnSpc>
+              <a:spcBef>
+                <a:spcPts val="1000"/>
+              </a:spcBef>
+              <a:buFont typeface="Arial" panose="020B0604020202020204" pitchFamily="34" charset="0"/>
+              <a:buChar char="•"/>
+              <a:defRPr sz="2800" kern="1200">
+                <a:solidFill>
+                  <a:schemeClr val="tx1"/>
+                </a:solidFill>
+                <a:latin typeface="Ubuntu" panose="020B0504030602030204" pitchFamily="34" charset="0"/>
+                <a:ea typeface="+mn-ea"/>
+                <a:cs typeface="Arial" panose="020B0604020202020204" pitchFamily="34" charset="0"/>
+              </a:defRPr>
+            </a:lvl1pPr>
+            <a:lvl2pPr marL="685800" indent="-228600" algn="l" defTabSz="914400" rtl="0" eaLnBrk="1" latinLnBrk="0" hangingPunct="1">
+              <a:lnSpc>
+                <a:spcPct val="90000"/>
+              </a:lnSpc>
+              <a:spcBef>
+                <a:spcPts val="500"/>
+              </a:spcBef>
+              <a:buFont typeface="Arial" panose="020B0604020202020204" pitchFamily="34" charset="0"/>
+              <a:buChar char="•"/>
+              <a:defRPr sz="2400" kern="1200">
+                <a:solidFill>
+                  <a:schemeClr val="tx1"/>
+                </a:solidFill>
+                <a:latin typeface="Ubuntu" panose="020B0504030602030204" pitchFamily="34" charset="0"/>
+                <a:ea typeface="+mn-ea"/>
+                <a:cs typeface="Arial" panose="020B0604020202020204" pitchFamily="34" charset="0"/>
+              </a:defRPr>
+            </a:lvl2pPr>
+            <a:lvl3pPr marL="1143000" indent="-228600" algn="l" defTabSz="914400" rtl="0" eaLnBrk="1" latinLnBrk="0" hangingPunct="1">
+              <a:lnSpc>
+                <a:spcPct val="90000"/>
+              </a:lnSpc>
+              <a:spcBef>
+                <a:spcPts val="500"/>
+              </a:spcBef>
+              <a:buFont typeface="Arial" panose="020B0604020202020204" pitchFamily="34" charset="0"/>
+              <a:buChar char="•"/>
+              <a:defRPr sz="2000" kern="1200">
+                <a:solidFill>
+                  <a:schemeClr val="tx1"/>
+                </a:solidFill>
+                <a:latin typeface="Ubuntu" panose="020B0504030602030204" pitchFamily="34" charset="0"/>
+                <a:ea typeface="+mn-ea"/>
+                <a:cs typeface="Arial" panose="020B0604020202020204" pitchFamily="34" charset="0"/>
+              </a:defRPr>
+            </a:lvl3pPr>
+            <a:lvl4pPr marL="1600200" indent="-228600" algn="l" defTabSz="914400" rtl="0" eaLnBrk="1" latinLnBrk="0" hangingPunct="1">
+              <a:lnSpc>
+                <a:spcPct val="90000"/>
+              </a:lnSpc>
+              <a:spcBef>
+                <a:spcPts val="500"/>
+              </a:spcBef>
+              <a:buFont typeface="Arial" panose="020B0604020202020204" pitchFamily="34" charset="0"/>
+              <a:buChar char="•"/>
+              <a:defRPr sz="1800" kern="1200">
+                <a:solidFill>
+                  <a:schemeClr val="tx1"/>
+                </a:solidFill>
+                <a:latin typeface="Ubuntu" panose="020B0504030602030204" pitchFamily="34" charset="0"/>
+                <a:ea typeface="+mn-ea"/>
+                <a:cs typeface="Arial" panose="020B0604020202020204" pitchFamily="34" charset="0"/>
+              </a:defRPr>
+            </a:lvl4pPr>
+            <a:lvl5pPr marL="2057400" indent="-228600" algn="l" defTabSz="914400" rtl="0" eaLnBrk="1" latinLnBrk="0" hangingPunct="1">
+              <a:lnSpc>
+                <a:spcPct val="90000"/>
+              </a:lnSpc>
+              <a:spcBef>
+                <a:spcPts val="500"/>
+              </a:spcBef>
+              <a:buFont typeface="Arial" panose="020B0604020202020204" pitchFamily="34" charset="0"/>
+              <a:buChar char="•"/>
+              <a:defRPr sz="1800" kern="1200">
+                <a:solidFill>
+                  <a:schemeClr val="tx1"/>
+                </a:solidFill>
+                <a:latin typeface="Ubuntu" panose="020B0504030602030204" pitchFamily="34" charset="0"/>
+                <a:ea typeface="+mn-ea"/>
+                <a:cs typeface="Arial" panose="020B0604020202020204" pitchFamily="34" charset="0"/>
+              </a:defRPr>
+            </a:lvl5pPr>
+            <a:lvl6pPr marL="2514600" indent="-228600" algn="l" defTabSz="914400" rtl="0" eaLnBrk="1" latinLnBrk="0" hangingPunct="1">
+              <a:lnSpc>
+                <a:spcPct val="90000"/>
+              </a:lnSpc>
+              <a:spcBef>
+                <a:spcPts val="500"/>
+              </a:spcBef>
+              <a:buFont typeface="Arial" panose="020B0604020202020204" pitchFamily="34" charset="0"/>
+              <a:buChar char="•"/>
+              <a:defRPr sz="1800" kern="1200">
+                <a:solidFill>
+                  <a:schemeClr val="tx1"/>
+                </a:solidFill>
+                <a:latin typeface="+mn-lt"/>
+                <a:ea typeface="+mn-ea"/>
+                <a:cs typeface="+mn-cs"/>
+              </a:defRPr>
+            </a:lvl6pPr>
+            <a:lvl7pPr marL="2971800" indent="-228600" algn="l" defTabSz="914400" rtl="0" eaLnBrk="1" latinLnBrk="0" hangingPunct="1">
+              <a:lnSpc>
+                <a:spcPct val="90000"/>
+              </a:lnSpc>
+              <a:spcBef>
+                <a:spcPts val="500"/>
+              </a:spcBef>
+              <a:buFont typeface="Arial" panose="020B0604020202020204" pitchFamily="34" charset="0"/>
+              <a:buChar char="•"/>
+              <a:defRPr sz="1800" kern="1200">
+                <a:solidFill>
+                  <a:schemeClr val="tx1"/>
+                </a:solidFill>
+                <a:latin typeface="+mn-lt"/>
+                <a:ea typeface="+mn-ea"/>
+                <a:cs typeface="+mn-cs"/>
+              </a:defRPr>
+            </a:lvl7pPr>
+            <a:lvl8pPr marL="3429000" indent="-228600" algn="l" defTabSz="914400" rtl="0" eaLnBrk="1" latinLnBrk="0" hangingPunct="1">
+              <a:lnSpc>
+                <a:spcPct val="90000"/>
+              </a:lnSpc>
+              <a:spcBef>
+                <a:spcPts val="500"/>
+              </a:spcBef>
+              <a:buFont typeface="Arial" panose="020B0604020202020204" pitchFamily="34" charset="0"/>
+              <a:buChar char="•"/>
+              <a:defRPr sz="1800" kern="1200">
+                <a:solidFill>
+                  <a:schemeClr val="tx1"/>
+                </a:solidFill>
+                <a:latin typeface="+mn-lt"/>
+                <a:ea typeface="+mn-ea"/>
+                <a:cs typeface="+mn-cs"/>
+              </a:defRPr>
+            </a:lvl8pPr>
+            <a:lvl9pPr marL="3886200" indent="-228600" algn="l" defTabSz="914400" rtl="0" eaLnBrk="1" latinLnBrk="0" hangingPunct="1">
+              <a:lnSpc>
+                <a:spcPct val="90000"/>
+              </a:lnSpc>
+              <a:spcBef>
+                <a:spcPts val="500"/>
+              </a:spcBef>
+              <a:buFont typeface="Arial" panose="020B0604020202020204" pitchFamily="34" charset="0"/>
+              <a:buChar char="•"/>
+              <a:defRPr sz="1800" kern="1200">
+                <a:solidFill>
+                  <a:schemeClr val="tx1"/>
+                </a:solidFill>
+                <a:latin typeface="+mn-lt"/>
+                <a:ea typeface="+mn-ea"/>
+                <a:cs typeface="+mn-cs"/>
+              </a:defRPr>
+            </a:lvl9pPr>
+          </a:lstStyle>
+          <a:p>
+            <a:pPr marL="0" indent="0">
+              <a:buFont typeface="Arial" panose="020B0604020202020204" pitchFamily="34" charset="0"/>
+              <a:buNone/>
+            </a:pPr>
+            <a:endParaRPr lang="en-US" b="1" dirty="0">
+              <a:solidFill>
+                <a:schemeClr val="accent1"/>
+              </a:solidFill>
+            </a:endParaRPr>
+          </a:p>
+        </p:txBody>
+      </p:sp>
+      <p:grpSp>
+        <p:nvGrpSpPr>
+          <p:cNvPr id="3" name="Group 2">
+            <a:extLst>
+              <a:ext uri="{FF2B5EF4-FFF2-40B4-BE49-F238E27FC236}">
+                <a16:creationId xmlns:a16="http://schemas.microsoft.com/office/drawing/2014/main" id="{44580221-ED9B-4406-9095-14073FBDD86B}"/>
+              </a:ext>
+            </a:extLst>
+          </p:cNvPr>
+          <p:cNvGrpSpPr/>
+          <p:nvPr/>
+        </p:nvGrpSpPr>
+        <p:grpSpPr>
+          <a:xfrm>
+            <a:off x="6961044" y="-158623"/>
+            <a:ext cx="3021156" cy="6000623"/>
+            <a:chOff x="6961044" y="-158623"/>
+            <a:chExt cx="3021156" cy="6000623"/>
+          </a:xfrm>
+        </p:grpSpPr>
+        <p:pic>
+          <p:nvPicPr>
+            <p:cNvPr id="4" name="Picture 3">
+              <a:extLst>
+                <a:ext uri="{FF2B5EF4-FFF2-40B4-BE49-F238E27FC236}">
+                  <a16:creationId xmlns:a16="http://schemas.microsoft.com/office/drawing/2014/main" id="{BEFBEFB1-F83E-49A4-AEA5-C08453FC67CA}"/>
+                </a:ext>
+              </a:extLst>
+            </p:cNvPr>
+            <p:cNvPicPr>
+              <a:picLocks noChangeAspect="1"/>
+            </p:cNvPicPr>
+            <p:nvPr/>
+          </p:nvPicPr>
+          <p:blipFill rotWithShape="1">
+            <a:blip r:embed="rId2">
+              <a:extLst>
+                <a:ext uri="{28A0092B-C50C-407E-A947-70E740481C1C}">
+                  <a14:useLocalDpi xmlns:a14="http://schemas.microsoft.com/office/drawing/2010/main" val="0"/>
+                </a:ext>
+              </a:extLst>
+            </a:blip>
+            <a:srcRect b="17988"/>
+            <a:stretch/>
+          </p:blipFill>
+          <p:spPr>
+            <a:xfrm>
+              <a:off x="6961044" y="-158623"/>
+              <a:ext cx="3021156" cy="5884509"/>
+            </a:xfrm>
+            <a:prstGeom prst="rect">
+              <a:avLst/>
+            </a:prstGeom>
+          </p:spPr>
+        </p:pic>
+        <p:sp>
+          <p:nvSpPr>
+            <p:cNvPr id="2" name="Rectangle 1">
+              <a:extLst>
+                <a:ext uri="{FF2B5EF4-FFF2-40B4-BE49-F238E27FC236}">
+                  <a16:creationId xmlns:a16="http://schemas.microsoft.com/office/drawing/2014/main" id="{B0D88089-6C15-4CDC-8D8D-CE6A3D76AF57}"/>
+                </a:ext>
+              </a:extLst>
+            </p:cNvPr>
+            <p:cNvSpPr/>
+            <p:nvPr/>
+          </p:nvSpPr>
+          <p:spPr>
+            <a:xfrm>
+              <a:off x="8462433" y="5621867"/>
+              <a:ext cx="220134" cy="220133"/>
+            </a:xfrm>
+            <a:prstGeom prst="rect">
+              <a:avLst/>
+            </a:prstGeom>
+            <a:solidFill>
+              <a:schemeClr val="bg1"/>
+            </a:solidFill>
+            <a:ln>
+              <a:solidFill>
+                <a:schemeClr val="bg1"/>
+              </a:solidFill>
+            </a:ln>
+          </p:spPr>
+          <p:style>
+            <a:lnRef idx="2">
+              <a:schemeClr val="accent1">
+                <a:shade val="50000"/>
+              </a:schemeClr>
+            </a:lnRef>
+            <a:fillRef idx="1">
+              <a:schemeClr val="accent1"/>
+            </a:fillRef>
+            <a:effectRef idx="0">
+              <a:schemeClr val="accent1"/>
+            </a:effectRef>
+            <a:fontRef idx="minor">
+              <a:schemeClr val="lt1"/>
+            </a:fontRef>
+          </p:style>
+          <p:txBody>
+            <a:bodyPr rtlCol="0" anchor="ctr"/>
+            <a:lstStyle/>
+            <a:p>
+              <a:pPr algn="ctr"/>
+              <a:endParaRPr lang="en-US"/>
+            </a:p>
+          </p:txBody>
+        </p:sp>
+      </p:grpSp>
+      <p:sp>
+        <p:nvSpPr>
+          <p:cNvPr id="6" name="Text Placeholder 2">
+            <a:extLst>
+              <a:ext uri="{FF2B5EF4-FFF2-40B4-BE49-F238E27FC236}">
+                <a16:creationId xmlns:a16="http://schemas.microsoft.com/office/drawing/2014/main" id="{B79EAFB6-9BAE-4FFF-8AF5-67540559092D}"/>
+              </a:ext>
+            </a:extLst>
+          </p:cNvPr>
+          <p:cNvSpPr txBox="1">
+            <a:spLocks/>
+          </p:cNvSpPr>
+          <p:nvPr/>
+        </p:nvSpPr>
+        <p:spPr>
+          <a:xfrm>
+            <a:off x="1317171" y="2235087"/>
+            <a:ext cx="5562600" cy="2184513"/>
+          </a:xfrm>
+          <a:prstGeom prst="rect">
+            <a:avLst/>
+          </a:prstGeom>
+        </p:spPr>
+        <p:txBody>
+          <a:bodyPr anchor="ctr"/>
+          <a:lstStyle>
+            <a:lvl1pPr marL="228600" indent="-228600" algn="l" defTabSz="914400" rtl="0" eaLnBrk="1" latinLnBrk="0" hangingPunct="1">
+              <a:lnSpc>
+                <a:spcPct val="90000"/>
+              </a:lnSpc>
+              <a:spcBef>
+                <a:spcPts val="1000"/>
+              </a:spcBef>
+              <a:buFont typeface="Arial" panose="020B0604020202020204" pitchFamily="34" charset="0"/>
+              <a:buChar char="•"/>
+              <a:defRPr sz="2800" kern="1200">
+                <a:solidFill>
+                  <a:schemeClr val="tx1"/>
+                </a:solidFill>
+                <a:latin typeface="Ubuntu" panose="020B0504030602030204" pitchFamily="34" charset="0"/>
+                <a:ea typeface="+mn-ea"/>
+                <a:cs typeface="Arial" panose="020B0604020202020204" pitchFamily="34" charset="0"/>
+              </a:defRPr>
+            </a:lvl1pPr>
+            <a:lvl2pPr marL="685800" indent="-228600" algn="l" defTabSz="914400" rtl="0" eaLnBrk="1" latinLnBrk="0" hangingPunct="1">
+              <a:lnSpc>
+                <a:spcPct val="90000"/>
+              </a:lnSpc>
+              <a:spcBef>
+                <a:spcPts val="500"/>
+              </a:spcBef>
+              <a:buFont typeface="Arial" panose="020B0604020202020204" pitchFamily="34" charset="0"/>
+              <a:buChar char="•"/>
+              <a:defRPr sz="2400" kern="1200">
+                <a:solidFill>
+                  <a:schemeClr val="tx1"/>
+                </a:solidFill>
+                <a:latin typeface="Ubuntu" panose="020B0504030602030204" pitchFamily="34" charset="0"/>
+                <a:ea typeface="+mn-ea"/>
+                <a:cs typeface="Arial" panose="020B0604020202020204" pitchFamily="34" charset="0"/>
+              </a:defRPr>
+            </a:lvl2pPr>
+            <a:lvl3pPr marL="1143000" indent="-228600" algn="l" defTabSz="914400" rtl="0" eaLnBrk="1" latinLnBrk="0" hangingPunct="1">
+              <a:lnSpc>
+                <a:spcPct val="90000"/>
+              </a:lnSpc>
+              <a:spcBef>
+                <a:spcPts val="500"/>
+              </a:spcBef>
+              <a:buFont typeface="Arial" panose="020B0604020202020204" pitchFamily="34" charset="0"/>
+              <a:buChar char="•"/>
+              <a:defRPr sz="2000" kern="1200">
+                <a:solidFill>
+                  <a:schemeClr val="tx1"/>
+                </a:solidFill>
+                <a:latin typeface="Ubuntu" panose="020B0504030602030204" pitchFamily="34" charset="0"/>
+                <a:ea typeface="+mn-ea"/>
+                <a:cs typeface="Arial" panose="020B0604020202020204" pitchFamily="34" charset="0"/>
+              </a:defRPr>
+            </a:lvl3pPr>
+            <a:lvl4pPr marL="1600200" indent="-228600" algn="l" defTabSz="914400" rtl="0" eaLnBrk="1" latinLnBrk="0" hangingPunct="1">
+              <a:lnSpc>
+                <a:spcPct val="90000"/>
+              </a:lnSpc>
+              <a:spcBef>
+                <a:spcPts val="500"/>
+              </a:spcBef>
+              <a:buFont typeface="Arial" panose="020B0604020202020204" pitchFamily="34" charset="0"/>
+              <a:buChar char="•"/>
+              <a:defRPr sz="1800" kern="1200">
+                <a:solidFill>
+                  <a:schemeClr val="tx1"/>
+                </a:solidFill>
+                <a:latin typeface="Ubuntu" panose="020B0504030602030204" pitchFamily="34" charset="0"/>
+                <a:ea typeface="+mn-ea"/>
+                <a:cs typeface="Arial" panose="020B0604020202020204" pitchFamily="34" charset="0"/>
+              </a:defRPr>
+            </a:lvl4pPr>
+            <a:lvl5pPr marL="2057400" indent="-228600" algn="l" defTabSz="914400" rtl="0" eaLnBrk="1" latinLnBrk="0" hangingPunct="1">
+              <a:lnSpc>
+                <a:spcPct val="90000"/>
+              </a:lnSpc>
+              <a:spcBef>
+                <a:spcPts val="500"/>
+              </a:spcBef>
+              <a:buFont typeface="Arial" panose="020B0604020202020204" pitchFamily="34" charset="0"/>
+              <a:buChar char="•"/>
+              <a:defRPr sz="1800" kern="1200">
+                <a:solidFill>
+                  <a:schemeClr val="tx1"/>
+                </a:solidFill>
+                <a:latin typeface="Ubuntu" panose="020B0504030602030204" pitchFamily="34" charset="0"/>
+                <a:ea typeface="+mn-ea"/>
+                <a:cs typeface="Arial" panose="020B0604020202020204" pitchFamily="34" charset="0"/>
+              </a:defRPr>
+            </a:lvl5pPr>
+            <a:lvl6pPr marL="2514600" indent="-228600" algn="l" defTabSz="914400" rtl="0" eaLnBrk="1" latinLnBrk="0" hangingPunct="1">
+              <a:lnSpc>
+                <a:spcPct val="90000"/>
+              </a:lnSpc>
+              <a:spcBef>
+                <a:spcPts val="500"/>
+              </a:spcBef>
+              <a:buFont typeface="Arial" panose="020B0604020202020204" pitchFamily="34" charset="0"/>
+              <a:buChar char="•"/>
+              <a:defRPr sz="1800" kern="1200">
+                <a:solidFill>
+                  <a:schemeClr val="tx1"/>
+                </a:solidFill>
+                <a:latin typeface="+mn-lt"/>
+                <a:ea typeface="+mn-ea"/>
+                <a:cs typeface="+mn-cs"/>
+              </a:defRPr>
+            </a:lvl6pPr>
+            <a:lvl7pPr marL="2971800" indent="-228600" algn="l" defTabSz="914400" rtl="0" eaLnBrk="1" latinLnBrk="0" hangingPunct="1">
+              <a:lnSpc>
+                <a:spcPct val="90000"/>
+              </a:lnSpc>
+              <a:spcBef>
+                <a:spcPts val="500"/>
+              </a:spcBef>
+              <a:buFont typeface="Arial" panose="020B0604020202020204" pitchFamily="34" charset="0"/>
+              <a:buChar char="•"/>
+              <a:defRPr sz="1800" kern="1200">
+                <a:solidFill>
+                  <a:schemeClr val="tx1"/>
+                </a:solidFill>
+                <a:latin typeface="+mn-lt"/>
+                <a:ea typeface="+mn-ea"/>
+                <a:cs typeface="+mn-cs"/>
+              </a:defRPr>
+            </a:lvl7pPr>
+            <a:lvl8pPr marL="3429000" indent="-228600" algn="l" defTabSz="914400" rtl="0" eaLnBrk="1" latinLnBrk="0" hangingPunct="1">
+              <a:lnSpc>
+                <a:spcPct val="90000"/>
+              </a:lnSpc>
+              <a:spcBef>
+                <a:spcPts val="500"/>
+              </a:spcBef>
+              <a:buFont typeface="Arial" panose="020B0604020202020204" pitchFamily="34" charset="0"/>
+              <a:buChar char="•"/>
+              <a:defRPr sz="1800" kern="1200">
+                <a:solidFill>
+                  <a:schemeClr val="tx1"/>
+                </a:solidFill>
+                <a:latin typeface="+mn-lt"/>
+                <a:ea typeface="+mn-ea"/>
+                <a:cs typeface="+mn-cs"/>
+              </a:defRPr>
+            </a:lvl8pPr>
+            <a:lvl9pPr marL="3886200" indent="-228600" algn="l" defTabSz="914400" rtl="0" eaLnBrk="1" latinLnBrk="0" hangingPunct="1">
+              <a:lnSpc>
+                <a:spcPct val="90000"/>
+              </a:lnSpc>
+              <a:spcBef>
+                <a:spcPts val="500"/>
+              </a:spcBef>
+              <a:buFont typeface="Arial" panose="020B0604020202020204" pitchFamily="34" charset="0"/>
+              <a:buChar char="•"/>
+              <a:defRPr sz="1800" kern="1200">
+                <a:solidFill>
+                  <a:schemeClr val="tx1"/>
+                </a:solidFill>
+                <a:latin typeface="+mn-lt"/>
+                <a:ea typeface="+mn-ea"/>
+                <a:cs typeface="+mn-cs"/>
+              </a:defRPr>
+            </a:lvl9pPr>
+          </a:lstStyle>
+          <a:p>
+            <a:pPr marL="0" indent="0">
+              <a:buFont typeface="Arial" panose="020B0604020202020204" pitchFamily="34" charset="0"/>
+              <a:buNone/>
+            </a:pPr>
+            <a:r>
+              <a:rPr lang="es-MX" dirty="0"/>
+              <a:t>Imprimimos el resultado del cálculo con un </a:t>
+            </a:r>
+            <a:r>
+              <a:rPr lang="es-MX" b="1" dirty="0">
+                <a:solidFill>
+                  <a:schemeClr val="accent2"/>
+                </a:solidFill>
+              </a:rPr>
+              <a:t>bloque de salida</a:t>
+            </a:r>
+            <a:r>
+              <a:rPr lang="es-MX" dirty="0"/>
+              <a:t>.</a:t>
+            </a:r>
+            <a:endParaRPr lang="en-US" b="1" dirty="0">
+              <a:solidFill>
+                <a:schemeClr val="accent2"/>
+              </a:solidFill>
+            </a:endParaRPr>
+          </a:p>
+        </p:txBody>
+      </p:sp>
+    </p:spTree>
+    <p:extLst>
+      <p:ext uri="{BB962C8B-B14F-4D97-AF65-F5344CB8AC3E}">
+        <p14:creationId xmlns:p14="http://schemas.microsoft.com/office/powerpoint/2010/main" val="724671813"/>
+      </p:ext>
+    </p:extLst>
+  </p:cSld>
+  <p:clrMapOvr>
+    <a:masterClrMapping/>
+  </p:clrMapOvr>
+</p:sld>
+</file>
+
+<file path=ppt/slides/slide31.xml><?xml version="1.0" encoding="utf-8"?>
+<p:sld xmlns:a="http://schemas.openxmlformats.org/drawingml/2006/main" xmlns:r="http://schemas.openxmlformats.org/officeDocument/2006/relationships" xmlns:p="http://schemas.openxmlformats.org/presentationml/2006/main">
+  <p:cSld>
+    <p:spTree>
+      <p:nvGrpSpPr>
+        <p:cNvPr id="1" name=""/>
+        <p:cNvGrpSpPr/>
+        <p:nvPr/>
+      </p:nvGrpSpPr>
+      <p:grpSpPr>
+        <a:xfrm>
+          <a:off x="0" y="0"/>
+          <a:ext cx="0" cy="0"/>
+          <a:chOff x="0" y="0"/>
+          <a:chExt cx="0" cy="0"/>
+        </a:xfrm>
+      </p:grpSpPr>
+      <p:pic>
+        <p:nvPicPr>
+          <p:cNvPr id="4" name="Picture 3">
+            <a:extLst>
+              <a:ext uri="{FF2B5EF4-FFF2-40B4-BE49-F238E27FC236}">
+                <a16:creationId xmlns:a16="http://schemas.microsoft.com/office/drawing/2014/main" id="{BEFBEFB1-F83E-49A4-AEA5-C08453FC67CA}"/>
+              </a:ext>
+            </a:extLst>
+          </p:cNvPr>
+          <p:cNvPicPr>
+            <a:picLocks noChangeAspect="1"/>
+          </p:cNvPicPr>
+          <p:nvPr/>
+        </p:nvPicPr>
+        <p:blipFill rotWithShape="1">
+          <a:blip r:embed="rId2">
+            <a:extLst>
+              <a:ext uri="{28A0092B-C50C-407E-A947-70E740481C1C}">
+                <a14:useLocalDpi xmlns:a14="http://schemas.microsoft.com/office/drawing/2010/main" val="0"/>
+              </a:ext>
+            </a:extLst>
+          </a:blip>
+          <a:srcRect b="4941"/>
+          <a:stretch/>
+        </p:blipFill>
+        <p:spPr>
+          <a:xfrm>
+            <a:off x="6961044" y="-158623"/>
+            <a:ext cx="3021156" cy="6820680"/>
+          </a:xfrm>
+          <a:prstGeom prst="rect">
+            <a:avLst/>
+          </a:prstGeom>
+        </p:spPr>
+      </p:pic>
+      <p:sp>
+        <p:nvSpPr>
+          <p:cNvPr id="5" name="Text Placeholder 2">
+            <a:extLst>
+              <a:ext uri="{FF2B5EF4-FFF2-40B4-BE49-F238E27FC236}">
+                <a16:creationId xmlns:a16="http://schemas.microsoft.com/office/drawing/2014/main" id="{8D0529C9-0349-4B77-839C-C04B65CA29BB}"/>
+              </a:ext>
+            </a:extLst>
+          </p:cNvPr>
+          <p:cNvSpPr txBox="1">
+            <a:spLocks/>
+          </p:cNvSpPr>
+          <p:nvPr/>
+        </p:nvSpPr>
+        <p:spPr>
+          <a:xfrm>
+            <a:off x="1099457" y="719138"/>
+            <a:ext cx="4746171" cy="5230812"/>
+          </a:xfrm>
+          <a:prstGeom prst="rect">
+            <a:avLst/>
+          </a:prstGeom>
+        </p:spPr>
+        <p:txBody>
+          <a:bodyPr/>
+          <a:lstStyle>
+            <a:lvl1pPr marL="228600" indent="-228600" algn="l" defTabSz="914400" rtl="0" eaLnBrk="1" latinLnBrk="0" hangingPunct="1">
+              <a:lnSpc>
+                <a:spcPct val="90000"/>
+              </a:lnSpc>
+              <a:spcBef>
+                <a:spcPts val="1000"/>
+              </a:spcBef>
+              <a:buFont typeface="Arial" panose="020B0604020202020204" pitchFamily="34" charset="0"/>
+              <a:buChar char="•"/>
+              <a:defRPr sz="2800" kern="1200">
+                <a:solidFill>
+                  <a:schemeClr val="tx1"/>
+                </a:solidFill>
+                <a:latin typeface="Ubuntu" panose="020B0504030602030204" pitchFamily="34" charset="0"/>
+                <a:ea typeface="+mn-ea"/>
+                <a:cs typeface="Arial" panose="020B0604020202020204" pitchFamily="34" charset="0"/>
+              </a:defRPr>
+            </a:lvl1pPr>
+            <a:lvl2pPr marL="685800" indent="-228600" algn="l" defTabSz="914400" rtl="0" eaLnBrk="1" latinLnBrk="0" hangingPunct="1">
+              <a:lnSpc>
+                <a:spcPct val="90000"/>
+              </a:lnSpc>
+              <a:spcBef>
+                <a:spcPts val="500"/>
+              </a:spcBef>
+              <a:buFont typeface="Arial" panose="020B0604020202020204" pitchFamily="34" charset="0"/>
+              <a:buChar char="•"/>
+              <a:defRPr sz="2400" kern="1200">
+                <a:solidFill>
+                  <a:schemeClr val="tx1"/>
+                </a:solidFill>
+                <a:latin typeface="Ubuntu" panose="020B0504030602030204" pitchFamily="34" charset="0"/>
+                <a:ea typeface="+mn-ea"/>
+                <a:cs typeface="Arial" panose="020B0604020202020204" pitchFamily="34" charset="0"/>
+              </a:defRPr>
+            </a:lvl2pPr>
+            <a:lvl3pPr marL="1143000" indent="-228600" algn="l" defTabSz="914400" rtl="0" eaLnBrk="1" latinLnBrk="0" hangingPunct="1">
+              <a:lnSpc>
+                <a:spcPct val="90000"/>
+              </a:lnSpc>
+              <a:spcBef>
+                <a:spcPts val="500"/>
+              </a:spcBef>
+              <a:buFont typeface="Arial" panose="020B0604020202020204" pitchFamily="34" charset="0"/>
+              <a:buChar char="•"/>
+              <a:defRPr sz="2000" kern="1200">
+                <a:solidFill>
+                  <a:schemeClr val="tx1"/>
+                </a:solidFill>
+                <a:latin typeface="Ubuntu" panose="020B0504030602030204" pitchFamily="34" charset="0"/>
+                <a:ea typeface="+mn-ea"/>
+                <a:cs typeface="Arial" panose="020B0604020202020204" pitchFamily="34" charset="0"/>
+              </a:defRPr>
+            </a:lvl3pPr>
+            <a:lvl4pPr marL="1600200" indent="-228600" algn="l" defTabSz="914400" rtl="0" eaLnBrk="1" latinLnBrk="0" hangingPunct="1">
+              <a:lnSpc>
+                <a:spcPct val="90000"/>
+              </a:lnSpc>
+              <a:spcBef>
+                <a:spcPts val="500"/>
+              </a:spcBef>
+              <a:buFont typeface="Arial" panose="020B0604020202020204" pitchFamily="34" charset="0"/>
+              <a:buChar char="•"/>
+              <a:defRPr sz="1800" kern="1200">
+                <a:solidFill>
+                  <a:schemeClr val="tx1"/>
+                </a:solidFill>
+                <a:latin typeface="Ubuntu" panose="020B0504030602030204" pitchFamily="34" charset="0"/>
+                <a:ea typeface="+mn-ea"/>
+                <a:cs typeface="Arial" panose="020B0604020202020204" pitchFamily="34" charset="0"/>
+              </a:defRPr>
+            </a:lvl4pPr>
+            <a:lvl5pPr marL="2057400" indent="-228600" algn="l" defTabSz="914400" rtl="0" eaLnBrk="1" latinLnBrk="0" hangingPunct="1">
+              <a:lnSpc>
+                <a:spcPct val="90000"/>
+              </a:lnSpc>
+              <a:spcBef>
+                <a:spcPts val="500"/>
+              </a:spcBef>
+              <a:buFont typeface="Arial" panose="020B0604020202020204" pitchFamily="34" charset="0"/>
+              <a:buChar char="•"/>
+              <a:defRPr sz="1800" kern="1200">
+                <a:solidFill>
+                  <a:schemeClr val="tx1"/>
+                </a:solidFill>
+                <a:latin typeface="Ubuntu" panose="020B0504030602030204" pitchFamily="34" charset="0"/>
+                <a:ea typeface="+mn-ea"/>
+                <a:cs typeface="Arial" panose="020B0604020202020204" pitchFamily="34" charset="0"/>
+              </a:defRPr>
+            </a:lvl5pPr>
+            <a:lvl6pPr marL="2514600" indent="-228600" algn="l" defTabSz="914400" rtl="0" eaLnBrk="1" latinLnBrk="0" hangingPunct="1">
+              <a:lnSpc>
+                <a:spcPct val="90000"/>
+              </a:lnSpc>
+              <a:spcBef>
+                <a:spcPts val="500"/>
+              </a:spcBef>
+              <a:buFont typeface="Arial" panose="020B0604020202020204" pitchFamily="34" charset="0"/>
+              <a:buChar char="•"/>
+              <a:defRPr sz="1800" kern="1200">
+                <a:solidFill>
+                  <a:schemeClr val="tx1"/>
+                </a:solidFill>
+                <a:latin typeface="+mn-lt"/>
+                <a:ea typeface="+mn-ea"/>
+                <a:cs typeface="+mn-cs"/>
+              </a:defRPr>
+            </a:lvl6pPr>
+            <a:lvl7pPr marL="2971800" indent="-228600" algn="l" defTabSz="914400" rtl="0" eaLnBrk="1" latinLnBrk="0" hangingPunct="1">
+              <a:lnSpc>
+                <a:spcPct val="90000"/>
+              </a:lnSpc>
+              <a:spcBef>
+                <a:spcPts val="500"/>
+              </a:spcBef>
+              <a:buFont typeface="Arial" panose="020B0604020202020204" pitchFamily="34" charset="0"/>
+              <a:buChar char="•"/>
+              <a:defRPr sz="1800" kern="1200">
+                <a:solidFill>
+                  <a:schemeClr val="tx1"/>
+                </a:solidFill>
+                <a:latin typeface="+mn-lt"/>
+                <a:ea typeface="+mn-ea"/>
+                <a:cs typeface="+mn-cs"/>
+              </a:defRPr>
+            </a:lvl7pPr>
+            <a:lvl8pPr marL="3429000" indent="-228600" algn="l" defTabSz="914400" rtl="0" eaLnBrk="1" latinLnBrk="0" hangingPunct="1">
+              <a:lnSpc>
+                <a:spcPct val="90000"/>
+              </a:lnSpc>
+              <a:spcBef>
+                <a:spcPts val="500"/>
+              </a:spcBef>
+              <a:buFont typeface="Arial" panose="020B0604020202020204" pitchFamily="34" charset="0"/>
+              <a:buChar char="•"/>
+              <a:defRPr sz="1800" kern="1200">
+                <a:solidFill>
+                  <a:schemeClr val="tx1"/>
+                </a:solidFill>
+                <a:latin typeface="+mn-lt"/>
+                <a:ea typeface="+mn-ea"/>
+                <a:cs typeface="+mn-cs"/>
+              </a:defRPr>
+            </a:lvl8pPr>
+            <a:lvl9pPr marL="3886200" indent="-228600" algn="l" defTabSz="914400" rtl="0" eaLnBrk="1" latinLnBrk="0" hangingPunct="1">
+              <a:lnSpc>
+                <a:spcPct val="90000"/>
+              </a:lnSpc>
+              <a:spcBef>
+                <a:spcPts val="500"/>
+              </a:spcBef>
+              <a:buFont typeface="Arial" panose="020B0604020202020204" pitchFamily="34" charset="0"/>
+              <a:buChar char="•"/>
+              <a:defRPr sz="1800" kern="1200">
+                <a:solidFill>
+                  <a:schemeClr val="tx1"/>
+                </a:solidFill>
+                <a:latin typeface="+mn-lt"/>
+                <a:ea typeface="+mn-ea"/>
+                <a:cs typeface="+mn-cs"/>
+              </a:defRPr>
+            </a:lvl9pPr>
+          </a:lstStyle>
+          <a:p>
+            <a:pPr marL="0" indent="0">
+              <a:buFont typeface="Arial" panose="020B0604020202020204" pitchFamily="34" charset="0"/>
+              <a:buNone/>
+            </a:pPr>
+            <a:endParaRPr lang="en-US" b="1" dirty="0">
+              <a:solidFill>
+                <a:schemeClr val="accent1"/>
+              </a:solidFill>
+            </a:endParaRPr>
+          </a:p>
+        </p:txBody>
+      </p:sp>
+      <p:sp>
+        <p:nvSpPr>
+          <p:cNvPr id="6" name="Text Placeholder 2">
+            <a:extLst>
+              <a:ext uri="{FF2B5EF4-FFF2-40B4-BE49-F238E27FC236}">
+                <a16:creationId xmlns:a16="http://schemas.microsoft.com/office/drawing/2014/main" id="{2FF825E2-1991-42F9-83CB-2E00745C8502}"/>
+              </a:ext>
+            </a:extLst>
+          </p:cNvPr>
+          <p:cNvSpPr txBox="1">
+            <a:spLocks/>
+          </p:cNvSpPr>
+          <p:nvPr/>
+        </p:nvSpPr>
+        <p:spPr>
+          <a:xfrm>
+            <a:off x="1328057" y="908051"/>
+            <a:ext cx="4876799" cy="4545692"/>
+          </a:xfrm>
+          <a:prstGeom prst="rect">
+            <a:avLst/>
+          </a:prstGeom>
+        </p:spPr>
+        <p:txBody>
+          <a:bodyPr anchor="ctr"/>
+          <a:lstStyle>
+            <a:lvl1pPr marL="228600" indent="-228600" algn="l" defTabSz="914400" rtl="0" eaLnBrk="1" latinLnBrk="0" hangingPunct="1">
+              <a:lnSpc>
+                <a:spcPct val="90000"/>
+              </a:lnSpc>
+              <a:spcBef>
+                <a:spcPts val="1000"/>
+              </a:spcBef>
+              <a:buFont typeface="Arial" panose="020B0604020202020204" pitchFamily="34" charset="0"/>
+              <a:buChar char="•"/>
+              <a:defRPr sz="2800" kern="1200">
+                <a:solidFill>
+                  <a:schemeClr val="tx1"/>
+                </a:solidFill>
+                <a:latin typeface="Ubuntu" panose="020B0504030602030204" pitchFamily="34" charset="0"/>
+                <a:ea typeface="+mn-ea"/>
+                <a:cs typeface="Arial" panose="020B0604020202020204" pitchFamily="34" charset="0"/>
+              </a:defRPr>
+            </a:lvl1pPr>
+            <a:lvl2pPr marL="685800" indent="-228600" algn="l" defTabSz="914400" rtl="0" eaLnBrk="1" latinLnBrk="0" hangingPunct="1">
+              <a:lnSpc>
+                <a:spcPct val="90000"/>
+              </a:lnSpc>
+              <a:spcBef>
+                <a:spcPts val="500"/>
+              </a:spcBef>
+              <a:buFont typeface="Arial" panose="020B0604020202020204" pitchFamily="34" charset="0"/>
+              <a:buChar char="•"/>
+              <a:defRPr sz="2400" kern="1200">
+                <a:solidFill>
+                  <a:schemeClr val="tx1"/>
+                </a:solidFill>
+                <a:latin typeface="Ubuntu" panose="020B0504030602030204" pitchFamily="34" charset="0"/>
+                <a:ea typeface="+mn-ea"/>
+                <a:cs typeface="Arial" panose="020B0604020202020204" pitchFamily="34" charset="0"/>
+              </a:defRPr>
+            </a:lvl2pPr>
+            <a:lvl3pPr marL="1143000" indent="-228600" algn="l" defTabSz="914400" rtl="0" eaLnBrk="1" latinLnBrk="0" hangingPunct="1">
+              <a:lnSpc>
+                <a:spcPct val="90000"/>
+              </a:lnSpc>
+              <a:spcBef>
+                <a:spcPts val="500"/>
+              </a:spcBef>
+              <a:buFont typeface="Arial" panose="020B0604020202020204" pitchFamily="34" charset="0"/>
+              <a:buChar char="•"/>
+              <a:defRPr sz="2000" kern="1200">
+                <a:solidFill>
+                  <a:schemeClr val="tx1"/>
+                </a:solidFill>
+                <a:latin typeface="Ubuntu" panose="020B0504030602030204" pitchFamily="34" charset="0"/>
+                <a:ea typeface="+mn-ea"/>
+                <a:cs typeface="Arial" panose="020B0604020202020204" pitchFamily="34" charset="0"/>
+              </a:defRPr>
+            </a:lvl3pPr>
+            <a:lvl4pPr marL="1600200" indent="-228600" algn="l" defTabSz="914400" rtl="0" eaLnBrk="1" latinLnBrk="0" hangingPunct="1">
+              <a:lnSpc>
+                <a:spcPct val="90000"/>
+              </a:lnSpc>
+              <a:spcBef>
+                <a:spcPts val="500"/>
+              </a:spcBef>
+              <a:buFont typeface="Arial" panose="020B0604020202020204" pitchFamily="34" charset="0"/>
+              <a:buChar char="•"/>
+              <a:defRPr sz="1800" kern="1200">
+                <a:solidFill>
+                  <a:schemeClr val="tx1"/>
+                </a:solidFill>
+                <a:latin typeface="Ubuntu" panose="020B0504030602030204" pitchFamily="34" charset="0"/>
+                <a:ea typeface="+mn-ea"/>
+                <a:cs typeface="Arial" panose="020B0604020202020204" pitchFamily="34" charset="0"/>
+              </a:defRPr>
+            </a:lvl4pPr>
+            <a:lvl5pPr marL="2057400" indent="-228600" algn="l" defTabSz="914400" rtl="0" eaLnBrk="1" latinLnBrk="0" hangingPunct="1">
+              <a:lnSpc>
+                <a:spcPct val="90000"/>
+              </a:lnSpc>
+              <a:spcBef>
+                <a:spcPts val="500"/>
+              </a:spcBef>
+              <a:buFont typeface="Arial" panose="020B0604020202020204" pitchFamily="34" charset="0"/>
+              <a:buChar char="•"/>
+              <a:defRPr sz="1800" kern="1200">
+                <a:solidFill>
+                  <a:schemeClr val="tx1"/>
+                </a:solidFill>
+                <a:latin typeface="Ubuntu" panose="020B0504030602030204" pitchFamily="34" charset="0"/>
+                <a:ea typeface="+mn-ea"/>
+                <a:cs typeface="Arial" panose="020B0604020202020204" pitchFamily="34" charset="0"/>
+              </a:defRPr>
+            </a:lvl5pPr>
+            <a:lvl6pPr marL="2514600" indent="-228600" algn="l" defTabSz="914400" rtl="0" eaLnBrk="1" latinLnBrk="0" hangingPunct="1">
+              <a:lnSpc>
+                <a:spcPct val="90000"/>
+              </a:lnSpc>
+              <a:spcBef>
+                <a:spcPts val="500"/>
+              </a:spcBef>
+              <a:buFont typeface="Arial" panose="020B0604020202020204" pitchFamily="34" charset="0"/>
+              <a:buChar char="•"/>
+              <a:defRPr sz="1800" kern="1200">
+                <a:solidFill>
+                  <a:schemeClr val="tx1"/>
+                </a:solidFill>
+                <a:latin typeface="+mn-lt"/>
+                <a:ea typeface="+mn-ea"/>
+                <a:cs typeface="+mn-cs"/>
+              </a:defRPr>
+            </a:lvl6pPr>
+            <a:lvl7pPr marL="2971800" indent="-228600" algn="l" defTabSz="914400" rtl="0" eaLnBrk="1" latinLnBrk="0" hangingPunct="1">
+              <a:lnSpc>
+                <a:spcPct val="90000"/>
+              </a:lnSpc>
+              <a:spcBef>
+                <a:spcPts val="500"/>
+              </a:spcBef>
+              <a:buFont typeface="Arial" panose="020B0604020202020204" pitchFamily="34" charset="0"/>
+              <a:buChar char="•"/>
+              <a:defRPr sz="1800" kern="1200">
+                <a:solidFill>
+                  <a:schemeClr val="tx1"/>
+                </a:solidFill>
+                <a:latin typeface="+mn-lt"/>
+                <a:ea typeface="+mn-ea"/>
+                <a:cs typeface="+mn-cs"/>
+              </a:defRPr>
+            </a:lvl7pPr>
+            <a:lvl8pPr marL="3429000" indent="-228600" algn="l" defTabSz="914400" rtl="0" eaLnBrk="1" latinLnBrk="0" hangingPunct="1">
+              <a:lnSpc>
+                <a:spcPct val="90000"/>
+              </a:lnSpc>
+              <a:spcBef>
+                <a:spcPts val="500"/>
+              </a:spcBef>
+              <a:buFont typeface="Arial" panose="020B0604020202020204" pitchFamily="34" charset="0"/>
+              <a:buChar char="•"/>
+              <a:defRPr sz="1800" kern="1200">
+                <a:solidFill>
+                  <a:schemeClr val="tx1"/>
+                </a:solidFill>
+                <a:latin typeface="+mn-lt"/>
+                <a:ea typeface="+mn-ea"/>
+                <a:cs typeface="+mn-cs"/>
+              </a:defRPr>
+            </a:lvl8pPr>
+            <a:lvl9pPr marL="3886200" indent="-228600" algn="l" defTabSz="914400" rtl="0" eaLnBrk="1" latinLnBrk="0" hangingPunct="1">
+              <a:lnSpc>
+                <a:spcPct val="90000"/>
+              </a:lnSpc>
+              <a:spcBef>
+                <a:spcPts val="500"/>
+              </a:spcBef>
+              <a:buFont typeface="Arial" panose="020B0604020202020204" pitchFamily="34" charset="0"/>
+              <a:buChar char="•"/>
+              <a:defRPr sz="1800" kern="1200">
+                <a:solidFill>
+                  <a:schemeClr val="tx1"/>
+                </a:solidFill>
+                <a:latin typeface="+mn-lt"/>
+                <a:ea typeface="+mn-ea"/>
+                <a:cs typeface="+mn-cs"/>
+              </a:defRPr>
+            </a:lvl9pPr>
+          </a:lstStyle>
+          <a:p>
+            <a:pPr marL="0" indent="0">
+              <a:buFont typeface="Arial" panose="020B0604020202020204" pitchFamily="34" charset="0"/>
+              <a:buNone/>
+            </a:pPr>
+            <a:r>
+              <a:rPr lang="es-MX" dirty="0"/>
+              <a:t>Terminamos con un bloque de </a:t>
+            </a:r>
+            <a:r>
+              <a:rPr lang="es-MX" b="1" dirty="0">
+                <a:solidFill>
+                  <a:schemeClr val="accent2"/>
+                </a:solidFill>
+              </a:rPr>
+              <a:t>Fin</a:t>
+            </a:r>
+            <a:r>
+              <a:rPr lang="es-MX" dirty="0"/>
+              <a:t>.</a:t>
+            </a:r>
+            <a:endParaRPr lang="en-US" b="1" dirty="0">
+              <a:solidFill>
+                <a:schemeClr val="accent2"/>
+              </a:solidFill>
+            </a:endParaRPr>
+          </a:p>
+        </p:txBody>
+      </p:sp>
+    </p:spTree>
+    <p:extLst>
+      <p:ext uri="{BB962C8B-B14F-4D97-AF65-F5344CB8AC3E}">
+        <p14:creationId xmlns:p14="http://schemas.microsoft.com/office/powerpoint/2010/main" val="3547287325"/>
       </p:ext>
     </p:extLst>
   </p:cSld>

--- a/01 Presentacion/INFO1_MOD4-Algoritmos_y_Diagramas.pptx
+++ b/01 Presentacion/INFO1_MOD4-Algoritmos_y_Diagramas.pptx
@@ -1,6 +1,6 @@
 
 <file path=ppt/presentation.xml><?xml version="1.0" encoding="utf-8"?>
-<p:presentation xmlns:a="http://schemas.openxmlformats.org/drawingml/2006/main" xmlns:r="http://schemas.openxmlformats.org/officeDocument/2006/relationships" xmlns:p="http://schemas.openxmlformats.org/presentationml/2006/main" saveSubsetFonts="1">
+<p:presentation xmlns:a="http://schemas.openxmlformats.org/drawingml/2006/main" xmlns:r="http://schemas.openxmlformats.org/officeDocument/2006/relationships" xmlns:p="http://schemas.openxmlformats.org/presentationml/2006/main" embedTrueTypeFonts="1">
   <p:sldMasterIdLst>
     <p:sldMasterId id="2147483660" r:id="rId1"/>
   </p:sldMasterIdLst>
@@ -36,9 +36,24 @@
     <p:sldId id="284" r:id="rId30"/>
     <p:sldId id="285" r:id="rId31"/>
     <p:sldId id="286" r:id="rId32"/>
+    <p:sldId id="287" r:id="rId33"/>
+    <p:sldId id="288" r:id="rId34"/>
+    <p:sldId id="289" r:id="rId35"/>
+    <p:sldId id="290" r:id="rId36"/>
+    <p:sldId id="291" r:id="rId37"/>
+    <p:sldId id="292" r:id="rId38"/>
   </p:sldIdLst>
   <p:sldSz cx="12192000" cy="6858000"/>
   <p:notesSz cx="6858000" cy="9144000"/>
+  <p:embeddedFontLst>
+    <p:embeddedFont>
+      <p:font typeface="Ubuntu" panose="020B0504030602030204" pitchFamily="34" charset="0"/>
+      <p:regular r:id="rId39"/>
+      <p:bold r:id="rId40"/>
+      <p:italic r:id="rId41"/>
+      <p:boldItalic r:id="rId42"/>
+    </p:embeddedFont>
+  </p:embeddedFontLst>
   <p:defaultTextStyle>
     <a:defPPr>
       <a:defRPr lang="en-US"/>
@@ -307,7 +322,7 @@
             <a:fld id="{A8CFC892-7674-4263-9B21-5444F469832B}" type="datetimeFigureOut">
               <a:rPr lang="en-US" smtClean="0"/>
               <a:pPr/>
-              <a:t>9/19/2019</a:t>
+              <a:t>9/22/2019</a:t>
             </a:fld>
             <a:endParaRPr lang="en-US"/>
           </a:p>
@@ -730,7 +745,7 @@
   <p:clrMapOvr>
     <a:masterClrMapping/>
   </p:clrMapOvr>
-  <p:extLst mod="1">
+  <p:extLst>
     <p:ext uri="{DCECCB84-F9BA-43D5-87BE-67443E8EF086}">
       <p15:sldGuideLst xmlns:p15="http://schemas.microsoft.com/office/powerpoint/2012/main">
         <p15:guide id="1" orient="horz" pos="2160">
@@ -874,7 +889,7 @@
           <a:p>
             <a:fld id="{A8CFC892-7674-4263-9B21-5444F469832B}" type="datetimeFigureOut">
               <a:rPr lang="en-US" smtClean="0"/>
-              <a:t>9/19/2019</a:t>
+              <a:t>9/22/2019</a:t>
             </a:fld>
             <a:endParaRPr lang="en-US"/>
           </a:p>
@@ -1341,7 +1356,7 @@
             <a:fld id="{A8CFC892-7674-4263-9B21-5444F469832B}" type="datetimeFigureOut">
               <a:rPr lang="en-US" smtClean="0"/>
               <a:pPr/>
-              <a:t>9/19/2019</a:t>
+              <a:t>9/22/2019</a:t>
             </a:fld>
             <a:endParaRPr lang="en-US"/>
           </a:p>
@@ -5893,9 +5908,41 @@
               </a:rPr>
               <a:t>Sencillo de entender</a:t>
             </a:r>
+          </a:p>
+          <a:p>
+            <a:pPr marL="0" indent="0">
+              <a:buNone/>
+            </a:pPr>
             <a:endParaRPr lang="en-US" b="1" dirty="0">
               <a:solidFill>
                 <a:schemeClr val="accent1"/>
+              </a:solidFill>
+            </a:endParaRPr>
+          </a:p>
+          <a:p>
+            <a:pPr marL="0" indent="0">
+              <a:buNone/>
+            </a:pPr>
+            <a:r>
+              <a:rPr lang="es-MX" b="1" dirty="0">
+                <a:solidFill>
+                  <a:schemeClr val="accent2"/>
+                </a:solidFill>
+              </a:rPr>
+              <a:t>La dirección en la que se ejecuta el diagrama del flujo está indicado por el sentido de los conectores, a través de una flecha </a:t>
+            </a:r>
+            <a:r>
+              <a:rPr lang="es-MX" b="1" dirty="0">
+                <a:solidFill>
+                  <a:schemeClr val="accent2"/>
+                </a:solidFill>
+                <a:sym typeface="Wingdings" panose="05000000000000000000" pitchFamily="2" charset="2"/>
+              </a:rPr>
+              <a:t>.</a:t>
+            </a:r>
+            <a:endParaRPr lang="es-MX" b="1" dirty="0">
+              <a:solidFill>
+                <a:schemeClr val="accent2"/>
               </a:solidFill>
             </a:endParaRPr>
           </a:p>
@@ -6046,6 +6093,55 @@
                                           <p:spTgt spid="3">
                                             <p:txEl>
                                               <p:pRg st="3" end="3"/>
+                                            </p:txEl>
+                                          </p:spTgt>
+                                        </p:tgtEl>
+                                        <p:attrNameLst>
+                                          <p:attrName>style.visibility</p:attrName>
+                                        </p:attrNameLst>
+                                      </p:cBhvr>
+                                      <p:to>
+                                        <p:strVal val="visible"/>
+                                      </p:to>
+                                    </p:set>
+                                  </p:childTnLst>
+                                </p:cTn>
+                              </p:par>
+                            </p:childTnLst>
+                          </p:cTn>
+                        </p:par>
+                      </p:childTnLst>
+                    </p:cTn>
+                  </p:par>
+                  <p:par>
+                    <p:cTn id="15" fill="hold">
+                      <p:stCondLst>
+                        <p:cond delay="indefinite"/>
+                      </p:stCondLst>
+                      <p:childTnLst>
+                        <p:par>
+                          <p:cTn id="16" fill="hold">
+                            <p:stCondLst>
+                              <p:cond delay="0"/>
+                            </p:stCondLst>
+                            <p:childTnLst>
+                              <p:par>
+                                <p:cTn id="17" presetID="1" presetClass="entr" presetSubtype="0" fill="hold" nodeType="clickEffect">
+                                  <p:stCondLst>
+                                    <p:cond delay="0"/>
+                                  </p:stCondLst>
+                                  <p:childTnLst>
+                                    <p:set>
+                                      <p:cBhvr>
+                                        <p:cTn id="18" dur="1" fill="hold">
+                                          <p:stCondLst>
+                                            <p:cond delay="0"/>
+                                          </p:stCondLst>
+                                        </p:cTn>
+                                        <p:tgtEl>
+                                          <p:spTgt spid="3">
+                                            <p:txEl>
+                                              <p:pRg st="5" end="5"/>
                                             </p:txEl>
                                           </p:spTgt>
                                         </p:tgtEl>
@@ -12737,6 +12833,2715 @@
 </p:sld>
 </file>
 
+<file path=ppt/slides/slide32.xml><?xml version="1.0" encoding="utf-8"?>
+<p:sld xmlns:a="http://schemas.openxmlformats.org/drawingml/2006/main" xmlns:r="http://schemas.openxmlformats.org/officeDocument/2006/relationships" xmlns:p="http://schemas.openxmlformats.org/presentationml/2006/main">
+  <p:cSld>
+    <p:spTree>
+      <p:nvGrpSpPr>
+        <p:cNvPr id="1" name=""/>
+        <p:cNvGrpSpPr/>
+        <p:nvPr/>
+      </p:nvGrpSpPr>
+      <p:grpSpPr>
+        <a:xfrm>
+          <a:off x="0" y="0"/>
+          <a:ext cx="0" cy="0"/>
+          <a:chOff x="0" y="0"/>
+          <a:chExt cx="0" cy="0"/>
+        </a:xfrm>
+      </p:grpSpPr>
+      <p:pic>
+        <p:nvPicPr>
+          <p:cNvPr id="4" name="Picture 3">
+            <a:extLst>
+              <a:ext uri="{FF2B5EF4-FFF2-40B4-BE49-F238E27FC236}">
+                <a16:creationId xmlns:a16="http://schemas.microsoft.com/office/drawing/2014/main" id="{BEFBEFB1-F83E-49A4-AEA5-C08453FC67CA}"/>
+              </a:ext>
+            </a:extLst>
+          </p:cNvPr>
+          <p:cNvPicPr>
+            <a:picLocks noChangeAspect="1"/>
+          </p:cNvPicPr>
+          <p:nvPr/>
+        </p:nvPicPr>
+        <p:blipFill rotWithShape="1">
+          <a:blip r:embed="rId2">
+            <a:extLst>
+              <a:ext uri="{28A0092B-C50C-407E-A947-70E740481C1C}">
+                <a14:useLocalDpi xmlns:a14="http://schemas.microsoft.com/office/drawing/2010/main" val="0"/>
+              </a:ext>
+            </a:extLst>
+          </a:blip>
+          <a:srcRect b="4941"/>
+          <a:stretch/>
+        </p:blipFill>
+        <p:spPr>
+          <a:xfrm>
+            <a:off x="1293215" y="-75796"/>
+            <a:ext cx="3021156" cy="6820680"/>
+          </a:xfrm>
+          <a:prstGeom prst="rect">
+            <a:avLst/>
+          </a:prstGeom>
+        </p:spPr>
+      </p:pic>
+      <p:sp>
+        <p:nvSpPr>
+          <p:cNvPr id="5" name="Text Placeholder 2">
+            <a:extLst>
+              <a:ext uri="{FF2B5EF4-FFF2-40B4-BE49-F238E27FC236}">
+                <a16:creationId xmlns:a16="http://schemas.microsoft.com/office/drawing/2014/main" id="{8D0529C9-0349-4B77-839C-C04B65CA29BB}"/>
+              </a:ext>
+            </a:extLst>
+          </p:cNvPr>
+          <p:cNvSpPr txBox="1">
+            <a:spLocks/>
+          </p:cNvSpPr>
+          <p:nvPr/>
+        </p:nvSpPr>
+        <p:spPr>
+          <a:xfrm>
+            <a:off x="1099457" y="719138"/>
+            <a:ext cx="4746171" cy="5230812"/>
+          </a:xfrm>
+          <a:prstGeom prst="rect">
+            <a:avLst/>
+          </a:prstGeom>
+        </p:spPr>
+        <p:txBody>
+          <a:bodyPr/>
+          <a:lstStyle>
+            <a:lvl1pPr marL="228600" indent="-228600" algn="l" defTabSz="914400" rtl="0" eaLnBrk="1" latinLnBrk="0" hangingPunct="1">
+              <a:lnSpc>
+                <a:spcPct val="90000"/>
+              </a:lnSpc>
+              <a:spcBef>
+                <a:spcPts val="1000"/>
+              </a:spcBef>
+              <a:buFont typeface="Arial" panose="020B0604020202020204" pitchFamily="34" charset="0"/>
+              <a:buChar char="•"/>
+              <a:defRPr sz="2800" kern="1200">
+                <a:solidFill>
+                  <a:schemeClr val="tx1"/>
+                </a:solidFill>
+                <a:latin typeface="Ubuntu" panose="020B0504030602030204" pitchFamily="34" charset="0"/>
+                <a:ea typeface="+mn-ea"/>
+                <a:cs typeface="Arial" panose="020B0604020202020204" pitchFamily="34" charset="0"/>
+              </a:defRPr>
+            </a:lvl1pPr>
+            <a:lvl2pPr marL="685800" indent="-228600" algn="l" defTabSz="914400" rtl="0" eaLnBrk="1" latinLnBrk="0" hangingPunct="1">
+              <a:lnSpc>
+                <a:spcPct val="90000"/>
+              </a:lnSpc>
+              <a:spcBef>
+                <a:spcPts val="500"/>
+              </a:spcBef>
+              <a:buFont typeface="Arial" panose="020B0604020202020204" pitchFamily="34" charset="0"/>
+              <a:buChar char="•"/>
+              <a:defRPr sz="2400" kern="1200">
+                <a:solidFill>
+                  <a:schemeClr val="tx1"/>
+                </a:solidFill>
+                <a:latin typeface="Ubuntu" panose="020B0504030602030204" pitchFamily="34" charset="0"/>
+                <a:ea typeface="+mn-ea"/>
+                <a:cs typeface="Arial" panose="020B0604020202020204" pitchFamily="34" charset="0"/>
+              </a:defRPr>
+            </a:lvl2pPr>
+            <a:lvl3pPr marL="1143000" indent="-228600" algn="l" defTabSz="914400" rtl="0" eaLnBrk="1" latinLnBrk="0" hangingPunct="1">
+              <a:lnSpc>
+                <a:spcPct val="90000"/>
+              </a:lnSpc>
+              <a:spcBef>
+                <a:spcPts val="500"/>
+              </a:spcBef>
+              <a:buFont typeface="Arial" panose="020B0604020202020204" pitchFamily="34" charset="0"/>
+              <a:buChar char="•"/>
+              <a:defRPr sz="2000" kern="1200">
+                <a:solidFill>
+                  <a:schemeClr val="tx1"/>
+                </a:solidFill>
+                <a:latin typeface="Ubuntu" panose="020B0504030602030204" pitchFamily="34" charset="0"/>
+                <a:ea typeface="+mn-ea"/>
+                <a:cs typeface="Arial" panose="020B0604020202020204" pitchFamily="34" charset="0"/>
+              </a:defRPr>
+            </a:lvl3pPr>
+            <a:lvl4pPr marL="1600200" indent="-228600" algn="l" defTabSz="914400" rtl="0" eaLnBrk="1" latinLnBrk="0" hangingPunct="1">
+              <a:lnSpc>
+                <a:spcPct val="90000"/>
+              </a:lnSpc>
+              <a:spcBef>
+                <a:spcPts val="500"/>
+              </a:spcBef>
+              <a:buFont typeface="Arial" panose="020B0604020202020204" pitchFamily="34" charset="0"/>
+              <a:buChar char="•"/>
+              <a:defRPr sz="1800" kern="1200">
+                <a:solidFill>
+                  <a:schemeClr val="tx1"/>
+                </a:solidFill>
+                <a:latin typeface="Ubuntu" panose="020B0504030602030204" pitchFamily="34" charset="0"/>
+                <a:ea typeface="+mn-ea"/>
+                <a:cs typeface="Arial" panose="020B0604020202020204" pitchFamily="34" charset="0"/>
+              </a:defRPr>
+            </a:lvl4pPr>
+            <a:lvl5pPr marL="2057400" indent="-228600" algn="l" defTabSz="914400" rtl="0" eaLnBrk="1" latinLnBrk="0" hangingPunct="1">
+              <a:lnSpc>
+                <a:spcPct val="90000"/>
+              </a:lnSpc>
+              <a:spcBef>
+                <a:spcPts val="500"/>
+              </a:spcBef>
+              <a:buFont typeface="Arial" panose="020B0604020202020204" pitchFamily="34" charset="0"/>
+              <a:buChar char="•"/>
+              <a:defRPr sz="1800" kern="1200">
+                <a:solidFill>
+                  <a:schemeClr val="tx1"/>
+                </a:solidFill>
+                <a:latin typeface="Ubuntu" panose="020B0504030602030204" pitchFamily="34" charset="0"/>
+                <a:ea typeface="+mn-ea"/>
+                <a:cs typeface="Arial" panose="020B0604020202020204" pitchFamily="34" charset="0"/>
+              </a:defRPr>
+            </a:lvl5pPr>
+            <a:lvl6pPr marL="2514600" indent="-228600" algn="l" defTabSz="914400" rtl="0" eaLnBrk="1" latinLnBrk="0" hangingPunct="1">
+              <a:lnSpc>
+                <a:spcPct val="90000"/>
+              </a:lnSpc>
+              <a:spcBef>
+                <a:spcPts val="500"/>
+              </a:spcBef>
+              <a:buFont typeface="Arial" panose="020B0604020202020204" pitchFamily="34" charset="0"/>
+              <a:buChar char="•"/>
+              <a:defRPr sz="1800" kern="1200">
+                <a:solidFill>
+                  <a:schemeClr val="tx1"/>
+                </a:solidFill>
+                <a:latin typeface="+mn-lt"/>
+                <a:ea typeface="+mn-ea"/>
+                <a:cs typeface="+mn-cs"/>
+              </a:defRPr>
+            </a:lvl6pPr>
+            <a:lvl7pPr marL="2971800" indent="-228600" algn="l" defTabSz="914400" rtl="0" eaLnBrk="1" latinLnBrk="0" hangingPunct="1">
+              <a:lnSpc>
+                <a:spcPct val="90000"/>
+              </a:lnSpc>
+              <a:spcBef>
+                <a:spcPts val="500"/>
+              </a:spcBef>
+              <a:buFont typeface="Arial" panose="020B0604020202020204" pitchFamily="34" charset="0"/>
+              <a:buChar char="•"/>
+              <a:defRPr sz="1800" kern="1200">
+                <a:solidFill>
+                  <a:schemeClr val="tx1"/>
+                </a:solidFill>
+                <a:latin typeface="+mn-lt"/>
+                <a:ea typeface="+mn-ea"/>
+                <a:cs typeface="+mn-cs"/>
+              </a:defRPr>
+            </a:lvl7pPr>
+            <a:lvl8pPr marL="3429000" indent="-228600" algn="l" defTabSz="914400" rtl="0" eaLnBrk="1" latinLnBrk="0" hangingPunct="1">
+              <a:lnSpc>
+                <a:spcPct val="90000"/>
+              </a:lnSpc>
+              <a:spcBef>
+                <a:spcPts val="500"/>
+              </a:spcBef>
+              <a:buFont typeface="Arial" panose="020B0604020202020204" pitchFamily="34" charset="0"/>
+              <a:buChar char="•"/>
+              <a:defRPr sz="1800" kern="1200">
+                <a:solidFill>
+                  <a:schemeClr val="tx1"/>
+                </a:solidFill>
+                <a:latin typeface="+mn-lt"/>
+                <a:ea typeface="+mn-ea"/>
+                <a:cs typeface="+mn-cs"/>
+              </a:defRPr>
+            </a:lvl8pPr>
+            <a:lvl9pPr marL="3886200" indent="-228600" algn="l" defTabSz="914400" rtl="0" eaLnBrk="1" latinLnBrk="0" hangingPunct="1">
+              <a:lnSpc>
+                <a:spcPct val="90000"/>
+              </a:lnSpc>
+              <a:spcBef>
+                <a:spcPts val="500"/>
+              </a:spcBef>
+              <a:buFont typeface="Arial" panose="020B0604020202020204" pitchFamily="34" charset="0"/>
+              <a:buChar char="•"/>
+              <a:defRPr sz="1800" kern="1200">
+                <a:solidFill>
+                  <a:schemeClr val="tx1"/>
+                </a:solidFill>
+                <a:latin typeface="+mn-lt"/>
+                <a:ea typeface="+mn-ea"/>
+                <a:cs typeface="+mn-cs"/>
+              </a:defRPr>
+            </a:lvl9pPr>
+          </a:lstStyle>
+          <a:p>
+            <a:pPr marL="0" indent="0">
+              <a:buFont typeface="Arial" panose="020B0604020202020204" pitchFamily="34" charset="0"/>
+              <a:buNone/>
+            </a:pPr>
+            <a:endParaRPr lang="en-US" b="1" dirty="0">
+              <a:solidFill>
+                <a:schemeClr val="accent1"/>
+              </a:solidFill>
+            </a:endParaRPr>
+          </a:p>
+        </p:txBody>
+      </p:sp>
+      <p:sp>
+        <p:nvSpPr>
+          <p:cNvPr id="11" name="TextBox 10">
+            <a:extLst>
+              <a:ext uri="{FF2B5EF4-FFF2-40B4-BE49-F238E27FC236}">
+                <a16:creationId xmlns:a16="http://schemas.microsoft.com/office/drawing/2014/main" id="{62A7FA52-8BB9-447A-BA37-D8AAA93EC821}"/>
+              </a:ext>
+            </a:extLst>
+          </p:cNvPr>
+          <p:cNvSpPr txBox="1"/>
+          <p:nvPr/>
+        </p:nvSpPr>
+        <p:spPr>
+          <a:xfrm>
+            <a:off x="6703277" y="1002832"/>
+            <a:ext cx="3016395" cy="923330"/>
+          </a:xfrm>
+          <a:prstGeom prst="rect">
+            <a:avLst/>
+          </a:prstGeom>
+          <a:noFill/>
+          <a:ln w="38100">
+            <a:solidFill>
+              <a:schemeClr val="accent2"/>
+            </a:solidFill>
+          </a:ln>
+        </p:spPr>
+        <p:txBody>
+          <a:bodyPr wrap="square" rtlCol="0">
+            <a:spAutoFit/>
+          </a:bodyPr>
+          <a:lstStyle/>
+          <a:p>
+            <a:pPr algn="ctr"/>
+            <a:r>
+              <a:rPr lang="en-US" b="1" dirty="0" err="1">
+                <a:solidFill>
+                  <a:schemeClr val="accent2"/>
+                </a:solidFill>
+              </a:rPr>
+              <a:t>Ingresamos</a:t>
+            </a:r>
+            <a:r>
+              <a:rPr lang="en-US" b="1" dirty="0">
+                <a:solidFill>
+                  <a:schemeClr val="accent2"/>
+                </a:solidFill>
+              </a:rPr>
+              <a:t> 40 horas </a:t>
+            </a:r>
+            <a:r>
+              <a:rPr lang="en-US" b="1" dirty="0" err="1">
+                <a:solidFill>
+                  <a:schemeClr val="accent2"/>
+                </a:solidFill>
+              </a:rPr>
+              <a:t>trabajadas</a:t>
+            </a:r>
+            <a:r>
+              <a:rPr lang="en-US" b="1" dirty="0">
+                <a:solidFill>
+                  <a:schemeClr val="accent2"/>
+                </a:solidFill>
+              </a:rPr>
+              <a:t> </a:t>
+            </a:r>
+            <a:r>
+              <a:rPr lang="en-US" b="1" dirty="0" err="1">
+                <a:solidFill>
+                  <a:schemeClr val="accent2"/>
+                </a:solidFill>
+              </a:rPr>
+              <a:t>en</a:t>
+            </a:r>
+            <a:r>
+              <a:rPr lang="en-US" b="1" dirty="0">
+                <a:solidFill>
+                  <a:schemeClr val="accent2"/>
+                </a:solidFill>
+              </a:rPr>
+              <a:t> la </a:t>
+            </a:r>
+            <a:r>
+              <a:rPr lang="en-US" b="1" dirty="0" err="1">
+                <a:solidFill>
+                  <a:schemeClr val="accent2"/>
+                </a:solidFill>
+              </a:rPr>
+              <a:t>semana</a:t>
+            </a:r>
+            <a:r>
+              <a:rPr lang="en-US" b="1" dirty="0">
+                <a:solidFill>
+                  <a:schemeClr val="accent2"/>
+                </a:solidFill>
+              </a:rPr>
+              <a:t> </a:t>
+            </a:r>
+            <a:r>
+              <a:rPr lang="en-US" b="1" dirty="0" err="1">
+                <a:solidFill>
+                  <a:schemeClr val="accent2"/>
+                </a:solidFill>
+              </a:rPr>
+              <a:t>utilizando</a:t>
+            </a:r>
+            <a:r>
+              <a:rPr lang="en-US" b="1" dirty="0">
+                <a:solidFill>
+                  <a:schemeClr val="accent2"/>
+                </a:solidFill>
+              </a:rPr>
+              <a:t> el </a:t>
+            </a:r>
+            <a:r>
+              <a:rPr lang="en-US" b="1" dirty="0" err="1">
+                <a:solidFill>
+                  <a:schemeClr val="accent2"/>
+                </a:solidFill>
+              </a:rPr>
+              <a:t>teclado</a:t>
+            </a:r>
+            <a:endParaRPr lang="en-US" b="1" dirty="0">
+              <a:solidFill>
+                <a:schemeClr val="accent2"/>
+              </a:solidFill>
+            </a:endParaRPr>
+          </a:p>
+        </p:txBody>
+      </p:sp>
+      <p:sp>
+        <p:nvSpPr>
+          <p:cNvPr id="13" name="TextBox 12">
+            <a:extLst>
+              <a:ext uri="{FF2B5EF4-FFF2-40B4-BE49-F238E27FC236}">
+                <a16:creationId xmlns:a16="http://schemas.microsoft.com/office/drawing/2014/main" id="{BD3983F4-2D6D-4A46-AA2D-2854D04334FB}"/>
+              </a:ext>
+            </a:extLst>
+          </p:cNvPr>
+          <p:cNvSpPr txBox="1"/>
+          <p:nvPr/>
+        </p:nvSpPr>
+        <p:spPr>
+          <a:xfrm>
+            <a:off x="6512616" y="2338659"/>
+            <a:ext cx="3397718" cy="646331"/>
+          </a:xfrm>
+          <a:prstGeom prst="rect">
+            <a:avLst/>
+          </a:prstGeom>
+          <a:noFill/>
+          <a:ln w="38100">
+            <a:solidFill>
+              <a:schemeClr val="accent2"/>
+            </a:solidFill>
+          </a:ln>
+        </p:spPr>
+        <p:txBody>
+          <a:bodyPr wrap="square" rtlCol="0">
+            <a:spAutoFit/>
+          </a:bodyPr>
+          <a:lstStyle/>
+          <a:p>
+            <a:pPr algn="ctr"/>
+            <a:r>
+              <a:rPr lang="en-US" b="1" dirty="0" err="1">
+                <a:solidFill>
+                  <a:schemeClr val="accent2"/>
+                </a:solidFill>
+              </a:rPr>
+              <a:t>Ingresamos</a:t>
+            </a:r>
+            <a:r>
+              <a:rPr lang="en-US" b="1" dirty="0">
+                <a:solidFill>
+                  <a:schemeClr val="accent2"/>
+                </a:solidFill>
+              </a:rPr>
+              <a:t> un </a:t>
+            </a:r>
+            <a:r>
+              <a:rPr lang="en-US" b="1" dirty="0" err="1">
+                <a:solidFill>
+                  <a:schemeClr val="accent2"/>
+                </a:solidFill>
+              </a:rPr>
+              <a:t>sueldo</a:t>
+            </a:r>
+            <a:r>
+              <a:rPr lang="en-US" b="1" dirty="0">
+                <a:solidFill>
+                  <a:schemeClr val="accent2"/>
+                </a:solidFill>
+              </a:rPr>
+              <a:t> de 150 </a:t>
+            </a:r>
+            <a:r>
+              <a:rPr lang="en-US" b="1" dirty="0" err="1">
+                <a:solidFill>
+                  <a:schemeClr val="accent2"/>
+                </a:solidFill>
+              </a:rPr>
+              <a:t>utilizando</a:t>
+            </a:r>
+            <a:r>
+              <a:rPr lang="en-US" b="1" dirty="0">
+                <a:solidFill>
+                  <a:schemeClr val="accent2"/>
+                </a:solidFill>
+              </a:rPr>
+              <a:t> el </a:t>
+            </a:r>
+            <a:r>
+              <a:rPr lang="en-US" b="1" dirty="0" err="1">
+                <a:solidFill>
+                  <a:schemeClr val="accent2"/>
+                </a:solidFill>
+              </a:rPr>
+              <a:t>teclado</a:t>
+            </a:r>
+            <a:endParaRPr lang="en-US" b="1" dirty="0">
+              <a:solidFill>
+                <a:schemeClr val="accent2"/>
+              </a:solidFill>
+            </a:endParaRPr>
+          </a:p>
+        </p:txBody>
+      </p:sp>
+      <p:sp>
+        <p:nvSpPr>
+          <p:cNvPr id="14" name="TextBox 13">
+            <a:extLst>
+              <a:ext uri="{FF2B5EF4-FFF2-40B4-BE49-F238E27FC236}">
+                <a16:creationId xmlns:a16="http://schemas.microsoft.com/office/drawing/2014/main" id="{32935FFB-CB8A-4A77-BCF2-2CA59E2DBEC0}"/>
+              </a:ext>
+            </a:extLst>
+          </p:cNvPr>
+          <p:cNvSpPr txBox="1"/>
+          <p:nvPr/>
+        </p:nvSpPr>
+        <p:spPr>
+          <a:xfrm>
+            <a:off x="6512616" y="3463850"/>
+            <a:ext cx="3911544" cy="646331"/>
+          </a:xfrm>
+          <a:prstGeom prst="rect">
+            <a:avLst/>
+          </a:prstGeom>
+          <a:noFill/>
+          <a:ln w="38100">
+            <a:solidFill>
+              <a:schemeClr val="accent2"/>
+            </a:solidFill>
+          </a:ln>
+        </p:spPr>
+        <p:txBody>
+          <a:bodyPr wrap="square" rtlCol="0">
+            <a:spAutoFit/>
+          </a:bodyPr>
+          <a:lstStyle/>
+          <a:p>
+            <a:pPr algn="ctr"/>
+            <a:r>
+              <a:rPr lang="en-US" b="1" dirty="0" err="1">
+                <a:solidFill>
+                  <a:schemeClr val="accent2"/>
+                </a:solidFill>
+              </a:rPr>
+              <a:t>Monto_a_pagar</a:t>
+            </a:r>
+            <a:r>
+              <a:rPr lang="en-US" b="1" dirty="0">
+                <a:solidFill>
+                  <a:schemeClr val="accent2"/>
+                </a:solidFill>
+              </a:rPr>
+              <a:t> = 40 x 150</a:t>
+            </a:r>
+          </a:p>
+          <a:p>
+            <a:pPr algn="ctr"/>
+            <a:r>
+              <a:rPr lang="en-US" b="1" dirty="0" err="1">
+                <a:solidFill>
+                  <a:schemeClr val="accent2"/>
+                </a:solidFill>
+              </a:rPr>
+              <a:t>Monto_a_pagar</a:t>
+            </a:r>
+            <a:r>
+              <a:rPr lang="en-US" b="1" dirty="0">
+                <a:solidFill>
+                  <a:schemeClr val="accent2"/>
+                </a:solidFill>
+              </a:rPr>
+              <a:t> = 600</a:t>
+            </a:r>
+          </a:p>
+        </p:txBody>
+      </p:sp>
+      <p:sp>
+        <p:nvSpPr>
+          <p:cNvPr id="15" name="TextBox 14">
+            <a:extLst>
+              <a:ext uri="{FF2B5EF4-FFF2-40B4-BE49-F238E27FC236}">
+                <a16:creationId xmlns:a16="http://schemas.microsoft.com/office/drawing/2014/main" id="{E9C3BA6A-8AF2-4ACD-9B48-D002371FCFCC}"/>
+              </a:ext>
+            </a:extLst>
+          </p:cNvPr>
+          <p:cNvSpPr txBox="1"/>
+          <p:nvPr/>
+        </p:nvSpPr>
+        <p:spPr>
+          <a:xfrm>
+            <a:off x="7157508" y="4796104"/>
+            <a:ext cx="2477380" cy="646331"/>
+          </a:xfrm>
+          <a:prstGeom prst="rect">
+            <a:avLst/>
+          </a:prstGeom>
+          <a:noFill/>
+          <a:ln w="38100">
+            <a:solidFill>
+              <a:schemeClr val="accent2"/>
+            </a:solidFill>
+          </a:ln>
+        </p:spPr>
+        <p:txBody>
+          <a:bodyPr wrap="square" rtlCol="0">
+            <a:spAutoFit/>
+          </a:bodyPr>
+          <a:lstStyle/>
+          <a:p>
+            <a:pPr algn="ctr"/>
+            <a:r>
+              <a:rPr lang="en-US" b="1" dirty="0" err="1">
+                <a:solidFill>
+                  <a:schemeClr val="accent2"/>
+                </a:solidFill>
+              </a:rPr>
+              <a:t>En</a:t>
+            </a:r>
+            <a:r>
+              <a:rPr lang="en-US" b="1" dirty="0">
+                <a:solidFill>
+                  <a:schemeClr val="accent2"/>
+                </a:solidFill>
+              </a:rPr>
+              <a:t> </a:t>
+            </a:r>
+            <a:r>
+              <a:rPr lang="en-US" b="1" dirty="0" err="1">
+                <a:solidFill>
+                  <a:schemeClr val="accent2"/>
+                </a:solidFill>
+              </a:rPr>
+              <a:t>consola</a:t>
+            </a:r>
+            <a:r>
+              <a:rPr lang="en-US" b="1" dirty="0">
+                <a:solidFill>
+                  <a:schemeClr val="accent2"/>
+                </a:solidFill>
+              </a:rPr>
+              <a:t> </a:t>
+            </a:r>
+            <a:r>
+              <a:rPr lang="en-US" b="1" dirty="0" err="1">
+                <a:solidFill>
+                  <a:schemeClr val="accent2"/>
+                </a:solidFill>
+              </a:rPr>
+              <a:t>aparece</a:t>
+            </a:r>
+            <a:r>
+              <a:rPr lang="en-US" b="1" dirty="0">
+                <a:solidFill>
+                  <a:schemeClr val="accent2"/>
+                </a:solidFill>
+              </a:rPr>
+              <a:t> 600</a:t>
+            </a:r>
+          </a:p>
+        </p:txBody>
+      </p:sp>
+      <p:sp>
+        <p:nvSpPr>
+          <p:cNvPr id="3" name="Rectangle 2">
+            <a:extLst>
+              <a:ext uri="{FF2B5EF4-FFF2-40B4-BE49-F238E27FC236}">
+                <a16:creationId xmlns:a16="http://schemas.microsoft.com/office/drawing/2014/main" id="{C6C190D7-2E65-481C-BD55-F03B3FA7D486}"/>
+              </a:ext>
+            </a:extLst>
+          </p:cNvPr>
+          <p:cNvSpPr/>
+          <p:nvPr/>
+        </p:nvSpPr>
+        <p:spPr>
+          <a:xfrm>
+            <a:off x="626228" y="882775"/>
+            <a:ext cx="3570973" cy="1163445"/>
+          </a:xfrm>
+          <a:prstGeom prst="rect">
+            <a:avLst/>
+          </a:prstGeom>
+          <a:solidFill>
+            <a:schemeClr val="bg1"/>
+          </a:solidFill>
+          <a:ln>
+            <a:noFill/>
+          </a:ln>
+        </p:spPr>
+        <p:style>
+          <a:lnRef idx="2">
+            <a:schemeClr val="accent1">
+              <a:shade val="50000"/>
+            </a:schemeClr>
+          </a:lnRef>
+          <a:fillRef idx="1">
+            <a:schemeClr val="accent1"/>
+          </a:fillRef>
+          <a:effectRef idx="0">
+            <a:schemeClr val="accent1"/>
+          </a:effectRef>
+          <a:fontRef idx="minor">
+            <a:schemeClr val="lt1"/>
+          </a:fontRef>
+        </p:style>
+        <p:txBody>
+          <a:bodyPr rtlCol="0" anchor="ctr"/>
+          <a:lstStyle/>
+          <a:p>
+            <a:pPr algn="ctr"/>
+            <a:endParaRPr lang="en-US"/>
+          </a:p>
+        </p:txBody>
+      </p:sp>
+      <p:sp>
+        <p:nvSpPr>
+          <p:cNvPr id="7" name="Rectangle 6">
+            <a:extLst>
+              <a:ext uri="{FF2B5EF4-FFF2-40B4-BE49-F238E27FC236}">
+                <a16:creationId xmlns:a16="http://schemas.microsoft.com/office/drawing/2014/main" id="{E56007DE-80F7-4367-9418-3759C711820B}"/>
+              </a:ext>
+            </a:extLst>
+          </p:cNvPr>
+          <p:cNvSpPr/>
+          <p:nvPr/>
+        </p:nvSpPr>
+        <p:spPr>
+          <a:xfrm>
+            <a:off x="626227" y="2046221"/>
+            <a:ext cx="3570973" cy="1231208"/>
+          </a:xfrm>
+          <a:prstGeom prst="rect">
+            <a:avLst/>
+          </a:prstGeom>
+          <a:solidFill>
+            <a:schemeClr val="bg1"/>
+          </a:solidFill>
+          <a:ln>
+            <a:noFill/>
+          </a:ln>
+        </p:spPr>
+        <p:style>
+          <a:lnRef idx="2">
+            <a:schemeClr val="accent1">
+              <a:shade val="50000"/>
+            </a:schemeClr>
+          </a:lnRef>
+          <a:fillRef idx="1">
+            <a:schemeClr val="accent1"/>
+          </a:fillRef>
+          <a:effectRef idx="0">
+            <a:schemeClr val="accent1"/>
+          </a:effectRef>
+          <a:fontRef idx="minor">
+            <a:schemeClr val="lt1"/>
+          </a:fontRef>
+        </p:style>
+        <p:txBody>
+          <a:bodyPr rtlCol="0" anchor="ctr"/>
+          <a:lstStyle/>
+          <a:p>
+            <a:pPr algn="ctr"/>
+            <a:endParaRPr lang="en-US"/>
+          </a:p>
+        </p:txBody>
+      </p:sp>
+      <p:sp>
+        <p:nvSpPr>
+          <p:cNvPr id="8" name="Rectangle 7">
+            <a:extLst>
+              <a:ext uri="{FF2B5EF4-FFF2-40B4-BE49-F238E27FC236}">
+                <a16:creationId xmlns:a16="http://schemas.microsoft.com/office/drawing/2014/main" id="{399395F9-F56E-4D5C-87EF-01C6D42C255A}"/>
+              </a:ext>
+            </a:extLst>
+          </p:cNvPr>
+          <p:cNvSpPr/>
+          <p:nvPr/>
+        </p:nvSpPr>
+        <p:spPr>
+          <a:xfrm>
+            <a:off x="626227" y="3269153"/>
+            <a:ext cx="3570973" cy="1035726"/>
+          </a:xfrm>
+          <a:prstGeom prst="rect">
+            <a:avLst/>
+          </a:prstGeom>
+          <a:solidFill>
+            <a:schemeClr val="bg1"/>
+          </a:solidFill>
+          <a:ln>
+            <a:noFill/>
+          </a:ln>
+        </p:spPr>
+        <p:style>
+          <a:lnRef idx="2">
+            <a:schemeClr val="accent1">
+              <a:shade val="50000"/>
+            </a:schemeClr>
+          </a:lnRef>
+          <a:fillRef idx="1">
+            <a:schemeClr val="accent1"/>
+          </a:fillRef>
+          <a:effectRef idx="0">
+            <a:schemeClr val="accent1"/>
+          </a:effectRef>
+          <a:fontRef idx="minor">
+            <a:schemeClr val="lt1"/>
+          </a:fontRef>
+        </p:style>
+        <p:txBody>
+          <a:bodyPr rtlCol="0" anchor="ctr"/>
+          <a:lstStyle/>
+          <a:p>
+            <a:pPr algn="ctr"/>
+            <a:endParaRPr lang="en-US"/>
+          </a:p>
+        </p:txBody>
+      </p:sp>
+      <p:sp>
+        <p:nvSpPr>
+          <p:cNvPr id="9" name="Rectangle 8">
+            <a:extLst>
+              <a:ext uri="{FF2B5EF4-FFF2-40B4-BE49-F238E27FC236}">
+                <a16:creationId xmlns:a16="http://schemas.microsoft.com/office/drawing/2014/main" id="{618A0154-B798-4A6A-A1CF-446D3DD0A277}"/>
+              </a:ext>
+            </a:extLst>
+          </p:cNvPr>
+          <p:cNvSpPr/>
+          <p:nvPr/>
+        </p:nvSpPr>
+        <p:spPr>
+          <a:xfrm>
+            <a:off x="626230" y="4304879"/>
+            <a:ext cx="3570973" cy="1497498"/>
+          </a:xfrm>
+          <a:prstGeom prst="rect">
+            <a:avLst/>
+          </a:prstGeom>
+          <a:solidFill>
+            <a:schemeClr val="bg1"/>
+          </a:solidFill>
+          <a:ln>
+            <a:noFill/>
+          </a:ln>
+        </p:spPr>
+        <p:style>
+          <a:lnRef idx="2">
+            <a:schemeClr val="accent1">
+              <a:shade val="50000"/>
+            </a:schemeClr>
+          </a:lnRef>
+          <a:fillRef idx="1">
+            <a:schemeClr val="accent1"/>
+          </a:fillRef>
+          <a:effectRef idx="0">
+            <a:schemeClr val="accent1"/>
+          </a:effectRef>
+          <a:fontRef idx="minor">
+            <a:schemeClr val="lt1"/>
+          </a:fontRef>
+        </p:style>
+        <p:txBody>
+          <a:bodyPr rtlCol="0" anchor="ctr"/>
+          <a:lstStyle/>
+          <a:p>
+            <a:pPr algn="ctr"/>
+            <a:endParaRPr lang="en-US"/>
+          </a:p>
+        </p:txBody>
+      </p:sp>
+      <p:sp>
+        <p:nvSpPr>
+          <p:cNvPr id="10" name="Rectangle 9">
+            <a:extLst>
+              <a:ext uri="{FF2B5EF4-FFF2-40B4-BE49-F238E27FC236}">
+                <a16:creationId xmlns:a16="http://schemas.microsoft.com/office/drawing/2014/main" id="{348A9E8C-CF80-41F6-8950-70378DE3D886}"/>
+              </a:ext>
+            </a:extLst>
+          </p:cNvPr>
+          <p:cNvSpPr/>
+          <p:nvPr/>
+        </p:nvSpPr>
+        <p:spPr>
+          <a:xfrm>
+            <a:off x="626227" y="5802377"/>
+            <a:ext cx="3570973" cy="942507"/>
+          </a:xfrm>
+          <a:prstGeom prst="rect">
+            <a:avLst/>
+          </a:prstGeom>
+          <a:solidFill>
+            <a:schemeClr val="bg1"/>
+          </a:solidFill>
+          <a:ln>
+            <a:noFill/>
+          </a:ln>
+        </p:spPr>
+        <p:style>
+          <a:lnRef idx="2">
+            <a:schemeClr val="accent1">
+              <a:shade val="50000"/>
+            </a:schemeClr>
+          </a:lnRef>
+          <a:fillRef idx="1">
+            <a:schemeClr val="accent1"/>
+          </a:fillRef>
+          <a:effectRef idx="0">
+            <a:schemeClr val="accent1"/>
+          </a:effectRef>
+          <a:fontRef idx="minor">
+            <a:schemeClr val="lt1"/>
+          </a:fontRef>
+        </p:style>
+        <p:txBody>
+          <a:bodyPr rtlCol="0" anchor="ctr"/>
+          <a:lstStyle/>
+          <a:p>
+            <a:pPr algn="ctr"/>
+            <a:endParaRPr lang="en-US"/>
+          </a:p>
+        </p:txBody>
+      </p:sp>
+    </p:spTree>
+    <p:extLst>
+      <p:ext uri="{BB962C8B-B14F-4D97-AF65-F5344CB8AC3E}">
+        <p14:creationId xmlns:p14="http://schemas.microsoft.com/office/powerpoint/2010/main" val="665383542"/>
+      </p:ext>
+    </p:extLst>
+  </p:cSld>
+  <p:clrMapOvr>
+    <a:masterClrMapping/>
+  </p:clrMapOvr>
+  <p:timing>
+    <p:tnLst>
+      <p:par>
+        <p:cTn id="1" dur="indefinite" restart="never" nodeType="tmRoot">
+          <p:childTnLst>
+            <p:seq concurrent="1" nextAc="seek">
+              <p:cTn id="2" dur="indefinite" nodeType="mainSeq">
+                <p:childTnLst>
+                  <p:par>
+                    <p:cTn id="3" fill="hold">
+                      <p:stCondLst>
+                        <p:cond delay="indefinite"/>
+                      </p:stCondLst>
+                      <p:childTnLst>
+                        <p:par>
+                          <p:cTn id="4" fill="hold">
+                            <p:stCondLst>
+                              <p:cond delay="0"/>
+                            </p:stCondLst>
+                            <p:childTnLst>
+                              <p:par>
+                                <p:cTn id="5" presetID="1" presetClass="exit" presetSubtype="0" fill="hold" grpId="0" nodeType="clickEffect">
+                                  <p:stCondLst>
+                                    <p:cond delay="0"/>
+                                  </p:stCondLst>
+                                  <p:childTnLst>
+                                    <p:set>
+                                      <p:cBhvr>
+                                        <p:cTn id="6" dur="1" fill="hold">
+                                          <p:stCondLst>
+                                            <p:cond delay="0"/>
+                                          </p:stCondLst>
+                                        </p:cTn>
+                                        <p:tgtEl>
+                                          <p:spTgt spid="3"/>
+                                        </p:tgtEl>
+                                        <p:attrNameLst>
+                                          <p:attrName>style.visibility</p:attrName>
+                                        </p:attrNameLst>
+                                      </p:cBhvr>
+                                      <p:to>
+                                        <p:strVal val="hidden"/>
+                                      </p:to>
+                                    </p:set>
+                                  </p:childTnLst>
+                                </p:cTn>
+                              </p:par>
+                              <p:par>
+                                <p:cTn id="7" presetID="1" presetClass="entr" presetSubtype="0" fill="hold" grpId="0" nodeType="withEffect">
+                                  <p:stCondLst>
+                                    <p:cond delay="0"/>
+                                  </p:stCondLst>
+                                  <p:childTnLst>
+                                    <p:set>
+                                      <p:cBhvr>
+                                        <p:cTn id="8" dur="1" fill="hold">
+                                          <p:stCondLst>
+                                            <p:cond delay="0"/>
+                                          </p:stCondLst>
+                                        </p:cTn>
+                                        <p:tgtEl>
+                                          <p:spTgt spid="11"/>
+                                        </p:tgtEl>
+                                        <p:attrNameLst>
+                                          <p:attrName>style.visibility</p:attrName>
+                                        </p:attrNameLst>
+                                      </p:cBhvr>
+                                      <p:to>
+                                        <p:strVal val="visible"/>
+                                      </p:to>
+                                    </p:set>
+                                  </p:childTnLst>
+                                </p:cTn>
+                              </p:par>
+                            </p:childTnLst>
+                          </p:cTn>
+                        </p:par>
+                      </p:childTnLst>
+                    </p:cTn>
+                  </p:par>
+                  <p:par>
+                    <p:cTn id="9" fill="hold">
+                      <p:stCondLst>
+                        <p:cond delay="indefinite"/>
+                      </p:stCondLst>
+                      <p:childTnLst>
+                        <p:par>
+                          <p:cTn id="10" fill="hold">
+                            <p:stCondLst>
+                              <p:cond delay="0"/>
+                            </p:stCondLst>
+                            <p:childTnLst>
+                              <p:par>
+                                <p:cTn id="11" presetID="1" presetClass="exit" presetSubtype="0" fill="hold" grpId="0" nodeType="clickEffect">
+                                  <p:stCondLst>
+                                    <p:cond delay="0"/>
+                                  </p:stCondLst>
+                                  <p:childTnLst>
+                                    <p:set>
+                                      <p:cBhvr>
+                                        <p:cTn id="12" dur="1" fill="hold">
+                                          <p:stCondLst>
+                                            <p:cond delay="0"/>
+                                          </p:stCondLst>
+                                        </p:cTn>
+                                        <p:tgtEl>
+                                          <p:spTgt spid="7"/>
+                                        </p:tgtEl>
+                                        <p:attrNameLst>
+                                          <p:attrName>style.visibility</p:attrName>
+                                        </p:attrNameLst>
+                                      </p:cBhvr>
+                                      <p:to>
+                                        <p:strVal val="hidden"/>
+                                      </p:to>
+                                    </p:set>
+                                  </p:childTnLst>
+                                </p:cTn>
+                              </p:par>
+                              <p:par>
+                                <p:cTn id="13" presetID="1" presetClass="entr" presetSubtype="0" fill="hold" grpId="0" nodeType="withEffect">
+                                  <p:stCondLst>
+                                    <p:cond delay="0"/>
+                                  </p:stCondLst>
+                                  <p:childTnLst>
+                                    <p:set>
+                                      <p:cBhvr>
+                                        <p:cTn id="14" dur="1" fill="hold">
+                                          <p:stCondLst>
+                                            <p:cond delay="0"/>
+                                          </p:stCondLst>
+                                        </p:cTn>
+                                        <p:tgtEl>
+                                          <p:spTgt spid="13"/>
+                                        </p:tgtEl>
+                                        <p:attrNameLst>
+                                          <p:attrName>style.visibility</p:attrName>
+                                        </p:attrNameLst>
+                                      </p:cBhvr>
+                                      <p:to>
+                                        <p:strVal val="visible"/>
+                                      </p:to>
+                                    </p:set>
+                                  </p:childTnLst>
+                                </p:cTn>
+                              </p:par>
+                            </p:childTnLst>
+                          </p:cTn>
+                        </p:par>
+                      </p:childTnLst>
+                    </p:cTn>
+                  </p:par>
+                  <p:par>
+                    <p:cTn id="15" fill="hold">
+                      <p:stCondLst>
+                        <p:cond delay="indefinite"/>
+                      </p:stCondLst>
+                      <p:childTnLst>
+                        <p:par>
+                          <p:cTn id="16" fill="hold">
+                            <p:stCondLst>
+                              <p:cond delay="0"/>
+                            </p:stCondLst>
+                            <p:childTnLst>
+                              <p:par>
+                                <p:cTn id="17" presetID="1" presetClass="exit" presetSubtype="0" fill="hold" grpId="0" nodeType="clickEffect">
+                                  <p:stCondLst>
+                                    <p:cond delay="0"/>
+                                  </p:stCondLst>
+                                  <p:childTnLst>
+                                    <p:set>
+                                      <p:cBhvr>
+                                        <p:cTn id="18" dur="1" fill="hold">
+                                          <p:stCondLst>
+                                            <p:cond delay="0"/>
+                                          </p:stCondLst>
+                                        </p:cTn>
+                                        <p:tgtEl>
+                                          <p:spTgt spid="8"/>
+                                        </p:tgtEl>
+                                        <p:attrNameLst>
+                                          <p:attrName>style.visibility</p:attrName>
+                                        </p:attrNameLst>
+                                      </p:cBhvr>
+                                      <p:to>
+                                        <p:strVal val="hidden"/>
+                                      </p:to>
+                                    </p:set>
+                                  </p:childTnLst>
+                                </p:cTn>
+                              </p:par>
+                              <p:par>
+                                <p:cTn id="19" presetID="1" presetClass="entr" presetSubtype="0" fill="hold" grpId="0" nodeType="withEffect">
+                                  <p:stCondLst>
+                                    <p:cond delay="0"/>
+                                  </p:stCondLst>
+                                  <p:childTnLst>
+                                    <p:set>
+                                      <p:cBhvr>
+                                        <p:cTn id="20" dur="1" fill="hold">
+                                          <p:stCondLst>
+                                            <p:cond delay="0"/>
+                                          </p:stCondLst>
+                                        </p:cTn>
+                                        <p:tgtEl>
+                                          <p:spTgt spid="14"/>
+                                        </p:tgtEl>
+                                        <p:attrNameLst>
+                                          <p:attrName>style.visibility</p:attrName>
+                                        </p:attrNameLst>
+                                      </p:cBhvr>
+                                      <p:to>
+                                        <p:strVal val="visible"/>
+                                      </p:to>
+                                    </p:set>
+                                  </p:childTnLst>
+                                </p:cTn>
+                              </p:par>
+                            </p:childTnLst>
+                          </p:cTn>
+                        </p:par>
+                      </p:childTnLst>
+                    </p:cTn>
+                  </p:par>
+                  <p:par>
+                    <p:cTn id="21" fill="hold">
+                      <p:stCondLst>
+                        <p:cond delay="indefinite"/>
+                      </p:stCondLst>
+                      <p:childTnLst>
+                        <p:par>
+                          <p:cTn id="22" fill="hold">
+                            <p:stCondLst>
+                              <p:cond delay="0"/>
+                            </p:stCondLst>
+                            <p:childTnLst>
+                              <p:par>
+                                <p:cTn id="23" presetID="1" presetClass="exit" presetSubtype="0" fill="hold" grpId="0" nodeType="clickEffect">
+                                  <p:stCondLst>
+                                    <p:cond delay="0"/>
+                                  </p:stCondLst>
+                                  <p:childTnLst>
+                                    <p:set>
+                                      <p:cBhvr>
+                                        <p:cTn id="24" dur="1" fill="hold">
+                                          <p:stCondLst>
+                                            <p:cond delay="0"/>
+                                          </p:stCondLst>
+                                        </p:cTn>
+                                        <p:tgtEl>
+                                          <p:spTgt spid="9"/>
+                                        </p:tgtEl>
+                                        <p:attrNameLst>
+                                          <p:attrName>style.visibility</p:attrName>
+                                        </p:attrNameLst>
+                                      </p:cBhvr>
+                                      <p:to>
+                                        <p:strVal val="hidden"/>
+                                      </p:to>
+                                    </p:set>
+                                  </p:childTnLst>
+                                </p:cTn>
+                              </p:par>
+                              <p:par>
+                                <p:cTn id="25" presetID="1" presetClass="entr" presetSubtype="0" fill="hold" grpId="0" nodeType="withEffect">
+                                  <p:stCondLst>
+                                    <p:cond delay="0"/>
+                                  </p:stCondLst>
+                                  <p:childTnLst>
+                                    <p:set>
+                                      <p:cBhvr>
+                                        <p:cTn id="26" dur="1" fill="hold">
+                                          <p:stCondLst>
+                                            <p:cond delay="0"/>
+                                          </p:stCondLst>
+                                        </p:cTn>
+                                        <p:tgtEl>
+                                          <p:spTgt spid="15"/>
+                                        </p:tgtEl>
+                                        <p:attrNameLst>
+                                          <p:attrName>style.visibility</p:attrName>
+                                        </p:attrNameLst>
+                                      </p:cBhvr>
+                                      <p:to>
+                                        <p:strVal val="visible"/>
+                                      </p:to>
+                                    </p:set>
+                                  </p:childTnLst>
+                                </p:cTn>
+                              </p:par>
+                            </p:childTnLst>
+                          </p:cTn>
+                        </p:par>
+                      </p:childTnLst>
+                    </p:cTn>
+                  </p:par>
+                  <p:par>
+                    <p:cTn id="27" fill="hold">
+                      <p:stCondLst>
+                        <p:cond delay="indefinite"/>
+                      </p:stCondLst>
+                      <p:childTnLst>
+                        <p:par>
+                          <p:cTn id="28" fill="hold">
+                            <p:stCondLst>
+                              <p:cond delay="0"/>
+                            </p:stCondLst>
+                            <p:childTnLst>
+                              <p:par>
+                                <p:cTn id="29" presetID="1" presetClass="exit" presetSubtype="0" fill="hold" grpId="0" nodeType="clickEffect">
+                                  <p:stCondLst>
+                                    <p:cond delay="0"/>
+                                  </p:stCondLst>
+                                  <p:childTnLst>
+                                    <p:set>
+                                      <p:cBhvr>
+                                        <p:cTn id="30" dur="1" fill="hold">
+                                          <p:stCondLst>
+                                            <p:cond delay="0"/>
+                                          </p:stCondLst>
+                                        </p:cTn>
+                                        <p:tgtEl>
+                                          <p:spTgt spid="10"/>
+                                        </p:tgtEl>
+                                        <p:attrNameLst>
+                                          <p:attrName>style.visibility</p:attrName>
+                                        </p:attrNameLst>
+                                      </p:cBhvr>
+                                      <p:to>
+                                        <p:strVal val="hidden"/>
+                                      </p:to>
+                                    </p:set>
+                                  </p:childTnLst>
+                                </p:cTn>
+                              </p:par>
+                            </p:childTnLst>
+                          </p:cTn>
+                        </p:par>
+                      </p:childTnLst>
+                    </p:cTn>
+                  </p:par>
+                </p:childTnLst>
+              </p:cTn>
+              <p:prevCondLst>
+                <p:cond evt="onPrev" delay="0">
+                  <p:tgtEl>
+                    <p:sldTgt/>
+                  </p:tgtEl>
+                </p:cond>
+              </p:prevCondLst>
+              <p:nextCondLst>
+                <p:cond evt="onNext" delay="0">
+                  <p:tgtEl>
+                    <p:sldTgt/>
+                  </p:tgtEl>
+                </p:cond>
+              </p:nextCondLst>
+            </p:seq>
+          </p:childTnLst>
+        </p:cTn>
+      </p:par>
+    </p:tnLst>
+    <p:bldLst>
+      <p:bldP spid="11" grpId="0" animBg="1"/>
+      <p:bldP spid="13" grpId="0" animBg="1"/>
+      <p:bldP spid="14" grpId="0" animBg="1"/>
+      <p:bldP spid="15" grpId="0" animBg="1"/>
+      <p:bldP spid="3" grpId="0" animBg="1"/>
+      <p:bldP spid="7" grpId="0" animBg="1"/>
+      <p:bldP spid="8" grpId="0" animBg="1"/>
+      <p:bldP spid="9" grpId="0" animBg="1"/>
+      <p:bldP spid="10" grpId="0" animBg="1"/>
+    </p:bldLst>
+  </p:timing>
+</p:sld>
+</file>
+
+<file path=ppt/slides/slide33.xml><?xml version="1.0" encoding="utf-8"?>
+<p:sld xmlns:a="http://schemas.openxmlformats.org/drawingml/2006/main" xmlns:r="http://schemas.openxmlformats.org/officeDocument/2006/relationships" xmlns:p="http://schemas.openxmlformats.org/presentationml/2006/main">
+  <p:cSld>
+    <p:spTree>
+      <p:nvGrpSpPr>
+        <p:cNvPr id="1" name=""/>
+        <p:cNvGrpSpPr/>
+        <p:nvPr/>
+      </p:nvGrpSpPr>
+      <p:grpSpPr>
+        <a:xfrm>
+          <a:off x="0" y="0"/>
+          <a:ext cx="0" cy="0"/>
+          <a:chOff x="0" y="0"/>
+          <a:chExt cx="0" cy="0"/>
+        </a:xfrm>
+      </p:grpSpPr>
+      <p:sp>
+        <p:nvSpPr>
+          <p:cNvPr id="2" name="Title 1">
+            <a:extLst>
+              <a:ext uri="{FF2B5EF4-FFF2-40B4-BE49-F238E27FC236}">
+                <a16:creationId xmlns:a16="http://schemas.microsoft.com/office/drawing/2014/main" id="{E93460B0-53F5-47AD-955A-8544DB343C2E}"/>
+              </a:ext>
+            </a:extLst>
+          </p:cNvPr>
+          <p:cNvSpPr>
+            <a:spLocks noGrp="1"/>
+          </p:cNvSpPr>
+          <p:nvPr>
+            <p:ph type="title"/>
+          </p:nvPr>
+        </p:nvSpPr>
+        <p:spPr/>
+        <p:txBody>
+          <a:bodyPr/>
+          <a:lstStyle/>
+          <a:p>
+            <a:r>
+              <a:rPr lang="es-MX" dirty="0"/>
+              <a:t>Ejemplo</a:t>
+            </a:r>
+            <a:endParaRPr lang="en-US" dirty="0"/>
+          </a:p>
+        </p:txBody>
+      </p:sp>
+      <p:sp>
+        <p:nvSpPr>
+          <p:cNvPr id="3" name="Text Placeholder 2">
+            <a:extLst>
+              <a:ext uri="{FF2B5EF4-FFF2-40B4-BE49-F238E27FC236}">
+                <a16:creationId xmlns:a16="http://schemas.microsoft.com/office/drawing/2014/main" id="{910F6585-7A17-4EDC-924F-BE89485BDECA}"/>
+              </a:ext>
+            </a:extLst>
+          </p:cNvPr>
+          <p:cNvSpPr>
+            <a:spLocks noGrp="1"/>
+          </p:cNvSpPr>
+          <p:nvPr>
+            <p:ph type="body" sz="quarter" idx="10"/>
+          </p:nvPr>
+        </p:nvSpPr>
+        <p:spPr>
+          <a:xfrm>
+            <a:off x="838200" y="1328738"/>
+            <a:ext cx="5435600" cy="4022908"/>
+          </a:xfrm>
+        </p:spPr>
+        <p:txBody>
+          <a:bodyPr/>
+          <a:lstStyle/>
+          <a:p>
+            <a:pPr marL="0" indent="0">
+              <a:buNone/>
+            </a:pPr>
+            <a:r>
+              <a:rPr lang="es-MX" dirty="0"/>
+              <a:t>Calcular la nómina de un trabajador que trabaja por horas.</a:t>
+            </a:r>
+          </a:p>
+          <a:p>
+            <a:pPr marL="0" indent="0">
+              <a:buNone/>
+            </a:pPr>
+            <a:r>
+              <a:rPr lang="es-MX" b="1" dirty="0">
+                <a:sym typeface="Wingdings" panose="05000000000000000000" pitchFamily="2" charset="2"/>
+              </a:rPr>
+              <a:t>Entradas:</a:t>
+            </a:r>
+          </a:p>
+          <a:p>
+            <a:pPr>
+              <a:buFont typeface="Wingdings" panose="05000000000000000000" pitchFamily="2" charset="2"/>
+              <a:buChar char="à"/>
+            </a:pPr>
+            <a:r>
+              <a:rPr lang="es-MX" b="1" dirty="0">
+                <a:solidFill>
+                  <a:schemeClr val="accent1"/>
+                </a:solidFill>
+                <a:sym typeface="Wingdings" panose="05000000000000000000" pitchFamily="2" charset="2"/>
+              </a:rPr>
+              <a:t>Sueldo por hora</a:t>
+            </a:r>
+          </a:p>
+          <a:p>
+            <a:pPr>
+              <a:buFont typeface="Wingdings" panose="05000000000000000000" pitchFamily="2" charset="2"/>
+              <a:buChar char="à"/>
+            </a:pPr>
+            <a:r>
+              <a:rPr lang="en-US" b="1" dirty="0">
+                <a:solidFill>
+                  <a:schemeClr val="accent1"/>
+                </a:solidFill>
+              </a:rPr>
+              <a:t>Horas </a:t>
+            </a:r>
+            <a:r>
+              <a:rPr lang="en-US" b="1" dirty="0" err="1">
+                <a:solidFill>
+                  <a:schemeClr val="accent1"/>
+                </a:solidFill>
+              </a:rPr>
+              <a:t>trabajadas</a:t>
+            </a:r>
+            <a:endParaRPr lang="en-US" b="1" dirty="0">
+              <a:solidFill>
+                <a:schemeClr val="accent1"/>
+              </a:solidFill>
+            </a:endParaRPr>
+          </a:p>
+          <a:p>
+            <a:pPr marL="0" indent="0">
+              <a:buNone/>
+            </a:pPr>
+            <a:r>
+              <a:rPr lang="en-US" b="1" dirty="0" err="1"/>
+              <a:t>Salidas</a:t>
+            </a:r>
+            <a:r>
+              <a:rPr lang="en-US" b="1" dirty="0"/>
+              <a:t>:</a:t>
+            </a:r>
+          </a:p>
+          <a:p>
+            <a:pPr>
+              <a:buFont typeface="Wingdings" panose="05000000000000000000" pitchFamily="2" charset="2"/>
+              <a:buChar char="ß"/>
+            </a:pPr>
+            <a:r>
+              <a:rPr lang="en-US" b="1" dirty="0">
+                <a:solidFill>
+                  <a:schemeClr val="accent1"/>
+                </a:solidFill>
+                <a:sym typeface="Wingdings" panose="05000000000000000000" pitchFamily="2" charset="2"/>
+              </a:rPr>
+              <a:t>Monto a </a:t>
+            </a:r>
+            <a:r>
+              <a:rPr lang="en-US" b="1" dirty="0" err="1">
+                <a:solidFill>
+                  <a:schemeClr val="accent1"/>
+                </a:solidFill>
+                <a:sym typeface="Wingdings" panose="05000000000000000000" pitchFamily="2" charset="2"/>
+              </a:rPr>
+              <a:t>pagar</a:t>
+            </a:r>
+            <a:endParaRPr lang="en-US" b="1" dirty="0">
+              <a:solidFill>
+                <a:schemeClr val="accent1"/>
+              </a:solidFill>
+              <a:sym typeface="Wingdings" panose="05000000000000000000" pitchFamily="2" charset="2"/>
+            </a:endParaRPr>
+          </a:p>
+          <a:p>
+            <a:pPr>
+              <a:buFont typeface="Wingdings" panose="05000000000000000000" pitchFamily="2" charset="2"/>
+              <a:buChar char="ß"/>
+            </a:pPr>
+            <a:endParaRPr lang="en-US" b="1" dirty="0">
+              <a:solidFill>
+                <a:schemeClr val="accent1"/>
+              </a:solidFill>
+              <a:sym typeface="Wingdings" panose="05000000000000000000" pitchFamily="2" charset="2"/>
+            </a:endParaRPr>
+          </a:p>
+          <a:p>
+            <a:pPr marL="0" indent="0">
+              <a:buNone/>
+            </a:pPr>
+            <a:endParaRPr lang="en-US" b="1" dirty="0">
+              <a:solidFill>
+                <a:schemeClr val="accent1"/>
+              </a:solidFill>
+            </a:endParaRPr>
+          </a:p>
+        </p:txBody>
+      </p:sp>
+      <p:pic>
+        <p:nvPicPr>
+          <p:cNvPr id="4098" name="Picture 2" descr="Image result for work">
+            <a:extLst>
+              <a:ext uri="{FF2B5EF4-FFF2-40B4-BE49-F238E27FC236}">
+                <a16:creationId xmlns:a16="http://schemas.microsoft.com/office/drawing/2014/main" id="{977DB59E-C6B4-4357-B8B0-54437E436F29}"/>
+              </a:ext>
+            </a:extLst>
+          </p:cNvPr>
+          <p:cNvPicPr>
+            <a:picLocks noChangeAspect="1" noChangeArrowheads="1"/>
+          </p:cNvPicPr>
+          <p:nvPr/>
+        </p:nvPicPr>
+        <p:blipFill rotWithShape="1">
+          <a:blip r:embed="rId2">
+            <a:extLst>
+              <a:ext uri="{28A0092B-C50C-407E-A947-70E740481C1C}">
+                <a14:useLocalDpi xmlns:a14="http://schemas.microsoft.com/office/drawing/2010/main" val="0"/>
+              </a:ext>
+            </a:extLst>
+          </a:blip>
+          <a:srcRect r="20013"/>
+          <a:stretch/>
+        </p:blipFill>
+        <p:spPr bwMode="auto">
+          <a:xfrm>
+            <a:off x="6699184" y="513222"/>
+            <a:ext cx="4854184" cy="4045832"/>
+          </a:xfrm>
+          <a:prstGeom prst="rect">
+            <a:avLst/>
+          </a:prstGeom>
+          <a:noFill/>
+          <a:extLst>
+            <a:ext uri="{909E8E84-426E-40DD-AFC4-6F175D3DCCD1}">
+              <a14:hiddenFill xmlns:a14="http://schemas.microsoft.com/office/drawing/2010/main">
+                <a:solidFill>
+                  <a:srgbClr val="FFFFFF"/>
+                </a:solidFill>
+              </a14:hiddenFill>
+            </a:ext>
+          </a:extLst>
+        </p:spPr>
+      </p:pic>
+      <p:sp>
+        <p:nvSpPr>
+          <p:cNvPr id="5" name="Text Placeholder 2">
+            <a:extLst>
+              <a:ext uri="{FF2B5EF4-FFF2-40B4-BE49-F238E27FC236}">
+                <a16:creationId xmlns:a16="http://schemas.microsoft.com/office/drawing/2014/main" id="{20D42890-5119-457B-83D5-00A43570D7D7}"/>
+              </a:ext>
+            </a:extLst>
+          </p:cNvPr>
+          <p:cNvSpPr txBox="1">
+            <a:spLocks/>
+          </p:cNvSpPr>
+          <p:nvPr/>
+        </p:nvSpPr>
+        <p:spPr>
+          <a:xfrm>
+            <a:off x="961724" y="5272363"/>
+            <a:ext cx="10591644" cy="1381679"/>
+          </a:xfrm>
+          <a:prstGeom prst="rect">
+            <a:avLst/>
+          </a:prstGeom>
+          <a:solidFill>
+            <a:schemeClr val="accent2"/>
+          </a:solidFill>
+          <a:ln w="38100"/>
+        </p:spPr>
+        <p:style>
+          <a:lnRef idx="2">
+            <a:schemeClr val="accent2"/>
+          </a:lnRef>
+          <a:fillRef idx="1">
+            <a:schemeClr val="lt1"/>
+          </a:fillRef>
+          <a:effectRef idx="0">
+            <a:schemeClr val="accent2"/>
+          </a:effectRef>
+          <a:fontRef idx="minor">
+            <a:schemeClr val="dk1"/>
+          </a:fontRef>
+        </p:style>
+        <p:txBody>
+          <a:bodyPr vert="horz" lIns="91440" tIns="45720" rIns="91440" bIns="45720" rtlCol="0">
+            <a:normAutofit/>
+          </a:bodyPr>
+          <a:lstStyle>
+            <a:lvl1pPr marL="228600" indent="-228600" algn="l" defTabSz="914400" rtl="0" eaLnBrk="1" latinLnBrk="0" hangingPunct="1">
+              <a:lnSpc>
+                <a:spcPct val="90000"/>
+              </a:lnSpc>
+              <a:spcBef>
+                <a:spcPts val="1000"/>
+              </a:spcBef>
+              <a:buFont typeface="Arial" panose="020B0604020202020204" pitchFamily="34" charset="0"/>
+              <a:buChar char="•"/>
+              <a:defRPr sz="2800" kern="1200">
+                <a:solidFill>
+                  <a:schemeClr val="tx1"/>
+                </a:solidFill>
+                <a:latin typeface="Ubuntu" panose="020B0504030602030204" pitchFamily="34" charset="0"/>
+                <a:ea typeface="+mn-ea"/>
+                <a:cs typeface="Arial" panose="020B0604020202020204" pitchFamily="34" charset="0"/>
+              </a:defRPr>
+            </a:lvl1pPr>
+            <a:lvl2pPr marL="685800" indent="-228600" algn="l" defTabSz="914400" rtl="0" eaLnBrk="1" latinLnBrk="0" hangingPunct="1">
+              <a:lnSpc>
+                <a:spcPct val="90000"/>
+              </a:lnSpc>
+              <a:spcBef>
+                <a:spcPts val="500"/>
+              </a:spcBef>
+              <a:buFont typeface="Arial" panose="020B0604020202020204" pitchFamily="34" charset="0"/>
+              <a:buChar char="•"/>
+              <a:defRPr sz="2400" kern="1200">
+                <a:solidFill>
+                  <a:schemeClr val="tx1"/>
+                </a:solidFill>
+                <a:latin typeface="Ubuntu" panose="020B0504030602030204" pitchFamily="34" charset="0"/>
+                <a:ea typeface="+mn-ea"/>
+                <a:cs typeface="Arial" panose="020B0604020202020204" pitchFamily="34" charset="0"/>
+              </a:defRPr>
+            </a:lvl2pPr>
+            <a:lvl3pPr marL="1143000" indent="-228600" algn="l" defTabSz="914400" rtl="0" eaLnBrk="1" latinLnBrk="0" hangingPunct="1">
+              <a:lnSpc>
+                <a:spcPct val="90000"/>
+              </a:lnSpc>
+              <a:spcBef>
+                <a:spcPts val="500"/>
+              </a:spcBef>
+              <a:buFont typeface="Arial" panose="020B0604020202020204" pitchFamily="34" charset="0"/>
+              <a:buChar char="•"/>
+              <a:defRPr sz="2000" kern="1200">
+                <a:solidFill>
+                  <a:schemeClr val="tx1"/>
+                </a:solidFill>
+                <a:latin typeface="Ubuntu" panose="020B0504030602030204" pitchFamily="34" charset="0"/>
+                <a:ea typeface="+mn-ea"/>
+                <a:cs typeface="Arial" panose="020B0604020202020204" pitchFamily="34" charset="0"/>
+              </a:defRPr>
+            </a:lvl3pPr>
+            <a:lvl4pPr marL="1600200" indent="-228600" algn="l" defTabSz="914400" rtl="0" eaLnBrk="1" latinLnBrk="0" hangingPunct="1">
+              <a:lnSpc>
+                <a:spcPct val="90000"/>
+              </a:lnSpc>
+              <a:spcBef>
+                <a:spcPts val="500"/>
+              </a:spcBef>
+              <a:buFont typeface="Arial" panose="020B0604020202020204" pitchFamily="34" charset="0"/>
+              <a:buChar char="•"/>
+              <a:defRPr sz="1800" kern="1200">
+                <a:solidFill>
+                  <a:schemeClr val="tx1"/>
+                </a:solidFill>
+                <a:latin typeface="Ubuntu" panose="020B0504030602030204" pitchFamily="34" charset="0"/>
+                <a:ea typeface="+mn-ea"/>
+                <a:cs typeface="Arial" panose="020B0604020202020204" pitchFamily="34" charset="0"/>
+              </a:defRPr>
+            </a:lvl4pPr>
+            <a:lvl5pPr marL="2057400" indent="-228600" algn="l" defTabSz="914400" rtl="0" eaLnBrk="1" latinLnBrk="0" hangingPunct="1">
+              <a:lnSpc>
+                <a:spcPct val="90000"/>
+              </a:lnSpc>
+              <a:spcBef>
+                <a:spcPts val="500"/>
+              </a:spcBef>
+              <a:buFont typeface="Arial" panose="020B0604020202020204" pitchFamily="34" charset="0"/>
+              <a:buChar char="•"/>
+              <a:defRPr sz="1800" kern="1200">
+                <a:solidFill>
+                  <a:schemeClr val="tx1"/>
+                </a:solidFill>
+                <a:latin typeface="Ubuntu" panose="020B0504030602030204" pitchFamily="34" charset="0"/>
+                <a:ea typeface="+mn-ea"/>
+                <a:cs typeface="Arial" panose="020B0604020202020204" pitchFamily="34" charset="0"/>
+              </a:defRPr>
+            </a:lvl5pPr>
+            <a:lvl6pPr marL="2514600" indent="-228600" algn="l" defTabSz="914400" rtl="0" eaLnBrk="1" latinLnBrk="0" hangingPunct="1">
+              <a:lnSpc>
+                <a:spcPct val="90000"/>
+              </a:lnSpc>
+              <a:spcBef>
+                <a:spcPts val="500"/>
+              </a:spcBef>
+              <a:buFont typeface="Arial" panose="020B0604020202020204" pitchFamily="34" charset="0"/>
+              <a:buChar char="•"/>
+              <a:defRPr sz="1800" kern="1200">
+                <a:solidFill>
+                  <a:schemeClr val="tx1"/>
+                </a:solidFill>
+                <a:latin typeface="+mn-lt"/>
+                <a:ea typeface="+mn-ea"/>
+                <a:cs typeface="+mn-cs"/>
+              </a:defRPr>
+            </a:lvl6pPr>
+            <a:lvl7pPr marL="2971800" indent="-228600" algn="l" defTabSz="914400" rtl="0" eaLnBrk="1" latinLnBrk="0" hangingPunct="1">
+              <a:lnSpc>
+                <a:spcPct val="90000"/>
+              </a:lnSpc>
+              <a:spcBef>
+                <a:spcPts val="500"/>
+              </a:spcBef>
+              <a:buFont typeface="Arial" panose="020B0604020202020204" pitchFamily="34" charset="0"/>
+              <a:buChar char="•"/>
+              <a:defRPr sz="1800" kern="1200">
+                <a:solidFill>
+                  <a:schemeClr val="tx1"/>
+                </a:solidFill>
+                <a:latin typeface="+mn-lt"/>
+                <a:ea typeface="+mn-ea"/>
+                <a:cs typeface="+mn-cs"/>
+              </a:defRPr>
+            </a:lvl7pPr>
+            <a:lvl8pPr marL="3429000" indent="-228600" algn="l" defTabSz="914400" rtl="0" eaLnBrk="1" latinLnBrk="0" hangingPunct="1">
+              <a:lnSpc>
+                <a:spcPct val="90000"/>
+              </a:lnSpc>
+              <a:spcBef>
+                <a:spcPts val="500"/>
+              </a:spcBef>
+              <a:buFont typeface="Arial" panose="020B0604020202020204" pitchFamily="34" charset="0"/>
+              <a:buChar char="•"/>
+              <a:defRPr sz="1800" kern="1200">
+                <a:solidFill>
+                  <a:schemeClr val="tx1"/>
+                </a:solidFill>
+                <a:latin typeface="+mn-lt"/>
+                <a:ea typeface="+mn-ea"/>
+                <a:cs typeface="+mn-cs"/>
+              </a:defRPr>
+            </a:lvl8pPr>
+            <a:lvl9pPr marL="3886200" indent="-228600" algn="l" defTabSz="914400" rtl="0" eaLnBrk="1" latinLnBrk="0" hangingPunct="1">
+              <a:lnSpc>
+                <a:spcPct val="90000"/>
+              </a:lnSpc>
+              <a:spcBef>
+                <a:spcPts val="500"/>
+              </a:spcBef>
+              <a:buFont typeface="Arial" panose="020B0604020202020204" pitchFamily="34" charset="0"/>
+              <a:buChar char="•"/>
+              <a:defRPr sz="1800" kern="1200">
+                <a:solidFill>
+                  <a:schemeClr val="tx1"/>
+                </a:solidFill>
+                <a:latin typeface="+mn-lt"/>
+                <a:ea typeface="+mn-ea"/>
+                <a:cs typeface="+mn-cs"/>
+              </a:defRPr>
+            </a:lvl9pPr>
+          </a:lstStyle>
+          <a:p>
+            <a:pPr marL="0" indent="0" algn="ctr">
+              <a:buFont typeface="Arial" panose="020B0604020202020204" pitchFamily="34" charset="0"/>
+              <a:buNone/>
+            </a:pPr>
+            <a:r>
+              <a:rPr lang="en-US" b="1" dirty="0">
+                <a:solidFill>
+                  <a:schemeClr val="bg1"/>
+                </a:solidFill>
+              </a:rPr>
+              <a:t>¡NUEVA REGLA!</a:t>
+            </a:r>
+          </a:p>
+          <a:p>
+            <a:pPr marL="0" indent="0">
+              <a:buFont typeface="Arial" panose="020B0604020202020204" pitchFamily="34" charset="0"/>
+              <a:buNone/>
+            </a:pPr>
+            <a:r>
+              <a:rPr lang="en-US" b="1" dirty="0">
+                <a:solidFill>
+                  <a:schemeClr val="bg1"/>
+                </a:solidFill>
+              </a:rPr>
+              <a:t>Si la persona </a:t>
+            </a:r>
+            <a:r>
+              <a:rPr lang="en-US" b="1" dirty="0" err="1">
+                <a:solidFill>
+                  <a:schemeClr val="bg1"/>
+                </a:solidFill>
+              </a:rPr>
+              <a:t>trabaja</a:t>
+            </a:r>
+            <a:r>
+              <a:rPr lang="en-US" b="1" dirty="0">
+                <a:solidFill>
+                  <a:schemeClr val="bg1"/>
+                </a:solidFill>
+              </a:rPr>
+              <a:t> mas de 40 horas, </a:t>
+            </a:r>
+            <a:r>
+              <a:rPr lang="en-US" b="1" dirty="0" err="1">
+                <a:solidFill>
+                  <a:schemeClr val="bg1"/>
+                </a:solidFill>
+              </a:rPr>
+              <a:t>ganar</a:t>
+            </a:r>
+            <a:r>
+              <a:rPr lang="es-MX" b="1" dirty="0">
+                <a:solidFill>
+                  <a:schemeClr val="bg1"/>
+                </a:solidFill>
+              </a:rPr>
+              <a:t>á un bono de 100 pesos.</a:t>
+            </a:r>
+            <a:endParaRPr lang="en-US" b="1" dirty="0">
+              <a:solidFill>
+                <a:schemeClr val="bg1"/>
+              </a:solidFill>
+            </a:endParaRPr>
+          </a:p>
+        </p:txBody>
+      </p:sp>
+    </p:spTree>
+    <p:extLst>
+      <p:ext uri="{BB962C8B-B14F-4D97-AF65-F5344CB8AC3E}">
+        <p14:creationId xmlns:p14="http://schemas.microsoft.com/office/powerpoint/2010/main" val="2895048295"/>
+      </p:ext>
+    </p:extLst>
+  </p:cSld>
+  <p:clrMapOvr>
+    <a:masterClrMapping/>
+  </p:clrMapOvr>
+  <p:timing>
+    <p:tnLst>
+      <p:par>
+        <p:cTn id="1" dur="indefinite" restart="never" nodeType="tmRoot">
+          <p:childTnLst>
+            <p:seq concurrent="1" nextAc="seek">
+              <p:cTn id="2" dur="indefinite" nodeType="mainSeq">
+                <p:childTnLst>
+                  <p:par>
+                    <p:cTn id="3" fill="hold">
+                      <p:stCondLst>
+                        <p:cond delay="indefinite"/>
+                      </p:stCondLst>
+                      <p:childTnLst>
+                        <p:par>
+                          <p:cTn id="4" fill="hold">
+                            <p:stCondLst>
+                              <p:cond delay="0"/>
+                            </p:stCondLst>
+                            <p:childTnLst>
+                              <p:par>
+                                <p:cTn id="5" presetID="31" presetClass="entr" presetSubtype="0" fill="hold" grpId="0" nodeType="clickEffect">
+                                  <p:stCondLst>
+                                    <p:cond delay="0"/>
+                                  </p:stCondLst>
+                                  <p:childTnLst>
+                                    <p:set>
+                                      <p:cBhvr>
+                                        <p:cTn id="6" dur="1" fill="hold">
+                                          <p:stCondLst>
+                                            <p:cond delay="0"/>
+                                          </p:stCondLst>
+                                        </p:cTn>
+                                        <p:tgtEl>
+                                          <p:spTgt spid="5"/>
+                                        </p:tgtEl>
+                                        <p:attrNameLst>
+                                          <p:attrName>style.visibility</p:attrName>
+                                        </p:attrNameLst>
+                                      </p:cBhvr>
+                                      <p:to>
+                                        <p:strVal val="visible"/>
+                                      </p:to>
+                                    </p:set>
+                                    <p:anim calcmode="lin" valueType="num">
+                                      <p:cBhvr>
+                                        <p:cTn id="7" dur="1000" fill="hold"/>
+                                        <p:tgtEl>
+                                          <p:spTgt spid="5"/>
+                                        </p:tgtEl>
+                                        <p:attrNameLst>
+                                          <p:attrName>ppt_w</p:attrName>
+                                        </p:attrNameLst>
+                                      </p:cBhvr>
+                                      <p:tavLst>
+                                        <p:tav tm="0">
+                                          <p:val>
+                                            <p:fltVal val="0"/>
+                                          </p:val>
+                                        </p:tav>
+                                        <p:tav tm="100000">
+                                          <p:val>
+                                            <p:strVal val="#ppt_w"/>
+                                          </p:val>
+                                        </p:tav>
+                                      </p:tavLst>
+                                    </p:anim>
+                                    <p:anim calcmode="lin" valueType="num">
+                                      <p:cBhvr>
+                                        <p:cTn id="8" dur="1000" fill="hold"/>
+                                        <p:tgtEl>
+                                          <p:spTgt spid="5"/>
+                                        </p:tgtEl>
+                                        <p:attrNameLst>
+                                          <p:attrName>ppt_h</p:attrName>
+                                        </p:attrNameLst>
+                                      </p:cBhvr>
+                                      <p:tavLst>
+                                        <p:tav tm="0">
+                                          <p:val>
+                                            <p:fltVal val="0"/>
+                                          </p:val>
+                                        </p:tav>
+                                        <p:tav tm="100000">
+                                          <p:val>
+                                            <p:strVal val="#ppt_h"/>
+                                          </p:val>
+                                        </p:tav>
+                                      </p:tavLst>
+                                    </p:anim>
+                                    <p:anim calcmode="lin" valueType="num">
+                                      <p:cBhvr>
+                                        <p:cTn id="9" dur="1000" fill="hold"/>
+                                        <p:tgtEl>
+                                          <p:spTgt spid="5"/>
+                                        </p:tgtEl>
+                                        <p:attrNameLst>
+                                          <p:attrName>style.rotation</p:attrName>
+                                        </p:attrNameLst>
+                                      </p:cBhvr>
+                                      <p:tavLst>
+                                        <p:tav tm="0">
+                                          <p:val>
+                                            <p:fltVal val="90"/>
+                                          </p:val>
+                                        </p:tav>
+                                        <p:tav tm="100000">
+                                          <p:val>
+                                            <p:fltVal val="0"/>
+                                          </p:val>
+                                        </p:tav>
+                                      </p:tavLst>
+                                    </p:anim>
+                                    <p:animEffect transition="in" filter="fade">
+                                      <p:cBhvr>
+                                        <p:cTn id="10" dur="1000"/>
+                                        <p:tgtEl>
+                                          <p:spTgt spid="5"/>
+                                        </p:tgtEl>
+                                      </p:cBhvr>
+                                    </p:animEffect>
+                                  </p:childTnLst>
+                                </p:cTn>
+                              </p:par>
+                            </p:childTnLst>
+                          </p:cTn>
+                        </p:par>
+                      </p:childTnLst>
+                    </p:cTn>
+                  </p:par>
+                </p:childTnLst>
+              </p:cTn>
+              <p:prevCondLst>
+                <p:cond evt="onPrev" delay="0">
+                  <p:tgtEl>
+                    <p:sldTgt/>
+                  </p:tgtEl>
+                </p:cond>
+              </p:prevCondLst>
+              <p:nextCondLst>
+                <p:cond evt="onNext" delay="0">
+                  <p:tgtEl>
+                    <p:sldTgt/>
+                  </p:tgtEl>
+                </p:cond>
+              </p:nextCondLst>
+            </p:seq>
+          </p:childTnLst>
+        </p:cTn>
+      </p:par>
+    </p:tnLst>
+    <p:bldLst>
+      <p:bldP spid="5" grpId="0" animBg="1"/>
+    </p:bldLst>
+  </p:timing>
+</p:sld>
+</file>
+
+<file path=ppt/slides/slide34.xml><?xml version="1.0" encoding="utf-8"?>
+<p:sld xmlns:a="http://schemas.openxmlformats.org/drawingml/2006/main" xmlns:r="http://schemas.openxmlformats.org/officeDocument/2006/relationships" xmlns:p="http://schemas.openxmlformats.org/presentationml/2006/main">
+  <p:cSld>
+    <p:spTree>
+      <p:nvGrpSpPr>
+        <p:cNvPr id="1" name=""/>
+        <p:cNvGrpSpPr/>
+        <p:nvPr/>
+      </p:nvGrpSpPr>
+      <p:grpSpPr>
+        <a:xfrm>
+          <a:off x="0" y="0"/>
+          <a:ext cx="0" cy="0"/>
+          <a:chOff x="0" y="0"/>
+          <a:chExt cx="0" cy="0"/>
+        </a:xfrm>
+      </p:grpSpPr>
+      <p:sp>
+        <p:nvSpPr>
+          <p:cNvPr id="3" name="Text Placeholder 2">
+            <a:extLst>
+              <a:ext uri="{FF2B5EF4-FFF2-40B4-BE49-F238E27FC236}">
+                <a16:creationId xmlns:a16="http://schemas.microsoft.com/office/drawing/2014/main" id="{0EEE96C4-176D-4E93-862B-BFBC40AE2AA7}"/>
+              </a:ext>
+            </a:extLst>
+          </p:cNvPr>
+          <p:cNvSpPr>
+            <a:spLocks noGrp="1"/>
+          </p:cNvSpPr>
+          <p:nvPr>
+            <p:ph type="body" sz="quarter" idx="10"/>
+          </p:nvPr>
+        </p:nvSpPr>
+        <p:spPr>
+          <a:xfrm>
+            <a:off x="838200" y="1328738"/>
+            <a:ext cx="6534752" cy="5230812"/>
+          </a:xfrm>
+        </p:spPr>
+        <p:txBody>
+          <a:bodyPr anchor="ctr"/>
+          <a:lstStyle/>
+          <a:p>
+            <a:pPr marL="0" indent="0" algn="ctr">
+              <a:buNone/>
+            </a:pPr>
+            <a:r>
+              <a:rPr lang="es-MX" dirty="0"/>
+              <a:t>Recibimos de consola </a:t>
+            </a:r>
+            <a:r>
+              <a:rPr lang="es-MX" b="1" i="1" dirty="0" err="1"/>
+              <a:t>horas_trabajadas</a:t>
+            </a:r>
+            <a:r>
+              <a:rPr lang="es-MX" dirty="0"/>
+              <a:t> y </a:t>
+            </a:r>
+            <a:r>
+              <a:rPr lang="es-MX" b="1" i="1" dirty="0" err="1"/>
+              <a:t>sueldo_por_hora</a:t>
+            </a:r>
+            <a:r>
+              <a:rPr lang="es-MX" dirty="0"/>
+              <a:t>.</a:t>
+            </a:r>
+            <a:endParaRPr lang="en-US" dirty="0"/>
+          </a:p>
+        </p:txBody>
+      </p:sp>
+      <p:pic>
+        <p:nvPicPr>
+          <p:cNvPr id="10" name="Picture 9" descr="A screenshot of a cell phone&#10;&#10;Description automatically generated">
+            <a:extLst>
+              <a:ext uri="{FF2B5EF4-FFF2-40B4-BE49-F238E27FC236}">
+                <a16:creationId xmlns:a16="http://schemas.microsoft.com/office/drawing/2014/main" id="{1C0AC83E-2D07-4BBF-9378-EA9DFCEBC27E}"/>
+              </a:ext>
+            </a:extLst>
+          </p:cNvPr>
+          <p:cNvPicPr>
+            <a:picLocks noChangeAspect="1"/>
+          </p:cNvPicPr>
+          <p:nvPr/>
+        </p:nvPicPr>
+        <p:blipFill rotWithShape="1">
+          <a:blip r:embed="rId2">
+            <a:extLst>
+              <a:ext uri="{28A0092B-C50C-407E-A947-70E740481C1C}">
+                <a14:useLocalDpi xmlns:a14="http://schemas.microsoft.com/office/drawing/2010/main" val="0"/>
+              </a:ext>
+            </a:extLst>
+          </a:blip>
+          <a:srcRect b="65845"/>
+          <a:stretch/>
+        </p:blipFill>
+        <p:spPr>
+          <a:xfrm>
+            <a:off x="7443479" y="-193007"/>
+            <a:ext cx="4636169" cy="2474194"/>
+          </a:xfrm>
+          <a:prstGeom prst="rect">
+            <a:avLst/>
+          </a:prstGeom>
+        </p:spPr>
+      </p:pic>
+    </p:spTree>
+    <p:extLst>
+      <p:ext uri="{BB962C8B-B14F-4D97-AF65-F5344CB8AC3E}">
+        <p14:creationId xmlns:p14="http://schemas.microsoft.com/office/powerpoint/2010/main" val="3184524223"/>
+      </p:ext>
+    </p:extLst>
+  </p:cSld>
+  <p:clrMapOvr>
+    <a:masterClrMapping/>
+  </p:clrMapOvr>
+</p:sld>
+</file>
+
+<file path=ppt/slides/slide35.xml><?xml version="1.0" encoding="utf-8"?>
+<p:sld xmlns:a="http://schemas.openxmlformats.org/drawingml/2006/main" xmlns:r="http://schemas.openxmlformats.org/officeDocument/2006/relationships" xmlns:p="http://schemas.openxmlformats.org/presentationml/2006/main">
+  <p:cSld>
+    <p:spTree>
+      <p:nvGrpSpPr>
+        <p:cNvPr id="1" name=""/>
+        <p:cNvGrpSpPr/>
+        <p:nvPr/>
+      </p:nvGrpSpPr>
+      <p:grpSpPr>
+        <a:xfrm>
+          <a:off x="0" y="0"/>
+          <a:ext cx="0" cy="0"/>
+          <a:chOff x="0" y="0"/>
+          <a:chExt cx="0" cy="0"/>
+        </a:xfrm>
+      </p:grpSpPr>
+      <p:sp>
+        <p:nvSpPr>
+          <p:cNvPr id="3" name="Text Placeholder 2">
+            <a:extLst>
+              <a:ext uri="{FF2B5EF4-FFF2-40B4-BE49-F238E27FC236}">
+                <a16:creationId xmlns:a16="http://schemas.microsoft.com/office/drawing/2014/main" id="{0EEE96C4-176D-4E93-862B-BFBC40AE2AA7}"/>
+              </a:ext>
+            </a:extLst>
+          </p:cNvPr>
+          <p:cNvSpPr>
+            <a:spLocks noGrp="1"/>
+          </p:cNvSpPr>
+          <p:nvPr>
+            <p:ph type="body" sz="quarter" idx="10"/>
+          </p:nvPr>
+        </p:nvSpPr>
+        <p:spPr>
+          <a:xfrm>
+            <a:off x="838200" y="423512"/>
+            <a:ext cx="5435600" cy="6136038"/>
+          </a:xfrm>
+        </p:spPr>
+        <p:txBody>
+          <a:bodyPr anchor="ctr"/>
+          <a:lstStyle/>
+          <a:p>
+            <a:pPr marL="0" indent="0">
+              <a:buNone/>
+            </a:pPr>
+            <a:r>
+              <a:rPr lang="es-MX" dirty="0"/>
+              <a:t>Haremos dos caminos:</a:t>
+            </a:r>
+          </a:p>
+          <a:p>
+            <a:pPr marL="514350" indent="-514350">
+              <a:buAutoNum type="arabicPeriod"/>
+            </a:pPr>
+            <a:r>
+              <a:rPr lang="es-MX" b="1" dirty="0">
+                <a:solidFill>
+                  <a:schemeClr val="accent2"/>
+                </a:solidFill>
+              </a:rPr>
+              <a:t>Cuando la persona haya trabajado mas de 40 horas</a:t>
+            </a:r>
+          </a:p>
+          <a:p>
+            <a:pPr marL="514350" indent="-514350">
+              <a:buAutoNum type="arabicPeriod"/>
+            </a:pPr>
+            <a:r>
+              <a:rPr lang="es-MX" b="1" dirty="0">
+                <a:solidFill>
+                  <a:schemeClr val="accent2"/>
+                </a:solidFill>
+              </a:rPr>
+              <a:t>Cuando la persona haya trabajado menos de 40 horas</a:t>
+            </a:r>
+          </a:p>
+          <a:p>
+            <a:pPr marL="0" indent="0">
+              <a:buNone/>
+            </a:pPr>
+            <a:r>
+              <a:rPr lang="es-MX" dirty="0"/>
+              <a:t>Ejemplos</a:t>
+            </a:r>
+          </a:p>
+          <a:p>
+            <a:r>
+              <a:rPr lang="es-MX" b="1" dirty="0">
+                <a:solidFill>
+                  <a:schemeClr val="accent1"/>
+                </a:solidFill>
+              </a:rPr>
+              <a:t>30 horas = falso</a:t>
+            </a:r>
+          </a:p>
+          <a:p>
+            <a:r>
+              <a:rPr lang="es-MX" b="1" dirty="0">
+                <a:solidFill>
+                  <a:schemeClr val="accent1"/>
+                </a:solidFill>
+              </a:rPr>
+              <a:t>100 horas = verdadero</a:t>
+            </a:r>
+          </a:p>
+          <a:p>
+            <a:r>
+              <a:rPr lang="es-MX" b="1" dirty="0">
+                <a:solidFill>
+                  <a:schemeClr val="accent1"/>
+                </a:solidFill>
+              </a:rPr>
+              <a:t>0 horas = falso</a:t>
+            </a:r>
+          </a:p>
+          <a:p>
+            <a:r>
+              <a:rPr lang="es-MX" b="1" dirty="0">
+                <a:solidFill>
+                  <a:schemeClr val="accent1"/>
+                </a:solidFill>
+              </a:rPr>
+              <a:t>40 horas = falso</a:t>
+            </a:r>
+          </a:p>
+        </p:txBody>
+      </p:sp>
+      <p:pic>
+        <p:nvPicPr>
+          <p:cNvPr id="10" name="Picture 9" descr="A screenshot of a cell phone&#10;&#10;Description automatically generated">
+            <a:extLst>
+              <a:ext uri="{FF2B5EF4-FFF2-40B4-BE49-F238E27FC236}">
+                <a16:creationId xmlns:a16="http://schemas.microsoft.com/office/drawing/2014/main" id="{1C0AC83E-2D07-4BBF-9378-EA9DFCEBC27E}"/>
+              </a:ext>
+            </a:extLst>
+          </p:cNvPr>
+          <p:cNvPicPr>
+            <a:picLocks noChangeAspect="1"/>
+          </p:cNvPicPr>
+          <p:nvPr/>
+        </p:nvPicPr>
+        <p:blipFill rotWithShape="1">
+          <a:blip r:embed="rId2">
+            <a:extLst>
+              <a:ext uri="{28A0092B-C50C-407E-A947-70E740481C1C}">
+                <a14:useLocalDpi xmlns:a14="http://schemas.microsoft.com/office/drawing/2010/main" val="0"/>
+              </a:ext>
+            </a:extLst>
+          </a:blip>
+          <a:srcRect t="-1" b="42327"/>
+          <a:stretch/>
+        </p:blipFill>
+        <p:spPr>
+          <a:xfrm>
+            <a:off x="7443479" y="-193007"/>
+            <a:ext cx="4636169" cy="4177866"/>
+          </a:xfrm>
+          <a:prstGeom prst="rect">
+            <a:avLst/>
+          </a:prstGeom>
+        </p:spPr>
+      </p:pic>
+    </p:spTree>
+    <p:extLst>
+      <p:ext uri="{BB962C8B-B14F-4D97-AF65-F5344CB8AC3E}">
+        <p14:creationId xmlns:p14="http://schemas.microsoft.com/office/powerpoint/2010/main" val="1767608228"/>
+      </p:ext>
+    </p:extLst>
+  </p:cSld>
+  <p:clrMapOvr>
+    <a:masterClrMapping/>
+  </p:clrMapOvr>
+  <p:timing>
+    <p:tnLst>
+      <p:par>
+        <p:cTn id="1" dur="indefinite" restart="never" nodeType="tmRoot">
+          <p:childTnLst>
+            <p:seq concurrent="1" nextAc="seek">
+              <p:cTn id="2" dur="indefinite" nodeType="mainSeq">
+                <p:childTnLst>
+                  <p:par>
+                    <p:cTn id="3" fill="hold">
+                      <p:stCondLst>
+                        <p:cond delay="indefinite"/>
+                      </p:stCondLst>
+                      <p:childTnLst>
+                        <p:par>
+                          <p:cTn id="4" fill="hold">
+                            <p:stCondLst>
+                              <p:cond delay="0"/>
+                            </p:stCondLst>
+                            <p:childTnLst>
+                              <p:par>
+                                <p:cTn id="5" presetID="1" presetClass="entr" presetSubtype="0" fill="hold" nodeType="clickEffect">
+                                  <p:stCondLst>
+                                    <p:cond delay="0"/>
+                                  </p:stCondLst>
+                                  <p:childTnLst>
+                                    <p:set>
+                                      <p:cBhvr>
+                                        <p:cTn id="6" dur="1" fill="hold">
+                                          <p:stCondLst>
+                                            <p:cond delay="0"/>
+                                          </p:stCondLst>
+                                        </p:cTn>
+                                        <p:tgtEl>
+                                          <p:spTgt spid="3">
+                                            <p:txEl>
+                                              <p:pRg st="4" end="4"/>
+                                            </p:txEl>
+                                          </p:spTgt>
+                                        </p:tgtEl>
+                                        <p:attrNameLst>
+                                          <p:attrName>style.visibility</p:attrName>
+                                        </p:attrNameLst>
+                                      </p:cBhvr>
+                                      <p:to>
+                                        <p:strVal val="visible"/>
+                                      </p:to>
+                                    </p:set>
+                                  </p:childTnLst>
+                                </p:cTn>
+                              </p:par>
+                            </p:childTnLst>
+                          </p:cTn>
+                        </p:par>
+                      </p:childTnLst>
+                    </p:cTn>
+                  </p:par>
+                  <p:par>
+                    <p:cTn id="7" fill="hold">
+                      <p:stCondLst>
+                        <p:cond delay="indefinite"/>
+                      </p:stCondLst>
+                      <p:childTnLst>
+                        <p:par>
+                          <p:cTn id="8" fill="hold">
+                            <p:stCondLst>
+                              <p:cond delay="0"/>
+                            </p:stCondLst>
+                            <p:childTnLst>
+                              <p:par>
+                                <p:cTn id="9" presetID="1" presetClass="entr" presetSubtype="0" fill="hold" nodeType="clickEffect">
+                                  <p:stCondLst>
+                                    <p:cond delay="0"/>
+                                  </p:stCondLst>
+                                  <p:childTnLst>
+                                    <p:set>
+                                      <p:cBhvr>
+                                        <p:cTn id="10" dur="1" fill="hold">
+                                          <p:stCondLst>
+                                            <p:cond delay="0"/>
+                                          </p:stCondLst>
+                                        </p:cTn>
+                                        <p:tgtEl>
+                                          <p:spTgt spid="3">
+                                            <p:txEl>
+                                              <p:pRg st="5" end="5"/>
+                                            </p:txEl>
+                                          </p:spTgt>
+                                        </p:tgtEl>
+                                        <p:attrNameLst>
+                                          <p:attrName>style.visibility</p:attrName>
+                                        </p:attrNameLst>
+                                      </p:cBhvr>
+                                      <p:to>
+                                        <p:strVal val="visible"/>
+                                      </p:to>
+                                    </p:set>
+                                  </p:childTnLst>
+                                </p:cTn>
+                              </p:par>
+                            </p:childTnLst>
+                          </p:cTn>
+                        </p:par>
+                      </p:childTnLst>
+                    </p:cTn>
+                  </p:par>
+                  <p:par>
+                    <p:cTn id="11" fill="hold">
+                      <p:stCondLst>
+                        <p:cond delay="indefinite"/>
+                      </p:stCondLst>
+                      <p:childTnLst>
+                        <p:par>
+                          <p:cTn id="12" fill="hold">
+                            <p:stCondLst>
+                              <p:cond delay="0"/>
+                            </p:stCondLst>
+                            <p:childTnLst>
+                              <p:par>
+                                <p:cTn id="13" presetID="1" presetClass="entr" presetSubtype="0" fill="hold" nodeType="clickEffect">
+                                  <p:stCondLst>
+                                    <p:cond delay="0"/>
+                                  </p:stCondLst>
+                                  <p:childTnLst>
+                                    <p:set>
+                                      <p:cBhvr>
+                                        <p:cTn id="14" dur="1" fill="hold">
+                                          <p:stCondLst>
+                                            <p:cond delay="0"/>
+                                          </p:stCondLst>
+                                        </p:cTn>
+                                        <p:tgtEl>
+                                          <p:spTgt spid="3">
+                                            <p:txEl>
+                                              <p:pRg st="6" end="6"/>
+                                            </p:txEl>
+                                          </p:spTgt>
+                                        </p:tgtEl>
+                                        <p:attrNameLst>
+                                          <p:attrName>style.visibility</p:attrName>
+                                        </p:attrNameLst>
+                                      </p:cBhvr>
+                                      <p:to>
+                                        <p:strVal val="visible"/>
+                                      </p:to>
+                                    </p:set>
+                                  </p:childTnLst>
+                                </p:cTn>
+                              </p:par>
+                            </p:childTnLst>
+                          </p:cTn>
+                        </p:par>
+                      </p:childTnLst>
+                    </p:cTn>
+                  </p:par>
+                  <p:par>
+                    <p:cTn id="15" fill="hold">
+                      <p:stCondLst>
+                        <p:cond delay="indefinite"/>
+                      </p:stCondLst>
+                      <p:childTnLst>
+                        <p:par>
+                          <p:cTn id="16" fill="hold">
+                            <p:stCondLst>
+                              <p:cond delay="0"/>
+                            </p:stCondLst>
+                            <p:childTnLst>
+                              <p:par>
+                                <p:cTn id="17" presetID="1" presetClass="entr" presetSubtype="0" fill="hold" nodeType="clickEffect">
+                                  <p:stCondLst>
+                                    <p:cond delay="0"/>
+                                  </p:stCondLst>
+                                  <p:childTnLst>
+                                    <p:set>
+                                      <p:cBhvr>
+                                        <p:cTn id="18" dur="1" fill="hold">
+                                          <p:stCondLst>
+                                            <p:cond delay="0"/>
+                                          </p:stCondLst>
+                                        </p:cTn>
+                                        <p:tgtEl>
+                                          <p:spTgt spid="3">
+                                            <p:txEl>
+                                              <p:pRg st="7" end="7"/>
+                                            </p:txEl>
+                                          </p:spTgt>
+                                        </p:tgtEl>
+                                        <p:attrNameLst>
+                                          <p:attrName>style.visibility</p:attrName>
+                                        </p:attrNameLst>
+                                      </p:cBhvr>
+                                      <p:to>
+                                        <p:strVal val="visible"/>
+                                      </p:to>
+                                    </p:set>
+                                  </p:childTnLst>
+                                </p:cTn>
+                              </p:par>
+                            </p:childTnLst>
+                          </p:cTn>
+                        </p:par>
+                      </p:childTnLst>
+                    </p:cTn>
+                  </p:par>
+                </p:childTnLst>
+              </p:cTn>
+              <p:prevCondLst>
+                <p:cond evt="onPrev" delay="0">
+                  <p:tgtEl>
+                    <p:sldTgt/>
+                  </p:tgtEl>
+                </p:cond>
+              </p:prevCondLst>
+              <p:nextCondLst>
+                <p:cond evt="onNext" delay="0">
+                  <p:tgtEl>
+                    <p:sldTgt/>
+                  </p:tgtEl>
+                </p:cond>
+              </p:nextCondLst>
+            </p:seq>
+          </p:childTnLst>
+        </p:cTn>
+      </p:par>
+    </p:tnLst>
+  </p:timing>
+</p:sld>
+</file>
+
+<file path=ppt/slides/slide36.xml><?xml version="1.0" encoding="utf-8"?>
+<p:sld xmlns:a="http://schemas.openxmlformats.org/drawingml/2006/main" xmlns:r="http://schemas.openxmlformats.org/officeDocument/2006/relationships" xmlns:p="http://schemas.openxmlformats.org/presentationml/2006/main">
+  <p:cSld>
+    <p:spTree>
+      <p:nvGrpSpPr>
+        <p:cNvPr id="1" name=""/>
+        <p:cNvGrpSpPr/>
+        <p:nvPr/>
+      </p:nvGrpSpPr>
+      <p:grpSpPr>
+        <a:xfrm>
+          <a:off x="0" y="0"/>
+          <a:ext cx="0" cy="0"/>
+          <a:chOff x="0" y="0"/>
+          <a:chExt cx="0" cy="0"/>
+        </a:xfrm>
+      </p:grpSpPr>
+      <p:pic>
+        <p:nvPicPr>
+          <p:cNvPr id="10" name="Picture 9" descr="A screenshot of a cell phone&#10;&#10;Description automatically generated">
+            <a:extLst>
+              <a:ext uri="{FF2B5EF4-FFF2-40B4-BE49-F238E27FC236}">
+                <a16:creationId xmlns:a16="http://schemas.microsoft.com/office/drawing/2014/main" id="{1C0AC83E-2D07-4BBF-9378-EA9DFCEBC27E}"/>
+              </a:ext>
+            </a:extLst>
+          </p:cNvPr>
+          <p:cNvPicPr>
+            <a:picLocks noChangeAspect="1"/>
+          </p:cNvPicPr>
+          <p:nvPr/>
+        </p:nvPicPr>
+        <p:blipFill rotWithShape="1">
+          <a:blip r:embed="rId2">
+            <a:extLst>
+              <a:ext uri="{28A0092B-C50C-407E-A947-70E740481C1C}">
+                <a14:useLocalDpi xmlns:a14="http://schemas.microsoft.com/office/drawing/2010/main" val="0"/>
+              </a:ext>
+            </a:extLst>
+          </a:blip>
+          <a:srcRect t="-1" b="33956"/>
+          <a:stretch/>
+        </p:blipFill>
+        <p:spPr>
+          <a:xfrm>
+            <a:off x="7443479" y="-193007"/>
+            <a:ext cx="4636169" cy="4784258"/>
+          </a:xfrm>
+          <a:prstGeom prst="rect">
+            <a:avLst/>
+          </a:prstGeom>
+        </p:spPr>
+      </p:pic>
+      <p:sp>
+        <p:nvSpPr>
+          <p:cNvPr id="5" name="Text Placeholder 2">
+            <a:extLst>
+              <a:ext uri="{FF2B5EF4-FFF2-40B4-BE49-F238E27FC236}">
+                <a16:creationId xmlns:a16="http://schemas.microsoft.com/office/drawing/2014/main" id="{E87E2B90-892B-4896-8B1E-E415356FD697}"/>
+              </a:ext>
+            </a:extLst>
+          </p:cNvPr>
+          <p:cNvSpPr>
+            <a:spLocks noGrp="1"/>
+          </p:cNvSpPr>
+          <p:nvPr>
+            <p:ph type="body" sz="quarter" idx="10"/>
+          </p:nvPr>
+        </p:nvSpPr>
+        <p:spPr>
+          <a:xfrm>
+            <a:off x="838200" y="423512"/>
+            <a:ext cx="5435600" cy="6136038"/>
+          </a:xfrm>
+        </p:spPr>
+        <p:txBody>
+          <a:bodyPr anchor="ctr"/>
+          <a:lstStyle/>
+          <a:p>
+            <a:pPr marL="0" indent="0" algn="ctr">
+              <a:buNone/>
+            </a:pPr>
+            <a:r>
+              <a:rPr lang="es-MX" dirty="0"/>
+              <a:t>Cada camino realiza el cálculo correspondiente.</a:t>
+            </a:r>
+          </a:p>
+        </p:txBody>
+      </p:sp>
+    </p:spTree>
+    <p:extLst>
+      <p:ext uri="{BB962C8B-B14F-4D97-AF65-F5344CB8AC3E}">
+        <p14:creationId xmlns:p14="http://schemas.microsoft.com/office/powerpoint/2010/main" val="309917779"/>
+      </p:ext>
+    </p:extLst>
+  </p:cSld>
+  <p:clrMapOvr>
+    <a:masterClrMapping/>
+  </p:clrMapOvr>
+</p:sld>
+</file>
+
+<file path=ppt/slides/slide37.xml><?xml version="1.0" encoding="utf-8"?>
+<p:sld xmlns:a="http://schemas.openxmlformats.org/drawingml/2006/main" xmlns:r="http://schemas.openxmlformats.org/officeDocument/2006/relationships" xmlns:p="http://schemas.openxmlformats.org/presentationml/2006/main">
+  <p:cSld>
+    <p:spTree>
+      <p:nvGrpSpPr>
+        <p:cNvPr id="1" name=""/>
+        <p:cNvGrpSpPr/>
+        <p:nvPr/>
+      </p:nvGrpSpPr>
+      <p:grpSpPr>
+        <a:xfrm>
+          <a:off x="0" y="0"/>
+          <a:ext cx="0" cy="0"/>
+          <a:chOff x="0" y="0"/>
+          <a:chExt cx="0" cy="0"/>
+        </a:xfrm>
+      </p:grpSpPr>
+      <p:pic>
+        <p:nvPicPr>
+          <p:cNvPr id="10" name="Picture 9" descr="A screenshot of a cell phone&#10;&#10;Description automatically generated">
+            <a:extLst>
+              <a:ext uri="{FF2B5EF4-FFF2-40B4-BE49-F238E27FC236}">
+                <a16:creationId xmlns:a16="http://schemas.microsoft.com/office/drawing/2014/main" id="{1C0AC83E-2D07-4BBF-9378-EA9DFCEBC27E}"/>
+              </a:ext>
+            </a:extLst>
+          </p:cNvPr>
+          <p:cNvPicPr>
+            <a:picLocks noChangeAspect="1"/>
+          </p:cNvPicPr>
+          <p:nvPr/>
+        </p:nvPicPr>
+        <p:blipFill rotWithShape="1">
+          <a:blip r:embed="rId2">
+            <a:extLst>
+              <a:ext uri="{28A0092B-C50C-407E-A947-70E740481C1C}">
+                <a14:useLocalDpi xmlns:a14="http://schemas.microsoft.com/office/drawing/2010/main" val="0"/>
+              </a:ext>
+            </a:extLst>
+          </a:blip>
+          <a:srcRect t="-2" b="2665"/>
+          <a:stretch/>
+        </p:blipFill>
+        <p:spPr>
+          <a:xfrm>
+            <a:off x="7443479" y="-193008"/>
+            <a:ext cx="4636169" cy="7051007"/>
+          </a:xfrm>
+          <a:prstGeom prst="rect">
+            <a:avLst/>
+          </a:prstGeom>
+        </p:spPr>
+      </p:pic>
+      <p:sp>
+        <p:nvSpPr>
+          <p:cNvPr id="5" name="Text Placeholder 2">
+            <a:extLst>
+              <a:ext uri="{FF2B5EF4-FFF2-40B4-BE49-F238E27FC236}">
+                <a16:creationId xmlns:a16="http://schemas.microsoft.com/office/drawing/2014/main" id="{F6987F60-AC81-45DD-9B40-AB5F4FD56BF1}"/>
+              </a:ext>
+            </a:extLst>
+          </p:cNvPr>
+          <p:cNvSpPr>
+            <a:spLocks noGrp="1"/>
+          </p:cNvSpPr>
+          <p:nvPr>
+            <p:ph type="body" sz="quarter" idx="10"/>
+          </p:nvPr>
+        </p:nvSpPr>
+        <p:spPr>
+          <a:xfrm>
+            <a:off x="838200" y="423512"/>
+            <a:ext cx="5435600" cy="6136038"/>
+          </a:xfrm>
+        </p:spPr>
+        <p:txBody>
+          <a:bodyPr anchor="ctr"/>
+          <a:lstStyle/>
+          <a:p>
+            <a:pPr marL="0" indent="0" algn="ctr">
+              <a:buNone/>
+            </a:pPr>
+            <a:r>
+              <a:rPr lang="es-MX" dirty="0"/>
+              <a:t>Se imprime el valor de </a:t>
+            </a:r>
+            <a:r>
+              <a:rPr lang="es-MX" b="1" i="1" dirty="0" err="1"/>
+              <a:t>Monto_a_Pagar</a:t>
+            </a:r>
+            <a:r>
+              <a:rPr lang="es-MX" b="1" i="1" dirty="0"/>
+              <a:t> </a:t>
+            </a:r>
+            <a:r>
+              <a:rPr lang="es-MX" dirty="0"/>
+              <a:t>y terminamos</a:t>
+            </a:r>
+          </a:p>
+        </p:txBody>
+      </p:sp>
+    </p:spTree>
+    <p:extLst>
+      <p:ext uri="{BB962C8B-B14F-4D97-AF65-F5344CB8AC3E}">
+        <p14:creationId xmlns:p14="http://schemas.microsoft.com/office/powerpoint/2010/main" val="747989948"/>
+      </p:ext>
+    </p:extLst>
+  </p:cSld>
+  <p:clrMapOvr>
+    <a:masterClrMapping/>
+  </p:clrMapOvr>
+</p:sld>
+</file>
+
 <file path=ppt/slides/slide4.xml><?xml version="1.0" encoding="utf-8"?>
 <p:sld xmlns:a="http://schemas.openxmlformats.org/drawingml/2006/main" xmlns:r="http://schemas.openxmlformats.org/officeDocument/2006/relationships" xmlns:p="http://schemas.openxmlformats.org/presentationml/2006/main">
   <p:cSld>
@@ -13152,7 +15957,12 @@
             <p:ph idx="1"/>
           </p:nvPr>
         </p:nvSpPr>
-        <p:spPr/>
+        <p:spPr>
+          <a:xfrm>
+            <a:off x="838200" y="1158115"/>
+            <a:ext cx="10359572" cy="5018848"/>
+          </a:xfrm>
+        </p:spPr>
         <p:txBody>
           <a:bodyPr>
             <a:normAutofit/>
@@ -13164,7 +15974,7 @@
             </a:pPr>
             <a:r>
               <a:rPr lang="es-MX" sz="3000" dirty="0"/>
-              <a:t>Un algoritmo es una serie de pasos que definen un procedimiento para realizar algún proceso. Los algoritmos deben ser:</a:t>
+              <a:t>Un algoritmo es una serie de pasos que definen un procedimiento para realizar algún proceso. Un algoritmo debe ser:</a:t>
             </a:r>
           </a:p>
           <a:p>
@@ -13174,12 +15984,15 @@
                   <a:schemeClr val="accent1"/>
                 </a:solidFill>
               </a:rPr>
-              <a:t>Precisos: </a:t>
+              <a:t>Preciso: </a:t>
             </a:r>
             <a:r>
               <a:rPr lang="es-MX" sz="3000" dirty="0"/>
-              <a:t>Deben seguir un orden.</a:t>
-            </a:r>
+              <a:t>Debe seguir un orden establecido.</a:t>
+            </a:r>
+            <a:br>
+              <a:rPr lang="es-MX" sz="3000" dirty="0"/>
+            </a:br>
             <a:endParaRPr lang="es-MX" sz="3000" b="1" dirty="0">
               <a:solidFill>
                 <a:schemeClr val="accent1"/>
@@ -13193,12 +16006,15 @@
                   <a:schemeClr val="accent1"/>
                 </a:solidFill>
               </a:rPr>
-              <a:t>Definidos: </a:t>
+              <a:t>Definido: </a:t>
             </a:r>
             <a:r>
               <a:rPr lang="es-MX" sz="3000" dirty="0"/>
               <a:t>Los resultados son predecibles, dos ejecuciones del mismo algoritmo deben generar el mismo resultado.</a:t>
             </a:r>
+            <a:br>
+              <a:rPr lang="es-MX" sz="3000" dirty="0"/>
+            </a:br>
             <a:endParaRPr lang="es-MX" sz="3000" b="1" dirty="0">
               <a:solidFill>
                 <a:schemeClr val="accent1"/>
@@ -13212,7 +16028,7 @@
                   <a:schemeClr val="accent1"/>
                 </a:solidFill>
               </a:rPr>
-              <a:t>Finitos: </a:t>
+              <a:t>Finito: </a:t>
             </a:r>
             <a:r>
               <a:rPr lang="es-MX" sz="3000" dirty="0"/>
@@ -13226,6 +16042,123 @@
           </a:p>
         </p:txBody>
       </p:sp>
+      <p:pic>
+        <p:nvPicPr>
+          <p:cNvPr id="5" name="Graphic 4" descr="Bullseye">
+            <a:extLst>
+              <a:ext uri="{FF2B5EF4-FFF2-40B4-BE49-F238E27FC236}">
+                <a16:creationId xmlns:a16="http://schemas.microsoft.com/office/drawing/2014/main" id="{A73C6F5F-7112-4ABC-AF33-9025F0A9FA50}"/>
+              </a:ext>
+            </a:extLst>
+          </p:cNvPr>
+          <p:cNvPicPr>
+            <a:picLocks noChangeAspect="1"/>
+          </p:cNvPicPr>
+          <p:nvPr/>
+        </p:nvPicPr>
+        <p:blipFill>
+          <a:blip r:embed="rId2">
+            <a:extLst>
+              <a:ext uri="{28A0092B-C50C-407E-A947-70E740481C1C}">
+                <a14:useLocalDpi xmlns:a14="http://schemas.microsoft.com/office/drawing/2010/main" val="0"/>
+              </a:ext>
+              <a:ext uri="{96DAC541-7B7A-43D3-8B79-37D633B846F1}">
+                <asvg:svgBlip xmlns:asvg="http://schemas.microsoft.com/office/drawing/2016/SVG/main" r:embed="rId3"/>
+              </a:ext>
+            </a:extLst>
+          </a:blip>
+          <a:stretch>
+            <a:fillRect/>
+          </a:stretch>
+        </p:blipFill>
+        <p:spPr>
+          <a:xfrm>
+            <a:off x="3077028" y="4328886"/>
+            <a:ext cx="838200" cy="838200"/>
+          </a:xfrm>
+          <a:prstGeom prst="rect">
+            <a:avLst/>
+          </a:prstGeom>
+        </p:spPr>
+      </p:pic>
+      <p:pic>
+        <p:nvPicPr>
+          <p:cNvPr id="7" name="Graphic 6" descr="Stopwatch">
+            <a:extLst>
+              <a:ext uri="{FF2B5EF4-FFF2-40B4-BE49-F238E27FC236}">
+                <a16:creationId xmlns:a16="http://schemas.microsoft.com/office/drawing/2014/main" id="{6C279821-9AA5-4EC3-9BFA-141E716C2221}"/>
+              </a:ext>
+            </a:extLst>
+          </p:cNvPr>
+          <p:cNvPicPr>
+            <a:picLocks noChangeAspect="1"/>
+          </p:cNvPicPr>
+          <p:nvPr/>
+        </p:nvPicPr>
+        <p:blipFill>
+          <a:blip r:embed="rId4">
+            <a:extLst>
+              <a:ext uri="{28A0092B-C50C-407E-A947-70E740481C1C}">
+                <a14:useLocalDpi xmlns:a14="http://schemas.microsoft.com/office/drawing/2010/main" val="0"/>
+              </a:ext>
+              <a:ext uri="{96DAC541-7B7A-43D3-8B79-37D633B846F1}">
+                <asvg:svgBlip xmlns:asvg="http://schemas.microsoft.com/office/drawing/2016/SVG/main" r:embed="rId5"/>
+              </a:ext>
+            </a:extLst>
+          </a:blip>
+          <a:stretch>
+            <a:fillRect/>
+          </a:stretch>
+        </p:blipFill>
+        <p:spPr>
+          <a:xfrm>
+            <a:off x="6385891" y="5802226"/>
+            <a:ext cx="749474" cy="749474"/>
+          </a:xfrm>
+          <a:prstGeom prst="rect">
+            <a:avLst/>
+          </a:prstGeom>
+        </p:spPr>
+      </p:pic>
+      <p:pic>
+        <p:nvPicPr>
+          <p:cNvPr id="9" name="Graphic 8" descr="Screwdriver">
+            <a:extLst>
+              <a:ext uri="{FF2B5EF4-FFF2-40B4-BE49-F238E27FC236}">
+                <a16:creationId xmlns:a16="http://schemas.microsoft.com/office/drawing/2014/main" id="{111F9D2C-2FD6-4C66-BFA9-DE05A4C62B55}"/>
+              </a:ext>
+            </a:extLst>
+          </p:cNvPr>
+          <p:cNvPicPr>
+            <a:picLocks noChangeAspect="1"/>
+          </p:cNvPicPr>
+          <p:nvPr/>
+        </p:nvPicPr>
+        <p:blipFill>
+          <a:blip r:embed="rId6">
+            <a:extLst>
+              <a:ext uri="{28A0092B-C50C-407E-A947-70E740481C1C}">
+                <a14:useLocalDpi xmlns:a14="http://schemas.microsoft.com/office/drawing/2010/main" val="0"/>
+              </a:ext>
+              <a:ext uri="{96DAC541-7B7A-43D3-8B79-37D633B846F1}">
+                <asvg:svgBlip xmlns:asvg="http://schemas.microsoft.com/office/drawing/2016/SVG/main" r:embed="rId7"/>
+              </a:ext>
+            </a:extLst>
+          </a:blip>
+          <a:stretch>
+            <a:fillRect/>
+          </a:stretch>
+        </p:blipFill>
+        <p:spPr>
+          <a:xfrm>
+            <a:off x="8739194" y="2469500"/>
+            <a:ext cx="673780" cy="673780"/>
+          </a:xfrm>
+          <a:prstGeom prst="rect">
+            <a:avLst/>
+          </a:prstGeom>
+        </p:spPr>
+      </p:pic>
     </p:spTree>
     <p:extLst>
       <p:ext uri="{BB962C8B-B14F-4D97-AF65-F5344CB8AC3E}">
@@ -13287,6 +16220,33 @@
                                   </p:childTnLst>
                                 </p:cTn>
                               </p:par>
+                              <p:par>
+                                <p:cTn id="7" presetID="1" presetClass="entr" presetSubtype="0" fill="hold" nodeType="withEffect">
+                                  <p:stCondLst>
+                                    <p:cond delay="0"/>
+                                  </p:stCondLst>
+                                  <p:childTnLst>
+                                    <p:set>
+                                      <p:cBhvr>
+                                        <p:cTn id="8" dur="1" fill="hold">
+                                          <p:stCondLst>
+                                            <p:cond delay="0"/>
+                                          </p:stCondLst>
+                                        </p:cTn>
+                                        <p:tgtEl>
+                                          <p:spTgt spid="9"/>
+                                        </p:tgtEl>
+                                        <p:attrNameLst>
+                                          <p:attrName>style.visibility</p:attrName>
+                                        </p:attrNameLst>
+                                      </p:cBhvr>
+                                      <p:to>
+                                        <p:strVal val="visible"/>
+                                      </p:to>
+                                    </p:set>
+                                  </p:childTnLst>
+                                </p:cTn>
+                              </p:par>
                             </p:childTnLst>
                           </p:cTn>
                         </p:par>
@@ -13294,26 +16254,26 @@
                     </p:cTn>
                   </p:par>
                   <p:par>
-                    <p:cTn id="7" fill="hold">
+                    <p:cTn id="9" fill="hold">
                       <p:stCondLst>
                         <p:cond delay="indefinite"/>
                       </p:stCondLst>
                       <p:childTnLst>
                         <p:par>
-                          <p:cTn id="8" fill="hold">
+                          <p:cTn id="10" fill="hold">
                             <p:stCondLst>
                               <p:cond delay="0"/>
                             </p:stCondLst>
                             <p:childTnLst>
                               <p:par>
-                                <p:cTn id="9" presetID="1" presetClass="entr" presetSubtype="0" fill="hold" nodeType="clickEffect">
+                                <p:cTn id="11" presetID="1" presetClass="entr" presetSubtype="0" fill="hold" nodeType="clickEffect">
                                   <p:stCondLst>
                                     <p:cond delay="0"/>
                                   </p:stCondLst>
                                   <p:childTnLst>
                                     <p:set>
                                       <p:cBhvr>
-                                        <p:cTn id="10" dur="1" fill="hold">
+                                        <p:cTn id="12" dur="1" fill="hold">
                                           <p:stCondLst>
                                             <p:cond delay="0"/>
                                           </p:stCondLst>
@@ -13336,26 +16296,8 @@
                                   </p:childTnLst>
                                 </p:cTn>
                               </p:par>
-                            </p:childTnLst>
-                          </p:cTn>
-                        </p:par>
-                      </p:childTnLst>
-                    </p:cTn>
-                  </p:par>
-                  <p:par>
-                    <p:cTn id="11" fill="hold">
-                      <p:stCondLst>
-                        <p:cond delay="indefinite"/>
-                      </p:stCondLst>
-                      <p:childTnLst>
-                        <p:par>
-                          <p:cTn id="12" fill="hold">
-                            <p:stCondLst>
-                              <p:cond delay="0"/>
-                            </p:stCondLst>
-                            <p:childTnLst>
                               <p:par>
-                                <p:cTn id="13" presetID="1" presetClass="entr" presetSubtype="0" fill="hold" nodeType="clickEffect">
+                                <p:cTn id="13" presetID="1" presetClass="entr" presetSubtype="0" fill="hold" nodeType="withEffect">
                                   <p:stCondLst>
                                     <p:cond delay="0"/>
                                   </p:stCondLst>
@@ -13368,11 +16310,83 @@
                                           </p:stCondLst>
                                         </p:cTn>
                                         <p:tgtEl>
+                                          <p:spTgt spid="5"/>
+                                        </p:tgtEl>
+                                        <p:attrNameLst>
+                                          <p:attrName>style.visibility</p:attrName>
+                                        </p:attrNameLst>
+                                      </p:cBhvr>
+                                      <p:to>
+                                        <p:strVal val="visible"/>
+                                      </p:to>
+                                    </p:set>
+                                  </p:childTnLst>
+                                </p:cTn>
+                              </p:par>
+                            </p:childTnLst>
+                          </p:cTn>
+                        </p:par>
+                      </p:childTnLst>
+                    </p:cTn>
+                  </p:par>
+                  <p:par>
+                    <p:cTn id="15" fill="hold">
+                      <p:stCondLst>
+                        <p:cond delay="indefinite"/>
+                      </p:stCondLst>
+                      <p:childTnLst>
+                        <p:par>
+                          <p:cTn id="16" fill="hold">
+                            <p:stCondLst>
+                              <p:cond delay="0"/>
+                            </p:stCondLst>
+                            <p:childTnLst>
+                              <p:par>
+                                <p:cTn id="17" presetID="1" presetClass="entr" presetSubtype="0" fill="hold" nodeType="clickEffect">
+                                  <p:stCondLst>
+                                    <p:cond delay="0"/>
+                                  </p:stCondLst>
+                                  <p:childTnLst>
+                                    <p:set>
+                                      <p:cBhvr>
+                                        <p:cTn id="18" dur="1" fill="hold">
+                                          <p:stCondLst>
+                                            <p:cond delay="0"/>
+                                          </p:stCondLst>
+                                        </p:cTn>
+                                        <p:tgtEl>
                                           <p:spTgt spid="3">
                                             <p:txEl>
                                               <p:pRg st="3" end="3"/>
                                             </p:txEl>
                                           </p:spTgt>
+                                        </p:tgtEl>
+                                        <p:attrNameLst>
+                                          <p:attrName>style.visibility</p:attrName>
+                                        </p:attrNameLst>
+                                      </p:cBhvr>
+                                      <p:to>
+                                        <p:strVal val="visible"/>
+                                      </p:to>
+                                    </p:set>
+                                  </p:childTnLst>
+                                </p:cTn>
+                              </p:par>
+                              <p:par>
+                                <p:cTn id="19" presetID="1" presetClass="entr" presetSubtype="0" fill="hold" nodeType="withEffect">
+                                  <p:stCondLst>
+                                    <p:cond delay="0"/>
+                                  </p:stCondLst>
+                                  <p:childTnLst>
+                                    <p:set>
+                                      <p:cBhvr>
+                                        <p:cTn id="20" dur="1" fill="hold">
+                                          <p:stCondLst>
+                                            <p:cond delay="0"/>
+                                          </p:stCondLst>
+                                        </p:cTn>
+                                        <p:tgtEl>
+                                          <p:spTgt spid="7"/>
                                         </p:tgtEl>
                                         <p:attrNameLst>
                                           <p:attrName>style.visibility</p:attrName>

--- a/01 Presentacion/INFO1_MOD4-Algoritmos_y_Diagramas.pptx
+++ b/01 Presentacion/INFO1_MOD4-Algoritmos_y_Diagramas.pptx
@@ -322,7 +322,7 @@
             <a:fld id="{A8CFC892-7674-4263-9B21-5444F469832B}" type="datetimeFigureOut">
               <a:rPr lang="en-US" smtClean="0"/>
               <a:pPr/>
-              <a:t>9/22/2019</a:t>
+              <a:t>9/23/2019</a:t>
             </a:fld>
             <a:endParaRPr lang="en-US"/>
           </a:p>
@@ -889,7 +889,7 @@
           <a:p>
             <a:fld id="{A8CFC892-7674-4263-9B21-5444F469832B}" type="datetimeFigureOut">
               <a:rPr lang="en-US" smtClean="0"/>
-              <a:t>9/22/2019</a:t>
+              <a:t>9/23/2019</a:t>
             </a:fld>
             <a:endParaRPr lang="en-US"/>
           </a:p>
@@ -1356,7 +1356,7 @@
             <a:fld id="{A8CFC892-7674-4263-9B21-5444F469832B}" type="datetimeFigureOut">
               <a:rPr lang="en-US" smtClean="0"/>
               <a:pPr/>
-              <a:t>9/22/2019</a:t>
+              <a:t>9/23/2019</a:t>
             </a:fld>
             <a:endParaRPr lang="en-US"/>
           </a:p>
@@ -15345,41 +15345,6 @@
           <a:chExt cx="0" cy="0"/>
         </a:xfrm>
       </p:grpSpPr>
-      <p:pic>
-        <p:nvPicPr>
-          <p:cNvPr id="10" name="Picture 9" descr="A screenshot of a cell phone&#10;&#10;Description automatically generated">
-            <a:extLst>
-              <a:ext uri="{FF2B5EF4-FFF2-40B4-BE49-F238E27FC236}">
-                <a16:creationId xmlns:a16="http://schemas.microsoft.com/office/drawing/2014/main" id="{1C0AC83E-2D07-4BBF-9378-EA9DFCEBC27E}"/>
-              </a:ext>
-            </a:extLst>
-          </p:cNvPr>
-          <p:cNvPicPr>
-            <a:picLocks noChangeAspect="1"/>
-          </p:cNvPicPr>
-          <p:nvPr/>
-        </p:nvPicPr>
-        <p:blipFill rotWithShape="1">
-          <a:blip r:embed="rId2">
-            <a:extLst>
-              <a:ext uri="{28A0092B-C50C-407E-A947-70E740481C1C}">
-                <a14:useLocalDpi xmlns:a14="http://schemas.microsoft.com/office/drawing/2010/main" val="0"/>
-              </a:ext>
-            </a:extLst>
-          </a:blip>
-          <a:srcRect t="-1" b="33956"/>
-          <a:stretch/>
-        </p:blipFill>
-        <p:spPr>
-          <a:xfrm>
-            <a:off x="7443479" y="-193007"/>
-            <a:ext cx="4636169" cy="4784258"/>
-          </a:xfrm>
-          <a:prstGeom prst="rect">
-            <a:avLst/>
-          </a:prstGeom>
-        </p:spPr>
-      </p:pic>
       <p:sp>
         <p:nvSpPr>
           <p:cNvPr id="5" name="Text Placeholder 2">
@@ -15416,6 +15381,41 @@
           </a:p>
         </p:txBody>
       </p:sp>
+      <p:pic>
+        <p:nvPicPr>
+          <p:cNvPr id="4" name="Picture 3">
+            <a:extLst>
+              <a:ext uri="{FF2B5EF4-FFF2-40B4-BE49-F238E27FC236}">
+                <a16:creationId xmlns:a16="http://schemas.microsoft.com/office/drawing/2014/main" id="{3C83F530-25FE-4789-A55E-978ABF167397}"/>
+              </a:ext>
+            </a:extLst>
+          </p:cNvPr>
+          <p:cNvPicPr>
+            <a:picLocks noChangeAspect="1"/>
+          </p:cNvPicPr>
+          <p:nvPr/>
+        </p:nvPicPr>
+        <p:blipFill rotWithShape="1">
+          <a:blip r:embed="rId2">
+            <a:extLst>
+              <a:ext uri="{28A0092B-C50C-407E-A947-70E740481C1C}">
+                <a14:useLocalDpi xmlns:a14="http://schemas.microsoft.com/office/drawing/2010/main" val="0"/>
+              </a:ext>
+            </a:extLst>
+          </a:blip>
+          <a:srcRect b="31766"/>
+          <a:stretch/>
+        </p:blipFill>
+        <p:spPr>
+          <a:xfrm>
+            <a:off x="7369094" y="0"/>
+            <a:ext cx="4420134" cy="4582886"/>
+          </a:xfrm>
+          <a:prstGeom prst="rect">
+            <a:avLst/>
+          </a:prstGeom>
+        </p:spPr>
+      </p:pic>
     </p:spTree>
     <p:extLst>
       <p:ext uri="{BB962C8B-B14F-4D97-AF65-F5344CB8AC3E}">
@@ -15446,41 +15446,6 @@
           <a:chExt cx="0" cy="0"/>
         </a:xfrm>
       </p:grpSpPr>
-      <p:pic>
-        <p:nvPicPr>
-          <p:cNvPr id="10" name="Picture 9" descr="A screenshot of a cell phone&#10;&#10;Description automatically generated">
-            <a:extLst>
-              <a:ext uri="{FF2B5EF4-FFF2-40B4-BE49-F238E27FC236}">
-                <a16:creationId xmlns:a16="http://schemas.microsoft.com/office/drawing/2014/main" id="{1C0AC83E-2D07-4BBF-9378-EA9DFCEBC27E}"/>
-              </a:ext>
-            </a:extLst>
-          </p:cNvPr>
-          <p:cNvPicPr>
-            <a:picLocks noChangeAspect="1"/>
-          </p:cNvPicPr>
-          <p:nvPr/>
-        </p:nvPicPr>
-        <p:blipFill rotWithShape="1">
-          <a:blip r:embed="rId2">
-            <a:extLst>
-              <a:ext uri="{28A0092B-C50C-407E-A947-70E740481C1C}">
-                <a14:useLocalDpi xmlns:a14="http://schemas.microsoft.com/office/drawing/2010/main" val="0"/>
-              </a:ext>
-            </a:extLst>
-          </a:blip>
-          <a:srcRect t="-2" b="2665"/>
-          <a:stretch/>
-        </p:blipFill>
-        <p:spPr>
-          <a:xfrm>
-            <a:off x="7443479" y="-193008"/>
-            <a:ext cx="4636169" cy="7051007"/>
-          </a:xfrm>
-          <a:prstGeom prst="rect">
-            <a:avLst/>
-          </a:prstGeom>
-        </p:spPr>
-      </p:pic>
       <p:sp>
         <p:nvSpPr>
           <p:cNvPr id="5" name="Text Placeholder 2">
@@ -15529,6 +15494,42 @@
           </a:p>
         </p:txBody>
       </p:sp>
+      <p:pic>
+        <p:nvPicPr>
+          <p:cNvPr id="6" name="Picture 5">
+            <a:extLst>
+              <a:ext uri="{FF2B5EF4-FFF2-40B4-BE49-F238E27FC236}">
+                <a16:creationId xmlns:a16="http://schemas.microsoft.com/office/drawing/2014/main" id="{43E50344-418C-462D-8AD3-42E1DF0714E3}"/>
+              </a:ext>
+            </a:extLst>
+          </p:cNvPr>
+          <p:cNvPicPr>
+            <a:picLocks noChangeAspect="1"/>
+          </p:cNvPicPr>
+          <p:nvPr/>
+        </p:nvPicPr>
+        <p:blipFill>
+          <a:blip r:embed="rId2">
+            <a:extLst>
+              <a:ext uri="{28A0092B-C50C-407E-A947-70E740481C1C}">
+                <a14:useLocalDpi xmlns:a14="http://schemas.microsoft.com/office/drawing/2010/main" val="0"/>
+              </a:ext>
+            </a:extLst>
+          </a:blip>
+          <a:stretch>
+            <a:fillRect/>
+          </a:stretch>
+        </p:blipFill>
+        <p:spPr>
+          <a:xfrm>
+            <a:off x="7597695" y="0"/>
+            <a:ext cx="4420134" cy="6716426"/>
+          </a:xfrm>
+          <a:prstGeom prst="rect">
+            <a:avLst/>
+          </a:prstGeom>
+        </p:spPr>
+      </p:pic>
     </p:spTree>
     <p:extLst>
       <p:ext uri="{BB962C8B-B14F-4D97-AF65-F5344CB8AC3E}">

--- a/01 Presentacion/INFO1_MOD4-Algoritmos_y_Diagramas.pptx
+++ b/01 Presentacion/INFO1_MOD4-Algoritmos_y_Diagramas.pptx
@@ -42,16 +42,21 @@
     <p:sldId id="290" r:id="rId36"/>
     <p:sldId id="291" r:id="rId37"/>
     <p:sldId id="292" r:id="rId38"/>
+    <p:sldId id="293" r:id="rId39"/>
+    <p:sldId id="294" r:id="rId40"/>
+    <p:sldId id="295" r:id="rId41"/>
+    <p:sldId id="296" r:id="rId42"/>
+    <p:sldId id="297" r:id="rId43"/>
   </p:sldIdLst>
   <p:sldSz cx="12192000" cy="6858000"/>
   <p:notesSz cx="6858000" cy="9144000"/>
   <p:embeddedFontLst>
     <p:embeddedFont>
       <p:font typeface="Ubuntu" panose="020B0504030602030204" pitchFamily="34" charset="0"/>
-      <p:regular r:id="rId39"/>
-      <p:bold r:id="rId40"/>
-      <p:italic r:id="rId41"/>
-      <p:boldItalic r:id="rId42"/>
+      <p:regular r:id="rId44"/>
+      <p:bold r:id="rId45"/>
+      <p:italic r:id="rId46"/>
+      <p:boldItalic r:id="rId47"/>
     </p:embeddedFont>
   </p:embeddedFontLst>
   <p:defaultTextStyle>
@@ -322,7 +327,7 @@
             <a:fld id="{A8CFC892-7674-4263-9B21-5444F469832B}" type="datetimeFigureOut">
               <a:rPr lang="en-US" smtClean="0"/>
               <a:pPr/>
-              <a:t>9/23/2019</a:t>
+              <a:t>9/24/2019</a:t>
             </a:fld>
             <a:endParaRPr lang="en-US"/>
           </a:p>
@@ -889,7 +894,7 @@
           <a:p>
             <a:fld id="{A8CFC892-7674-4263-9B21-5444F469832B}" type="datetimeFigureOut">
               <a:rPr lang="en-US" smtClean="0"/>
-              <a:t>9/23/2019</a:t>
+              <a:t>9/24/2019</a:t>
             </a:fld>
             <a:endParaRPr lang="en-US"/>
           </a:p>
@@ -1356,7 +1361,7 @@
             <a:fld id="{A8CFC892-7674-4263-9B21-5444F469832B}" type="datetimeFigureOut">
               <a:rPr lang="en-US" smtClean="0"/>
               <a:pPr/>
-              <a:t>9/23/2019</a:t>
+              <a:t>9/24/2019</a:t>
             </a:fld>
             <a:endParaRPr lang="en-US"/>
           </a:p>
@@ -15543,6 +15548,816 @@
 </p:sld>
 </file>
 
+<file path=ppt/slides/slide38.xml><?xml version="1.0" encoding="utf-8"?>
+<p:sld xmlns:a="http://schemas.openxmlformats.org/drawingml/2006/main" xmlns:r="http://schemas.openxmlformats.org/officeDocument/2006/relationships" xmlns:p="http://schemas.openxmlformats.org/presentationml/2006/main">
+  <p:cSld>
+    <p:spTree>
+      <p:nvGrpSpPr>
+        <p:cNvPr id="1" name=""/>
+        <p:cNvGrpSpPr/>
+        <p:nvPr/>
+      </p:nvGrpSpPr>
+      <p:grpSpPr>
+        <a:xfrm>
+          <a:off x="0" y="0"/>
+          <a:ext cx="0" cy="0"/>
+          <a:chOff x="0" y="0"/>
+          <a:chExt cx="0" cy="0"/>
+        </a:xfrm>
+      </p:grpSpPr>
+      <p:sp>
+        <p:nvSpPr>
+          <p:cNvPr id="2" name="Title 1">
+            <a:extLst>
+              <a:ext uri="{FF2B5EF4-FFF2-40B4-BE49-F238E27FC236}">
+                <a16:creationId xmlns:a16="http://schemas.microsoft.com/office/drawing/2014/main" id="{48B60798-2429-43F8-85CA-D59994F369D9}"/>
+              </a:ext>
+            </a:extLst>
+          </p:cNvPr>
+          <p:cNvSpPr>
+            <a:spLocks noGrp="1"/>
+          </p:cNvSpPr>
+          <p:nvPr>
+            <p:ph type="title"/>
+          </p:nvPr>
+        </p:nvSpPr>
+        <p:spPr/>
+        <p:txBody>
+          <a:bodyPr/>
+          <a:lstStyle/>
+          <a:p>
+            <a:r>
+              <a:rPr lang="en-US" dirty="0" err="1"/>
+              <a:t>Ejercicio</a:t>
+            </a:r>
+            <a:r>
+              <a:rPr lang="en-US" dirty="0"/>
+              <a:t> </a:t>
+            </a:r>
+            <a:r>
+              <a:rPr lang="en-US" dirty="0" err="1"/>
+              <a:t>en</a:t>
+            </a:r>
+            <a:r>
+              <a:rPr lang="en-US" dirty="0"/>
+              <a:t> </a:t>
+            </a:r>
+            <a:r>
+              <a:rPr lang="en-US" dirty="0" err="1"/>
+              <a:t>Progranimate</a:t>
+            </a:r>
+            <a:endParaRPr lang="en-US" dirty="0"/>
+          </a:p>
+        </p:txBody>
+      </p:sp>
+    </p:spTree>
+    <p:extLst>
+      <p:ext uri="{BB962C8B-B14F-4D97-AF65-F5344CB8AC3E}">
+        <p14:creationId xmlns:p14="http://schemas.microsoft.com/office/powerpoint/2010/main" val="2920216866"/>
+      </p:ext>
+    </p:extLst>
+  </p:cSld>
+  <p:clrMapOvr>
+    <a:masterClrMapping/>
+  </p:clrMapOvr>
+</p:sld>
+</file>
+
+<file path=ppt/slides/slide39.xml><?xml version="1.0" encoding="utf-8"?>
+<p:sld xmlns:a="http://schemas.openxmlformats.org/drawingml/2006/main" xmlns:r="http://schemas.openxmlformats.org/officeDocument/2006/relationships" xmlns:p="http://schemas.openxmlformats.org/presentationml/2006/main">
+  <p:cSld>
+    <p:spTree>
+      <p:nvGrpSpPr>
+        <p:cNvPr id="1" name=""/>
+        <p:cNvGrpSpPr/>
+        <p:nvPr/>
+      </p:nvGrpSpPr>
+      <p:grpSpPr>
+        <a:xfrm>
+          <a:off x="0" y="0"/>
+          <a:ext cx="0" cy="0"/>
+          <a:chOff x="0" y="0"/>
+          <a:chExt cx="0" cy="0"/>
+        </a:xfrm>
+      </p:grpSpPr>
+      <p:sp>
+        <p:nvSpPr>
+          <p:cNvPr id="2" name="Title 1">
+            <a:extLst>
+              <a:ext uri="{FF2B5EF4-FFF2-40B4-BE49-F238E27FC236}">
+                <a16:creationId xmlns:a16="http://schemas.microsoft.com/office/drawing/2014/main" id="{46499B05-3634-415F-A9C1-28985362FA33}"/>
+              </a:ext>
+            </a:extLst>
+          </p:cNvPr>
+          <p:cNvSpPr>
+            <a:spLocks noGrp="1"/>
+          </p:cNvSpPr>
+          <p:nvPr>
+            <p:ph type="title"/>
+          </p:nvPr>
+        </p:nvSpPr>
+        <p:spPr/>
+        <p:txBody>
+          <a:bodyPr/>
+          <a:lstStyle/>
+          <a:p>
+            <a:r>
+              <a:rPr lang="en-US" dirty="0" err="1"/>
+              <a:t>Tipos</a:t>
+            </a:r>
+            <a:r>
+              <a:rPr lang="en-US" dirty="0"/>
+              <a:t> de Variables</a:t>
+            </a:r>
+          </a:p>
+        </p:txBody>
+      </p:sp>
+      <p:graphicFrame>
+        <p:nvGraphicFramePr>
+          <p:cNvPr id="4" name="Table 4">
+            <a:extLst>
+              <a:ext uri="{FF2B5EF4-FFF2-40B4-BE49-F238E27FC236}">
+                <a16:creationId xmlns:a16="http://schemas.microsoft.com/office/drawing/2014/main" id="{FB97F2C9-7A48-4632-8F99-8396B248DC30}"/>
+              </a:ext>
+            </a:extLst>
+          </p:cNvPr>
+          <p:cNvGraphicFramePr>
+            <a:graphicFrameLocks noGrp="1"/>
+          </p:cNvGraphicFramePr>
+          <p:nvPr>
+            <p:ph idx="1"/>
+            <p:extLst>
+              <p:ext uri="{D42A27DB-BD31-4B8C-83A1-F6EECF244321}">
+                <p14:modId xmlns:p14="http://schemas.microsoft.com/office/powerpoint/2010/main" val="2451940940"/>
+              </p:ext>
+            </p:extLst>
+          </p:nvPr>
+        </p:nvGraphicFramePr>
+        <p:xfrm>
+          <a:off x="838544" y="1028247"/>
+          <a:ext cx="11095038" cy="5704840"/>
+        </p:xfrm>
+        <a:graphic>
+          <a:graphicData uri="http://schemas.openxmlformats.org/drawingml/2006/table">
+            <a:tbl>
+              <a:tblPr firstRow="1" bandRow="1">
+                <a:tableStyleId>{5C22544A-7EE6-4342-B048-85BDC9FD1C3A}</a:tableStyleId>
+              </a:tblPr>
+              <a:tblGrid>
+                <a:gridCol w="1817914">
+                  <a:extLst>
+                    <a:ext uri="{9D8B030D-6E8A-4147-A177-3AD203B41FA5}">
+                      <a16:colId xmlns:a16="http://schemas.microsoft.com/office/drawing/2014/main" val="4063866005"/>
+                    </a:ext>
+                  </a:extLst>
+                </a:gridCol>
+                <a:gridCol w="6458857">
+                  <a:extLst>
+                    <a:ext uri="{9D8B030D-6E8A-4147-A177-3AD203B41FA5}">
+                      <a16:colId xmlns:a16="http://schemas.microsoft.com/office/drawing/2014/main" val="575318174"/>
+                    </a:ext>
+                  </a:extLst>
+                </a:gridCol>
+                <a:gridCol w="2818267">
+                  <a:extLst>
+                    <a:ext uri="{9D8B030D-6E8A-4147-A177-3AD203B41FA5}">
+                      <a16:colId xmlns:a16="http://schemas.microsoft.com/office/drawing/2014/main" val="2602218074"/>
+                    </a:ext>
+                  </a:extLst>
+                </a:gridCol>
+              </a:tblGrid>
+              <a:tr h="370840">
+                <a:tc>
+                  <a:txBody>
+                    <a:bodyPr/>
+                    <a:lstStyle/>
+                    <a:p>
+                      <a:r>
+                        <a:rPr lang="en-US" dirty="0"/>
+                        <a:t>Tipo</a:t>
+                      </a:r>
+                    </a:p>
+                  </a:txBody>
+                  <a:tcPr/>
+                </a:tc>
+                <a:tc>
+                  <a:txBody>
+                    <a:bodyPr/>
+                    <a:lstStyle/>
+                    <a:p>
+                      <a:r>
+                        <a:rPr lang="en-US" dirty="0"/>
+                        <a:t>¿</a:t>
+                      </a:r>
+                      <a:r>
+                        <a:rPr lang="en-US" dirty="0" err="1"/>
+                        <a:t>Qué</a:t>
+                      </a:r>
+                      <a:r>
+                        <a:rPr lang="en-US" dirty="0"/>
+                        <a:t> </a:t>
+                      </a:r>
+                      <a:r>
+                        <a:rPr lang="en-US" dirty="0" err="1"/>
+                        <a:t>puede</a:t>
+                      </a:r>
+                      <a:r>
+                        <a:rPr lang="en-US" dirty="0"/>
+                        <a:t> </a:t>
+                      </a:r>
+                      <a:r>
+                        <a:rPr lang="en-US" dirty="0" err="1"/>
+                        <a:t>almacenar</a:t>
+                      </a:r>
+                      <a:r>
+                        <a:rPr lang="en-US" dirty="0"/>
+                        <a:t>?</a:t>
+                      </a:r>
+                    </a:p>
+                  </a:txBody>
+                  <a:tcPr/>
+                </a:tc>
+                <a:tc>
+                  <a:txBody>
+                    <a:bodyPr/>
+                    <a:lstStyle/>
+                    <a:p>
+                      <a:r>
+                        <a:rPr lang="en-US" dirty="0" err="1"/>
+                        <a:t>Ejemplos</a:t>
+                      </a:r>
+                      <a:r>
+                        <a:rPr lang="en-US" dirty="0"/>
+                        <a:t>:</a:t>
+                      </a:r>
+                    </a:p>
+                  </a:txBody>
+                  <a:tcPr/>
+                </a:tc>
+                <a:extLst>
+                  <a:ext uri="{0D108BD9-81ED-4DB2-BD59-A6C34878D82A}">
+                    <a16:rowId xmlns:a16="http://schemas.microsoft.com/office/drawing/2014/main" val="3800108115"/>
+                  </a:ext>
+                </a:extLst>
+              </a:tr>
+              <a:tr h="370840">
+                <a:tc>
+                  <a:txBody>
+                    <a:bodyPr/>
+                    <a:lstStyle/>
+                    <a:p>
+                      <a:r>
+                        <a:rPr lang="en-US" sz="3000" b="1" dirty="0"/>
+                        <a:t>int</a:t>
+                      </a:r>
+                    </a:p>
+                  </a:txBody>
+                  <a:tcPr/>
+                </a:tc>
+                <a:tc>
+                  <a:txBody>
+                    <a:bodyPr/>
+                    <a:lstStyle/>
+                    <a:p>
+                      <a:r>
+                        <a:rPr lang="en-US" sz="2000" dirty="0" err="1"/>
+                        <a:t>Números</a:t>
+                      </a:r>
+                      <a:r>
+                        <a:rPr lang="en-US" sz="2000" dirty="0"/>
+                        <a:t> </a:t>
+                      </a:r>
+                      <a:r>
+                        <a:rPr lang="en-US" sz="2000" dirty="0" err="1"/>
+                        <a:t>enteros</a:t>
+                      </a:r>
+                      <a:r>
+                        <a:rPr lang="en-US" sz="2000" dirty="0"/>
+                        <a:t> </a:t>
+                      </a:r>
+                      <a:r>
+                        <a:rPr lang="en-US" sz="2000" dirty="0" err="1"/>
+                        <a:t>positivos</a:t>
+                      </a:r>
+                      <a:r>
+                        <a:rPr lang="en-US" sz="2000" dirty="0"/>
+                        <a:t> o </a:t>
+                      </a:r>
+                      <a:r>
+                        <a:rPr lang="en-US" sz="2000" dirty="0" err="1"/>
+                        <a:t>negativos</a:t>
+                      </a:r>
+                      <a:r>
+                        <a:rPr lang="en-US" sz="2000" dirty="0"/>
+                        <a:t>.</a:t>
+                      </a:r>
+                    </a:p>
+                  </a:txBody>
+                  <a:tcPr/>
+                </a:tc>
+                <a:tc>
+                  <a:txBody>
+                    <a:bodyPr/>
+                    <a:lstStyle/>
+                    <a:p>
+                      <a:r>
+                        <a:rPr lang="en-US" sz="2000" dirty="0"/>
+                        <a:t>10</a:t>
+                      </a:r>
+                    </a:p>
+                    <a:p>
+                      <a:r>
+                        <a:rPr lang="en-US" sz="2000" dirty="0"/>
+                        <a:t>-4</a:t>
+                      </a:r>
+                    </a:p>
+                    <a:p>
+                      <a:r>
+                        <a:rPr lang="en-US" sz="2000" dirty="0"/>
+                        <a:t>543</a:t>
+                      </a:r>
+                    </a:p>
+                  </a:txBody>
+                  <a:tcPr/>
+                </a:tc>
+                <a:extLst>
+                  <a:ext uri="{0D108BD9-81ED-4DB2-BD59-A6C34878D82A}">
+                    <a16:rowId xmlns:a16="http://schemas.microsoft.com/office/drawing/2014/main" val="1239525177"/>
+                  </a:ext>
+                </a:extLst>
+              </a:tr>
+              <a:tr h="370840">
+                <a:tc>
+                  <a:txBody>
+                    <a:bodyPr/>
+                    <a:lstStyle/>
+                    <a:p>
+                      <a:r>
+                        <a:rPr lang="en-US" sz="3000" b="1" dirty="0"/>
+                        <a:t>double</a:t>
+                      </a:r>
+                    </a:p>
+                  </a:txBody>
+                  <a:tcPr/>
+                </a:tc>
+                <a:tc>
+                  <a:txBody>
+                    <a:bodyPr/>
+                    <a:lstStyle/>
+                    <a:p>
+                      <a:r>
+                        <a:rPr lang="en-US" sz="2000" dirty="0" err="1"/>
+                        <a:t>Números</a:t>
+                      </a:r>
+                      <a:r>
+                        <a:rPr lang="en-US" sz="2000" dirty="0"/>
+                        <a:t> de punto </a:t>
+                      </a:r>
+                      <a:r>
+                        <a:rPr lang="en-US" sz="2000" dirty="0" err="1"/>
+                        <a:t>flotante</a:t>
+                      </a:r>
+                      <a:r>
+                        <a:rPr lang="en-US" sz="2000" dirty="0"/>
+                        <a:t>. </a:t>
+                      </a:r>
+                      <a:r>
+                        <a:rPr lang="en-US" sz="2000" dirty="0" err="1"/>
+                        <a:t>Cualquier</a:t>
+                      </a:r>
+                      <a:r>
+                        <a:rPr lang="en-US" sz="2000" dirty="0"/>
+                        <a:t> </a:t>
+                      </a:r>
+                      <a:r>
+                        <a:rPr lang="en-US" sz="2000" dirty="0" err="1"/>
+                        <a:t>número</a:t>
+                      </a:r>
+                      <a:r>
+                        <a:rPr lang="en-US" sz="2000" dirty="0"/>
+                        <a:t> </a:t>
+                      </a:r>
+                      <a:r>
+                        <a:rPr lang="en-US" sz="2000" dirty="0" err="1"/>
+                        <a:t>positivo</a:t>
+                      </a:r>
+                      <a:r>
+                        <a:rPr lang="en-US" sz="2000" dirty="0"/>
+                        <a:t>, </a:t>
+                      </a:r>
+                      <a:r>
+                        <a:rPr lang="en-US" sz="2000" dirty="0" err="1"/>
+                        <a:t>negativo</a:t>
+                      </a:r>
+                      <a:r>
+                        <a:rPr lang="en-US" sz="2000" dirty="0"/>
+                        <a:t>, y con </a:t>
+                      </a:r>
+                      <a:r>
+                        <a:rPr lang="en-US" sz="2000" dirty="0" err="1"/>
+                        <a:t>algún</a:t>
+                      </a:r>
+                      <a:r>
+                        <a:rPr lang="en-US" sz="2000" dirty="0"/>
+                        <a:t> </a:t>
+                      </a:r>
+                      <a:r>
+                        <a:rPr lang="en-US" sz="2000" dirty="0" err="1"/>
+                        <a:t>componente</a:t>
+                      </a:r>
+                      <a:r>
+                        <a:rPr lang="en-US" sz="2000" dirty="0"/>
+                        <a:t> decimal.</a:t>
+                      </a:r>
+                    </a:p>
+                  </a:txBody>
+                  <a:tcPr/>
+                </a:tc>
+                <a:tc>
+                  <a:txBody>
+                    <a:bodyPr/>
+                    <a:lstStyle/>
+                    <a:p>
+                      <a:r>
+                        <a:rPr lang="en-US" sz="2000" dirty="0"/>
+                        <a:t>10.0</a:t>
+                      </a:r>
+                    </a:p>
+                    <a:p>
+                      <a:r>
+                        <a:rPr lang="en-US" sz="2000" dirty="0"/>
+                        <a:t>-4.58</a:t>
+                      </a:r>
+                    </a:p>
+                    <a:p>
+                      <a:r>
+                        <a:rPr lang="en-US" sz="2000" dirty="0"/>
+                        <a:t>0.000056</a:t>
+                      </a:r>
+                    </a:p>
+                  </a:txBody>
+                  <a:tcPr/>
+                </a:tc>
+                <a:extLst>
+                  <a:ext uri="{0D108BD9-81ED-4DB2-BD59-A6C34878D82A}">
+                    <a16:rowId xmlns:a16="http://schemas.microsoft.com/office/drawing/2014/main" val="1662178787"/>
+                  </a:ext>
+                </a:extLst>
+              </a:tr>
+              <a:tr h="370840">
+                <a:tc>
+                  <a:txBody>
+                    <a:bodyPr/>
+                    <a:lstStyle/>
+                    <a:p>
+                      <a:r>
+                        <a:rPr lang="en-US" sz="3000" b="1" dirty="0"/>
+                        <a:t>char</a:t>
+                      </a:r>
+                    </a:p>
+                  </a:txBody>
+                  <a:tcPr/>
+                </a:tc>
+                <a:tc>
+                  <a:txBody>
+                    <a:bodyPr/>
+                    <a:lstStyle/>
+                    <a:p>
+                      <a:r>
+                        <a:rPr lang="en-US" sz="2000" dirty="0" err="1"/>
+                        <a:t>Caracteres</a:t>
+                      </a:r>
+                      <a:r>
+                        <a:rPr lang="en-US" sz="2000" dirty="0"/>
+                        <a:t> </a:t>
+                      </a:r>
+                      <a:r>
+                        <a:rPr lang="en-US" sz="2000" dirty="0" err="1"/>
+                        <a:t>individuales</a:t>
+                      </a:r>
+                      <a:r>
+                        <a:rPr lang="en-US" sz="2000" dirty="0"/>
+                        <a:t> </a:t>
+                      </a:r>
+                      <a:r>
+                        <a:rPr lang="en-US" sz="2000" dirty="0" err="1"/>
+                        <a:t>en</a:t>
+                      </a:r>
+                      <a:r>
+                        <a:rPr lang="en-US" sz="2000" dirty="0"/>
+                        <a:t> </a:t>
+                      </a:r>
+                      <a:r>
+                        <a:rPr lang="en-US" sz="2000" dirty="0" err="1"/>
+                        <a:t>codificación</a:t>
+                      </a:r>
+                      <a:r>
+                        <a:rPr lang="en-US" sz="2000" dirty="0"/>
+                        <a:t> ASCII. Los </a:t>
+                      </a:r>
+                      <a:r>
+                        <a:rPr lang="en-US" sz="2000" dirty="0" err="1"/>
+                        <a:t>caracteres</a:t>
+                      </a:r>
+                      <a:r>
+                        <a:rPr lang="en-US" sz="2000" dirty="0"/>
+                        <a:t> </a:t>
+                      </a:r>
+                      <a:r>
+                        <a:rPr lang="en-US" sz="2000" dirty="0" err="1"/>
+                        <a:t>deben</a:t>
+                      </a:r>
+                      <a:r>
+                        <a:rPr lang="en-US" sz="2000" dirty="0"/>
+                        <a:t> </a:t>
+                      </a:r>
+                      <a:r>
+                        <a:rPr lang="en-US" sz="2000" dirty="0" err="1"/>
+                        <a:t>estar</a:t>
+                      </a:r>
+                      <a:r>
+                        <a:rPr lang="en-US" sz="2000" dirty="0"/>
+                        <a:t> </a:t>
+                      </a:r>
+                      <a:r>
+                        <a:rPr lang="en-US" sz="2000" dirty="0" err="1"/>
+                        <a:t>rodeados</a:t>
+                      </a:r>
+                      <a:r>
+                        <a:rPr lang="en-US" sz="2000" dirty="0"/>
+                        <a:t> por </a:t>
+                      </a:r>
+                      <a:r>
+                        <a:rPr lang="en-US" sz="2000" dirty="0" err="1"/>
+                        <a:t>comillas</a:t>
+                      </a:r>
+                      <a:r>
+                        <a:rPr lang="en-US" sz="2000" dirty="0"/>
+                        <a:t> </a:t>
+                      </a:r>
+                      <a:r>
+                        <a:rPr lang="en-US" sz="2000" dirty="0" err="1"/>
+                        <a:t>sencillas</a:t>
+                      </a:r>
+                      <a:r>
+                        <a:rPr lang="en-US" sz="2000" dirty="0"/>
+                        <a:t>.</a:t>
+                      </a:r>
+                    </a:p>
+                  </a:txBody>
+                  <a:tcPr/>
+                </a:tc>
+                <a:tc>
+                  <a:txBody>
+                    <a:bodyPr/>
+                    <a:lstStyle/>
+                    <a:p>
+                      <a:r>
+                        <a:rPr lang="en-US" sz="2000" dirty="0"/>
+                        <a:t>‘a’</a:t>
+                      </a:r>
+                    </a:p>
+                    <a:p>
+                      <a:r>
+                        <a:rPr lang="en-US" sz="2000" dirty="0"/>
+                        <a:t>‘Z’</a:t>
+                      </a:r>
+                    </a:p>
+                    <a:p>
+                      <a:r>
+                        <a:rPr lang="en-US" sz="2000" dirty="0"/>
+                        <a:t>‘!’</a:t>
+                      </a:r>
+                    </a:p>
+                    <a:p>
+                      <a:r>
+                        <a:rPr lang="en-US" sz="2000" dirty="0"/>
+                        <a:t>‘9’</a:t>
+                      </a:r>
+                    </a:p>
+                  </a:txBody>
+                  <a:tcPr/>
+                </a:tc>
+                <a:extLst>
+                  <a:ext uri="{0D108BD9-81ED-4DB2-BD59-A6C34878D82A}">
+                    <a16:rowId xmlns:a16="http://schemas.microsoft.com/office/drawing/2014/main" val="1088092584"/>
+                  </a:ext>
+                </a:extLst>
+              </a:tr>
+              <a:tr h="366576">
+                <a:tc>
+                  <a:txBody>
+                    <a:bodyPr/>
+                    <a:lstStyle/>
+                    <a:p>
+                      <a:r>
+                        <a:rPr lang="en-US" sz="3000" b="1" dirty="0"/>
+                        <a:t>String</a:t>
+                      </a:r>
+                    </a:p>
+                  </a:txBody>
+                  <a:tcPr/>
+                </a:tc>
+                <a:tc>
+                  <a:txBody>
+                    <a:bodyPr/>
+                    <a:lstStyle/>
+                    <a:p>
+                      <a:r>
+                        <a:rPr lang="en-US" sz="2000" dirty="0"/>
+                        <a:t>Un string debe </a:t>
+                      </a:r>
+                      <a:r>
+                        <a:rPr lang="en-US" sz="2000" dirty="0" err="1"/>
+                        <a:t>estar</a:t>
+                      </a:r>
+                      <a:r>
+                        <a:rPr lang="en-US" sz="2000" dirty="0"/>
+                        <a:t> </a:t>
+                      </a:r>
+                      <a:r>
+                        <a:rPr lang="en-US" sz="2000" dirty="0" err="1"/>
+                        <a:t>encapsulado</a:t>
+                      </a:r>
+                      <a:r>
+                        <a:rPr lang="en-US" sz="2000" dirty="0"/>
+                        <a:t> por </a:t>
+                      </a:r>
+                      <a:r>
+                        <a:rPr lang="en-US" sz="2000" dirty="0" err="1"/>
+                        <a:t>comillas</a:t>
+                      </a:r>
+                      <a:r>
+                        <a:rPr lang="en-US" sz="2000" dirty="0"/>
+                        <a:t> </a:t>
+                      </a:r>
+                      <a:r>
+                        <a:rPr lang="en-US" sz="2000" dirty="0" err="1"/>
+                        <a:t>dobles</a:t>
+                      </a:r>
+                      <a:r>
+                        <a:rPr lang="en-US" sz="2000" dirty="0"/>
+                        <a:t> (quotes). </a:t>
+                      </a:r>
+                    </a:p>
+                  </a:txBody>
+                  <a:tcPr/>
+                </a:tc>
+                <a:tc>
+                  <a:txBody>
+                    <a:bodyPr/>
+                    <a:lstStyle/>
+                    <a:p>
+                      <a:r>
+                        <a:rPr lang="en-US" sz="2000" dirty="0"/>
+                        <a:t>“Hola Mundo!”</a:t>
+                      </a:r>
+                    </a:p>
+                    <a:p>
+                      <a:r>
+                        <a:rPr lang="en-US" sz="2000" dirty="0"/>
+                        <a:t>“Hay 126.74 </a:t>
+                      </a:r>
+                      <a:r>
+                        <a:rPr lang="en-US" sz="2000" dirty="0" err="1"/>
+                        <a:t>millones</a:t>
+                      </a:r>
+                      <a:r>
+                        <a:rPr lang="en-US" sz="2000" dirty="0"/>
+                        <a:t> de habitants </a:t>
+                      </a:r>
+                      <a:r>
+                        <a:rPr lang="en-US" sz="2000" dirty="0" err="1"/>
+                        <a:t>en</a:t>
+                      </a:r>
+                      <a:r>
+                        <a:rPr lang="en-US" sz="2000" dirty="0"/>
+                        <a:t> México”.</a:t>
+                      </a:r>
+                    </a:p>
+                  </a:txBody>
+                  <a:tcPr/>
+                </a:tc>
+                <a:extLst>
+                  <a:ext uri="{0D108BD9-81ED-4DB2-BD59-A6C34878D82A}">
+                    <a16:rowId xmlns:a16="http://schemas.microsoft.com/office/drawing/2014/main" val="979729780"/>
+                  </a:ext>
+                </a:extLst>
+              </a:tr>
+              <a:tr h="370840">
+                <a:tc>
+                  <a:txBody>
+                    <a:bodyPr/>
+                    <a:lstStyle/>
+                    <a:p>
+                      <a:r>
+                        <a:rPr lang="en-US" sz="3000" b="1" dirty="0" err="1"/>
+                        <a:t>boolean</a:t>
+                      </a:r>
+                      <a:endParaRPr lang="en-US" sz="3000" b="1" dirty="0"/>
+                    </a:p>
+                  </a:txBody>
+                  <a:tcPr/>
+                </a:tc>
+                <a:tc>
+                  <a:txBody>
+                    <a:bodyPr/>
+                    <a:lstStyle/>
+                    <a:p>
+                      <a:r>
+                        <a:rPr lang="en-US" sz="2000" dirty="0" err="1"/>
+                        <a:t>Sirve</a:t>
+                      </a:r>
+                      <a:r>
+                        <a:rPr lang="en-US" sz="2000" dirty="0"/>
+                        <a:t> para </a:t>
+                      </a:r>
+                      <a:r>
+                        <a:rPr lang="en-US" sz="2000" dirty="0" err="1"/>
+                        <a:t>guardar</a:t>
+                      </a:r>
+                      <a:r>
+                        <a:rPr lang="en-US" sz="2000" dirty="0"/>
+                        <a:t> </a:t>
+                      </a:r>
+                      <a:r>
+                        <a:rPr lang="en-US" sz="2000" dirty="0" err="1"/>
+                        <a:t>valores</a:t>
+                      </a:r>
+                      <a:r>
+                        <a:rPr lang="en-US" sz="2000" dirty="0"/>
+                        <a:t> </a:t>
+                      </a:r>
+                      <a:r>
+                        <a:rPr lang="en-US" sz="2000" dirty="0" err="1"/>
+                        <a:t>binarios</a:t>
+                      </a:r>
+                      <a:r>
+                        <a:rPr lang="en-US" sz="2000" dirty="0"/>
+                        <a:t>: </a:t>
+                      </a:r>
+                      <a:r>
+                        <a:rPr lang="en-US" sz="2000" dirty="0" err="1"/>
+                        <a:t>verdadero</a:t>
+                      </a:r>
+                      <a:r>
+                        <a:rPr lang="en-US" sz="2000" dirty="0"/>
+                        <a:t> o </a:t>
+                      </a:r>
+                      <a:r>
+                        <a:rPr lang="en-US" sz="2000" dirty="0" err="1"/>
+                        <a:t>falso</a:t>
+                      </a:r>
+                      <a:r>
+                        <a:rPr lang="en-US" sz="2000" dirty="0"/>
+                        <a:t>.</a:t>
+                      </a:r>
+                    </a:p>
+                  </a:txBody>
+                  <a:tcPr/>
+                </a:tc>
+                <a:tc>
+                  <a:txBody>
+                    <a:bodyPr/>
+                    <a:lstStyle/>
+                    <a:p>
+                      <a:r>
+                        <a:rPr lang="en-US" sz="2000" dirty="0"/>
+                        <a:t>true</a:t>
+                      </a:r>
+                    </a:p>
+                    <a:p>
+                      <a:r>
+                        <a:rPr lang="en-US" sz="2000" dirty="0"/>
+                        <a:t>false</a:t>
+                      </a:r>
+                    </a:p>
+                  </a:txBody>
+                  <a:tcPr/>
+                </a:tc>
+                <a:extLst>
+                  <a:ext uri="{0D108BD9-81ED-4DB2-BD59-A6C34878D82A}">
+                    <a16:rowId xmlns:a16="http://schemas.microsoft.com/office/drawing/2014/main" val="3872716556"/>
+                  </a:ext>
+                </a:extLst>
+              </a:tr>
+            </a:tbl>
+          </a:graphicData>
+        </a:graphic>
+      </p:graphicFrame>
+    </p:spTree>
+    <p:extLst>
+      <p:ext uri="{BB962C8B-B14F-4D97-AF65-F5344CB8AC3E}">
+        <p14:creationId xmlns:p14="http://schemas.microsoft.com/office/powerpoint/2010/main" val="2876013367"/>
+      </p:ext>
+    </p:extLst>
+  </p:cSld>
+  <p:clrMapOvr>
+    <a:masterClrMapping/>
+  </p:clrMapOvr>
+</p:sld>
+</file>
+
 <file path=ppt/slides/slide4.xml><?xml version="1.0" encoding="utf-8"?>
 <p:sld xmlns:a="http://schemas.openxmlformats.org/drawingml/2006/main" xmlns:r="http://schemas.openxmlformats.org/officeDocument/2006/relationships" xmlns:p="http://schemas.openxmlformats.org/presentationml/2006/main">
   <p:cSld>
@@ -15611,6 +16426,849 @@
     <p:extLst>
       <p:ext uri="{BB962C8B-B14F-4D97-AF65-F5344CB8AC3E}">
         <p14:creationId xmlns:p14="http://schemas.microsoft.com/office/powerpoint/2010/main" val="3873879960"/>
+      </p:ext>
+    </p:extLst>
+  </p:cSld>
+  <p:clrMapOvr>
+    <a:masterClrMapping/>
+  </p:clrMapOvr>
+</p:sld>
+</file>
+
+<file path=ppt/slides/slide40.xml><?xml version="1.0" encoding="utf-8"?>
+<p:sld xmlns:a="http://schemas.openxmlformats.org/drawingml/2006/main" xmlns:r="http://schemas.openxmlformats.org/officeDocument/2006/relationships" xmlns:p="http://schemas.openxmlformats.org/presentationml/2006/main">
+  <p:cSld>
+    <p:spTree>
+      <p:nvGrpSpPr>
+        <p:cNvPr id="1" name=""/>
+        <p:cNvGrpSpPr/>
+        <p:nvPr/>
+      </p:nvGrpSpPr>
+      <p:grpSpPr>
+        <a:xfrm>
+          <a:off x="0" y="0"/>
+          <a:ext cx="0" cy="0"/>
+          <a:chOff x="0" y="0"/>
+          <a:chExt cx="0" cy="0"/>
+        </a:xfrm>
+      </p:grpSpPr>
+      <p:sp>
+        <p:nvSpPr>
+          <p:cNvPr id="2" name="Title 1">
+            <a:extLst>
+              <a:ext uri="{FF2B5EF4-FFF2-40B4-BE49-F238E27FC236}">
+                <a16:creationId xmlns:a16="http://schemas.microsoft.com/office/drawing/2014/main" id="{97E1ABAD-046D-4291-BFA9-805BC6C34093}"/>
+              </a:ext>
+            </a:extLst>
+          </p:cNvPr>
+          <p:cNvSpPr>
+            <a:spLocks noGrp="1"/>
+          </p:cNvSpPr>
+          <p:nvPr>
+            <p:ph type="title"/>
+          </p:nvPr>
+        </p:nvSpPr>
+        <p:spPr/>
+        <p:txBody>
+          <a:bodyPr/>
+          <a:lstStyle/>
+          <a:p>
+            <a:r>
+              <a:rPr lang="es-MX" dirty="0"/>
+              <a:t>Pseudocódigo</a:t>
+            </a:r>
+            <a:endParaRPr lang="en-US" dirty="0"/>
+          </a:p>
+        </p:txBody>
+      </p:sp>
+    </p:spTree>
+    <p:extLst>
+      <p:ext uri="{BB962C8B-B14F-4D97-AF65-F5344CB8AC3E}">
+        <p14:creationId xmlns:p14="http://schemas.microsoft.com/office/powerpoint/2010/main" val="2414028543"/>
+      </p:ext>
+    </p:extLst>
+  </p:cSld>
+  <p:clrMapOvr>
+    <a:masterClrMapping/>
+  </p:clrMapOvr>
+</p:sld>
+</file>
+
+<file path=ppt/slides/slide41.xml><?xml version="1.0" encoding="utf-8"?>
+<p:sld xmlns:a="http://schemas.openxmlformats.org/drawingml/2006/main" xmlns:r="http://schemas.openxmlformats.org/officeDocument/2006/relationships" xmlns:p="http://schemas.openxmlformats.org/presentationml/2006/main">
+  <p:cSld>
+    <p:spTree>
+      <p:nvGrpSpPr>
+        <p:cNvPr id="1" name=""/>
+        <p:cNvGrpSpPr/>
+        <p:nvPr/>
+      </p:nvGrpSpPr>
+      <p:grpSpPr>
+        <a:xfrm>
+          <a:off x="0" y="0"/>
+          <a:ext cx="0" cy="0"/>
+          <a:chOff x="0" y="0"/>
+          <a:chExt cx="0" cy="0"/>
+        </a:xfrm>
+      </p:grpSpPr>
+      <p:sp>
+        <p:nvSpPr>
+          <p:cNvPr id="2" name="Title 1">
+            <a:extLst>
+              <a:ext uri="{FF2B5EF4-FFF2-40B4-BE49-F238E27FC236}">
+                <a16:creationId xmlns:a16="http://schemas.microsoft.com/office/drawing/2014/main" id="{D3F297B5-4DAA-4350-84A2-D2ECF9AD3762}"/>
+              </a:ext>
+            </a:extLst>
+          </p:cNvPr>
+          <p:cNvSpPr>
+            <a:spLocks noGrp="1"/>
+          </p:cNvSpPr>
+          <p:nvPr>
+            <p:ph type="title"/>
+          </p:nvPr>
+        </p:nvSpPr>
+        <p:spPr/>
+        <p:txBody>
+          <a:bodyPr/>
+          <a:lstStyle/>
+          <a:p>
+            <a:r>
+              <a:rPr lang="es-MX" dirty="0"/>
+              <a:t>Pseudocódigo</a:t>
+            </a:r>
+            <a:endParaRPr lang="en-US" dirty="0"/>
+          </a:p>
+        </p:txBody>
+      </p:sp>
+      <p:sp>
+        <p:nvSpPr>
+          <p:cNvPr id="3" name="Content Placeholder 2">
+            <a:extLst>
+              <a:ext uri="{FF2B5EF4-FFF2-40B4-BE49-F238E27FC236}">
+                <a16:creationId xmlns:a16="http://schemas.microsoft.com/office/drawing/2014/main" id="{CD9FF62F-B660-4422-A583-29A719C1BEC8}"/>
+              </a:ext>
+            </a:extLst>
+          </p:cNvPr>
+          <p:cNvSpPr>
+            <a:spLocks noGrp="1"/>
+          </p:cNvSpPr>
+          <p:nvPr>
+            <p:ph idx="1"/>
+          </p:nvPr>
+        </p:nvSpPr>
+        <p:spPr/>
+        <p:txBody>
+          <a:bodyPr/>
+          <a:lstStyle/>
+          <a:p>
+            <a:pPr marL="0" indent="0">
+              <a:buNone/>
+            </a:pPr>
+            <a:r>
+              <a:rPr lang="es-MX" dirty="0"/>
+              <a:t>El pseudocódigo es una descripción de alto nivel de un algoritmo. Utiliza ciertas convenciones de la programación, pero la intención es que sea </a:t>
+            </a:r>
+            <a:r>
+              <a:rPr lang="es-MX" b="1" dirty="0">
+                <a:solidFill>
+                  <a:schemeClr val="accent1"/>
+                </a:solidFill>
+              </a:rPr>
+              <a:t>entendible para los humanos.</a:t>
+            </a:r>
+            <a:endParaRPr lang="es-MX" dirty="0">
+              <a:solidFill>
+                <a:schemeClr val="accent1"/>
+              </a:solidFill>
+            </a:endParaRPr>
+          </a:p>
+          <a:p>
+            <a:pPr marL="0" indent="0">
+              <a:buNone/>
+            </a:pPr>
+            <a:endParaRPr lang="es-MX" dirty="0"/>
+          </a:p>
+          <a:p>
+            <a:pPr marL="0" indent="0">
+              <a:buNone/>
+            </a:pPr>
+            <a:r>
+              <a:rPr lang="es-MX" dirty="0"/>
+              <a:t>El pseudocódigo generalmente se utiliza para:</a:t>
+            </a:r>
+          </a:p>
+          <a:p>
+            <a:r>
+              <a:rPr lang="es-MX" b="1" dirty="0">
+                <a:solidFill>
+                  <a:schemeClr val="accent1"/>
+                </a:solidFill>
+              </a:rPr>
+              <a:t>Describir cómo</a:t>
+            </a:r>
+            <a:r>
+              <a:rPr lang="es-MX" dirty="0">
+                <a:solidFill>
+                  <a:schemeClr val="accent1"/>
+                </a:solidFill>
+              </a:rPr>
+              <a:t> </a:t>
+            </a:r>
+            <a:r>
+              <a:rPr lang="es-MX" b="1" dirty="0">
+                <a:solidFill>
+                  <a:schemeClr val="accent1"/>
+                </a:solidFill>
+              </a:rPr>
+              <a:t>funciona</a:t>
+            </a:r>
+            <a:r>
+              <a:rPr lang="es-MX" dirty="0"/>
+              <a:t> un algoritmo. </a:t>
+            </a:r>
+            <a:br>
+              <a:rPr lang="es-MX" dirty="0"/>
+            </a:br>
+            <a:endParaRPr lang="es-MX" dirty="0"/>
+          </a:p>
+          <a:p>
+            <a:r>
+              <a:rPr lang="es-MX" dirty="0"/>
+              <a:t>Explicar un proceso computacional a </a:t>
+            </a:r>
+            <a:r>
+              <a:rPr lang="es-MX" b="1" dirty="0">
+                <a:solidFill>
+                  <a:schemeClr val="accent1"/>
+                </a:solidFill>
+              </a:rPr>
+              <a:t>gente no técnica</a:t>
+            </a:r>
+            <a:r>
+              <a:rPr lang="es-MX" dirty="0"/>
+              <a:t>.</a:t>
+            </a:r>
+            <a:br>
+              <a:rPr lang="es-MX" dirty="0"/>
+            </a:br>
+            <a:endParaRPr lang="es-MX" dirty="0"/>
+          </a:p>
+          <a:p>
+            <a:r>
+              <a:rPr lang="es-MX" dirty="0"/>
+              <a:t>Diseñar </a:t>
+            </a:r>
+            <a:r>
+              <a:rPr lang="es-MX" b="1" dirty="0">
+                <a:solidFill>
+                  <a:schemeClr val="accent1"/>
+                </a:solidFill>
+              </a:rPr>
+              <a:t>código en grupo</a:t>
+            </a:r>
+            <a:r>
+              <a:rPr lang="es-MX" dirty="0"/>
+              <a:t>.</a:t>
+            </a:r>
+          </a:p>
+          <a:p>
+            <a:pPr marL="0" indent="0">
+              <a:buNone/>
+            </a:pPr>
+            <a:endParaRPr lang="en-US" dirty="0"/>
+          </a:p>
+        </p:txBody>
+      </p:sp>
+      <p:pic>
+        <p:nvPicPr>
+          <p:cNvPr id="5" name="Graphic 4" descr="Checklist RTL">
+            <a:extLst>
+              <a:ext uri="{FF2B5EF4-FFF2-40B4-BE49-F238E27FC236}">
+                <a16:creationId xmlns:a16="http://schemas.microsoft.com/office/drawing/2014/main" id="{7621C025-4BD5-4BC8-A323-4F1C6AEDDE6B}"/>
+              </a:ext>
+            </a:extLst>
+          </p:cNvPr>
+          <p:cNvPicPr>
+            <a:picLocks noChangeAspect="1"/>
+          </p:cNvPicPr>
+          <p:nvPr/>
+        </p:nvPicPr>
+        <p:blipFill>
+          <a:blip r:embed="rId2">
+            <a:extLst>
+              <a:ext uri="{28A0092B-C50C-407E-A947-70E740481C1C}">
+                <a14:useLocalDpi xmlns:a14="http://schemas.microsoft.com/office/drawing/2010/main" val="0"/>
+              </a:ext>
+              <a:ext uri="{96DAC541-7B7A-43D3-8B79-37D633B846F1}">
+                <asvg:svgBlip xmlns:asvg="http://schemas.microsoft.com/office/drawing/2016/SVG/main" r:embed="rId3"/>
+              </a:ext>
+            </a:extLst>
+          </a:blip>
+          <a:stretch>
+            <a:fillRect/>
+          </a:stretch>
+        </p:blipFill>
+        <p:spPr>
+          <a:xfrm>
+            <a:off x="7726017" y="3429000"/>
+            <a:ext cx="914400" cy="914400"/>
+          </a:xfrm>
+          <a:prstGeom prst="rect">
+            <a:avLst/>
+          </a:prstGeom>
+        </p:spPr>
+      </p:pic>
+      <p:pic>
+        <p:nvPicPr>
+          <p:cNvPr id="7" name="Graphic 6" descr="Group brainstorm">
+            <a:extLst>
+              <a:ext uri="{FF2B5EF4-FFF2-40B4-BE49-F238E27FC236}">
+                <a16:creationId xmlns:a16="http://schemas.microsoft.com/office/drawing/2014/main" id="{8A98F84C-6D5D-459B-8E7B-B56E5187CB05}"/>
+              </a:ext>
+            </a:extLst>
+          </p:cNvPr>
+          <p:cNvPicPr>
+            <a:picLocks noChangeAspect="1"/>
+          </p:cNvPicPr>
+          <p:nvPr/>
+        </p:nvPicPr>
+        <p:blipFill>
+          <a:blip r:embed="rId4">
+            <a:extLst>
+              <a:ext uri="{28A0092B-C50C-407E-A947-70E740481C1C}">
+                <a14:useLocalDpi xmlns:a14="http://schemas.microsoft.com/office/drawing/2010/main" val="0"/>
+              </a:ext>
+              <a:ext uri="{96DAC541-7B7A-43D3-8B79-37D633B846F1}">
+                <asvg:svgBlip xmlns:asvg="http://schemas.microsoft.com/office/drawing/2016/SVG/main" r:embed="rId5"/>
+              </a:ext>
+            </a:extLst>
+          </a:blip>
+          <a:stretch>
+            <a:fillRect/>
+          </a:stretch>
+        </p:blipFill>
+        <p:spPr>
+          <a:xfrm>
+            <a:off x="5451613" y="5067631"/>
+            <a:ext cx="914400" cy="914400"/>
+          </a:xfrm>
+          <a:prstGeom prst="rect">
+            <a:avLst/>
+          </a:prstGeom>
+        </p:spPr>
+      </p:pic>
+      <p:pic>
+        <p:nvPicPr>
+          <p:cNvPr id="9" name="Graphic 8" descr="Graduation cap">
+            <a:extLst>
+              <a:ext uri="{FF2B5EF4-FFF2-40B4-BE49-F238E27FC236}">
+                <a16:creationId xmlns:a16="http://schemas.microsoft.com/office/drawing/2014/main" id="{86B2C2FA-CA6F-4E93-B838-5AB37E2CAEF9}"/>
+              </a:ext>
+            </a:extLst>
+          </p:cNvPr>
+          <p:cNvPicPr>
+            <a:picLocks noChangeAspect="1"/>
+          </p:cNvPicPr>
+          <p:nvPr/>
+        </p:nvPicPr>
+        <p:blipFill>
+          <a:blip r:embed="rId6">
+            <a:extLst>
+              <a:ext uri="{28A0092B-C50C-407E-A947-70E740481C1C}">
+                <a14:useLocalDpi xmlns:a14="http://schemas.microsoft.com/office/drawing/2010/main" val="0"/>
+              </a:ext>
+              <a:ext uri="{96DAC541-7B7A-43D3-8B79-37D633B846F1}">
+                <asvg:svgBlip xmlns:asvg="http://schemas.microsoft.com/office/drawing/2016/SVG/main" r:embed="rId7"/>
+              </a:ext>
+            </a:extLst>
+          </a:blip>
+          <a:stretch>
+            <a:fillRect/>
+          </a:stretch>
+        </p:blipFill>
+        <p:spPr>
+          <a:xfrm>
+            <a:off x="10307793" y="4153231"/>
+            <a:ext cx="914400" cy="914400"/>
+          </a:xfrm>
+          <a:prstGeom prst="rect">
+            <a:avLst/>
+          </a:prstGeom>
+        </p:spPr>
+      </p:pic>
+    </p:spTree>
+    <p:extLst>
+      <p:ext uri="{BB962C8B-B14F-4D97-AF65-F5344CB8AC3E}">
+        <p14:creationId xmlns:p14="http://schemas.microsoft.com/office/powerpoint/2010/main" val="2820512620"/>
+      </p:ext>
+    </p:extLst>
+  </p:cSld>
+  <p:clrMapOvr>
+    <a:masterClrMapping/>
+  </p:clrMapOvr>
+  <p:timing>
+    <p:tnLst>
+      <p:par>
+        <p:cTn id="1" dur="indefinite" restart="never" nodeType="tmRoot">
+          <p:childTnLst>
+            <p:seq concurrent="1" nextAc="seek">
+              <p:cTn id="2" dur="indefinite" nodeType="mainSeq">
+                <p:childTnLst>
+                  <p:par>
+                    <p:cTn id="3" fill="hold">
+                      <p:stCondLst>
+                        <p:cond delay="indefinite"/>
+                      </p:stCondLst>
+                      <p:childTnLst>
+                        <p:par>
+                          <p:cTn id="4" fill="hold">
+                            <p:stCondLst>
+                              <p:cond delay="0"/>
+                            </p:stCondLst>
+                            <p:childTnLst>
+                              <p:par>
+                                <p:cTn id="5" presetID="1" presetClass="entr" presetSubtype="0" fill="hold" nodeType="clickEffect">
+                                  <p:stCondLst>
+                                    <p:cond delay="0"/>
+                                  </p:stCondLst>
+                                  <p:childTnLst>
+                                    <p:set>
+                                      <p:cBhvr>
+                                        <p:cTn id="6" dur="1" fill="hold">
+                                          <p:stCondLst>
+                                            <p:cond delay="0"/>
+                                          </p:stCondLst>
+                                        </p:cTn>
+                                        <p:tgtEl>
+                                          <p:spTgt spid="3">
+                                            <p:txEl>
+                                              <p:pRg st="3" end="3"/>
+                                            </p:txEl>
+                                          </p:spTgt>
+                                        </p:tgtEl>
+                                        <p:attrNameLst>
+                                          <p:attrName>style.visibility</p:attrName>
+                                        </p:attrNameLst>
+                                      </p:cBhvr>
+                                      <p:to>
+                                        <p:strVal val="visible"/>
+                                      </p:to>
+                                    </p:set>
+                                  </p:childTnLst>
+                                </p:cTn>
+                              </p:par>
+                              <p:par>
+                                <p:cTn id="7" presetID="1" presetClass="entr" presetSubtype="0" fill="hold" nodeType="withEffect">
+                                  <p:stCondLst>
+                                    <p:cond delay="0"/>
+                                  </p:stCondLst>
+                                  <p:childTnLst>
+                                    <p:set>
+                                      <p:cBhvr>
+                                        <p:cTn id="8" dur="1" fill="hold">
+                                          <p:stCondLst>
+                                            <p:cond delay="0"/>
+                                          </p:stCondLst>
+                                        </p:cTn>
+                                        <p:tgtEl>
+                                          <p:spTgt spid="5"/>
+                                        </p:tgtEl>
+                                        <p:attrNameLst>
+                                          <p:attrName>style.visibility</p:attrName>
+                                        </p:attrNameLst>
+                                      </p:cBhvr>
+                                      <p:to>
+                                        <p:strVal val="visible"/>
+                                      </p:to>
+                                    </p:set>
+                                  </p:childTnLst>
+                                </p:cTn>
+                              </p:par>
+                            </p:childTnLst>
+                          </p:cTn>
+                        </p:par>
+                      </p:childTnLst>
+                    </p:cTn>
+                  </p:par>
+                  <p:par>
+                    <p:cTn id="9" fill="hold">
+                      <p:stCondLst>
+                        <p:cond delay="indefinite"/>
+                      </p:stCondLst>
+                      <p:childTnLst>
+                        <p:par>
+                          <p:cTn id="10" fill="hold">
+                            <p:stCondLst>
+                              <p:cond delay="0"/>
+                            </p:stCondLst>
+                            <p:childTnLst>
+                              <p:par>
+                                <p:cTn id="11" presetID="1" presetClass="entr" presetSubtype="0" fill="hold" nodeType="clickEffect">
+                                  <p:stCondLst>
+                                    <p:cond delay="0"/>
+                                  </p:stCondLst>
+                                  <p:childTnLst>
+                                    <p:set>
+                                      <p:cBhvr>
+                                        <p:cTn id="12" dur="1" fill="hold">
+                                          <p:stCondLst>
+                                            <p:cond delay="0"/>
+                                          </p:stCondLst>
+                                        </p:cTn>
+                                        <p:tgtEl>
+                                          <p:spTgt spid="3">
+                                            <p:txEl>
+                                              <p:pRg st="4" end="4"/>
+                                            </p:txEl>
+                                          </p:spTgt>
+                                        </p:tgtEl>
+                                        <p:attrNameLst>
+                                          <p:attrName>style.visibility</p:attrName>
+                                        </p:attrNameLst>
+                                      </p:cBhvr>
+                                      <p:to>
+                                        <p:strVal val="visible"/>
+                                      </p:to>
+                                    </p:set>
+                                  </p:childTnLst>
+                                </p:cTn>
+                              </p:par>
+                              <p:par>
+                                <p:cTn id="13" presetID="1" presetClass="entr" presetSubtype="0" fill="hold" nodeType="withEffect">
+                                  <p:stCondLst>
+                                    <p:cond delay="0"/>
+                                  </p:stCondLst>
+                                  <p:childTnLst>
+                                    <p:set>
+                                      <p:cBhvr>
+                                        <p:cTn id="14" dur="1" fill="hold">
+                                          <p:stCondLst>
+                                            <p:cond delay="0"/>
+                                          </p:stCondLst>
+                                        </p:cTn>
+                                        <p:tgtEl>
+                                          <p:spTgt spid="9"/>
+                                        </p:tgtEl>
+                                        <p:attrNameLst>
+                                          <p:attrName>style.visibility</p:attrName>
+                                        </p:attrNameLst>
+                                      </p:cBhvr>
+                                      <p:to>
+                                        <p:strVal val="visible"/>
+                                      </p:to>
+                                    </p:set>
+                                  </p:childTnLst>
+                                </p:cTn>
+                              </p:par>
+                            </p:childTnLst>
+                          </p:cTn>
+                        </p:par>
+                      </p:childTnLst>
+                    </p:cTn>
+                  </p:par>
+                  <p:par>
+                    <p:cTn id="15" fill="hold">
+                      <p:stCondLst>
+                        <p:cond delay="indefinite"/>
+                      </p:stCondLst>
+                      <p:childTnLst>
+                        <p:par>
+                          <p:cTn id="16" fill="hold">
+                            <p:stCondLst>
+                              <p:cond delay="0"/>
+                            </p:stCondLst>
+                            <p:childTnLst>
+                              <p:par>
+                                <p:cTn id="17" presetID="1" presetClass="entr" presetSubtype="0" fill="hold" nodeType="clickEffect">
+                                  <p:stCondLst>
+                                    <p:cond delay="0"/>
+                                  </p:stCondLst>
+                                  <p:childTnLst>
+                                    <p:set>
+                                      <p:cBhvr>
+                                        <p:cTn id="18" dur="1" fill="hold">
+                                          <p:stCondLst>
+                                            <p:cond delay="0"/>
+                                          </p:stCondLst>
+                                        </p:cTn>
+                                        <p:tgtEl>
+                                          <p:spTgt spid="3">
+                                            <p:txEl>
+                                              <p:pRg st="5" end="5"/>
+                                            </p:txEl>
+                                          </p:spTgt>
+                                        </p:tgtEl>
+                                        <p:attrNameLst>
+                                          <p:attrName>style.visibility</p:attrName>
+                                        </p:attrNameLst>
+                                      </p:cBhvr>
+                                      <p:to>
+                                        <p:strVal val="visible"/>
+                                      </p:to>
+                                    </p:set>
+                                  </p:childTnLst>
+                                </p:cTn>
+                              </p:par>
+                              <p:par>
+                                <p:cTn id="19" presetID="1" presetClass="entr" presetSubtype="0" fill="hold" nodeType="withEffect">
+                                  <p:stCondLst>
+                                    <p:cond delay="0"/>
+                                  </p:stCondLst>
+                                  <p:childTnLst>
+                                    <p:set>
+                                      <p:cBhvr>
+                                        <p:cTn id="20" dur="1" fill="hold">
+                                          <p:stCondLst>
+                                            <p:cond delay="0"/>
+                                          </p:stCondLst>
+                                        </p:cTn>
+                                        <p:tgtEl>
+                                          <p:spTgt spid="7"/>
+                                        </p:tgtEl>
+                                        <p:attrNameLst>
+                                          <p:attrName>style.visibility</p:attrName>
+                                        </p:attrNameLst>
+                                      </p:cBhvr>
+                                      <p:to>
+                                        <p:strVal val="visible"/>
+                                      </p:to>
+                                    </p:set>
+                                  </p:childTnLst>
+                                </p:cTn>
+                              </p:par>
+                            </p:childTnLst>
+                          </p:cTn>
+                        </p:par>
+                      </p:childTnLst>
+                    </p:cTn>
+                  </p:par>
+                </p:childTnLst>
+              </p:cTn>
+              <p:prevCondLst>
+                <p:cond evt="onPrev" delay="0">
+                  <p:tgtEl>
+                    <p:sldTgt/>
+                  </p:tgtEl>
+                </p:cond>
+              </p:prevCondLst>
+              <p:nextCondLst>
+                <p:cond evt="onNext" delay="0">
+                  <p:tgtEl>
+                    <p:sldTgt/>
+                  </p:tgtEl>
+                </p:cond>
+              </p:nextCondLst>
+            </p:seq>
+          </p:childTnLst>
+        </p:cTn>
+      </p:par>
+    </p:tnLst>
+  </p:timing>
+</p:sld>
+</file>
+
+<file path=ppt/slides/slide42.xml><?xml version="1.0" encoding="utf-8"?>
+<p:sld xmlns:a="http://schemas.openxmlformats.org/drawingml/2006/main" xmlns:r="http://schemas.openxmlformats.org/officeDocument/2006/relationships" xmlns:p="http://schemas.openxmlformats.org/presentationml/2006/main">
+  <p:cSld>
+    <p:spTree>
+      <p:nvGrpSpPr>
+        <p:cNvPr id="1" name=""/>
+        <p:cNvGrpSpPr/>
+        <p:nvPr/>
+      </p:nvGrpSpPr>
+      <p:grpSpPr>
+        <a:xfrm>
+          <a:off x="0" y="0"/>
+          <a:ext cx="0" cy="0"/>
+          <a:chOff x="0" y="0"/>
+          <a:chExt cx="0" cy="0"/>
+        </a:xfrm>
+      </p:grpSpPr>
+      <p:sp>
+        <p:nvSpPr>
+          <p:cNvPr id="2" name="Title 1">
+            <a:extLst>
+              <a:ext uri="{FF2B5EF4-FFF2-40B4-BE49-F238E27FC236}">
+                <a16:creationId xmlns:a16="http://schemas.microsoft.com/office/drawing/2014/main" id="{D155E3D4-EE19-4065-9790-F736E9A31EC2}"/>
+              </a:ext>
+            </a:extLst>
+          </p:cNvPr>
+          <p:cNvSpPr>
+            <a:spLocks noGrp="1"/>
+          </p:cNvSpPr>
+          <p:nvPr>
+            <p:ph type="title"/>
+          </p:nvPr>
+        </p:nvSpPr>
+        <p:spPr/>
+        <p:txBody>
+          <a:bodyPr/>
+          <a:lstStyle/>
+          <a:p>
+            <a:r>
+              <a:rPr lang="es-MX" dirty="0"/>
+              <a:t>Lenguaje</a:t>
+            </a:r>
+            <a:endParaRPr lang="en-US" dirty="0"/>
+          </a:p>
+        </p:txBody>
+      </p:sp>
+      <p:sp>
+        <p:nvSpPr>
+          <p:cNvPr id="3" name="Content Placeholder 2">
+            <a:extLst>
+              <a:ext uri="{FF2B5EF4-FFF2-40B4-BE49-F238E27FC236}">
+                <a16:creationId xmlns:a16="http://schemas.microsoft.com/office/drawing/2014/main" id="{D519A09A-7A36-4B29-8C75-0A3A53CEB18A}"/>
+              </a:ext>
+            </a:extLst>
+          </p:cNvPr>
+          <p:cNvSpPr>
+            <a:spLocks noGrp="1"/>
+          </p:cNvSpPr>
+          <p:nvPr>
+            <p:ph idx="1"/>
+          </p:nvPr>
+        </p:nvSpPr>
+        <p:spPr/>
+        <p:txBody>
+          <a:bodyPr/>
+          <a:lstStyle/>
+          <a:p>
+            <a:pPr marL="0" indent="0">
+              <a:buNone/>
+            </a:pPr>
+            <a:r>
+              <a:rPr lang="es-MX" dirty="0"/>
+              <a:t>Utilizamos lenguaje lógico y algunas convenciones de programación, pero omitimos detalles que compliquen el código.</a:t>
+            </a:r>
+          </a:p>
+          <a:p>
+            <a:pPr marL="0" indent="0">
+              <a:buNone/>
+            </a:pPr>
+            <a:endParaRPr lang="en-US" dirty="0"/>
+          </a:p>
+          <a:p>
+            <a:pPr marL="0" indent="0">
+              <a:buNone/>
+            </a:pPr>
+            <a:r>
+              <a:rPr lang="en-US" dirty="0"/>
+              <a:t>Podemos </a:t>
+            </a:r>
+            <a:r>
+              <a:rPr lang="en-US" dirty="0" err="1"/>
+              <a:t>utilizar</a:t>
+            </a:r>
+            <a:r>
+              <a:rPr lang="en-US" dirty="0"/>
+              <a:t> </a:t>
+            </a:r>
+            <a:r>
+              <a:rPr lang="en-US" dirty="0" err="1"/>
+              <a:t>frases</a:t>
+            </a:r>
+            <a:r>
+              <a:rPr lang="en-US" dirty="0"/>
+              <a:t> </a:t>
+            </a:r>
+            <a:r>
+              <a:rPr lang="en-US" dirty="0" err="1"/>
+              <a:t>como</a:t>
+            </a:r>
+            <a:r>
+              <a:rPr lang="en-US" dirty="0"/>
+              <a:t>:</a:t>
+            </a:r>
+          </a:p>
+          <a:p>
+            <a:r>
+              <a:rPr lang="en-US" dirty="0" err="1"/>
+              <a:t>Sumar</a:t>
+            </a:r>
+            <a:r>
+              <a:rPr lang="en-US" dirty="0"/>
+              <a:t> 1 a </a:t>
+            </a:r>
+            <a:r>
+              <a:rPr lang="en-US" i="1" dirty="0"/>
+              <a:t>variable</a:t>
+            </a:r>
+          </a:p>
+          <a:p>
+            <a:r>
+              <a:rPr lang="en-US" dirty="0" err="1"/>
+              <a:t>Multiplicar</a:t>
+            </a:r>
+            <a:r>
+              <a:rPr lang="en-US" dirty="0"/>
+              <a:t> </a:t>
+            </a:r>
+            <a:r>
+              <a:rPr lang="en-US" dirty="0" err="1"/>
+              <a:t>saldo</a:t>
+            </a:r>
+            <a:r>
+              <a:rPr lang="en-US" dirty="0"/>
+              <a:t> * 10</a:t>
+            </a:r>
+          </a:p>
+          <a:p>
+            <a:r>
+              <a:rPr lang="en-US" dirty="0"/>
+              <a:t>(IF) Si la luz </a:t>
+            </a:r>
+            <a:r>
+              <a:rPr lang="en-US" dirty="0" err="1"/>
+              <a:t>está</a:t>
+            </a:r>
+            <a:r>
+              <a:rPr lang="en-US" dirty="0"/>
+              <a:t> </a:t>
+            </a:r>
+            <a:r>
+              <a:rPr lang="en-US" dirty="0" err="1"/>
+              <a:t>encendida</a:t>
+            </a:r>
+            <a:r>
+              <a:rPr lang="en-US" dirty="0"/>
+              <a:t>, </a:t>
+            </a:r>
+            <a:r>
+              <a:rPr lang="en-US" dirty="0" err="1"/>
+              <a:t>entonces</a:t>
+            </a:r>
+            <a:r>
+              <a:rPr lang="en-US" dirty="0"/>
+              <a:t>…</a:t>
+            </a:r>
+          </a:p>
+          <a:p>
+            <a:r>
+              <a:rPr lang="en-US" dirty="0"/>
+              <a:t>(ELSE) De lo </a:t>
+            </a:r>
+            <a:r>
+              <a:rPr lang="en-US" dirty="0" err="1"/>
+              <a:t>contrario</a:t>
+            </a:r>
+            <a:r>
+              <a:rPr lang="en-US" dirty="0"/>
+              <a:t>…</a:t>
+            </a:r>
+          </a:p>
+          <a:p>
+            <a:pPr marL="0" indent="0">
+              <a:buNone/>
+            </a:pPr>
+            <a:endParaRPr lang="en-US" dirty="0"/>
+          </a:p>
+        </p:txBody>
+      </p:sp>
+    </p:spTree>
+    <p:extLst>
+      <p:ext uri="{BB962C8B-B14F-4D97-AF65-F5344CB8AC3E}">
+        <p14:creationId xmlns:p14="http://schemas.microsoft.com/office/powerpoint/2010/main" val="2727754781"/>
       </p:ext>
     </p:extLst>
   </p:cSld>

--- a/01 Presentacion/INFO1_MOD4-Algoritmos_y_Diagramas.pptx
+++ b/01 Presentacion/INFO1_MOD4-Algoritmos_y_Diagramas.pptx
@@ -47,16 +47,18 @@
     <p:sldId id="295" r:id="rId41"/>
     <p:sldId id="296" r:id="rId42"/>
     <p:sldId id="297" r:id="rId43"/>
+    <p:sldId id="298" r:id="rId44"/>
+    <p:sldId id="299" r:id="rId45"/>
   </p:sldIdLst>
   <p:sldSz cx="12192000" cy="6858000"/>
   <p:notesSz cx="6858000" cy="9144000"/>
   <p:embeddedFontLst>
     <p:embeddedFont>
       <p:font typeface="Ubuntu" panose="020B0504030602030204" pitchFamily="34" charset="0"/>
-      <p:regular r:id="rId44"/>
-      <p:bold r:id="rId45"/>
-      <p:italic r:id="rId46"/>
-      <p:boldItalic r:id="rId47"/>
+      <p:regular r:id="rId46"/>
+      <p:bold r:id="rId47"/>
+      <p:italic r:id="rId48"/>
+      <p:boldItalic r:id="rId49"/>
     </p:embeddedFont>
   </p:embeddedFontLst>
   <p:defaultTextStyle>
@@ -17278,6 +17280,766 @@
 </p:sld>
 </file>
 
+<file path=ppt/slides/slide43.xml><?xml version="1.0" encoding="utf-8"?>
+<p:sld xmlns:a="http://schemas.openxmlformats.org/drawingml/2006/main" xmlns:r="http://schemas.openxmlformats.org/officeDocument/2006/relationships" xmlns:p="http://schemas.openxmlformats.org/presentationml/2006/main">
+  <p:cSld>
+    <p:spTree>
+      <p:nvGrpSpPr>
+        <p:cNvPr id="1" name=""/>
+        <p:cNvGrpSpPr/>
+        <p:nvPr/>
+      </p:nvGrpSpPr>
+      <p:grpSpPr>
+        <a:xfrm>
+          <a:off x="0" y="0"/>
+          <a:ext cx="0" cy="0"/>
+          <a:chOff x="0" y="0"/>
+          <a:chExt cx="0" cy="0"/>
+        </a:xfrm>
+      </p:grpSpPr>
+      <p:sp>
+        <p:nvSpPr>
+          <p:cNvPr id="2" name="Title 1">
+            <a:extLst>
+              <a:ext uri="{FF2B5EF4-FFF2-40B4-BE49-F238E27FC236}">
+                <a16:creationId xmlns:a16="http://schemas.microsoft.com/office/drawing/2014/main" id="{388D86A6-C393-4041-9012-351BA9C04897}"/>
+              </a:ext>
+            </a:extLst>
+          </p:cNvPr>
+          <p:cNvSpPr>
+            <a:spLocks noGrp="1"/>
+          </p:cNvSpPr>
+          <p:nvPr>
+            <p:ph type="title"/>
+          </p:nvPr>
+        </p:nvSpPr>
+        <p:spPr/>
+        <p:txBody>
+          <a:bodyPr>
+            <a:normAutofit/>
+          </a:bodyPr>
+          <a:lstStyle/>
+          <a:p>
+            <a:r>
+              <a:rPr lang="es-MX" dirty="0"/>
+              <a:t>Vaso de Agua	</a:t>
+            </a:r>
+            <a:endParaRPr lang="en-US" dirty="0"/>
+          </a:p>
+        </p:txBody>
+      </p:sp>
+      <p:sp>
+        <p:nvSpPr>
+          <p:cNvPr id="3" name="Text Placeholder 2">
+            <a:extLst>
+              <a:ext uri="{FF2B5EF4-FFF2-40B4-BE49-F238E27FC236}">
+                <a16:creationId xmlns:a16="http://schemas.microsoft.com/office/drawing/2014/main" id="{BBEE9CC8-9A27-42CC-BEDE-6158817CD7DC}"/>
+              </a:ext>
+            </a:extLst>
+          </p:cNvPr>
+          <p:cNvSpPr>
+            <a:spLocks noGrp="1"/>
+          </p:cNvSpPr>
+          <p:nvPr>
+            <p:ph type="body" sz="quarter" idx="10"/>
+          </p:nvPr>
+        </p:nvSpPr>
+        <p:spPr>
+          <a:xfrm>
+            <a:off x="838199" y="1328738"/>
+            <a:ext cx="5940287" cy="5230812"/>
+          </a:xfrm>
+        </p:spPr>
+        <p:txBody>
+          <a:bodyPr>
+            <a:normAutofit/>
+          </a:bodyPr>
+          <a:lstStyle/>
+          <a:p>
+            <a:pPr marL="0" indent="0">
+              <a:buNone/>
+            </a:pPr>
+            <a:r>
+              <a:rPr lang="es-MX" dirty="0"/>
+              <a:t>El contenido de un vaso de agua lo vamos a representar a través de su nivel en mililitros.</a:t>
+            </a:r>
+          </a:p>
+          <a:p>
+            <a:pPr marL="0" indent="0">
+              <a:buNone/>
+            </a:pPr>
+            <a:endParaRPr lang="es-MX" dirty="0"/>
+          </a:p>
+          <a:p>
+            <a:r>
+              <a:rPr lang="es-MX" dirty="0"/>
+              <a:t>Es decir, un vaso con 0 mililitros está vacío</a:t>
+            </a:r>
+          </a:p>
+          <a:p>
+            <a:pPr marL="0" indent="0">
+              <a:buNone/>
+            </a:pPr>
+            <a:endParaRPr lang="en-US" dirty="0"/>
+          </a:p>
+          <a:p>
+            <a:pPr marL="0" indent="0">
+              <a:buNone/>
+            </a:pPr>
+            <a:r>
+              <a:rPr lang="en-US" dirty="0" err="1"/>
+              <a:t>Diseña</a:t>
+            </a:r>
+            <a:r>
+              <a:rPr lang="en-US" dirty="0"/>
+              <a:t> un </a:t>
+            </a:r>
+            <a:r>
+              <a:rPr lang="en-US" dirty="0" err="1"/>
+              <a:t>algoritmo</a:t>
+            </a:r>
+            <a:r>
+              <a:rPr lang="en-US" dirty="0"/>
+              <a:t> que </a:t>
+            </a:r>
+            <a:r>
+              <a:rPr lang="en-US" dirty="0" err="1"/>
+              <a:t>solicite</a:t>
+            </a:r>
+            <a:r>
+              <a:rPr lang="en-US" dirty="0"/>
+              <a:t> el </a:t>
+            </a:r>
+            <a:r>
+              <a:rPr lang="en-US" dirty="0" err="1"/>
+              <a:t>tamaño</a:t>
+            </a:r>
+            <a:r>
+              <a:rPr lang="en-US" dirty="0"/>
+              <a:t> del </a:t>
+            </a:r>
+            <a:r>
+              <a:rPr lang="en-US" dirty="0" err="1"/>
+              <a:t>vaso</a:t>
+            </a:r>
+            <a:r>
+              <a:rPr lang="en-US" dirty="0"/>
+              <a:t> y lo </a:t>
+            </a:r>
+            <a:r>
+              <a:rPr lang="en-US" dirty="0" err="1"/>
+              <a:t>llene</a:t>
+            </a:r>
+            <a:r>
+              <a:rPr lang="en-US" dirty="0"/>
+              <a:t> de </a:t>
+            </a:r>
+            <a:r>
+              <a:rPr lang="en-US" dirty="0" err="1"/>
+              <a:t>agua</a:t>
+            </a:r>
+            <a:r>
+              <a:rPr lang="en-US" dirty="0"/>
+              <a:t>. </a:t>
+            </a:r>
+          </a:p>
+          <a:p>
+            <a:pPr marL="0" indent="0">
+              <a:buNone/>
+            </a:pPr>
+            <a:endParaRPr lang="en-US" b="1" dirty="0">
+              <a:solidFill>
+                <a:schemeClr val="accent1"/>
+              </a:solidFill>
+            </a:endParaRPr>
+          </a:p>
+          <a:p>
+            <a:pPr marL="0" indent="0">
+              <a:buNone/>
+            </a:pPr>
+            <a:r>
+              <a:rPr lang="en-US" b="1" dirty="0" err="1">
+                <a:solidFill>
+                  <a:schemeClr val="accent1"/>
+                </a:solidFill>
+              </a:rPr>
+              <a:t>Represéntalo</a:t>
+            </a:r>
+            <a:r>
+              <a:rPr lang="en-US" b="1" dirty="0">
+                <a:solidFill>
+                  <a:schemeClr val="accent1"/>
+                </a:solidFill>
+              </a:rPr>
+              <a:t> </a:t>
+            </a:r>
+            <a:r>
+              <a:rPr lang="en-US" b="1" dirty="0" err="1">
+                <a:solidFill>
+                  <a:schemeClr val="accent1"/>
+                </a:solidFill>
+              </a:rPr>
+              <a:t>en</a:t>
+            </a:r>
+            <a:r>
+              <a:rPr lang="en-US" b="1" dirty="0">
+                <a:solidFill>
+                  <a:schemeClr val="accent1"/>
+                </a:solidFill>
+              </a:rPr>
+              <a:t> </a:t>
+            </a:r>
+            <a:r>
+              <a:rPr lang="en-US" b="1" dirty="0" err="1">
+                <a:solidFill>
+                  <a:schemeClr val="accent1"/>
+                </a:solidFill>
+              </a:rPr>
+              <a:t>pseudocódigo</a:t>
+            </a:r>
+            <a:r>
+              <a:rPr lang="en-US" b="1" dirty="0">
+                <a:solidFill>
+                  <a:schemeClr val="accent1"/>
+                </a:solidFill>
+              </a:rPr>
+              <a:t>.</a:t>
+            </a:r>
+            <a:endParaRPr lang="en-US" dirty="0"/>
+          </a:p>
+        </p:txBody>
+      </p:sp>
+      <p:pic>
+        <p:nvPicPr>
+          <p:cNvPr id="18" name="Picture 17" descr="A close up of a logo&#10;&#10;Description automatically generated">
+            <a:extLst>
+              <a:ext uri="{FF2B5EF4-FFF2-40B4-BE49-F238E27FC236}">
+                <a16:creationId xmlns:a16="http://schemas.microsoft.com/office/drawing/2014/main" id="{381A6577-6AF7-47A8-928B-023F65A2E206}"/>
+              </a:ext>
+            </a:extLst>
+          </p:cNvPr>
+          <p:cNvPicPr>
+            <a:picLocks noChangeAspect="1"/>
+          </p:cNvPicPr>
+          <p:nvPr/>
+        </p:nvPicPr>
+        <p:blipFill>
+          <a:blip r:embed="rId2">
+            <a:extLst>
+              <a:ext uri="{28A0092B-C50C-407E-A947-70E740481C1C}">
+                <a14:useLocalDpi xmlns:a14="http://schemas.microsoft.com/office/drawing/2010/main" val="0"/>
+              </a:ext>
+            </a:extLst>
+          </a:blip>
+          <a:stretch>
+            <a:fillRect/>
+          </a:stretch>
+        </p:blipFill>
+        <p:spPr>
+          <a:xfrm>
+            <a:off x="7031206" y="1158115"/>
+            <a:ext cx="4830189" cy="4830189"/>
+          </a:xfrm>
+          <a:prstGeom prst="rect">
+            <a:avLst/>
+          </a:prstGeom>
+        </p:spPr>
+      </p:pic>
+      <p:pic>
+        <p:nvPicPr>
+          <p:cNvPr id="20" name="Picture 19" descr="A close up of a screen&#10;&#10;Description automatically generated">
+            <a:extLst>
+              <a:ext uri="{FF2B5EF4-FFF2-40B4-BE49-F238E27FC236}">
+                <a16:creationId xmlns:a16="http://schemas.microsoft.com/office/drawing/2014/main" id="{5FB62EDD-23CA-4B15-992F-A118ABCFDFB0}"/>
+              </a:ext>
+            </a:extLst>
+          </p:cNvPr>
+          <p:cNvPicPr>
+            <a:picLocks noChangeAspect="1"/>
+          </p:cNvPicPr>
+          <p:nvPr/>
+        </p:nvPicPr>
+        <p:blipFill>
+          <a:blip r:embed="rId3">
+            <a:extLst>
+              <a:ext uri="{28A0092B-C50C-407E-A947-70E740481C1C}">
+                <a14:useLocalDpi xmlns:a14="http://schemas.microsoft.com/office/drawing/2010/main" val="0"/>
+              </a:ext>
+            </a:extLst>
+          </a:blip>
+          <a:stretch>
+            <a:fillRect/>
+          </a:stretch>
+        </p:blipFill>
+        <p:spPr>
+          <a:xfrm>
+            <a:off x="7029940" y="1156849"/>
+            <a:ext cx="4831455" cy="4831455"/>
+          </a:xfrm>
+          <a:prstGeom prst="rect">
+            <a:avLst/>
+          </a:prstGeom>
+        </p:spPr>
+      </p:pic>
+      <p:pic>
+        <p:nvPicPr>
+          <p:cNvPr id="22" name="Picture 21" descr="A close up of a screen&#10;&#10;Description automatically generated">
+            <a:extLst>
+              <a:ext uri="{FF2B5EF4-FFF2-40B4-BE49-F238E27FC236}">
+                <a16:creationId xmlns:a16="http://schemas.microsoft.com/office/drawing/2014/main" id="{1D8A9EE8-F280-4F64-86C3-CB09959A6F36}"/>
+              </a:ext>
+            </a:extLst>
+          </p:cNvPr>
+          <p:cNvPicPr>
+            <a:picLocks noChangeAspect="1"/>
+          </p:cNvPicPr>
+          <p:nvPr/>
+        </p:nvPicPr>
+        <p:blipFill>
+          <a:blip r:embed="rId4">
+            <a:extLst>
+              <a:ext uri="{28A0092B-C50C-407E-A947-70E740481C1C}">
+                <a14:useLocalDpi xmlns:a14="http://schemas.microsoft.com/office/drawing/2010/main" val="0"/>
+              </a:ext>
+            </a:extLst>
+          </a:blip>
+          <a:stretch>
+            <a:fillRect/>
+          </a:stretch>
+        </p:blipFill>
+        <p:spPr>
+          <a:xfrm>
+            <a:off x="7029940" y="1156849"/>
+            <a:ext cx="4831455" cy="4831455"/>
+          </a:xfrm>
+          <a:prstGeom prst="rect">
+            <a:avLst/>
+          </a:prstGeom>
+        </p:spPr>
+      </p:pic>
+      <p:pic>
+        <p:nvPicPr>
+          <p:cNvPr id="24" name="Picture 23" descr="A picture containing object&#10;&#10;Description automatically generated">
+            <a:extLst>
+              <a:ext uri="{FF2B5EF4-FFF2-40B4-BE49-F238E27FC236}">
+                <a16:creationId xmlns:a16="http://schemas.microsoft.com/office/drawing/2014/main" id="{61F6A7AB-A985-4D60-B31D-45990A444E9F}"/>
+              </a:ext>
+            </a:extLst>
+          </p:cNvPr>
+          <p:cNvPicPr>
+            <a:picLocks noChangeAspect="1"/>
+          </p:cNvPicPr>
+          <p:nvPr/>
+        </p:nvPicPr>
+        <p:blipFill>
+          <a:blip r:embed="rId5">
+            <a:extLst>
+              <a:ext uri="{28A0092B-C50C-407E-A947-70E740481C1C}">
+                <a14:useLocalDpi xmlns:a14="http://schemas.microsoft.com/office/drawing/2010/main" val="0"/>
+              </a:ext>
+            </a:extLst>
+          </a:blip>
+          <a:stretch>
+            <a:fillRect/>
+          </a:stretch>
+        </p:blipFill>
+        <p:spPr>
+          <a:xfrm>
+            <a:off x="7029940" y="1156849"/>
+            <a:ext cx="4831455" cy="4831455"/>
+          </a:xfrm>
+          <a:prstGeom prst="rect">
+            <a:avLst/>
+          </a:prstGeom>
+        </p:spPr>
+      </p:pic>
+      <p:pic>
+        <p:nvPicPr>
+          <p:cNvPr id="26" name="Picture 25" descr="A picture containing object&#10;&#10;Description automatically generated">
+            <a:extLst>
+              <a:ext uri="{FF2B5EF4-FFF2-40B4-BE49-F238E27FC236}">
+                <a16:creationId xmlns:a16="http://schemas.microsoft.com/office/drawing/2014/main" id="{3872CEAF-46B7-4F9A-B4F1-FD7C62103496}"/>
+              </a:ext>
+            </a:extLst>
+          </p:cNvPr>
+          <p:cNvPicPr>
+            <a:picLocks noChangeAspect="1"/>
+          </p:cNvPicPr>
+          <p:nvPr/>
+        </p:nvPicPr>
+        <p:blipFill>
+          <a:blip r:embed="rId6">
+            <a:extLst>
+              <a:ext uri="{28A0092B-C50C-407E-A947-70E740481C1C}">
+                <a14:useLocalDpi xmlns:a14="http://schemas.microsoft.com/office/drawing/2010/main" val="0"/>
+              </a:ext>
+            </a:extLst>
+          </a:blip>
+          <a:stretch>
+            <a:fillRect/>
+          </a:stretch>
+        </p:blipFill>
+        <p:spPr>
+          <a:xfrm>
+            <a:off x="7029349" y="1156848"/>
+            <a:ext cx="4831455" cy="4831455"/>
+          </a:xfrm>
+          <a:prstGeom prst="rect">
+            <a:avLst/>
+          </a:prstGeom>
+        </p:spPr>
+      </p:pic>
+      <p:pic>
+        <p:nvPicPr>
+          <p:cNvPr id="28" name="Picture 27">
+            <a:extLst>
+              <a:ext uri="{FF2B5EF4-FFF2-40B4-BE49-F238E27FC236}">
+                <a16:creationId xmlns:a16="http://schemas.microsoft.com/office/drawing/2014/main" id="{6FA9A1A2-90E7-4D38-A534-B2D5A9B1416E}"/>
+              </a:ext>
+            </a:extLst>
+          </p:cNvPr>
+          <p:cNvPicPr>
+            <a:picLocks noChangeAspect="1"/>
+          </p:cNvPicPr>
+          <p:nvPr/>
+        </p:nvPicPr>
+        <p:blipFill>
+          <a:blip r:embed="rId7">
+            <a:extLst>
+              <a:ext uri="{28A0092B-C50C-407E-A947-70E740481C1C}">
+                <a14:useLocalDpi xmlns:a14="http://schemas.microsoft.com/office/drawing/2010/main" val="0"/>
+              </a:ext>
+            </a:extLst>
+          </a:blip>
+          <a:stretch>
+            <a:fillRect/>
+          </a:stretch>
+        </p:blipFill>
+        <p:spPr>
+          <a:xfrm>
+            <a:off x="7028758" y="1158114"/>
+            <a:ext cx="4830189" cy="4830189"/>
+          </a:xfrm>
+          <a:prstGeom prst="rect">
+            <a:avLst/>
+          </a:prstGeom>
+        </p:spPr>
+      </p:pic>
+    </p:spTree>
+    <p:extLst>
+      <p:ext uri="{BB962C8B-B14F-4D97-AF65-F5344CB8AC3E}">
+        <p14:creationId xmlns:p14="http://schemas.microsoft.com/office/powerpoint/2010/main" val="4098766733"/>
+      </p:ext>
+    </p:extLst>
+  </p:cSld>
+  <p:clrMapOvr>
+    <a:masterClrMapping/>
+  </p:clrMapOvr>
+  <p:timing>
+    <p:tnLst>
+      <p:par>
+        <p:cTn id="1" dur="indefinite" restart="never" nodeType="tmRoot">
+          <p:childTnLst>
+            <p:seq concurrent="1" nextAc="seek">
+              <p:cTn id="2" dur="indefinite" nodeType="mainSeq">
+                <p:childTnLst>
+                  <p:par>
+                    <p:cTn id="3" fill="hold">
+                      <p:stCondLst>
+                        <p:cond delay="indefinite"/>
+                        <p:cond evt="onBegin" delay="0">
+                          <p:tn val="2"/>
+                        </p:cond>
+                      </p:stCondLst>
+                      <p:childTnLst>
+                        <p:par>
+                          <p:cTn id="4" fill="hold">
+                            <p:stCondLst>
+                              <p:cond delay="0"/>
+                            </p:stCondLst>
+                            <p:childTnLst>
+                              <p:par>
+                                <p:cTn id="5" presetID="1" presetClass="entr" presetSubtype="0" fill="hold" nodeType="afterEffect">
+                                  <p:stCondLst>
+                                    <p:cond delay="1000"/>
+                                  </p:stCondLst>
+                                  <p:childTnLst>
+                                    <p:set>
+                                      <p:cBhvr>
+                                        <p:cTn id="6" dur="1" fill="hold">
+                                          <p:stCondLst>
+                                            <p:cond delay="0"/>
+                                          </p:stCondLst>
+                                        </p:cTn>
+                                        <p:tgtEl>
+                                          <p:spTgt spid="20"/>
+                                        </p:tgtEl>
+                                        <p:attrNameLst>
+                                          <p:attrName>style.visibility</p:attrName>
+                                        </p:attrNameLst>
+                                      </p:cBhvr>
+                                      <p:to>
+                                        <p:strVal val="visible"/>
+                                      </p:to>
+                                    </p:set>
+                                  </p:childTnLst>
+                                </p:cTn>
+                              </p:par>
+                            </p:childTnLst>
+                          </p:cTn>
+                        </p:par>
+                        <p:par>
+                          <p:cTn id="7" fill="hold">
+                            <p:stCondLst>
+                              <p:cond delay="1000"/>
+                            </p:stCondLst>
+                            <p:childTnLst>
+                              <p:par>
+                                <p:cTn id="8" presetID="1" presetClass="entr" presetSubtype="0" fill="hold" nodeType="afterEffect">
+                                  <p:stCondLst>
+                                    <p:cond delay="1000"/>
+                                  </p:stCondLst>
+                                  <p:childTnLst>
+                                    <p:set>
+                                      <p:cBhvr>
+                                        <p:cTn id="9" dur="1" fill="hold">
+                                          <p:stCondLst>
+                                            <p:cond delay="0"/>
+                                          </p:stCondLst>
+                                        </p:cTn>
+                                        <p:tgtEl>
+                                          <p:spTgt spid="22"/>
+                                        </p:tgtEl>
+                                        <p:attrNameLst>
+                                          <p:attrName>style.visibility</p:attrName>
+                                        </p:attrNameLst>
+                                      </p:cBhvr>
+                                      <p:to>
+                                        <p:strVal val="visible"/>
+                                      </p:to>
+                                    </p:set>
+                                  </p:childTnLst>
+                                </p:cTn>
+                              </p:par>
+                            </p:childTnLst>
+                          </p:cTn>
+                        </p:par>
+                        <p:par>
+                          <p:cTn id="10" fill="hold">
+                            <p:stCondLst>
+                              <p:cond delay="2000"/>
+                            </p:stCondLst>
+                            <p:childTnLst>
+                              <p:par>
+                                <p:cTn id="11" presetID="1" presetClass="entr" presetSubtype="0" fill="hold" nodeType="afterEffect">
+                                  <p:stCondLst>
+                                    <p:cond delay="1000"/>
+                                  </p:stCondLst>
+                                  <p:childTnLst>
+                                    <p:set>
+                                      <p:cBhvr>
+                                        <p:cTn id="12" dur="1" fill="hold">
+                                          <p:stCondLst>
+                                            <p:cond delay="0"/>
+                                          </p:stCondLst>
+                                        </p:cTn>
+                                        <p:tgtEl>
+                                          <p:spTgt spid="24"/>
+                                        </p:tgtEl>
+                                        <p:attrNameLst>
+                                          <p:attrName>style.visibility</p:attrName>
+                                        </p:attrNameLst>
+                                      </p:cBhvr>
+                                      <p:to>
+                                        <p:strVal val="visible"/>
+                                      </p:to>
+                                    </p:set>
+                                  </p:childTnLst>
+                                </p:cTn>
+                              </p:par>
+                            </p:childTnLst>
+                          </p:cTn>
+                        </p:par>
+                        <p:par>
+                          <p:cTn id="13" fill="hold">
+                            <p:stCondLst>
+                              <p:cond delay="3000"/>
+                            </p:stCondLst>
+                            <p:childTnLst>
+                              <p:par>
+                                <p:cTn id="14" presetID="1" presetClass="entr" presetSubtype="0" fill="hold" nodeType="afterEffect">
+                                  <p:stCondLst>
+                                    <p:cond delay="1000"/>
+                                  </p:stCondLst>
+                                  <p:childTnLst>
+                                    <p:set>
+                                      <p:cBhvr>
+                                        <p:cTn id="15" dur="1" fill="hold">
+                                          <p:stCondLst>
+                                            <p:cond delay="0"/>
+                                          </p:stCondLst>
+                                        </p:cTn>
+                                        <p:tgtEl>
+                                          <p:spTgt spid="26"/>
+                                        </p:tgtEl>
+                                        <p:attrNameLst>
+                                          <p:attrName>style.visibility</p:attrName>
+                                        </p:attrNameLst>
+                                      </p:cBhvr>
+                                      <p:to>
+                                        <p:strVal val="visible"/>
+                                      </p:to>
+                                    </p:set>
+                                  </p:childTnLst>
+                                </p:cTn>
+                              </p:par>
+                            </p:childTnLst>
+                          </p:cTn>
+                        </p:par>
+                        <p:par>
+                          <p:cTn id="16" fill="hold">
+                            <p:stCondLst>
+                              <p:cond delay="4000"/>
+                            </p:stCondLst>
+                            <p:childTnLst>
+                              <p:par>
+                                <p:cTn id="17" presetID="1" presetClass="entr" presetSubtype="0" fill="hold" nodeType="afterEffect">
+                                  <p:stCondLst>
+                                    <p:cond delay="1000"/>
+                                  </p:stCondLst>
+                                  <p:childTnLst>
+                                    <p:set>
+                                      <p:cBhvr>
+                                        <p:cTn id="18" dur="1" fill="hold">
+                                          <p:stCondLst>
+                                            <p:cond delay="0"/>
+                                          </p:stCondLst>
+                                        </p:cTn>
+                                        <p:tgtEl>
+                                          <p:spTgt spid="28"/>
+                                        </p:tgtEl>
+                                        <p:attrNameLst>
+                                          <p:attrName>style.visibility</p:attrName>
+                                        </p:attrNameLst>
+                                      </p:cBhvr>
+                                      <p:to>
+                                        <p:strVal val="visible"/>
+                                      </p:to>
+                                    </p:set>
+                                  </p:childTnLst>
+                                </p:cTn>
+                              </p:par>
+                            </p:childTnLst>
+                          </p:cTn>
+                        </p:par>
+                      </p:childTnLst>
+                    </p:cTn>
+                  </p:par>
+                </p:childTnLst>
+              </p:cTn>
+              <p:prevCondLst>
+                <p:cond evt="onPrev" delay="0">
+                  <p:tgtEl>
+                    <p:sldTgt/>
+                  </p:tgtEl>
+                </p:cond>
+              </p:prevCondLst>
+              <p:nextCondLst>
+                <p:cond evt="onNext" delay="0">
+                  <p:tgtEl>
+                    <p:sldTgt/>
+                  </p:tgtEl>
+                </p:cond>
+              </p:nextCondLst>
+            </p:seq>
+          </p:childTnLst>
+        </p:cTn>
+      </p:par>
+    </p:tnLst>
+  </p:timing>
+</p:sld>
+</file>
+
+<file path=ppt/slides/slide44.xml><?xml version="1.0" encoding="utf-8"?>
+<p:sld xmlns:a="http://schemas.openxmlformats.org/drawingml/2006/main" xmlns:r="http://schemas.openxmlformats.org/officeDocument/2006/relationships" xmlns:p="http://schemas.openxmlformats.org/presentationml/2006/main">
+  <p:cSld>
+    <p:spTree>
+      <p:nvGrpSpPr>
+        <p:cNvPr id="1" name=""/>
+        <p:cNvGrpSpPr/>
+        <p:nvPr/>
+      </p:nvGrpSpPr>
+      <p:grpSpPr>
+        <a:xfrm>
+          <a:off x="0" y="0"/>
+          <a:ext cx="0" cy="0"/>
+          <a:chOff x="0" y="0"/>
+          <a:chExt cx="0" cy="0"/>
+        </a:xfrm>
+      </p:grpSpPr>
+      <p:sp>
+        <p:nvSpPr>
+          <p:cNvPr id="2" name="Title 1">
+            <a:extLst>
+              <a:ext uri="{FF2B5EF4-FFF2-40B4-BE49-F238E27FC236}">
+                <a16:creationId xmlns:a16="http://schemas.microsoft.com/office/drawing/2014/main" id="{7EECFA28-73C1-4B81-9588-CC106FAC3E86}"/>
+              </a:ext>
+            </a:extLst>
+          </p:cNvPr>
+          <p:cNvSpPr>
+            <a:spLocks noGrp="1"/>
+          </p:cNvSpPr>
+          <p:nvPr>
+            <p:ph type="title"/>
+          </p:nvPr>
+        </p:nvSpPr>
+        <p:spPr/>
+        <p:txBody>
+          <a:bodyPr/>
+          <a:lstStyle/>
+          <a:p>
+            <a:endParaRPr lang="en-US" dirty="0"/>
+          </a:p>
+        </p:txBody>
+      </p:sp>
+      <p:sp>
+        <p:nvSpPr>
+          <p:cNvPr id="3" name="Content Placeholder 2">
+            <a:extLst>
+              <a:ext uri="{FF2B5EF4-FFF2-40B4-BE49-F238E27FC236}">
+                <a16:creationId xmlns:a16="http://schemas.microsoft.com/office/drawing/2014/main" id="{F0E2C29E-2B05-472B-BAE4-7FE6C988A9DA}"/>
+              </a:ext>
+            </a:extLst>
+          </p:cNvPr>
+          <p:cNvSpPr>
+            <a:spLocks noGrp="1"/>
+          </p:cNvSpPr>
+          <p:nvPr>
+            <p:ph idx="1"/>
+          </p:nvPr>
+        </p:nvSpPr>
+        <p:spPr/>
+        <p:txBody>
+          <a:bodyPr/>
+          <a:lstStyle/>
+          <a:p>
+            <a:endParaRPr lang="en-US" dirty="0"/>
+          </a:p>
+        </p:txBody>
+      </p:sp>
+    </p:spTree>
+    <p:extLst>
+      <p:ext uri="{BB962C8B-B14F-4D97-AF65-F5344CB8AC3E}">
+        <p14:creationId xmlns:p14="http://schemas.microsoft.com/office/powerpoint/2010/main" val="2516963126"/>
+      </p:ext>
+    </p:extLst>
+  </p:cSld>
+  <p:clrMapOvr>
+    <a:masterClrMapping/>
+  </p:clrMapOvr>
+</p:sld>
+</file>
+
 <file path=ppt/slides/slide5.xml><?xml version="1.0" encoding="utf-8"?>
 <p:sld xmlns:a="http://schemas.openxmlformats.org/drawingml/2006/main" xmlns:r="http://schemas.openxmlformats.org/officeDocument/2006/relationships" xmlns:p="http://schemas.openxmlformats.org/presentationml/2006/main">
   <p:cSld>

--- a/01 Presentacion/INFO1_MOD4-Algoritmos_y_Diagramas.pptx
+++ b/01 Presentacion/INFO1_MOD4-Algoritmos_y_Diagramas.pptx
@@ -44,21 +44,22 @@
     <p:sldId id="292" r:id="rId38"/>
     <p:sldId id="293" r:id="rId39"/>
     <p:sldId id="294" r:id="rId40"/>
-    <p:sldId id="295" r:id="rId41"/>
-    <p:sldId id="296" r:id="rId42"/>
-    <p:sldId id="297" r:id="rId43"/>
-    <p:sldId id="298" r:id="rId44"/>
-    <p:sldId id="299" r:id="rId45"/>
+    <p:sldId id="299" r:id="rId41"/>
+    <p:sldId id="300" r:id="rId42"/>
+    <p:sldId id="295" r:id="rId43"/>
+    <p:sldId id="296" r:id="rId44"/>
+    <p:sldId id="297" r:id="rId45"/>
+    <p:sldId id="298" r:id="rId46"/>
   </p:sldIdLst>
   <p:sldSz cx="12192000" cy="6858000"/>
   <p:notesSz cx="6858000" cy="9144000"/>
   <p:embeddedFontLst>
     <p:embeddedFont>
       <p:font typeface="Ubuntu" panose="020B0504030602030204" pitchFamily="34" charset="0"/>
-      <p:regular r:id="rId46"/>
-      <p:bold r:id="rId47"/>
-      <p:italic r:id="rId48"/>
-      <p:boldItalic r:id="rId49"/>
+      <p:regular r:id="rId47"/>
+      <p:bold r:id="rId48"/>
+      <p:italic r:id="rId49"/>
+      <p:boldItalic r:id="rId50"/>
     </p:embeddedFont>
   </p:embeddedFontLst>
   <p:defaultTextStyle>
@@ -16459,6 +16460,1016 @@
           <p:cNvPr id="2" name="Title 1">
             <a:extLst>
               <a:ext uri="{FF2B5EF4-FFF2-40B4-BE49-F238E27FC236}">
+                <a16:creationId xmlns:a16="http://schemas.microsoft.com/office/drawing/2014/main" id="{46499B05-3634-415F-A9C1-28985362FA33}"/>
+              </a:ext>
+            </a:extLst>
+          </p:cNvPr>
+          <p:cNvSpPr>
+            <a:spLocks noGrp="1"/>
+          </p:cNvSpPr>
+          <p:nvPr>
+            <p:ph type="title"/>
+          </p:nvPr>
+        </p:nvSpPr>
+        <p:spPr/>
+        <p:txBody>
+          <a:bodyPr/>
+          <a:lstStyle/>
+          <a:p>
+            <a:r>
+              <a:rPr lang="es-MX" dirty="0"/>
+              <a:t>Operadores lógicos y relacionales</a:t>
+            </a:r>
+            <a:endParaRPr lang="en-US" dirty="0"/>
+          </a:p>
+        </p:txBody>
+      </p:sp>
+      <p:graphicFrame>
+        <p:nvGraphicFramePr>
+          <p:cNvPr id="4" name="Table 4">
+            <a:extLst>
+              <a:ext uri="{FF2B5EF4-FFF2-40B4-BE49-F238E27FC236}">
+                <a16:creationId xmlns:a16="http://schemas.microsoft.com/office/drawing/2014/main" id="{FB97F2C9-7A48-4632-8F99-8396B248DC30}"/>
+              </a:ext>
+            </a:extLst>
+          </p:cNvPr>
+          <p:cNvGraphicFramePr>
+            <a:graphicFrameLocks noGrp="1"/>
+          </p:cNvGraphicFramePr>
+          <p:nvPr>
+            <p:ph idx="1"/>
+            <p:extLst>
+              <p:ext uri="{D42A27DB-BD31-4B8C-83A1-F6EECF244321}">
+                <p14:modId xmlns:p14="http://schemas.microsoft.com/office/powerpoint/2010/main" val="3079947077"/>
+              </p:ext>
+            </p:extLst>
+          </p:nvPr>
+        </p:nvGraphicFramePr>
+        <p:xfrm>
+          <a:off x="838544" y="1028247"/>
+          <a:ext cx="11095038" cy="5521960"/>
+        </p:xfrm>
+        <a:graphic>
+          <a:graphicData uri="http://schemas.openxmlformats.org/drawingml/2006/table">
+            <a:tbl>
+              <a:tblPr firstRow="1" bandRow="1">
+                <a:tableStyleId>{5C22544A-7EE6-4342-B048-85BDC9FD1C3A}</a:tableStyleId>
+              </a:tblPr>
+              <a:tblGrid>
+                <a:gridCol w="1817914">
+                  <a:extLst>
+                    <a:ext uri="{9D8B030D-6E8A-4147-A177-3AD203B41FA5}">
+                      <a16:colId xmlns:a16="http://schemas.microsoft.com/office/drawing/2014/main" val="4063866005"/>
+                    </a:ext>
+                  </a:extLst>
+                </a:gridCol>
+                <a:gridCol w="4175038">
+                  <a:extLst>
+                    <a:ext uri="{9D8B030D-6E8A-4147-A177-3AD203B41FA5}">
+                      <a16:colId xmlns:a16="http://schemas.microsoft.com/office/drawing/2014/main" val="575318174"/>
+                    </a:ext>
+                  </a:extLst>
+                </a:gridCol>
+                <a:gridCol w="5102086">
+                  <a:extLst>
+                    <a:ext uri="{9D8B030D-6E8A-4147-A177-3AD203B41FA5}">
+                      <a16:colId xmlns:a16="http://schemas.microsoft.com/office/drawing/2014/main" val="2602218074"/>
+                    </a:ext>
+                  </a:extLst>
+                </a:gridCol>
+              </a:tblGrid>
+              <a:tr h="370840">
+                <a:tc>
+                  <a:txBody>
+                    <a:bodyPr/>
+                    <a:lstStyle/>
+                    <a:p>
+                      <a:r>
+                        <a:rPr lang="es-MX" dirty="0"/>
+                        <a:t>O</a:t>
+                      </a:r>
+                      <a:r>
+                        <a:rPr lang="en-US" dirty="0" err="1"/>
+                        <a:t>perador</a:t>
+                      </a:r>
+                      <a:endParaRPr lang="en-US" dirty="0"/>
+                    </a:p>
+                  </a:txBody>
+                  <a:tcPr/>
+                </a:tc>
+                <a:tc>
+                  <a:txBody>
+                    <a:bodyPr/>
+                    <a:lstStyle/>
+                    <a:p>
+                      <a:r>
+                        <a:rPr lang="es-MX" dirty="0"/>
+                        <a:t>¿Para qué sirve?</a:t>
+                      </a:r>
+                      <a:endParaRPr lang="en-US" dirty="0"/>
+                    </a:p>
+                  </a:txBody>
+                  <a:tcPr/>
+                </a:tc>
+                <a:tc>
+                  <a:txBody>
+                    <a:bodyPr/>
+                    <a:lstStyle/>
+                    <a:p>
+                      <a:endParaRPr lang="en-US" dirty="0"/>
+                    </a:p>
+                  </a:txBody>
+                  <a:tcPr/>
+                </a:tc>
+                <a:extLst>
+                  <a:ext uri="{0D108BD9-81ED-4DB2-BD59-A6C34878D82A}">
+                    <a16:rowId xmlns:a16="http://schemas.microsoft.com/office/drawing/2014/main" val="3800108115"/>
+                  </a:ext>
+                </a:extLst>
+              </a:tr>
+              <a:tr h="370840">
+                <a:tc>
+                  <a:txBody>
+                    <a:bodyPr/>
+                    <a:lstStyle/>
+                    <a:p>
+                      <a:r>
+                        <a:rPr lang="es-MX" sz="2800" b="1" dirty="0"/>
+                        <a:t>=</a:t>
+                      </a:r>
+                      <a:r>
+                        <a:rPr lang="en-US" sz="2800" b="1" dirty="0"/>
+                        <a:t>=</a:t>
+                      </a:r>
+                    </a:p>
+                  </a:txBody>
+                  <a:tcPr/>
+                </a:tc>
+                <a:tc>
+                  <a:txBody>
+                    <a:bodyPr/>
+                    <a:lstStyle/>
+                    <a:p>
+                      <a:r>
+                        <a:rPr lang="es-MX" sz="1800" dirty="0"/>
+                        <a:t>Igual a</a:t>
+                      </a:r>
+                      <a:endParaRPr lang="en-US" sz="1800" dirty="0"/>
+                    </a:p>
+                  </a:txBody>
+                  <a:tcPr/>
+                </a:tc>
+                <a:tc>
+                  <a:txBody>
+                    <a:bodyPr/>
+                    <a:lstStyle/>
+                    <a:p>
+                      <a:r>
+                        <a:rPr lang="es-MX" sz="1800" dirty="0"/>
+                        <a:t>mes == 12</a:t>
+                      </a:r>
+                    </a:p>
+                    <a:p>
+                      <a:r>
+                        <a:rPr lang="es-MX" sz="1800" dirty="0"/>
+                        <a:t>letra  == ‘c’</a:t>
+                      </a:r>
+                      <a:endParaRPr lang="en-US" sz="1800" dirty="0"/>
+                    </a:p>
+                  </a:txBody>
+                  <a:tcPr/>
+                </a:tc>
+                <a:extLst>
+                  <a:ext uri="{0D108BD9-81ED-4DB2-BD59-A6C34878D82A}">
+                    <a16:rowId xmlns:a16="http://schemas.microsoft.com/office/drawing/2014/main" val="1239525177"/>
+                  </a:ext>
+                </a:extLst>
+              </a:tr>
+              <a:tr h="370840">
+                <a:tc>
+                  <a:txBody>
+                    <a:bodyPr/>
+                    <a:lstStyle/>
+                    <a:p>
+                      <a:r>
+                        <a:rPr lang="es-MX" sz="2800" b="1" dirty="0"/>
+                        <a:t>!</a:t>
+                      </a:r>
+                      <a:r>
+                        <a:rPr lang="en-US" sz="2800" b="1" dirty="0"/>
+                        <a:t>=</a:t>
+                      </a:r>
+                    </a:p>
+                  </a:txBody>
+                  <a:tcPr/>
+                </a:tc>
+                <a:tc>
+                  <a:txBody>
+                    <a:bodyPr/>
+                    <a:lstStyle/>
+                    <a:p>
+                      <a:r>
+                        <a:rPr lang="es-MX" sz="1800" dirty="0"/>
+                        <a:t>Es diferente a</a:t>
+                      </a:r>
+                      <a:endParaRPr lang="en-US" sz="1800" dirty="0"/>
+                    </a:p>
+                  </a:txBody>
+                  <a:tcPr/>
+                </a:tc>
+                <a:tc>
+                  <a:txBody>
+                    <a:bodyPr/>
+                    <a:lstStyle/>
+                    <a:p>
+                      <a:r>
+                        <a:rPr lang="en-US" sz="1800" dirty="0" err="1"/>
+                        <a:t>mes</a:t>
+                      </a:r>
+                      <a:r>
+                        <a:rPr lang="en-US" sz="1800" dirty="0"/>
+                        <a:t> != 12</a:t>
+                      </a:r>
+                    </a:p>
+                    <a:p>
+                      <a:r>
+                        <a:rPr lang="en-US" sz="1800" dirty="0" err="1"/>
+                        <a:t>letra</a:t>
+                      </a:r>
+                      <a:r>
+                        <a:rPr lang="en-US" sz="1800" dirty="0"/>
+                        <a:t> != ‘c’</a:t>
+                      </a:r>
+                    </a:p>
+                  </a:txBody>
+                  <a:tcPr/>
+                </a:tc>
+                <a:extLst>
+                  <a:ext uri="{0D108BD9-81ED-4DB2-BD59-A6C34878D82A}">
+                    <a16:rowId xmlns:a16="http://schemas.microsoft.com/office/drawing/2014/main" val="1662178787"/>
+                  </a:ext>
+                </a:extLst>
+              </a:tr>
+              <a:tr h="370840">
+                <a:tc>
+                  <a:txBody>
+                    <a:bodyPr/>
+                    <a:lstStyle/>
+                    <a:p>
+                      <a:r>
+                        <a:rPr lang="en-US" sz="2800" b="1" dirty="0"/>
+                        <a:t>&gt;=</a:t>
+                      </a:r>
+                    </a:p>
+                  </a:txBody>
+                  <a:tcPr/>
+                </a:tc>
+                <a:tc>
+                  <a:txBody>
+                    <a:bodyPr/>
+                    <a:lstStyle/>
+                    <a:p>
+                      <a:r>
+                        <a:rPr lang="es-MX" sz="1800" dirty="0"/>
+                        <a:t>Mayor o igual a</a:t>
+                      </a:r>
+                      <a:endParaRPr lang="en-US" sz="1800" dirty="0"/>
+                    </a:p>
+                  </a:txBody>
+                  <a:tcPr/>
+                </a:tc>
+                <a:tc>
+                  <a:txBody>
+                    <a:bodyPr/>
+                    <a:lstStyle/>
+                    <a:p>
+                      <a:r>
+                        <a:rPr lang="en-US" sz="1800" dirty="0" err="1"/>
+                        <a:t>Saldo</a:t>
+                      </a:r>
+                      <a:r>
+                        <a:rPr lang="en-US" sz="1800" dirty="0"/>
+                        <a:t> &gt;= 100</a:t>
+                      </a:r>
+                    </a:p>
+                  </a:txBody>
+                  <a:tcPr/>
+                </a:tc>
+                <a:extLst>
+                  <a:ext uri="{0D108BD9-81ED-4DB2-BD59-A6C34878D82A}">
+                    <a16:rowId xmlns:a16="http://schemas.microsoft.com/office/drawing/2014/main" val="1088092584"/>
+                  </a:ext>
+                </a:extLst>
+              </a:tr>
+              <a:tr h="366576">
+                <a:tc>
+                  <a:txBody>
+                    <a:bodyPr/>
+                    <a:lstStyle/>
+                    <a:p>
+                      <a:r>
+                        <a:rPr lang="en-US" sz="2800" b="1" dirty="0"/>
+                        <a:t>&gt;</a:t>
+                      </a:r>
+                    </a:p>
+                  </a:txBody>
+                  <a:tcPr/>
+                </a:tc>
+                <a:tc>
+                  <a:txBody>
+                    <a:bodyPr/>
+                    <a:lstStyle/>
+                    <a:p>
+                      <a:r>
+                        <a:rPr lang="es-MX" sz="1800" dirty="0"/>
+                        <a:t>Mayor a</a:t>
+                      </a:r>
+                      <a:endParaRPr lang="en-US" sz="1800" dirty="0"/>
+                    </a:p>
+                  </a:txBody>
+                  <a:tcPr/>
+                </a:tc>
+                <a:tc>
+                  <a:txBody>
+                    <a:bodyPr/>
+                    <a:lstStyle/>
+                    <a:p>
+                      <a:r>
+                        <a:rPr lang="es-MX" sz="1800" dirty="0"/>
+                        <a:t>Saldo </a:t>
+                      </a:r>
+                      <a:r>
+                        <a:rPr lang="en-US" sz="1800" dirty="0"/>
+                        <a:t>&gt; 100</a:t>
+                      </a:r>
+                    </a:p>
+                  </a:txBody>
+                  <a:tcPr/>
+                </a:tc>
+                <a:extLst>
+                  <a:ext uri="{0D108BD9-81ED-4DB2-BD59-A6C34878D82A}">
+                    <a16:rowId xmlns:a16="http://schemas.microsoft.com/office/drawing/2014/main" val="979729780"/>
+                  </a:ext>
+                </a:extLst>
+              </a:tr>
+              <a:tr h="370840">
+                <a:tc>
+                  <a:txBody>
+                    <a:bodyPr/>
+                    <a:lstStyle/>
+                    <a:p>
+                      <a:r>
+                        <a:rPr lang="en-US" sz="2800" b="1" dirty="0"/>
+                        <a:t>&lt;=</a:t>
+                      </a:r>
+                    </a:p>
+                  </a:txBody>
+                  <a:tcPr/>
+                </a:tc>
+                <a:tc>
+                  <a:txBody>
+                    <a:bodyPr/>
+                    <a:lstStyle/>
+                    <a:p>
+                      <a:r>
+                        <a:rPr lang="es-MX" sz="1800" dirty="0"/>
+                        <a:t>Menor o igual a </a:t>
+                      </a:r>
+                      <a:endParaRPr lang="en-US" sz="1800" dirty="0"/>
+                    </a:p>
+                  </a:txBody>
+                  <a:tcPr/>
+                </a:tc>
+                <a:tc>
+                  <a:txBody>
+                    <a:bodyPr/>
+                    <a:lstStyle/>
+                    <a:p>
+                      <a:pPr marL="0" marR="0" lvl="0" indent="0" algn="l" defTabSz="914400" rtl="0" eaLnBrk="1" fontAlgn="auto" latinLnBrk="0" hangingPunct="1">
+                        <a:lnSpc>
+                          <a:spcPct val="100000"/>
+                        </a:lnSpc>
+                        <a:spcBef>
+                          <a:spcPts val="0"/>
+                        </a:spcBef>
+                        <a:spcAft>
+                          <a:spcPts val="0"/>
+                        </a:spcAft>
+                        <a:buClrTx/>
+                        <a:buSzTx/>
+                        <a:buFontTx/>
+                        <a:buNone/>
+                        <a:tabLst/>
+                        <a:defRPr/>
+                      </a:pPr>
+                      <a:r>
+                        <a:rPr lang="es-MX" sz="1800" dirty="0"/>
+                        <a:t>Saldo </a:t>
+                      </a:r>
+                      <a:r>
+                        <a:rPr lang="en-US" sz="1800" dirty="0"/>
+                        <a:t>&lt;= 0</a:t>
+                      </a:r>
+                    </a:p>
+                    <a:p>
+                      <a:endParaRPr lang="en-US" sz="1800" dirty="0"/>
+                    </a:p>
+                  </a:txBody>
+                  <a:tcPr/>
+                </a:tc>
+                <a:extLst>
+                  <a:ext uri="{0D108BD9-81ED-4DB2-BD59-A6C34878D82A}">
+                    <a16:rowId xmlns:a16="http://schemas.microsoft.com/office/drawing/2014/main" val="3872716556"/>
+                  </a:ext>
+                </a:extLst>
+              </a:tr>
+              <a:tr h="370840">
+                <a:tc>
+                  <a:txBody>
+                    <a:bodyPr/>
+                    <a:lstStyle/>
+                    <a:p>
+                      <a:r>
+                        <a:rPr lang="en-US" sz="2800" b="1" dirty="0"/>
+                        <a:t>&lt;</a:t>
+                      </a:r>
+                    </a:p>
+                  </a:txBody>
+                  <a:tcPr/>
+                </a:tc>
+                <a:tc>
+                  <a:txBody>
+                    <a:bodyPr/>
+                    <a:lstStyle/>
+                    <a:p>
+                      <a:r>
+                        <a:rPr lang="es-MX" sz="1800" dirty="0"/>
+                        <a:t>Menor a</a:t>
+                      </a:r>
+                      <a:endParaRPr lang="en-US" sz="1800" dirty="0"/>
+                    </a:p>
+                  </a:txBody>
+                  <a:tcPr/>
+                </a:tc>
+                <a:tc>
+                  <a:txBody>
+                    <a:bodyPr/>
+                    <a:lstStyle/>
+                    <a:p>
+                      <a:pPr marL="0" marR="0" lvl="0" indent="0" algn="l" defTabSz="914400" rtl="0" eaLnBrk="1" fontAlgn="auto" latinLnBrk="0" hangingPunct="1">
+                        <a:lnSpc>
+                          <a:spcPct val="100000"/>
+                        </a:lnSpc>
+                        <a:spcBef>
+                          <a:spcPts val="0"/>
+                        </a:spcBef>
+                        <a:spcAft>
+                          <a:spcPts val="0"/>
+                        </a:spcAft>
+                        <a:buClrTx/>
+                        <a:buSzTx/>
+                        <a:buFontTx/>
+                        <a:buNone/>
+                        <a:tabLst/>
+                        <a:defRPr/>
+                      </a:pPr>
+                      <a:r>
+                        <a:rPr lang="es-MX" sz="1800" dirty="0"/>
+                        <a:t>Saldo </a:t>
+                      </a:r>
+                      <a:r>
+                        <a:rPr lang="en-US" sz="1800" dirty="0"/>
+                        <a:t>&lt; 1000</a:t>
+                      </a:r>
+                    </a:p>
+                    <a:p>
+                      <a:endParaRPr lang="en-US" sz="1800" dirty="0"/>
+                    </a:p>
+                  </a:txBody>
+                  <a:tcPr/>
+                </a:tc>
+                <a:extLst>
+                  <a:ext uri="{0D108BD9-81ED-4DB2-BD59-A6C34878D82A}">
+                    <a16:rowId xmlns:a16="http://schemas.microsoft.com/office/drawing/2014/main" val="539148522"/>
+                  </a:ext>
+                </a:extLst>
+              </a:tr>
+              <a:tr h="370840">
+                <a:tc>
+                  <a:txBody>
+                    <a:bodyPr/>
+                    <a:lstStyle/>
+                    <a:p>
+                      <a:r>
+                        <a:rPr lang="es-MX" sz="2800" b="1" dirty="0"/>
+                        <a:t>&amp;&amp;</a:t>
+                      </a:r>
+                      <a:endParaRPr lang="en-US" sz="2800" b="1" dirty="0"/>
+                    </a:p>
+                  </a:txBody>
+                  <a:tcPr/>
+                </a:tc>
+                <a:tc>
+                  <a:txBody>
+                    <a:bodyPr/>
+                    <a:lstStyle/>
+                    <a:p>
+                      <a:r>
+                        <a:rPr lang="es-MX" sz="1800" dirty="0"/>
+                        <a:t>AND</a:t>
+                      </a:r>
+                      <a:endParaRPr lang="en-US" sz="1800" dirty="0"/>
+                    </a:p>
+                  </a:txBody>
+                  <a:tcPr/>
+                </a:tc>
+                <a:tc>
+                  <a:txBody>
+                    <a:bodyPr/>
+                    <a:lstStyle/>
+                    <a:p>
+                      <a:r>
+                        <a:rPr lang="en-US" sz="1800" dirty="0"/>
+                        <a:t>(</a:t>
+                      </a:r>
+                      <a:r>
+                        <a:rPr lang="en-US" sz="1800" dirty="0" err="1"/>
+                        <a:t>mes</a:t>
+                      </a:r>
+                      <a:r>
+                        <a:rPr lang="en-US" sz="1800" dirty="0"/>
+                        <a:t> &gt;= 1 ) &amp;&amp; ( </a:t>
+                      </a:r>
+                      <a:r>
+                        <a:rPr lang="en-US" sz="1800" dirty="0" err="1"/>
+                        <a:t>mes</a:t>
+                      </a:r>
+                      <a:r>
+                        <a:rPr lang="en-US" sz="1800" dirty="0"/>
+                        <a:t> &lt;= 12 )</a:t>
+                      </a:r>
+                    </a:p>
+                  </a:txBody>
+                  <a:tcPr/>
+                </a:tc>
+                <a:extLst>
+                  <a:ext uri="{0D108BD9-81ED-4DB2-BD59-A6C34878D82A}">
+                    <a16:rowId xmlns:a16="http://schemas.microsoft.com/office/drawing/2014/main" val="2402470757"/>
+                  </a:ext>
+                </a:extLst>
+              </a:tr>
+              <a:tr h="370840">
+                <a:tc>
+                  <a:txBody>
+                    <a:bodyPr/>
+                    <a:lstStyle/>
+                    <a:p>
+                      <a:r>
+                        <a:rPr lang="es-MX" sz="2800" b="1" dirty="0"/>
+                        <a:t>|| </a:t>
+                      </a:r>
+                      <a:endParaRPr lang="en-US" sz="2800" b="1" dirty="0"/>
+                    </a:p>
+                  </a:txBody>
+                  <a:tcPr/>
+                </a:tc>
+                <a:tc>
+                  <a:txBody>
+                    <a:bodyPr/>
+                    <a:lstStyle/>
+                    <a:p>
+                      <a:r>
+                        <a:rPr lang="es-MX" sz="1800" dirty="0"/>
+                        <a:t>OR</a:t>
+                      </a:r>
+                      <a:endParaRPr lang="en-US" sz="1800" dirty="0"/>
+                    </a:p>
+                  </a:txBody>
+                  <a:tcPr/>
+                </a:tc>
+                <a:tc>
+                  <a:txBody>
+                    <a:bodyPr/>
+                    <a:lstStyle/>
+                    <a:p>
+                      <a:r>
+                        <a:rPr lang="en-US" sz="1800" dirty="0"/>
+                        <a:t>( </a:t>
+                      </a:r>
+                      <a:r>
+                        <a:rPr lang="en-US" sz="1800" dirty="0" err="1"/>
+                        <a:t>letra</a:t>
+                      </a:r>
+                      <a:r>
+                        <a:rPr lang="en-US" sz="1800" dirty="0"/>
+                        <a:t> == ‘c’ ) </a:t>
+                      </a:r>
+                      <a:r>
+                        <a:rPr lang="es-MX" sz="1800" dirty="0"/>
+                        <a:t>|| ( letra == ‘a’ )</a:t>
+                      </a:r>
+                      <a:endParaRPr lang="en-US" sz="1800" dirty="0"/>
+                    </a:p>
+                  </a:txBody>
+                  <a:tcPr/>
+                </a:tc>
+                <a:extLst>
+                  <a:ext uri="{0D108BD9-81ED-4DB2-BD59-A6C34878D82A}">
+                    <a16:rowId xmlns:a16="http://schemas.microsoft.com/office/drawing/2014/main" val="2672338580"/>
+                  </a:ext>
+                </a:extLst>
+              </a:tr>
+              <a:tr h="370840">
+                <a:tc>
+                  <a:txBody>
+                    <a:bodyPr/>
+                    <a:lstStyle/>
+                    <a:p>
+                      <a:r>
+                        <a:rPr lang="es-MX" sz="2800" b="1" dirty="0"/>
+                        <a:t>!</a:t>
+                      </a:r>
+                      <a:endParaRPr lang="en-US" sz="2800" b="1" dirty="0"/>
+                    </a:p>
+                  </a:txBody>
+                  <a:tcPr/>
+                </a:tc>
+                <a:tc>
+                  <a:txBody>
+                    <a:bodyPr/>
+                    <a:lstStyle/>
+                    <a:p>
+                      <a:r>
+                        <a:rPr lang="es-MX" sz="1800" dirty="0"/>
+                        <a:t>NOT</a:t>
+                      </a:r>
+                      <a:endParaRPr lang="en-US" sz="1800" dirty="0"/>
+                    </a:p>
+                  </a:txBody>
+                  <a:tcPr/>
+                </a:tc>
+                <a:tc>
+                  <a:txBody>
+                    <a:bodyPr/>
+                    <a:lstStyle/>
+                    <a:p>
+                      <a:r>
+                        <a:rPr lang="es-MX" sz="1800" dirty="0"/>
+                        <a:t>!(mes == 12)</a:t>
+                      </a:r>
+                      <a:endParaRPr lang="en-US" sz="1800" dirty="0"/>
+                    </a:p>
+                  </a:txBody>
+                  <a:tcPr/>
+                </a:tc>
+                <a:extLst>
+                  <a:ext uri="{0D108BD9-81ED-4DB2-BD59-A6C34878D82A}">
+                    <a16:rowId xmlns:a16="http://schemas.microsoft.com/office/drawing/2014/main" val="1077925441"/>
+                  </a:ext>
+                </a:extLst>
+              </a:tr>
+            </a:tbl>
+          </a:graphicData>
+        </a:graphic>
+      </p:graphicFrame>
+    </p:spTree>
+    <p:extLst>
+      <p:ext uri="{BB962C8B-B14F-4D97-AF65-F5344CB8AC3E}">
+        <p14:creationId xmlns:p14="http://schemas.microsoft.com/office/powerpoint/2010/main" val="889412970"/>
+      </p:ext>
+    </p:extLst>
+  </p:cSld>
+  <p:clrMapOvr>
+    <a:masterClrMapping/>
+  </p:clrMapOvr>
+</p:sld>
+</file>
+
+<file path=ppt/slides/slide41.xml><?xml version="1.0" encoding="utf-8"?>
+<p:sld xmlns:a="http://schemas.openxmlformats.org/drawingml/2006/main" xmlns:r="http://schemas.openxmlformats.org/officeDocument/2006/relationships" xmlns:p="http://schemas.openxmlformats.org/presentationml/2006/main">
+  <p:cSld>
+    <p:spTree>
+      <p:nvGrpSpPr>
+        <p:cNvPr id="1" name=""/>
+        <p:cNvGrpSpPr/>
+        <p:nvPr/>
+      </p:nvGrpSpPr>
+      <p:grpSpPr>
+        <a:xfrm>
+          <a:off x="0" y="0"/>
+          <a:ext cx="0" cy="0"/>
+          <a:chOff x="0" y="0"/>
+          <a:chExt cx="0" cy="0"/>
+        </a:xfrm>
+      </p:grpSpPr>
+      <p:sp>
+        <p:nvSpPr>
+          <p:cNvPr id="2" name="Title 1">
+            <a:extLst>
+              <a:ext uri="{FF2B5EF4-FFF2-40B4-BE49-F238E27FC236}">
+                <a16:creationId xmlns:a16="http://schemas.microsoft.com/office/drawing/2014/main" id="{CD5385A4-726D-4820-B359-2BF9A84FE1A3}"/>
+              </a:ext>
+            </a:extLst>
+          </p:cNvPr>
+          <p:cNvSpPr>
+            <a:spLocks noGrp="1"/>
+          </p:cNvSpPr>
+          <p:nvPr>
+            <p:ph type="title"/>
+          </p:nvPr>
+        </p:nvSpPr>
+        <p:spPr>
+          <a:xfrm>
+            <a:off x="838199" y="476510"/>
+            <a:ext cx="11095382" cy="1246271"/>
+          </a:xfrm>
+        </p:spPr>
+        <p:txBody>
+          <a:bodyPr/>
+          <a:lstStyle/>
+          <a:p>
+            <a:r>
+              <a:rPr lang="es-MX" dirty="0"/>
+              <a:t>Ejercicio</a:t>
+            </a:r>
+            <a:endParaRPr lang="en-US" dirty="0"/>
+          </a:p>
+        </p:txBody>
+      </p:sp>
+      <p:sp>
+        <p:nvSpPr>
+          <p:cNvPr id="3" name="Text Placeholder 2">
+            <a:extLst>
+              <a:ext uri="{FF2B5EF4-FFF2-40B4-BE49-F238E27FC236}">
+                <a16:creationId xmlns:a16="http://schemas.microsoft.com/office/drawing/2014/main" id="{5E5EC25D-A60E-481E-AF09-CEF46C215B37}"/>
+              </a:ext>
+            </a:extLst>
+          </p:cNvPr>
+          <p:cNvSpPr txBox="1">
+            <a:spLocks/>
+          </p:cNvSpPr>
+          <p:nvPr/>
+        </p:nvSpPr>
+        <p:spPr>
+          <a:xfrm>
+            <a:off x="838199" y="1325216"/>
+            <a:ext cx="10180983" cy="5234333"/>
+          </a:xfrm>
+          <a:prstGeom prst="rect">
+            <a:avLst/>
+          </a:prstGeom>
+        </p:spPr>
+        <p:txBody>
+          <a:bodyPr anchor="ctr"/>
+          <a:lstStyle>
+            <a:lvl1pPr marL="228600" indent="-228600" algn="l" defTabSz="914400" rtl="0" eaLnBrk="1" latinLnBrk="0" hangingPunct="1">
+              <a:lnSpc>
+                <a:spcPct val="90000"/>
+              </a:lnSpc>
+              <a:spcBef>
+                <a:spcPts val="1000"/>
+              </a:spcBef>
+              <a:buFont typeface="Arial" panose="020B0604020202020204" pitchFamily="34" charset="0"/>
+              <a:buChar char="•"/>
+              <a:defRPr sz="2800" kern="1200">
+                <a:solidFill>
+                  <a:schemeClr val="tx1"/>
+                </a:solidFill>
+                <a:latin typeface="Ubuntu" panose="020B0504030602030204" pitchFamily="34" charset="0"/>
+                <a:ea typeface="+mn-ea"/>
+                <a:cs typeface="Arial" panose="020B0604020202020204" pitchFamily="34" charset="0"/>
+              </a:defRPr>
+            </a:lvl1pPr>
+            <a:lvl2pPr marL="685800" indent="-228600" algn="l" defTabSz="914400" rtl="0" eaLnBrk="1" latinLnBrk="0" hangingPunct="1">
+              <a:lnSpc>
+                <a:spcPct val="90000"/>
+              </a:lnSpc>
+              <a:spcBef>
+                <a:spcPts val="500"/>
+              </a:spcBef>
+              <a:buFont typeface="Arial" panose="020B0604020202020204" pitchFamily="34" charset="0"/>
+              <a:buChar char="•"/>
+              <a:defRPr sz="2400" kern="1200">
+                <a:solidFill>
+                  <a:schemeClr val="tx1"/>
+                </a:solidFill>
+                <a:latin typeface="Ubuntu" panose="020B0504030602030204" pitchFamily="34" charset="0"/>
+                <a:ea typeface="+mn-ea"/>
+                <a:cs typeface="Arial" panose="020B0604020202020204" pitchFamily="34" charset="0"/>
+              </a:defRPr>
+            </a:lvl2pPr>
+            <a:lvl3pPr marL="1143000" indent="-228600" algn="l" defTabSz="914400" rtl="0" eaLnBrk="1" latinLnBrk="0" hangingPunct="1">
+              <a:lnSpc>
+                <a:spcPct val="90000"/>
+              </a:lnSpc>
+              <a:spcBef>
+                <a:spcPts val="500"/>
+              </a:spcBef>
+              <a:buFont typeface="Arial" panose="020B0604020202020204" pitchFamily="34" charset="0"/>
+              <a:buChar char="•"/>
+              <a:defRPr sz="2000" kern="1200">
+                <a:solidFill>
+                  <a:schemeClr val="tx1"/>
+                </a:solidFill>
+                <a:latin typeface="Ubuntu" panose="020B0504030602030204" pitchFamily="34" charset="0"/>
+                <a:ea typeface="+mn-ea"/>
+                <a:cs typeface="Arial" panose="020B0604020202020204" pitchFamily="34" charset="0"/>
+              </a:defRPr>
+            </a:lvl3pPr>
+            <a:lvl4pPr marL="1600200" indent="-228600" algn="l" defTabSz="914400" rtl="0" eaLnBrk="1" latinLnBrk="0" hangingPunct="1">
+              <a:lnSpc>
+                <a:spcPct val="90000"/>
+              </a:lnSpc>
+              <a:spcBef>
+                <a:spcPts val="500"/>
+              </a:spcBef>
+              <a:buFont typeface="Arial" panose="020B0604020202020204" pitchFamily="34" charset="0"/>
+              <a:buChar char="•"/>
+              <a:defRPr sz="1800" kern="1200">
+                <a:solidFill>
+                  <a:schemeClr val="tx1"/>
+                </a:solidFill>
+                <a:latin typeface="Ubuntu" panose="020B0504030602030204" pitchFamily="34" charset="0"/>
+                <a:ea typeface="+mn-ea"/>
+                <a:cs typeface="Arial" panose="020B0604020202020204" pitchFamily="34" charset="0"/>
+              </a:defRPr>
+            </a:lvl4pPr>
+            <a:lvl5pPr marL="2057400" indent="-228600" algn="l" defTabSz="914400" rtl="0" eaLnBrk="1" latinLnBrk="0" hangingPunct="1">
+              <a:lnSpc>
+                <a:spcPct val="90000"/>
+              </a:lnSpc>
+              <a:spcBef>
+                <a:spcPts val="500"/>
+              </a:spcBef>
+              <a:buFont typeface="Arial" panose="020B0604020202020204" pitchFamily="34" charset="0"/>
+              <a:buChar char="•"/>
+              <a:defRPr sz="1800" kern="1200">
+                <a:solidFill>
+                  <a:schemeClr val="tx1"/>
+                </a:solidFill>
+                <a:latin typeface="Ubuntu" panose="020B0504030602030204" pitchFamily="34" charset="0"/>
+                <a:ea typeface="+mn-ea"/>
+                <a:cs typeface="Arial" panose="020B0604020202020204" pitchFamily="34" charset="0"/>
+              </a:defRPr>
+            </a:lvl5pPr>
+            <a:lvl6pPr marL="2514600" indent="-228600" algn="l" defTabSz="914400" rtl="0" eaLnBrk="1" latinLnBrk="0" hangingPunct="1">
+              <a:lnSpc>
+                <a:spcPct val="90000"/>
+              </a:lnSpc>
+              <a:spcBef>
+                <a:spcPts val="500"/>
+              </a:spcBef>
+              <a:buFont typeface="Arial" panose="020B0604020202020204" pitchFamily="34" charset="0"/>
+              <a:buChar char="•"/>
+              <a:defRPr sz="1800" kern="1200">
+                <a:solidFill>
+                  <a:schemeClr val="tx1"/>
+                </a:solidFill>
+                <a:latin typeface="+mn-lt"/>
+                <a:ea typeface="+mn-ea"/>
+                <a:cs typeface="+mn-cs"/>
+              </a:defRPr>
+            </a:lvl6pPr>
+            <a:lvl7pPr marL="2971800" indent="-228600" algn="l" defTabSz="914400" rtl="0" eaLnBrk="1" latinLnBrk="0" hangingPunct="1">
+              <a:lnSpc>
+                <a:spcPct val="90000"/>
+              </a:lnSpc>
+              <a:spcBef>
+                <a:spcPts val="500"/>
+              </a:spcBef>
+              <a:buFont typeface="Arial" panose="020B0604020202020204" pitchFamily="34" charset="0"/>
+              <a:buChar char="•"/>
+              <a:defRPr sz="1800" kern="1200">
+                <a:solidFill>
+                  <a:schemeClr val="tx1"/>
+                </a:solidFill>
+                <a:latin typeface="+mn-lt"/>
+                <a:ea typeface="+mn-ea"/>
+                <a:cs typeface="+mn-cs"/>
+              </a:defRPr>
+            </a:lvl7pPr>
+            <a:lvl8pPr marL="3429000" indent="-228600" algn="l" defTabSz="914400" rtl="0" eaLnBrk="1" latinLnBrk="0" hangingPunct="1">
+              <a:lnSpc>
+                <a:spcPct val="90000"/>
+              </a:lnSpc>
+              <a:spcBef>
+                <a:spcPts val="500"/>
+              </a:spcBef>
+              <a:buFont typeface="Arial" panose="020B0604020202020204" pitchFamily="34" charset="0"/>
+              <a:buChar char="•"/>
+              <a:defRPr sz="1800" kern="1200">
+                <a:solidFill>
+                  <a:schemeClr val="tx1"/>
+                </a:solidFill>
+                <a:latin typeface="+mn-lt"/>
+                <a:ea typeface="+mn-ea"/>
+                <a:cs typeface="+mn-cs"/>
+              </a:defRPr>
+            </a:lvl8pPr>
+            <a:lvl9pPr marL="3886200" indent="-228600" algn="l" defTabSz="914400" rtl="0" eaLnBrk="1" latinLnBrk="0" hangingPunct="1">
+              <a:lnSpc>
+                <a:spcPct val="90000"/>
+              </a:lnSpc>
+              <a:spcBef>
+                <a:spcPts val="500"/>
+              </a:spcBef>
+              <a:buFont typeface="Arial" panose="020B0604020202020204" pitchFamily="34" charset="0"/>
+              <a:buChar char="•"/>
+              <a:defRPr sz="1800" kern="1200">
+                <a:solidFill>
+                  <a:schemeClr val="tx1"/>
+                </a:solidFill>
+                <a:latin typeface="+mn-lt"/>
+                <a:ea typeface="+mn-ea"/>
+                <a:cs typeface="+mn-cs"/>
+              </a:defRPr>
+            </a:lvl9pPr>
+          </a:lstStyle>
+          <a:p>
+            <a:pPr marL="0" indent="0">
+              <a:buFont typeface="Arial" panose="020B0604020202020204" pitchFamily="34" charset="0"/>
+              <a:buNone/>
+            </a:pPr>
+            <a:r>
+              <a:rPr lang="es-MX" sz="3600" dirty="0"/>
+              <a:t>Realiza un diagrama de flujo que reciba dos números enteros: </a:t>
+            </a:r>
+            <a:r>
+              <a:rPr lang="es-MX" sz="3600" b="1" i="1" dirty="0"/>
+              <a:t>num1 </a:t>
+            </a:r>
+            <a:r>
+              <a:rPr lang="es-MX" sz="3600" dirty="0"/>
+              <a:t>y </a:t>
+            </a:r>
+            <a:r>
+              <a:rPr lang="es-MX" sz="3600" b="1" i="1" dirty="0"/>
+              <a:t>num2</a:t>
+            </a:r>
+            <a:r>
+              <a:rPr lang="es-MX" sz="3600" dirty="0"/>
+              <a:t>. </a:t>
+            </a:r>
+          </a:p>
+          <a:p>
+            <a:pPr marL="0" indent="0">
+              <a:buFont typeface="Arial" panose="020B0604020202020204" pitchFamily="34" charset="0"/>
+              <a:buNone/>
+            </a:pPr>
+            <a:r>
+              <a:rPr lang="es-MX" sz="3600" dirty="0"/>
+              <a:t>Posteriormente, deberá contar e imprimir ascendentemente los números desde </a:t>
+            </a:r>
+            <a:r>
+              <a:rPr lang="es-MX" sz="3600" b="1" i="1" dirty="0"/>
+              <a:t>num1 </a:t>
+            </a:r>
+            <a:r>
+              <a:rPr lang="es-MX" sz="3600" dirty="0"/>
+              <a:t>hasta </a:t>
+            </a:r>
+            <a:r>
+              <a:rPr lang="es-MX" sz="3600" b="1" i="1" dirty="0"/>
+              <a:t>num2.</a:t>
+            </a:r>
+          </a:p>
+        </p:txBody>
+      </p:sp>
+    </p:spTree>
+    <p:extLst>
+      <p:ext uri="{BB962C8B-B14F-4D97-AF65-F5344CB8AC3E}">
+        <p14:creationId xmlns:p14="http://schemas.microsoft.com/office/powerpoint/2010/main" val="417363472"/>
+      </p:ext>
+    </p:extLst>
+  </p:cSld>
+  <p:clrMapOvr>
+    <a:masterClrMapping/>
+  </p:clrMapOvr>
+</p:sld>
+</file>
+
+<file path=ppt/slides/slide42.xml><?xml version="1.0" encoding="utf-8"?>
+<p:sld xmlns:a="http://schemas.openxmlformats.org/drawingml/2006/main" xmlns:r="http://schemas.openxmlformats.org/officeDocument/2006/relationships" xmlns:p="http://schemas.openxmlformats.org/presentationml/2006/main">
+  <p:cSld>
+    <p:spTree>
+      <p:nvGrpSpPr>
+        <p:cNvPr id="1" name=""/>
+        <p:cNvGrpSpPr/>
+        <p:nvPr/>
+      </p:nvGrpSpPr>
+      <p:grpSpPr>
+        <a:xfrm>
+          <a:off x="0" y="0"/>
+          <a:ext cx="0" cy="0"/>
+          <a:chOff x="0" y="0"/>
+          <a:chExt cx="0" cy="0"/>
+        </a:xfrm>
+      </p:grpSpPr>
+      <p:sp>
+        <p:nvSpPr>
+          <p:cNvPr id="2" name="Title 1">
+            <a:extLst>
+              <a:ext uri="{FF2B5EF4-FFF2-40B4-BE49-F238E27FC236}">
                 <a16:creationId xmlns:a16="http://schemas.microsoft.com/office/drawing/2014/main" id="{97E1ABAD-046D-4291-BFA9-805BC6C34093}"/>
               </a:ext>
             </a:extLst>
@@ -16496,7 +17507,7 @@
 </p:sld>
 </file>
 
-<file path=ppt/slides/slide41.xml><?xml version="1.0" encoding="utf-8"?>
+<file path=ppt/slides/slide43.xml><?xml version="1.0" encoding="utf-8"?>
 <p:sld xmlns:a="http://schemas.openxmlformats.org/drawingml/2006/main" xmlns:r="http://schemas.openxmlformats.org/officeDocument/2006/relationships" xmlns:p="http://schemas.openxmlformats.org/presentationml/2006/main">
   <p:cSld>
     <p:spTree>
@@ -17069,7 +18080,7 @@
 </p:sld>
 </file>
 
-<file path=ppt/slides/slide42.xml><?xml version="1.0" encoding="utf-8"?>
+<file path=ppt/slides/slide44.xml><?xml version="1.0" encoding="utf-8"?>
 <p:sld xmlns:a="http://schemas.openxmlformats.org/drawingml/2006/main" xmlns:r="http://schemas.openxmlformats.org/officeDocument/2006/relationships" xmlns:p="http://schemas.openxmlformats.org/presentationml/2006/main">
   <p:cSld>
     <p:spTree>
@@ -17280,7 +18291,7 @@
 </p:sld>
 </file>
 
-<file path=ppt/slides/slide43.xml><?xml version="1.0" encoding="utf-8"?>
+<file path=ppt/slides/slide45.xml><?xml version="1.0" encoding="utf-8"?>
 <p:sld xmlns:a="http://schemas.openxmlformats.org/drawingml/2006/main" xmlns:r="http://schemas.openxmlformats.org/officeDocument/2006/relationships" xmlns:p="http://schemas.openxmlformats.org/presentationml/2006/main">
   <p:cSld>
     <p:spTree>
@@ -17361,7 +18372,7 @@
             </a:pPr>
             <a:r>
               <a:rPr lang="es-MX" dirty="0"/>
-              <a:t>El contenido de un vaso de agua lo vamos a representar a través de su nivel en mililitros.</a:t>
+              <a:t>El contenido de un vaso de agua lo vamos a representar a través de su volumen en mililitros.</a:t>
             </a:r>
           </a:p>
           <a:p>
@@ -17487,23 +18498,15 @@
                   <a:schemeClr val="accent1"/>
                 </a:solidFill>
               </a:rPr>
-              <a:t> </a:t>
-            </a:r>
-            <a:r>
-              <a:rPr lang="en-US" b="1" dirty="0" err="1">
+              <a:t> pseudo</a:t>
+            </a:r>
+            <a:r>
+              <a:rPr lang="es-MX" b="1" dirty="0">
                 <a:solidFill>
                   <a:schemeClr val="accent1"/>
                 </a:solidFill>
               </a:rPr>
-              <a:t>pseudocódigo</a:t>
-            </a:r>
-            <a:r>
-              <a:rPr lang="en-US" b="1" dirty="0">
-                <a:solidFill>
-                  <a:schemeClr val="accent1"/>
-                </a:solidFill>
-              </a:rPr>
-              <a:t>.</a:t>
+              <a:t>código</a:t>
             </a:r>
             <a:endParaRPr lang="en-US" dirty="0"/>
           </a:p>
@@ -17957,86 +18960,6 @@
       </p:par>
     </p:tnLst>
   </p:timing>
-</p:sld>
-</file>
-
-<file path=ppt/slides/slide44.xml><?xml version="1.0" encoding="utf-8"?>
-<p:sld xmlns:a="http://schemas.openxmlformats.org/drawingml/2006/main" xmlns:r="http://schemas.openxmlformats.org/officeDocument/2006/relationships" xmlns:p="http://schemas.openxmlformats.org/presentationml/2006/main">
-  <p:cSld>
-    <p:spTree>
-      <p:nvGrpSpPr>
-        <p:cNvPr id="1" name=""/>
-        <p:cNvGrpSpPr/>
-        <p:nvPr/>
-      </p:nvGrpSpPr>
-      <p:grpSpPr>
-        <a:xfrm>
-          <a:off x="0" y="0"/>
-          <a:ext cx="0" cy="0"/>
-          <a:chOff x="0" y="0"/>
-          <a:chExt cx="0" cy="0"/>
-        </a:xfrm>
-      </p:grpSpPr>
-      <p:sp>
-        <p:nvSpPr>
-          <p:cNvPr id="2" name="Title 1">
-            <a:extLst>
-              <a:ext uri="{FF2B5EF4-FFF2-40B4-BE49-F238E27FC236}">
-                <a16:creationId xmlns:a16="http://schemas.microsoft.com/office/drawing/2014/main" id="{7EECFA28-73C1-4B81-9588-CC106FAC3E86}"/>
-              </a:ext>
-            </a:extLst>
-          </p:cNvPr>
-          <p:cNvSpPr>
-            <a:spLocks noGrp="1"/>
-          </p:cNvSpPr>
-          <p:nvPr>
-            <p:ph type="title"/>
-          </p:nvPr>
-        </p:nvSpPr>
-        <p:spPr/>
-        <p:txBody>
-          <a:bodyPr/>
-          <a:lstStyle/>
-          <a:p>
-            <a:endParaRPr lang="en-US" dirty="0"/>
-          </a:p>
-        </p:txBody>
-      </p:sp>
-      <p:sp>
-        <p:nvSpPr>
-          <p:cNvPr id="3" name="Content Placeholder 2">
-            <a:extLst>
-              <a:ext uri="{FF2B5EF4-FFF2-40B4-BE49-F238E27FC236}">
-                <a16:creationId xmlns:a16="http://schemas.microsoft.com/office/drawing/2014/main" id="{F0E2C29E-2B05-472B-BAE4-7FE6C988A9DA}"/>
-              </a:ext>
-            </a:extLst>
-          </p:cNvPr>
-          <p:cNvSpPr>
-            <a:spLocks noGrp="1"/>
-          </p:cNvSpPr>
-          <p:nvPr>
-            <p:ph idx="1"/>
-          </p:nvPr>
-        </p:nvSpPr>
-        <p:spPr/>
-        <p:txBody>
-          <a:bodyPr/>
-          <a:lstStyle/>
-          <a:p>
-            <a:endParaRPr lang="en-US" dirty="0"/>
-          </a:p>
-        </p:txBody>
-      </p:sp>
-    </p:spTree>
-    <p:extLst>
-      <p:ext uri="{BB962C8B-B14F-4D97-AF65-F5344CB8AC3E}">
-        <p14:creationId xmlns:p14="http://schemas.microsoft.com/office/powerpoint/2010/main" val="2516963126"/>
-      </p:ext>
-    </p:extLst>
-  </p:cSld>
-  <p:clrMapOvr>
-    <a:masterClrMapping/>
-  </p:clrMapOvr>
 </p:sld>
 </file>
 
